--- a/Documents/source_documents/Presentation.pptx
+++ b/Documents/source_documents/Presentation.pptx
@@ -271,7 +271,7 @@
           <a:p>
             <a:fld id="{75F97464-49D0-4ABF-BA47-FB13333AE372}" type="datetimeFigureOut">
               <a:rPr lang="en-US" smtClean="0"/>
-              <a:t>6/4/2014</a:t>
+              <a:t>6/5/2014</a:t>
             </a:fld>
             <a:endParaRPr lang="en-US"/>
           </a:p>
@@ -1182,7 +1182,7 @@
           <a:p>
             <a:fld id="{3E399128-3A6E-4265-83BD-088A220794F4}" type="datetime1">
               <a:rPr lang="en-US" smtClean="0"/>
-              <a:t>6/4/2014</a:t>
+              <a:t>6/5/2014</a:t>
             </a:fld>
             <a:endParaRPr lang="en-US"/>
           </a:p>
@@ -1380,7 +1380,7 @@
           <a:p>
             <a:fld id="{EFA17BF7-EF90-4DFB-80E4-BEDB24037ACB}" type="datetime1">
               <a:rPr lang="en-US" smtClean="0"/>
-              <a:t>6/4/2014</a:t>
+              <a:t>6/5/2014</a:t>
             </a:fld>
             <a:endParaRPr lang="en-US"/>
           </a:p>
@@ -1550,7 +1550,7 @@
           <a:p>
             <a:fld id="{C29800E0-75F7-49C7-9A2B-4D6AEABEED8B}" type="datetime1">
               <a:rPr lang="en-US" smtClean="0"/>
-              <a:t>6/4/2014</a:t>
+              <a:t>6/5/2014</a:t>
             </a:fld>
             <a:endParaRPr lang="en-US"/>
           </a:p>
@@ -1939,7 +1939,7 @@
           <a:p>
             <a:fld id="{B7016397-4199-4A8C-831C-12C1185F1413}" type="datetime1">
               <a:rPr lang="en-US" smtClean="0"/>
-              <a:t>6/4/2014</a:t>
+              <a:t>6/5/2014</a:t>
             </a:fld>
             <a:endParaRPr lang="en-US"/>
           </a:p>
@@ -2128,7 +2128,7 @@
           <a:p>
             <a:fld id="{C29800E0-75F7-49C7-9A2B-4D6AEABEED8B}" type="datetime1">
               <a:rPr lang="en-US" smtClean="0"/>
-              <a:t>6/4/2014</a:t>
+              <a:t>6/5/2014</a:t>
             </a:fld>
             <a:endParaRPr lang="en-US"/>
           </a:p>
@@ -2508,7 +2508,7 @@
           <a:p>
             <a:fld id="{3D5BC15F-23A8-447B-98F2-73382115937F}" type="datetime1">
               <a:rPr lang="en-US" smtClean="0"/>
-              <a:t>6/4/2014</a:t>
+              <a:t>6/5/2014</a:t>
             </a:fld>
             <a:endParaRPr lang="en-US"/>
           </a:p>
@@ -2714,7 +2714,7 @@
           <a:p>
             <a:fld id="{B7ADC19B-5FB9-4704-99F7-B6E940347A84}" type="datetime1">
               <a:rPr lang="en-US" smtClean="0"/>
-              <a:t>6/4/2014</a:t>
+              <a:t>6/5/2014</a:t>
             </a:fld>
             <a:endParaRPr lang="en-US"/>
           </a:p>
@@ -2994,7 +2994,7 @@
           <a:p>
             <a:fld id="{2DF18BCA-8ECA-4CD0-84AF-ECA6D737D05C}" type="datetime1">
               <a:rPr lang="en-US" smtClean="0"/>
-              <a:t>6/4/2014</a:t>
+              <a:t>6/5/2014</a:t>
             </a:fld>
             <a:endParaRPr lang="en-US"/>
           </a:p>
@@ -3685,7 +3685,7 @@
           <a:p>
             <a:fld id="{7848CE29-B55F-4A30-A5BE-2588661F7426}" type="datetime1">
               <a:rPr lang="en-US" smtClean="0"/>
-              <a:t>6/4/2014</a:t>
+              <a:t>6/5/2014</a:t>
             </a:fld>
             <a:endParaRPr lang="en-US"/>
           </a:p>
@@ -3791,7 +3791,7 @@
           <a:p>
             <a:fld id="{C29800E0-75F7-49C7-9A2B-4D6AEABEED8B}" type="datetime1">
               <a:rPr lang="en-US" smtClean="0"/>
-              <a:t>6/4/2014</a:t>
+              <a:t>6/5/2014</a:t>
             </a:fld>
             <a:endParaRPr lang="en-US"/>
           </a:p>
@@ -4028,7 +4028,7 @@
           <a:p>
             <a:fld id="{3F200636-6250-4F89-B227-5D471D2DCAB3}" type="datetime1">
               <a:rPr lang="en-US" smtClean="0"/>
-              <a:t>6/4/2014</a:t>
+              <a:t>6/5/2014</a:t>
             </a:fld>
             <a:endParaRPr lang="en-US"/>
           </a:p>
@@ -4214,7 +4214,7 @@
           <a:p>
             <a:fld id="{60D7BE83-9D8A-4E84-AE8B-85636A3615EB}" type="datetime1">
               <a:rPr lang="en-US" smtClean="0"/>
-              <a:t>6/4/2014</a:t>
+              <a:t>6/5/2014</a:t>
             </a:fld>
             <a:endParaRPr lang="en-US"/>
           </a:p>
@@ -4373,7 +4373,7 @@
           <a:p>
             <a:fld id="{B7ADC19B-5FB9-4704-99F7-B6E940347A84}" type="datetime1">
               <a:rPr lang="en-US" smtClean="0"/>
-              <a:t>6/4/2014</a:t>
+              <a:t>6/5/2014</a:t>
             </a:fld>
             <a:endParaRPr lang="en-US"/>
           </a:p>
@@ -4596,7 +4596,7 @@
           <a:p>
             <a:fld id="{B7ADC19B-5FB9-4704-99F7-B6E940347A84}" type="datetime1">
               <a:rPr lang="en-US" smtClean="0"/>
-              <a:t>6/4/2014</a:t>
+              <a:t>6/5/2014</a:t>
             </a:fld>
             <a:endParaRPr lang="en-US"/>
           </a:p>
@@ -4811,7 +4811,7 @@
           <a:p>
             <a:fld id="{B7ADC19B-5FB9-4704-99F7-B6E940347A84}" type="datetime1">
               <a:rPr lang="en-US" smtClean="0"/>
-              <a:t>6/4/2014</a:t>
+              <a:t>6/5/2014</a:t>
             </a:fld>
             <a:endParaRPr lang="en-US"/>
           </a:p>
@@ -4993,7 +4993,7 @@
           <a:p>
             <a:fld id="{B7ADC19B-5FB9-4704-99F7-B6E940347A84}" type="datetime1">
               <a:rPr lang="en-US" smtClean="0"/>
-              <a:t>6/4/2014</a:t>
+              <a:t>6/5/2014</a:t>
             </a:fld>
             <a:endParaRPr lang="en-US"/>
           </a:p>
@@ -5224,7 +5224,7 @@
           <a:p>
             <a:fld id="{B7016397-4199-4A8C-831C-12C1185F1413}" type="datetime1">
               <a:rPr lang="en-US" smtClean="0"/>
-              <a:t>6/4/2014</a:t>
+              <a:t>6/5/2014</a:t>
             </a:fld>
             <a:endParaRPr lang="en-US"/>
           </a:p>
@@ -5331,7 +5331,7 @@
           <a:p>
             <a:fld id="{C29800E0-75F7-49C7-9A2B-4D6AEABEED8B}" type="datetime1">
               <a:rPr lang="en-US" smtClean="0"/>
-              <a:t>6/4/2014</a:t>
+              <a:t>6/5/2014</a:t>
             </a:fld>
             <a:endParaRPr lang="en-US"/>
           </a:p>
@@ -5556,7 +5556,7 @@
           <a:p>
             <a:fld id="{36EE32E8-32C0-4483-A2D4-AA570CA4665C}" type="datetime1">
               <a:rPr lang="en-US" smtClean="0"/>
-              <a:t>6/4/2014</a:t>
+              <a:t>6/5/2014</a:t>
             </a:fld>
             <a:endParaRPr lang="en-US"/>
           </a:p>
@@ -5662,7 +5662,7 @@
           <a:p>
             <a:fld id="{C29800E0-75F7-49C7-9A2B-4D6AEABEED8B}" type="datetime1">
               <a:rPr lang="en-US" smtClean="0"/>
-              <a:t>6/4/2014</a:t>
+              <a:t>6/5/2014</a:t>
             </a:fld>
             <a:endParaRPr lang="en-US"/>
           </a:p>
@@ -6320,7 +6320,7 @@
           <a:p>
             <a:fld id="{D724E7E2-42E3-430D-820B-3127F0D86073}" type="datetime1">
               <a:rPr lang="en-US" smtClean="0"/>
-              <a:t>6/4/2014</a:t>
+              <a:t>6/5/2014</a:t>
             </a:fld>
             <a:endParaRPr lang="en-US"/>
           </a:p>
@@ -6610,7 +6610,7 @@
           <a:p>
             <a:fld id="{511A9959-09E7-4DFF-AD9C-13860CBC9817}" type="datetime1">
               <a:rPr lang="en-US" smtClean="0"/>
-              <a:t>6/4/2014</a:t>
+              <a:t>6/5/2014</a:t>
             </a:fld>
             <a:endParaRPr lang="en-US"/>
           </a:p>
@@ -6792,7 +6792,7 @@
           <a:p>
             <a:fld id="{48E8C03F-E981-4D7C-B245-605A1ED2BB0C}" type="datetime1">
               <a:rPr lang="en-US" smtClean="0"/>
-              <a:t>6/4/2014</a:t>
+              <a:t>6/5/2014</a:t>
             </a:fld>
             <a:endParaRPr lang="en-US"/>
           </a:p>
@@ -7014,7 +7014,7 @@
           <a:p>
             <a:fld id="{CE8AA357-2F88-48FD-861C-786C4915934F}" type="datetime1">
               <a:rPr lang="en-US" smtClean="0"/>
-              <a:t>6/4/2014</a:t>
+              <a:t>6/5/2014</a:t>
             </a:fld>
             <a:endParaRPr lang="en-US"/>
           </a:p>
@@ -7231,7 +7231,7 @@
           <a:p>
             <a:fld id="{083EEC35-4827-4E69-BD16-897B79CAC35F}" type="datetime1">
               <a:rPr lang="en-US" smtClean="0"/>
-              <a:t>6/4/2014</a:t>
+              <a:t>6/5/2014</a:t>
             </a:fld>
             <a:endParaRPr lang="en-US"/>
           </a:p>
@@ -7505,7 +7505,7 @@
           <a:p>
             <a:fld id="{2F4043A9-7207-4348-B17A-CB40EFB0262A}" type="datetime1">
               <a:rPr lang="en-US" smtClean="0"/>
-              <a:t>6/4/2014</a:t>
+              <a:t>6/5/2014</a:t>
             </a:fld>
             <a:endParaRPr lang="en-US"/>
           </a:p>
@@ -7657,8 +7657,13 @@
           <a:p>
             <a:r>
               <a:rPr lang="en-US" dirty="0" smtClean="0"/>
-              <a:t>Figaro TGS 2602</a:t>
-            </a:r>
+              <a:t>Figaro TGS </a:t>
+            </a:r>
+            <a:r>
+              <a:rPr lang="en-US" dirty="0" smtClean="0"/>
+              <a:t>2600</a:t>
+            </a:r>
+            <a:endParaRPr lang="en-US" dirty="0" smtClean="0"/>
           </a:p>
           <a:p>
             <a:r>
@@ -7792,7 +7797,7 @@
           <a:p>
             <a:fld id="{5CCE490F-6F2A-472B-9AC3-55962C89105B}" type="datetime1">
               <a:rPr lang="en-US" smtClean="0"/>
-              <a:t>6/4/2014</a:t>
+              <a:t>6/5/2014</a:t>
             </a:fld>
             <a:endParaRPr lang="en-US"/>
           </a:p>

--- a/Documents/source_documents/Presentation.pptx
+++ b/Documents/source_documents/Presentation.pptx
@@ -5,30 +5,37 @@
     <p:sldMasterId id="2147483648" r:id="rId1"/>
   </p:sldMasterIdLst>
   <p:notesMasterIdLst>
-    <p:notesMasterId r:id="rId23"/>
+    <p:notesMasterId r:id="rId30"/>
   </p:notesMasterIdLst>
   <p:sldIdLst>
     <p:sldId id="256" r:id="rId2"/>
-    <p:sldId id="257" r:id="rId3"/>
-    <p:sldId id="263" r:id="rId4"/>
-    <p:sldId id="260" r:id="rId5"/>
-    <p:sldId id="261" r:id="rId6"/>
-    <p:sldId id="262" r:id="rId7"/>
-    <p:sldId id="264" r:id="rId8"/>
-    <p:sldId id="265" r:id="rId9"/>
-    <p:sldId id="266" r:id="rId10"/>
-    <p:sldId id="267" r:id="rId11"/>
-    <p:sldId id="271" r:id="rId12"/>
-    <p:sldId id="268" r:id="rId13"/>
-    <p:sldId id="269" r:id="rId14"/>
-    <p:sldId id="270" r:id="rId15"/>
-    <p:sldId id="272" r:id="rId16"/>
-    <p:sldId id="273" r:id="rId17"/>
-    <p:sldId id="274" r:id="rId18"/>
-    <p:sldId id="275" r:id="rId19"/>
-    <p:sldId id="276" r:id="rId20"/>
-    <p:sldId id="277" r:id="rId21"/>
-    <p:sldId id="278" r:id="rId22"/>
+    <p:sldId id="279" r:id="rId3"/>
+    <p:sldId id="280" r:id="rId4"/>
+    <p:sldId id="257" r:id="rId5"/>
+    <p:sldId id="281" r:id="rId6"/>
+    <p:sldId id="263" r:id="rId7"/>
+    <p:sldId id="260" r:id="rId8"/>
+    <p:sldId id="261" r:id="rId9"/>
+    <p:sldId id="262" r:id="rId10"/>
+    <p:sldId id="264" r:id="rId11"/>
+    <p:sldId id="266" r:id="rId12"/>
+    <p:sldId id="267" r:id="rId13"/>
+    <p:sldId id="271" r:id="rId14"/>
+    <p:sldId id="268" r:id="rId15"/>
+    <p:sldId id="269" r:id="rId16"/>
+    <p:sldId id="282" r:id="rId17"/>
+    <p:sldId id="270" r:id="rId18"/>
+    <p:sldId id="272" r:id="rId19"/>
+    <p:sldId id="283" r:id="rId20"/>
+    <p:sldId id="273" r:id="rId21"/>
+    <p:sldId id="274" r:id="rId22"/>
+    <p:sldId id="284" r:id="rId23"/>
+    <p:sldId id="285" r:id="rId24"/>
+    <p:sldId id="286" r:id="rId25"/>
+    <p:sldId id="275" r:id="rId26"/>
+    <p:sldId id="276" r:id="rId27"/>
+    <p:sldId id="277" r:id="rId28"/>
+    <p:sldId id="278" r:id="rId29"/>
   </p:sldIdLst>
   <p:sldSz cx="9144000" cy="6858000" type="screen4x3"/>
   <p:notesSz cx="6858000" cy="9144000"/>
@@ -133,22 +140,29 @@
         <p14:section name="Default Section" id="{C0F18285-F4EE-44D4-91E7-5ECEED8C2DDE}">
           <p14:sldIdLst>
             <p14:sldId id="256"/>
+            <p14:sldId id="279"/>
+            <p14:sldId id="280"/>
             <p14:sldId id="257"/>
+            <p14:sldId id="281"/>
             <p14:sldId id="263"/>
             <p14:sldId id="260"/>
             <p14:sldId id="261"/>
             <p14:sldId id="262"/>
             <p14:sldId id="264"/>
-            <p14:sldId id="265"/>
             <p14:sldId id="266"/>
             <p14:sldId id="267"/>
             <p14:sldId id="271"/>
             <p14:sldId id="268"/>
             <p14:sldId id="269"/>
+            <p14:sldId id="282"/>
             <p14:sldId id="270"/>
             <p14:sldId id="272"/>
+            <p14:sldId id="283"/>
             <p14:sldId id="273"/>
             <p14:sldId id="274"/>
+            <p14:sldId id="284"/>
+            <p14:sldId id="285"/>
+            <p14:sldId id="286"/>
             <p14:sldId id="275"/>
             <p14:sldId id="276"/>
             <p14:sldId id="277"/>
@@ -583,7 +597,30 @@
           <a:bodyPr/>
           <a:lstStyle/>
           <a:p>
-            <a:endParaRPr lang="en-US"/>
+            <a:r>
+              <a:rPr lang="en-US" dirty="0" smtClean="0"/>
+              <a:t>Talking points:</a:t>
+            </a:r>
+          </a:p>
+          <a:p>
+            <a:endParaRPr lang="en-US" dirty="0" smtClean="0"/>
+          </a:p>
+          <a:p>
+            <a:r>
+              <a:rPr lang="en-US" sz="1200" kern="1200" dirty="0" smtClean="0">
+                <a:solidFill>
+                  <a:schemeClr val="tx1"/>
+                </a:solidFill>
+                <a:effectLst/>
+                <a:latin typeface="+mn-lt"/>
+                <a:ea typeface="+mn-ea"/>
+                <a:cs typeface="+mn-cs"/>
+              </a:rPr>
+              <a:t>%16 of American high school seniors are proficient in mathematics and interested in a STEM career</a:t>
+            </a:r>
+          </a:p>
+          <a:p>
+            <a:endParaRPr lang="en-US" dirty="0"/>
           </a:p>
         </p:txBody>
       </p:sp>
@@ -604,7 +641,7 @@
           <a:p>
             <a:fld id="{80A39CBA-3246-41BD-B461-7A6F199FC541}" type="slidenum">
               <a:rPr lang="en-US" smtClean="0"/>
-              <a:t>2</a:t>
+              <a:t>3</a:t>
             </a:fld>
             <a:endParaRPr lang="en-US"/>
           </a:p>
@@ -613,7 +650,7 @@
     </p:spTree>
     <p:extLst>
       <p:ext uri="{BB962C8B-B14F-4D97-AF65-F5344CB8AC3E}">
-        <p14:creationId xmlns:p14="http://schemas.microsoft.com/office/powerpoint/2010/main" val="3587962732"/>
+        <p14:creationId xmlns:p14="http://schemas.microsoft.com/office/powerpoint/2010/main" val="3951610657"/>
       </p:ext>
     </p:extLst>
   </p:cSld>
@@ -667,44 +704,7 @@
           <a:bodyPr/>
           <a:lstStyle/>
           <a:p>
-            <a:r>
-              <a:rPr lang="en-US" dirty="0" smtClean="0"/>
-              <a:t>Ethernet: </a:t>
-            </a:r>
-          </a:p>
-          <a:p>
-            <a:r>
-              <a:rPr lang="en-US" dirty="0" smtClean="0"/>
-              <a:t>Cheap</a:t>
-            </a:r>
-            <a:r>
-              <a:rPr lang="en-US" baseline="0" dirty="0" smtClean="0"/>
-              <a:t> cables are important for keeping costs low.</a:t>
-            </a:r>
-          </a:p>
-          <a:p>
-            <a:r>
-              <a:rPr lang="en-US" baseline="0" dirty="0" smtClean="0"/>
-              <a:t>Easy to work with in consideration of use by children (not to hard to make your own cable).</a:t>
-            </a:r>
-          </a:p>
-          <a:p>
-            <a:r>
-              <a:rPr lang="en-US" baseline="0" dirty="0" smtClean="0"/>
-              <a:t>Length kept in mind for future applications (e.g. sensor in a well)</a:t>
-            </a:r>
-          </a:p>
-          <a:p>
-            <a:endParaRPr lang="en-US" baseline="0" dirty="0" smtClean="0"/>
-          </a:p>
-          <a:p>
-            <a:r>
-              <a:rPr lang="en-US" baseline="0" dirty="0" smtClean="0"/>
-              <a:t>USB:</a:t>
-            </a:r>
-          </a:p>
-          <a:p>
-            <a:endParaRPr lang="en-US" dirty="0"/>
+            <a:endParaRPr lang="en-US"/>
           </a:p>
         </p:txBody>
       </p:sp>
@@ -725,7 +725,7 @@
           <a:p>
             <a:fld id="{80A39CBA-3246-41BD-B461-7A6F199FC541}" type="slidenum">
               <a:rPr lang="en-US" smtClean="0"/>
-              <a:t>7</a:t>
+              <a:t>4</a:t>
             </a:fld>
             <a:endParaRPr lang="en-US"/>
           </a:p>
@@ -734,7 +734,7 @@
     </p:spTree>
     <p:extLst>
       <p:ext uri="{BB962C8B-B14F-4D97-AF65-F5344CB8AC3E}">
-        <p14:creationId xmlns:p14="http://schemas.microsoft.com/office/powerpoint/2010/main" val="356323975"/>
+        <p14:creationId xmlns:p14="http://schemas.microsoft.com/office/powerpoint/2010/main" val="3587962732"/>
       </p:ext>
     </p:extLst>
   </p:cSld>
@@ -790,11 +790,35 @@
           <a:p>
             <a:r>
               <a:rPr lang="en-US" dirty="0" smtClean="0"/>
-              <a:t>Labeled</a:t>
+              <a:t>Ethernet: </a:t>
+            </a:r>
+          </a:p>
+          <a:p>
+            <a:r>
+              <a:rPr lang="en-US" dirty="0" smtClean="0"/>
+              <a:t>Cheap</a:t>
             </a:r>
             <a:r>
               <a:rPr lang="en-US" baseline="0" dirty="0" smtClean="0"/>
-              <a:t> as an air contaminant sensor, the device senses contaminants due to the displacement of oxygen (or just normal breathing air) causing a change in the flow of electrons. Different sensitivity characteristics for different gasses.</a:t>
+              <a:t> cables are important for keeping costs low.</a:t>
+            </a:r>
+          </a:p>
+          <a:p>
+            <a:r>
+              <a:rPr lang="en-US" baseline="0" dirty="0" smtClean="0"/>
+              <a:t>Easy to work with in consideration of use by children (not to hard to make your own cable).</a:t>
+            </a:r>
+          </a:p>
+          <a:p>
+            <a:r>
+              <a:rPr lang="en-US" baseline="0" dirty="0" smtClean="0"/>
+              <a:t>Length kept in mind for future applications (e.g. sensor in a well)</a:t>
+            </a:r>
+          </a:p>
+          <a:p>
+            <a:r>
+              <a:rPr lang="en-US" baseline="0" dirty="0" smtClean="0"/>
+              <a:t>More sensors could be put onto a single module </a:t>
             </a:r>
           </a:p>
           <a:p>
@@ -803,17 +827,10 @@
           <a:p>
             <a:r>
               <a:rPr lang="en-US" baseline="0" dirty="0" smtClean="0"/>
-              <a:t>Wanted to do a sensor that detected the quality of a substance similar to the original request for a VOC sensor for wells.</a:t>
-            </a:r>
-          </a:p>
-          <a:p>
-            <a:endParaRPr lang="en-US" baseline="0" dirty="0" smtClean="0"/>
-          </a:p>
-          <a:p>
-            <a:r>
-              <a:rPr lang="en-US" baseline="0" dirty="0" smtClean="0"/>
-              <a:t>Experiments include things such as detecting change in air quality in high traffic areas over certain times or seeing how rapidly the quality of air changes when enclosed with a burning candle (and how long it takes for air to return to normal).</a:t>
-            </a:r>
+              <a:t>USB:</a:t>
+            </a:r>
+          </a:p>
+          <a:p>
             <a:endParaRPr lang="en-US" dirty="0"/>
           </a:p>
         </p:txBody>
@@ -835,7 +852,7 @@
           <a:p>
             <a:fld id="{80A39CBA-3246-41BD-B461-7A6F199FC541}" type="slidenum">
               <a:rPr lang="en-US" smtClean="0"/>
-              <a:t>9</a:t>
+              <a:t>10</a:t>
             </a:fld>
             <a:endParaRPr lang="en-US"/>
           </a:p>
@@ -844,7 +861,7 @@
     </p:spTree>
     <p:extLst>
       <p:ext uri="{BB962C8B-B14F-4D97-AF65-F5344CB8AC3E}">
-        <p14:creationId xmlns:p14="http://schemas.microsoft.com/office/powerpoint/2010/main" val="1415599538"/>
+        <p14:creationId xmlns:p14="http://schemas.microsoft.com/office/powerpoint/2010/main" val="356323975"/>
       </p:ext>
     </p:extLst>
   </p:cSld>
@@ -898,6 +915,32 @@
           <a:bodyPr/>
           <a:lstStyle/>
           <a:p>
+            <a:r>
+              <a:rPr lang="en-US" dirty="0" smtClean="0"/>
+              <a:t>Labeled</a:t>
+            </a:r>
+            <a:r>
+              <a:rPr lang="en-US" baseline="0" dirty="0" smtClean="0"/>
+              <a:t> as an air contaminant sensor, the device senses contaminants due to the displacement of oxygen (or just normal breathing air) causing a change in the flow of electrons. Different sensitivity characteristics for different gasses.</a:t>
+            </a:r>
+          </a:p>
+          <a:p>
+            <a:endParaRPr lang="en-US" baseline="0" dirty="0" smtClean="0"/>
+          </a:p>
+          <a:p>
+            <a:r>
+              <a:rPr lang="en-US" baseline="0" dirty="0" smtClean="0"/>
+              <a:t>Wanted to do a sensor that detected the quality of a substance similar to the original request for a VOC sensor for wells.</a:t>
+            </a:r>
+          </a:p>
+          <a:p>
+            <a:endParaRPr lang="en-US" baseline="0" dirty="0" smtClean="0"/>
+          </a:p>
+          <a:p>
+            <a:r>
+              <a:rPr lang="en-US" baseline="0" dirty="0" smtClean="0"/>
+              <a:t>Experiments include things such as detecting change in air quality in high traffic areas over certain times or seeing how rapidly the quality of air changes when enclosed with a burning candle (and how long it takes for air to return to normal).</a:t>
+            </a:r>
             <a:endParaRPr lang="en-US" dirty="0"/>
           </a:p>
         </p:txBody>
@@ -919,7 +962,91 @@
           <a:p>
             <a:fld id="{80A39CBA-3246-41BD-B461-7A6F199FC541}" type="slidenum">
               <a:rPr lang="en-US" smtClean="0"/>
-              <a:t>13</a:t>
+              <a:t>11</a:t>
+            </a:fld>
+            <a:endParaRPr lang="en-US"/>
+          </a:p>
+        </p:txBody>
+      </p:sp>
+    </p:spTree>
+    <p:extLst>
+      <p:ext uri="{BB962C8B-B14F-4D97-AF65-F5344CB8AC3E}">
+        <p14:creationId xmlns:p14="http://schemas.microsoft.com/office/powerpoint/2010/main" val="1415599538"/>
+      </p:ext>
+    </p:extLst>
+  </p:cSld>
+  <p:clrMapOvr>
+    <a:masterClrMapping/>
+  </p:clrMapOvr>
+</p:notes>
+</file>
+
+<file path=ppt/notesSlides/notesSlide5.xml><?xml version="1.0" encoding="utf-8"?>
+<p:notes xmlns:a="http://schemas.openxmlformats.org/drawingml/2006/main" xmlns:r="http://schemas.openxmlformats.org/officeDocument/2006/relationships" xmlns:p="http://schemas.openxmlformats.org/presentationml/2006/main">
+  <p:cSld>
+    <p:spTree>
+      <p:nvGrpSpPr>
+        <p:cNvPr id="1" name=""/>
+        <p:cNvGrpSpPr/>
+        <p:nvPr/>
+      </p:nvGrpSpPr>
+      <p:grpSpPr>
+        <a:xfrm>
+          <a:off x="0" y="0"/>
+          <a:ext cx="0" cy="0"/>
+          <a:chOff x="0" y="0"/>
+          <a:chExt cx="0" cy="0"/>
+        </a:xfrm>
+      </p:grpSpPr>
+      <p:sp>
+        <p:nvSpPr>
+          <p:cNvPr id="2" name="Slide Image Placeholder 1"/>
+          <p:cNvSpPr>
+            <a:spLocks noGrp="1" noRot="1" noChangeAspect="1"/>
+          </p:cNvSpPr>
+          <p:nvPr>
+            <p:ph type="sldImg"/>
+          </p:nvPr>
+        </p:nvSpPr>
+        <p:spPr/>
+      </p:sp>
+      <p:sp>
+        <p:nvSpPr>
+          <p:cNvPr id="3" name="Notes Placeholder 2"/>
+          <p:cNvSpPr>
+            <a:spLocks noGrp="1"/>
+          </p:cNvSpPr>
+          <p:nvPr>
+            <p:ph type="body" idx="1"/>
+          </p:nvPr>
+        </p:nvSpPr>
+        <p:spPr/>
+        <p:txBody>
+          <a:bodyPr/>
+          <a:lstStyle/>
+          <a:p>
+            <a:endParaRPr lang="en-US" dirty="0"/>
+          </a:p>
+        </p:txBody>
+      </p:sp>
+      <p:sp>
+        <p:nvSpPr>
+          <p:cNvPr id="4" name="Slide Number Placeholder 3"/>
+          <p:cNvSpPr>
+            <a:spLocks noGrp="1"/>
+          </p:cNvSpPr>
+          <p:nvPr>
+            <p:ph type="sldNum" sz="quarter" idx="10"/>
+          </p:nvPr>
+        </p:nvSpPr>
+        <p:spPr/>
+        <p:txBody>
+          <a:bodyPr/>
+          <a:lstStyle/>
+          <a:p>
+            <a:fld id="{80A39CBA-3246-41BD-B461-7A6F199FC541}" type="slidenum">
+              <a:rPr lang="en-US" smtClean="0"/>
+              <a:t>15</a:t>
             </a:fld>
             <a:endParaRPr lang="en-US"/>
           </a:p>
@@ -1254,7 +1381,578 @@
 </p:sldLayout>
 </file>
 
+<file path=ppt/slideLayouts/slideLayout10.xml><?xml version="1.0" encoding="utf-8"?>
+<p:sldLayout xmlns:a="http://schemas.openxmlformats.org/drawingml/2006/main" xmlns:r="http://schemas.openxmlformats.org/officeDocument/2006/relationships" xmlns:p="http://schemas.openxmlformats.org/presentationml/2006/main" preserve="1" userDrawn="1">
+  <p:cSld name="4_Custom Layout">
+    <p:bg>
+      <p:bgPr>
+        <a:solidFill>
+          <a:srgbClr val="EADBF5"/>
+        </a:solidFill>
+        <a:effectLst/>
+      </p:bgPr>
+    </p:bg>
+    <p:spTree>
+      <p:nvGrpSpPr>
+        <p:cNvPr id="1" name=""/>
+        <p:cNvGrpSpPr/>
+        <p:nvPr/>
+      </p:nvGrpSpPr>
+      <p:grpSpPr>
+        <a:xfrm>
+          <a:off x="0" y="0"/>
+          <a:ext cx="0" cy="0"/>
+          <a:chOff x="0" y="0"/>
+          <a:chExt cx="0" cy="0"/>
+        </a:xfrm>
+      </p:grpSpPr>
+      <p:sp>
+        <p:nvSpPr>
+          <p:cNvPr id="6" name="Rectangle 5"/>
+          <p:cNvSpPr/>
+          <p:nvPr userDrawn="1"/>
+        </p:nvSpPr>
+        <p:spPr>
+          <a:xfrm>
+            <a:off x="8001000" y="0"/>
+            <a:ext cx="1143000" cy="6858000"/>
+          </a:xfrm>
+          <a:prstGeom prst="rect">
+            <a:avLst/>
+          </a:prstGeom>
+          <a:solidFill>
+            <a:srgbClr val="D5B8EA"/>
+          </a:solidFill>
+          <a:ln w="57150">
+            <a:noFill/>
+          </a:ln>
+        </p:spPr>
+        <p:style>
+          <a:lnRef idx="2">
+            <a:schemeClr val="accent1">
+              <a:shade val="50000"/>
+            </a:schemeClr>
+          </a:lnRef>
+          <a:fillRef idx="1">
+            <a:schemeClr val="accent1"/>
+          </a:fillRef>
+          <a:effectRef idx="0">
+            <a:schemeClr val="accent1"/>
+          </a:effectRef>
+          <a:fontRef idx="minor">
+            <a:schemeClr val="lt1"/>
+          </a:fontRef>
+        </p:style>
+        <p:txBody>
+          <a:bodyPr rtlCol="0" anchor="ctr"/>
+          <a:lstStyle/>
+          <a:p>
+            <a:pPr algn="ctr"/>
+            <a:endParaRPr lang="en-US"/>
+          </a:p>
+        </p:txBody>
+      </p:sp>
+      <p:sp>
+        <p:nvSpPr>
+          <p:cNvPr id="7" name="Text Placeholder 7"/>
+          <p:cNvSpPr>
+            <a:spLocks noGrp="1"/>
+          </p:cNvSpPr>
+          <p:nvPr>
+            <p:ph type="body" sz="quarter" idx="13" hasCustomPrompt="1"/>
+          </p:nvPr>
+        </p:nvSpPr>
+        <p:spPr>
+          <a:xfrm>
+            <a:off x="8001000" y="0"/>
+            <a:ext cx="1143000" cy="6858000"/>
+          </a:xfrm>
+        </p:spPr>
+        <p:txBody>
+          <a:bodyPr vert="vert" anchor="ctr" anchorCtr="1">
+            <a:noAutofit/>
+          </a:bodyPr>
+          <a:lstStyle>
+            <a:lvl1pPr marL="0" indent="0">
+              <a:buNone/>
+              <a:defRPr b="1" baseline="0"/>
+            </a:lvl1pPr>
+          </a:lstStyle>
+          <a:p>
+            <a:pPr lvl="0"/>
+            <a:r>
+              <a:rPr lang="en-US" dirty="0" smtClean="0"/>
+              <a:t>Section Title</a:t>
+            </a:r>
+            <a:endParaRPr lang="en-US" dirty="0"/>
+          </a:p>
+        </p:txBody>
+      </p:sp>
+      <p:sp>
+        <p:nvSpPr>
+          <p:cNvPr id="3" name="Date Placeholder 2"/>
+          <p:cNvSpPr>
+            <a:spLocks noGrp="1"/>
+          </p:cNvSpPr>
+          <p:nvPr>
+            <p:ph type="dt" sz="half" idx="10"/>
+          </p:nvPr>
+        </p:nvSpPr>
+        <p:spPr/>
+        <p:txBody>
+          <a:bodyPr/>
+          <a:lstStyle/>
+          <a:p>
+            <a:fld id="{B7ADC19B-5FB9-4704-99F7-B6E940347A84}" type="datetime1">
+              <a:rPr lang="en-US" smtClean="0"/>
+              <a:t>6/5/2014</a:t>
+            </a:fld>
+            <a:endParaRPr lang="en-US"/>
+          </a:p>
+        </p:txBody>
+      </p:sp>
+      <p:sp>
+        <p:nvSpPr>
+          <p:cNvPr id="4" name="Footer Placeholder 3"/>
+          <p:cNvSpPr>
+            <a:spLocks noGrp="1"/>
+          </p:cNvSpPr>
+          <p:nvPr>
+            <p:ph type="ftr" sz="quarter" idx="11"/>
+          </p:nvPr>
+        </p:nvSpPr>
+        <p:spPr/>
+        <p:txBody>
+          <a:bodyPr/>
+          <a:lstStyle/>
+          <a:p>
+            <a:r>
+              <a:rPr lang="en-US" smtClean="0"/>
+              <a:t>Erebus Labs STEM Sensor</a:t>
+            </a:r>
+            <a:endParaRPr lang="en-US" dirty="0"/>
+          </a:p>
+        </p:txBody>
+      </p:sp>
+      <p:sp>
+        <p:nvSpPr>
+          <p:cNvPr id="5" name="Slide Number Placeholder 4"/>
+          <p:cNvSpPr>
+            <a:spLocks noGrp="1"/>
+          </p:cNvSpPr>
+          <p:nvPr>
+            <p:ph type="sldNum" sz="quarter" idx="12"/>
+          </p:nvPr>
+        </p:nvSpPr>
+        <p:spPr/>
+        <p:txBody>
+          <a:bodyPr/>
+          <a:lstStyle/>
+          <a:p>
+            <a:fld id="{41FBF465-1333-4AA3-A58E-1653FDB8C624}" type="slidenum">
+              <a:rPr lang="en-US" smtClean="0"/>
+              <a:t>‹#›</a:t>
+            </a:fld>
+            <a:endParaRPr lang="en-US"/>
+          </a:p>
+        </p:txBody>
+      </p:sp>
+      <p:sp>
+        <p:nvSpPr>
+          <p:cNvPr id="10" name="Text Placeholder 10"/>
+          <p:cNvSpPr>
+            <a:spLocks noGrp="1"/>
+          </p:cNvSpPr>
+          <p:nvPr>
+            <p:ph type="body" sz="quarter" idx="14"/>
+          </p:nvPr>
+        </p:nvSpPr>
+        <p:spPr>
+          <a:xfrm>
+            <a:off x="0" y="0"/>
+            <a:ext cx="8001000" cy="1339850"/>
+          </a:xfrm>
+        </p:spPr>
+        <p:txBody>
+          <a:bodyPr anchor="ctr" anchorCtr="1">
+            <a:noAutofit/>
+          </a:bodyPr>
+          <a:lstStyle>
+            <a:lvl1pPr marL="0" indent="0">
+              <a:buNone/>
+              <a:defRPr b="0"/>
+            </a:lvl1pPr>
+          </a:lstStyle>
+          <a:p>
+            <a:pPr lvl="0"/>
+            <a:endParaRPr lang="en-US" dirty="0"/>
+          </a:p>
+        </p:txBody>
+      </p:sp>
+      <p:sp>
+        <p:nvSpPr>
+          <p:cNvPr id="11" name="Text Placeholder 12"/>
+          <p:cNvSpPr>
+            <a:spLocks noGrp="1"/>
+          </p:cNvSpPr>
+          <p:nvPr>
+            <p:ph type="body" sz="quarter" idx="15"/>
+          </p:nvPr>
+        </p:nvSpPr>
+        <p:spPr>
+          <a:xfrm>
+            <a:off x="76200" y="1524000"/>
+            <a:ext cx="7848600" cy="4648200"/>
+          </a:xfrm>
+        </p:spPr>
+        <p:txBody>
+          <a:bodyPr/>
+          <a:lstStyle/>
+          <a:p>
+            <a:pPr lvl="0"/>
+            <a:r>
+              <a:rPr lang="en-US" dirty="0" smtClean="0"/>
+              <a:t>Click to edit Master text styles</a:t>
+            </a:r>
+          </a:p>
+          <a:p>
+            <a:pPr lvl="1"/>
+            <a:r>
+              <a:rPr lang="en-US" dirty="0" smtClean="0"/>
+              <a:t>Second level</a:t>
+            </a:r>
+          </a:p>
+          <a:p>
+            <a:pPr lvl="2"/>
+            <a:r>
+              <a:rPr lang="en-US" dirty="0" smtClean="0"/>
+              <a:t>Third level</a:t>
+            </a:r>
+          </a:p>
+          <a:p>
+            <a:pPr lvl="3"/>
+            <a:r>
+              <a:rPr lang="en-US" dirty="0" smtClean="0"/>
+              <a:t>Fourth level</a:t>
+            </a:r>
+          </a:p>
+          <a:p>
+            <a:pPr lvl="4"/>
+            <a:r>
+              <a:rPr lang="en-US" dirty="0" smtClean="0"/>
+              <a:t>Fifth level</a:t>
+            </a:r>
+            <a:endParaRPr lang="en-US" dirty="0"/>
+          </a:p>
+        </p:txBody>
+      </p:sp>
+    </p:spTree>
+    <p:extLst>
+      <p:ext uri="{BB962C8B-B14F-4D97-AF65-F5344CB8AC3E}">
+        <p14:creationId xmlns:p14="http://schemas.microsoft.com/office/powerpoint/2010/main" val="1243712895"/>
+      </p:ext>
+    </p:extLst>
+  </p:cSld>
+  <p:clrMapOvr>
+    <a:masterClrMapping/>
+  </p:clrMapOvr>
+  <p:timing>
+    <p:tnLst>
+      <p:par>
+        <p:cTn id="1" dur="indefinite" restart="never" nodeType="tmRoot"/>
+      </p:par>
+    </p:tnLst>
+  </p:timing>
+</p:sldLayout>
+</file>
+
 <file path=ppt/slideLayouts/slideLayout2.xml><?xml version="1.0" encoding="utf-8"?>
+<p:sldLayout xmlns:a="http://schemas.openxmlformats.org/drawingml/2006/main" xmlns:r="http://schemas.openxmlformats.org/officeDocument/2006/relationships" xmlns:p="http://schemas.openxmlformats.org/presentationml/2006/main" preserve="1" userDrawn="1">
+  <p:cSld name="3_Custom Layout">
+    <p:bg>
+      <p:bgPr>
+        <a:solidFill>
+          <a:srgbClr val="FFC2C1"/>
+        </a:solidFill>
+        <a:effectLst/>
+      </p:bgPr>
+    </p:bg>
+    <p:spTree>
+      <p:nvGrpSpPr>
+        <p:cNvPr id="1" name=""/>
+        <p:cNvGrpSpPr/>
+        <p:nvPr/>
+      </p:nvGrpSpPr>
+      <p:grpSpPr>
+        <a:xfrm>
+          <a:off x="0" y="0"/>
+          <a:ext cx="0" cy="0"/>
+          <a:chOff x="0" y="0"/>
+          <a:chExt cx="0" cy="0"/>
+        </a:xfrm>
+      </p:grpSpPr>
+      <p:sp>
+        <p:nvSpPr>
+          <p:cNvPr id="6" name="Rectangle 5"/>
+          <p:cNvSpPr/>
+          <p:nvPr userDrawn="1"/>
+        </p:nvSpPr>
+        <p:spPr>
+          <a:xfrm>
+            <a:off x="8001000" y="0"/>
+            <a:ext cx="1143000" cy="6858000"/>
+          </a:xfrm>
+          <a:prstGeom prst="rect">
+            <a:avLst/>
+          </a:prstGeom>
+          <a:solidFill>
+            <a:srgbClr val="FF7875"/>
+          </a:solidFill>
+          <a:ln w="57150">
+            <a:noFill/>
+          </a:ln>
+        </p:spPr>
+        <p:style>
+          <a:lnRef idx="2">
+            <a:schemeClr val="accent1">
+              <a:shade val="50000"/>
+            </a:schemeClr>
+          </a:lnRef>
+          <a:fillRef idx="1">
+            <a:schemeClr val="accent1"/>
+          </a:fillRef>
+          <a:effectRef idx="0">
+            <a:schemeClr val="accent1"/>
+          </a:effectRef>
+          <a:fontRef idx="minor">
+            <a:schemeClr val="lt1"/>
+          </a:fontRef>
+        </p:style>
+        <p:txBody>
+          <a:bodyPr rtlCol="0" anchor="ctr"/>
+          <a:lstStyle/>
+          <a:p>
+            <a:pPr algn="ctr"/>
+            <a:endParaRPr lang="en-US"/>
+          </a:p>
+        </p:txBody>
+      </p:sp>
+      <p:sp>
+        <p:nvSpPr>
+          <p:cNvPr id="3" name="Date Placeholder 2"/>
+          <p:cNvSpPr>
+            <a:spLocks noGrp="1"/>
+          </p:cNvSpPr>
+          <p:nvPr>
+            <p:ph type="dt" sz="half" idx="10"/>
+          </p:nvPr>
+        </p:nvSpPr>
+        <p:spPr/>
+        <p:txBody>
+          <a:bodyPr/>
+          <a:lstStyle/>
+          <a:p>
+            <a:fld id="{C29800E0-75F7-49C7-9A2B-4D6AEABEED8B}" type="datetime1">
+              <a:rPr lang="en-US" smtClean="0"/>
+              <a:t>6/5/2014</a:t>
+            </a:fld>
+            <a:endParaRPr lang="en-US"/>
+          </a:p>
+        </p:txBody>
+      </p:sp>
+      <p:sp>
+        <p:nvSpPr>
+          <p:cNvPr id="4" name="Footer Placeholder 3"/>
+          <p:cNvSpPr>
+            <a:spLocks noGrp="1"/>
+          </p:cNvSpPr>
+          <p:nvPr>
+            <p:ph type="ftr" sz="quarter" idx="11"/>
+          </p:nvPr>
+        </p:nvSpPr>
+        <p:spPr/>
+        <p:txBody>
+          <a:bodyPr/>
+          <a:lstStyle/>
+          <a:p>
+            <a:r>
+              <a:rPr lang="en-US" smtClean="0"/>
+              <a:t>Erebus Labs STEM Sensor</a:t>
+            </a:r>
+            <a:endParaRPr lang="en-US" dirty="0"/>
+          </a:p>
+        </p:txBody>
+      </p:sp>
+      <p:sp>
+        <p:nvSpPr>
+          <p:cNvPr id="5" name="Slide Number Placeholder 4"/>
+          <p:cNvSpPr>
+            <a:spLocks noGrp="1"/>
+          </p:cNvSpPr>
+          <p:nvPr>
+            <p:ph type="sldNum" sz="quarter" idx="12"/>
+          </p:nvPr>
+        </p:nvSpPr>
+        <p:spPr/>
+        <p:txBody>
+          <a:bodyPr/>
+          <a:lstStyle/>
+          <a:p>
+            <a:fld id="{41FBF465-1333-4AA3-A58E-1653FDB8C624}" type="slidenum">
+              <a:rPr lang="en-US" smtClean="0"/>
+              <a:t>‹#›</a:t>
+            </a:fld>
+            <a:endParaRPr lang="en-US"/>
+          </a:p>
+        </p:txBody>
+      </p:sp>
+      <p:sp>
+        <p:nvSpPr>
+          <p:cNvPr id="8" name="Text Placeholder 7"/>
+          <p:cNvSpPr>
+            <a:spLocks noGrp="1"/>
+          </p:cNvSpPr>
+          <p:nvPr>
+            <p:ph type="body" sz="quarter" idx="13" hasCustomPrompt="1"/>
+          </p:nvPr>
+        </p:nvSpPr>
+        <p:spPr>
+          <a:xfrm>
+            <a:off x="8001000" y="0"/>
+            <a:ext cx="1143000" cy="6858000"/>
+          </a:xfrm>
+        </p:spPr>
+        <p:txBody>
+          <a:bodyPr vert="vert" anchor="ctr" anchorCtr="1">
+            <a:noAutofit/>
+          </a:bodyPr>
+          <a:lstStyle>
+            <a:lvl1pPr marL="0" indent="0">
+              <a:buNone/>
+              <a:defRPr b="1" baseline="0"/>
+            </a:lvl1pPr>
+          </a:lstStyle>
+          <a:p>
+            <a:pPr lvl="0"/>
+            <a:r>
+              <a:rPr lang="en-US" dirty="0" smtClean="0"/>
+              <a:t>Section Title</a:t>
+            </a:r>
+            <a:endParaRPr lang="en-US" dirty="0"/>
+          </a:p>
+        </p:txBody>
+      </p:sp>
+      <p:sp>
+        <p:nvSpPr>
+          <p:cNvPr id="11" name="Text Placeholder 10"/>
+          <p:cNvSpPr>
+            <a:spLocks noGrp="1"/>
+          </p:cNvSpPr>
+          <p:nvPr>
+            <p:ph type="body" sz="quarter" idx="14"/>
+          </p:nvPr>
+        </p:nvSpPr>
+        <p:spPr>
+          <a:xfrm>
+            <a:off x="0" y="0"/>
+            <a:ext cx="8001000" cy="1339850"/>
+          </a:xfrm>
+          <a:noFill/>
+        </p:spPr>
+        <p:txBody>
+          <a:bodyPr anchor="ctr" anchorCtr="1">
+            <a:noAutofit/>
+          </a:bodyPr>
+          <a:lstStyle>
+            <a:lvl1pPr marL="0" indent="0">
+              <a:buNone/>
+              <a:defRPr b="0"/>
+            </a:lvl1pPr>
+          </a:lstStyle>
+          <a:p>
+            <a:pPr lvl="0"/>
+            <a:endParaRPr lang="en-US" dirty="0"/>
+          </a:p>
+        </p:txBody>
+      </p:sp>
+      <p:sp>
+        <p:nvSpPr>
+          <p:cNvPr id="13" name="Text Placeholder 12"/>
+          <p:cNvSpPr>
+            <a:spLocks noGrp="1"/>
+          </p:cNvSpPr>
+          <p:nvPr>
+            <p:ph type="body" sz="quarter" idx="15"/>
+          </p:nvPr>
+        </p:nvSpPr>
+        <p:spPr>
+          <a:xfrm>
+            <a:off x="76200" y="1524000"/>
+            <a:ext cx="7848600" cy="4648200"/>
+          </a:xfrm>
+        </p:spPr>
+        <p:txBody>
+          <a:bodyPr/>
+          <a:lstStyle/>
+          <a:p>
+            <a:pPr lvl="0"/>
+            <a:r>
+              <a:rPr lang="en-US" dirty="0" smtClean="0"/>
+              <a:t>Click to edit Master text styles</a:t>
+            </a:r>
+          </a:p>
+          <a:p>
+            <a:pPr lvl="1"/>
+            <a:r>
+              <a:rPr lang="en-US" dirty="0" smtClean="0"/>
+              <a:t>Second level</a:t>
+            </a:r>
+          </a:p>
+          <a:p>
+            <a:pPr lvl="2"/>
+            <a:r>
+              <a:rPr lang="en-US" dirty="0" smtClean="0"/>
+              <a:t>Third level</a:t>
+            </a:r>
+          </a:p>
+          <a:p>
+            <a:pPr lvl="3"/>
+            <a:r>
+              <a:rPr lang="en-US" dirty="0" smtClean="0"/>
+              <a:t>Fourth level</a:t>
+            </a:r>
+          </a:p>
+          <a:p>
+            <a:pPr lvl="4"/>
+            <a:r>
+              <a:rPr lang="en-US" dirty="0" smtClean="0"/>
+              <a:t>Fifth level</a:t>
+            </a:r>
+            <a:endParaRPr lang="en-US" dirty="0"/>
+          </a:p>
+        </p:txBody>
+      </p:sp>
+    </p:spTree>
+    <p:extLst>
+      <p:ext uri="{BB962C8B-B14F-4D97-AF65-F5344CB8AC3E}">
+        <p14:creationId xmlns:p14="http://schemas.microsoft.com/office/powerpoint/2010/main" val="1292277049"/>
+      </p:ext>
+    </p:extLst>
+  </p:cSld>
+  <p:clrMapOvr>
+    <a:masterClrMapping/>
+  </p:clrMapOvr>
+  <p:timing>
+    <p:tnLst>
+      <p:par>
+        <p:cTn id="1" dur="indefinite" restart="never" nodeType="tmRoot"/>
+      </p:par>
+    </p:tnLst>
+  </p:timing>
+</p:sldLayout>
+</file>
+
+<file path=ppt/slideLayouts/slideLayout3.xml><?xml version="1.0" encoding="utf-8"?>
 <p:sldLayout xmlns:a="http://schemas.openxmlformats.org/drawingml/2006/main" xmlns:r="http://schemas.openxmlformats.org/officeDocument/2006/relationships" xmlns:p="http://schemas.openxmlformats.org/presentationml/2006/main" preserve="1" userDrawn="1">
   <p:cSld name="Title and Content">
     <p:bg>
@@ -1462,7 +2160,7 @@
 </p:sldLayout>
 </file>
 
-<file path=ppt/slideLayouts/slideLayout3.xml><?xml version="1.0" encoding="utf-8"?>
+<file path=ppt/slideLayouts/slideLayout4.xml><?xml version="1.0" encoding="utf-8"?>
 <p:sldLayout xmlns:a="http://schemas.openxmlformats.org/drawingml/2006/main" xmlns:r="http://schemas.openxmlformats.org/officeDocument/2006/relationships" xmlns:p="http://schemas.openxmlformats.org/presentationml/2006/main" preserve="1" userDrawn="1">
   <p:cSld name="Custom Layout">
     <p:bg>
@@ -1747,7 +2445,7 @@
 </p:sldLayout>
 </file>
 
-<file path=ppt/slideLayouts/slideLayout4.xml><?xml version="1.0" encoding="utf-8"?>
+<file path=ppt/slideLayouts/slideLayout5.xml><?xml version="1.0" encoding="utf-8"?>
 <p:sldLayout xmlns:a="http://schemas.openxmlformats.org/drawingml/2006/main" xmlns:r="http://schemas.openxmlformats.org/officeDocument/2006/relationships" xmlns:p="http://schemas.openxmlformats.org/presentationml/2006/main" type="obj" preserve="1">
   <p:cSld name="1_Title and Content">
     <p:bg>
@@ -2040,7 +2738,7 @@
 </p:sldLayout>
 </file>
 
-<file path=ppt/slideLayouts/slideLayout5.xml><?xml version="1.0" encoding="utf-8"?>
+<file path=ppt/slideLayouts/slideLayout6.xml><?xml version="1.0" encoding="utf-8"?>
 <p:sldLayout xmlns:a="http://schemas.openxmlformats.org/drawingml/2006/main" xmlns:r="http://schemas.openxmlformats.org/officeDocument/2006/relationships" xmlns:p="http://schemas.openxmlformats.org/presentationml/2006/main" preserve="1" userDrawn="1">
   <p:cSld name="2_Custom Layout">
     <p:bg>
@@ -2325,7 +3023,7 @@
 </p:sldLayout>
 </file>
 
-<file path=ppt/slideLayouts/slideLayout6.xml><?xml version="1.0" encoding="utf-8"?>
+<file path=ppt/slideLayouts/slideLayout7.xml><?xml version="1.0" encoding="utf-8"?>
 <p:sldLayout xmlns:a="http://schemas.openxmlformats.org/drawingml/2006/main" xmlns:r="http://schemas.openxmlformats.org/officeDocument/2006/relationships" xmlns:p="http://schemas.openxmlformats.org/presentationml/2006/main" type="obj" preserve="1">
   <p:cSld name="2_Title and Content">
     <p:bg>
@@ -2590,7 +3288,7 @@
 </p:sldLayout>
 </file>
 
-<file path=ppt/slideLayouts/slideLayout7.xml><?xml version="1.0" encoding="utf-8"?>
+<file path=ppt/slideLayouts/slideLayout8.xml><?xml version="1.0" encoding="utf-8"?>
 <p:sldLayout xmlns:a="http://schemas.openxmlformats.org/drawingml/2006/main" xmlns:r="http://schemas.openxmlformats.org/officeDocument/2006/relationships" xmlns:p="http://schemas.openxmlformats.org/presentationml/2006/main" preserve="1" userDrawn="1">
   <p:cSld name="1_Custom Layout">
     <p:bg>
@@ -2859,6 +3557,271 @@
     <p:extLst>
       <p:ext uri="{BB962C8B-B14F-4D97-AF65-F5344CB8AC3E}">
         <p14:creationId xmlns:p14="http://schemas.microsoft.com/office/powerpoint/2010/main" val="2414344859"/>
+      </p:ext>
+    </p:extLst>
+  </p:cSld>
+  <p:clrMapOvr>
+    <a:masterClrMapping/>
+  </p:clrMapOvr>
+  <p:timing>
+    <p:tnLst>
+      <p:par>
+        <p:cTn id="1" dur="indefinite" restart="never" nodeType="tmRoot"/>
+      </p:par>
+    </p:tnLst>
+  </p:timing>
+</p:sldLayout>
+</file>
+
+<file path=ppt/slideLayouts/slideLayout9.xml><?xml version="1.0" encoding="utf-8"?>
+<p:sldLayout xmlns:a="http://schemas.openxmlformats.org/drawingml/2006/main" xmlns:r="http://schemas.openxmlformats.org/officeDocument/2006/relationships" xmlns:p="http://schemas.openxmlformats.org/presentationml/2006/main" type="obj" preserve="1">
+  <p:cSld name="3_Title and Content">
+    <p:bg>
+      <p:bgPr>
+        <a:solidFill>
+          <a:srgbClr val="AC75D5"/>
+        </a:solidFill>
+        <a:effectLst/>
+      </p:bgPr>
+    </p:bg>
+    <p:spTree>
+      <p:nvGrpSpPr>
+        <p:cNvPr id="1" name=""/>
+        <p:cNvGrpSpPr/>
+        <p:nvPr/>
+      </p:nvGrpSpPr>
+      <p:grpSpPr>
+        <a:xfrm>
+          <a:off x="0" y="0"/>
+          <a:ext cx="0" cy="0"/>
+          <a:chOff x="0" y="0"/>
+          <a:chExt cx="0" cy="0"/>
+        </a:xfrm>
+      </p:grpSpPr>
+      <p:sp>
+        <p:nvSpPr>
+          <p:cNvPr id="7" name="Rectangle 6"/>
+          <p:cNvSpPr/>
+          <p:nvPr userDrawn="1"/>
+        </p:nvSpPr>
+        <p:spPr>
+          <a:xfrm>
+            <a:off x="457200" y="457200"/>
+            <a:ext cx="8229600" cy="5943600"/>
+          </a:xfrm>
+          <a:prstGeom prst="rect">
+            <a:avLst/>
+          </a:prstGeom>
+          <a:solidFill>
+            <a:srgbClr val="D5B8EA"/>
+          </a:solidFill>
+          <a:ln w="57150">
+            <a:solidFill>
+              <a:schemeClr val="tx1"/>
+            </a:solidFill>
+          </a:ln>
+        </p:spPr>
+        <p:style>
+          <a:lnRef idx="2">
+            <a:schemeClr val="accent1">
+              <a:shade val="50000"/>
+            </a:schemeClr>
+          </a:lnRef>
+          <a:fillRef idx="1">
+            <a:schemeClr val="accent1"/>
+          </a:fillRef>
+          <a:effectRef idx="0">
+            <a:schemeClr val="accent1"/>
+          </a:effectRef>
+          <a:fontRef idx="minor">
+            <a:schemeClr val="lt1"/>
+          </a:fontRef>
+        </p:style>
+        <p:txBody>
+          <a:bodyPr rtlCol="0" anchor="ctr"/>
+          <a:lstStyle/>
+          <a:p>
+            <a:pPr algn="ctr"/>
+            <a:endParaRPr lang="en-US"/>
+          </a:p>
+        </p:txBody>
+      </p:sp>
+      <p:sp>
+        <p:nvSpPr>
+          <p:cNvPr id="2" name="Title 1"/>
+          <p:cNvSpPr>
+            <a:spLocks noGrp="1"/>
+          </p:cNvSpPr>
+          <p:nvPr>
+            <p:ph type="title"/>
+          </p:nvPr>
+        </p:nvSpPr>
+        <p:spPr>
+          <a:xfrm>
+            <a:off x="472966" y="488730"/>
+            <a:ext cx="8166537" cy="1111469"/>
+          </a:xfrm>
+          <a:prstGeom prst="rect">
+            <a:avLst/>
+          </a:prstGeom>
+        </p:spPr>
+        <p:txBody>
+          <a:bodyPr/>
+          <a:lstStyle/>
+          <a:p>
+            <a:r>
+              <a:rPr lang="en-US" dirty="0" smtClean="0"/>
+              <a:t>Click to edit Master title style</a:t>
+            </a:r>
+            <a:endParaRPr lang="en-US" dirty="0"/>
+          </a:p>
+        </p:txBody>
+      </p:sp>
+      <p:sp>
+        <p:nvSpPr>
+          <p:cNvPr id="3" name="Content Placeholder 2"/>
+          <p:cNvSpPr>
+            <a:spLocks noGrp="1"/>
+          </p:cNvSpPr>
+          <p:nvPr>
+            <p:ph idx="1"/>
+          </p:nvPr>
+        </p:nvSpPr>
+        <p:spPr>
+          <a:xfrm>
+            <a:off x="488730" y="1752600"/>
+            <a:ext cx="8150773" cy="4600903"/>
+          </a:xfrm>
+        </p:spPr>
+        <p:txBody>
+          <a:bodyPr/>
+          <a:lstStyle/>
+          <a:p>
+            <a:pPr lvl="0"/>
+            <a:r>
+              <a:rPr lang="en-US" smtClean="0"/>
+              <a:t>Click to edit Master text styles</a:t>
+            </a:r>
+          </a:p>
+          <a:p>
+            <a:pPr lvl="1"/>
+            <a:r>
+              <a:rPr lang="en-US" smtClean="0"/>
+              <a:t>Second level</a:t>
+            </a:r>
+          </a:p>
+          <a:p>
+            <a:pPr lvl="2"/>
+            <a:r>
+              <a:rPr lang="en-US" smtClean="0"/>
+              <a:t>Third level</a:t>
+            </a:r>
+          </a:p>
+          <a:p>
+            <a:pPr lvl="3"/>
+            <a:r>
+              <a:rPr lang="en-US" smtClean="0"/>
+              <a:t>Fourth level</a:t>
+            </a:r>
+          </a:p>
+          <a:p>
+            <a:pPr lvl="4"/>
+            <a:r>
+              <a:rPr lang="en-US" smtClean="0"/>
+              <a:t>Fifth level</a:t>
+            </a:r>
+            <a:endParaRPr lang="en-US"/>
+          </a:p>
+        </p:txBody>
+      </p:sp>
+      <p:sp>
+        <p:nvSpPr>
+          <p:cNvPr id="4" name="Date Placeholder 3"/>
+          <p:cNvSpPr>
+            <a:spLocks noGrp="1"/>
+          </p:cNvSpPr>
+          <p:nvPr>
+            <p:ph type="dt" sz="half" idx="10"/>
+          </p:nvPr>
+        </p:nvSpPr>
+        <p:spPr>
+          <a:xfrm>
+            <a:off x="457200" y="6416675"/>
+            <a:ext cx="2133600" cy="365125"/>
+          </a:xfrm>
+        </p:spPr>
+        <p:txBody>
+          <a:bodyPr/>
+          <a:lstStyle/>
+          <a:p>
+            <a:fld id="{3D5BC15F-23A8-447B-98F2-73382115937F}" type="datetime1">
+              <a:rPr lang="en-US" smtClean="0"/>
+              <a:t>6/5/2014</a:t>
+            </a:fld>
+            <a:endParaRPr lang="en-US"/>
+          </a:p>
+        </p:txBody>
+      </p:sp>
+      <p:sp>
+        <p:nvSpPr>
+          <p:cNvPr id="5" name="Footer Placeholder 4"/>
+          <p:cNvSpPr>
+            <a:spLocks noGrp="1"/>
+          </p:cNvSpPr>
+          <p:nvPr>
+            <p:ph type="ftr" sz="quarter" idx="11"/>
+          </p:nvPr>
+        </p:nvSpPr>
+        <p:spPr>
+          <a:xfrm>
+            <a:off x="3124200" y="6416675"/>
+            <a:ext cx="2895600" cy="365125"/>
+          </a:xfrm>
+        </p:spPr>
+        <p:txBody>
+          <a:bodyPr/>
+          <a:lstStyle/>
+          <a:p>
+            <a:r>
+              <a:rPr lang="en-US" smtClean="0"/>
+              <a:t>Erebus Labs STEM Sensor</a:t>
+            </a:r>
+            <a:endParaRPr lang="en-US"/>
+          </a:p>
+        </p:txBody>
+      </p:sp>
+      <p:sp>
+        <p:nvSpPr>
+          <p:cNvPr id="6" name="Slide Number Placeholder 5"/>
+          <p:cNvSpPr>
+            <a:spLocks noGrp="1"/>
+          </p:cNvSpPr>
+          <p:nvPr>
+            <p:ph type="sldNum" sz="quarter" idx="12"/>
+          </p:nvPr>
+        </p:nvSpPr>
+        <p:spPr>
+          <a:xfrm>
+            <a:off x="6553200" y="6416675"/>
+            <a:ext cx="2133600" cy="365125"/>
+          </a:xfrm>
+        </p:spPr>
+        <p:txBody>
+          <a:bodyPr/>
+          <a:lstStyle/>
+          <a:p>
+            <a:fld id="{41FBF465-1333-4AA3-A58E-1653FDB8C624}" type="slidenum">
+              <a:rPr lang="en-US" smtClean="0"/>
+              <a:t>‹#›</a:t>
+            </a:fld>
+            <a:endParaRPr lang="en-US"/>
+          </a:p>
+        </p:txBody>
+      </p:sp>
+    </p:spTree>
+    <p:extLst>
+      <p:ext uri="{BB962C8B-B14F-4D97-AF65-F5344CB8AC3E}">
+        <p14:creationId xmlns:p14="http://schemas.microsoft.com/office/powerpoint/2010/main" val="1305180306"/>
       </p:ext>
     </p:extLst>
   </p:cSld>
@@ -3125,12 +4088,15 @@
   <p:clrMap bg1="lt1" tx1="dk1" bg2="lt2" tx2="dk2" accent1="accent1" accent2="accent2" accent3="accent3" accent4="accent4" accent5="accent5" accent6="accent6" hlink="hlink" folHlink="folHlink"/>
   <p:sldLayoutIdLst>
     <p:sldLayoutId id="2147483649" r:id="rId1"/>
-    <p:sldLayoutId id="2147483650" r:id="rId2"/>
-    <p:sldLayoutId id="2147483656" r:id="rId3"/>
-    <p:sldLayoutId id="2147483651" r:id="rId4"/>
-    <p:sldLayoutId id="2147483658" r:id="rId5"/>
-    <p:sldLayoutId id="2147483652" r:id="rId6"/>
-    <p:sldLayoutId id="2147483657" r:id="rId7"/>
+    <p:sldLayoutId id="2147483659" r:id="rId2"/>
+    <p:sldLayoutId id="2147483650" r:id="rId3"/>
+    <p:sldLayoutId id="2147483656" r:id="rId4"/>
+    <p:sldLayoutId id="2147483651" r:id="rId5"/>
+    <p:sldLayoutId id="2147483658" r:id="rId6"/>
+    <p:sldLayoutId id="2147483652" r:id="rId7"/>
+    <p:sldLayoutId id="2147483657" r:id="rId8"/>
+    <p:sldLayoutId id="2147483660" r:id="rId9"/>
+    <p:sldLayoutId id="2147483661" r:id="rId10"/>
   </p:sldLayoutIdLst>
   <p:hf hdr="0"/>
   <p:txStyles>
@@ -3548,7 +4514,7 @@
           <a:p>
             <a:r>
               <a:rPr lang="en-US" dirty="0" smtClean="0"/>
-              <a:t>Light Sensor</a:t>
+              <a:t>Interfaces</a:t>
             </a:r>
             <a:endParaRPr lang="en-US" dirty="0"/>
           </a:p>
@@ -3566,111 +4532,62 @@
         </p:nvSpPr>
         <p:spPr/>
         <p:txBody>
-          <a:bodyPr/>
-          <a:lstStyle/>
-          <a:p>
-            <a:r>
-              <a:rPr lang="en-US" dirty="0" smtClean="0"/>
-              <a:t>Easy to Implement</a:t>
-            </a:r>
-          </a:p>
-          <a:p>
-            <a:r>
-              <a:rPr lang="en-US" dirty="0" smtClean="0"/>
-              <a:t>Simple to Understand</a:t>
-            </a:r>
-          </a:p>
-          <a:p>
-            <a:r>
-              <a:rPr lang="en-US" dirty="0" smtClean="0"/>
-              <a:t>Many Use Cases</a:t>
-            </a:r>
-          </a:p>
-          <a:p>
-            <a:r>
-              <a:rPr lang="en-US" dirty="0" smtClean="0"/>
-              <a:t>Proof of Concept Sensor</a:t>
-            </a:r>
-          </a:p>
-        </p:txBody>
-      </p:sp>
-      <p:sp>
-        <p:nvSpPr>
-          <p:cNvPr id="5" name="Rectangle 4"/>
-          <p:cNvSpPr/>
-          <p:nvPr/>
-        </p:nvSpPr>
-        <p:spPr>
-          <a:xfrm>
-            <a:off x="4739730" y="4038600"/>
-            <a:ext cx="2286000" cy="1752600"/>
-          </a:xfrm>
-          <a:prstGeom prst="rect">
-            <a:avLst/>
-          </a:prstGeom>
-        </p:spPr>
-        <p:style>
-          <a:lnRef idx="2">
-            <a:schemeClr val="accent1">
-              <a:shade val="50000"/>
-            </a:schemeClr>
-          </a:lnRef>
-          <a:fillRef idx="1">
-            <a:schemeClr val="accent1"/>
-          </a:fillRef>
-          <a:effectRef idx="0">
-            <a:schemeClr val="accent1"/>
-          </a:effectRef>
-          <a:fontRef idx="minor">
-            <a:schemeClr val="lt1"/>
-          </a:fontRef>
-        </p:style>
-        <p:txBody>
-          <a:bodyPr rtlCol="0" anchor="ctr"/>
-          <a:lstStyle/>
-          <a:p>
-            <a:pPr algn="ctr"/>
-            <a:r>
-              <a:rPr lang="en-US" dirty="0" smtClean="0"/>
-              <a:t>Picture of Sensor Module</a:t>
-            </a:r>
-            <a:endParaRPr lang="en-US" dirty="0"/>
-          </a:p>
-        </p:txBody>
-      </p:sp>
-      <p:pic>
-        <p:nvPicPr>
-          <p:cNvPr id="6" name="Picture 5"/>
-          <p:cNvPicPr>
-            <a:picLocks noChangeAspect="1"/>
-          </p:cNvPicPr>
-          <p:nvPr/>
-        </p:nvPicPr>
-        <p:blipFill>
-          <a:blip r:embed="rId2">
-            <a:extLst>
-              <a:ext uri="{28A0092B-C50C-407E-A947-70E740481C1C}">
-                <a14:useLocalDpi xmlns:a14="http://schemas.microsoft.com/office/drawing/2010/main" val="0"/>
-              </a:ext>
-            </a:extLst>
-          </a:blip>
-          <a:stretch>
-            <a:fillRect/>
-          </a:stretch>
-        </p:blipFill>
-        <p:spPr>
-          <a:xfrm>
-            <a:off x="1752600" y="4164265"/>
-            <a:ext cx="2088061" cy="1501270"/>
-          </a:xfrm>
-          <a:prstGeom prst="rect">
-            <a:avLst/>
-          </a:prstGeom>
-        </p:spPr>
-      </p:pic>
-      <p:sp>
-        <p:nvSpPr>
-          <p:cNvPr id="7" name="Date Placeholder 6"/>
+          <a:bodyPr>
+            <a:normAutofit/>
+          </a:bodyPr>
+          <a:lstStyle/>
+          <a:p>
+            <a:r>
+              <a:rPr lang="en-US" dirty="0" smtClean="0"/>
+              <a:t>Ethernet for Sensor Port</a:t>
+            </a:r>
+          </a:p>
+          <a:p>
+            <a:pPr lvl="1"/>
+            <a:r>
+              <a:rPr lang="en-US" dirty="0" smtClean="0"/>
+              <a:t>Cheap Cables</a:t>
+            </a:r>
+          </a:p>
+          <a:p>
+            <a:pPr lvl="1"/>
+            <a:r>
+              <a:rPr lang="en-US" dirty="0" smtClean="0"/>
+              <a:t>Easy to Work With</a:t>
+            </a:r>
+          </a:p>
+          <a:p>
+            <a:pPr lvl="1"/>
+            <a:r>
+              <a:rPr lang="en-US" dirty="0" smtClean="0"/>
+              <a:t>Many Lengths Available</a:t>
+            </a:r>
+          </a:p>
+          <a:p>
+            <a:r>
+              <a:rPr lang="en-US" dirty="0" smtClean="0"/>
+              <a:t>USB</a:t>
+            </a:r>
+          </a:p>
+          <a:p>
+            <a:pPr lvl="1"/>
+            <a:r>
+              <a:rPr lang="en-US" dirty="0" smtClean="0"/>
+              <a:t>Standard for Most Computer Interface Applications</a:t>
+            </a:r>
+          </a:p>
+          <a:p>
+            <a:pPr lvl="1"/>
+            <a:r>
+              <a:rPr lang="en-US" dirty="0" smtClean="0"/>
+              <a:t>Micro USB = Small Footprint</a:t>
+            </a:r>
+          </a:p>
+        </p:txBody>
+      </p:sp>
+      <p:sp>
+        <p:nvSpPr>
+          <p:cNvPr id="5" name="Date Placeholder 4"/>
           <p:cNvSpPr>
             <a:spLocks noGrp="1"/>
           </p:cNvSpPr>
@@ -3683,7 +4600,7 @@
           <a:bodyPr/>
           <a:lstStyle/>
           <a:p>
-            <a:fld id="{7848CE29-B55F-4A30-A5BE-2588661F7426}" type="datetime1">
+            <a:fld id="{083EEC35-4827-4E69-BD16-897B79CAC35F}" type="datetime1">
               <a:rPr lang="en-US" smtClean="0"/>
               <a:t>6/5/2014</a:t>
             </a:fld>
@@ -3693,7 +4610,7 @@
       </p:sp>
       <p:sp>
         <p:nvSpPr>
-          <p:cNvPr id="8" name="Footer Placeholder 7"/>
+          <p:cNvPr id="6" name="Footer Placeholder 5"/>
           <p:cNvSpPr>
             <a:spLocks noGrp="1"/>
           </p:cNvSpPr>
@@ -3716,7 +4633,7 @@
       </p:sp>
       <p:sp>
         <p:nvSpPr>
-          <p:cNvPr id="9" name="Slide Number Placeholder 8"/>
+          <p:cNvPr id="7" name="Slide Number Placeholder 6"/>
           <p:cNvSpPr>
             <a:spLocks noGrp="1"/>
           </p:cNvSpPr>
@@ -3740,7 +4657,7 @@
     </p:spTree>
     <p:extLst>
       <p:ext uri="{BB962C8B-B14F-4D97-AF65-F5344CB8AC3E}">
-        <p14:creationId xmlns:p14="http://schemas.microsoft.com/office/powerpoint/2010/main" val="694918271"/>
+        <p14:creationId xmlns:p14="http://schemas.microsoft.com/office/powerpoint/2010/main" val="4234070995"/>
       </p:ext>
     </p:extLst>
   </p:cSld>
@@ -3776,7 +4693,96 @@
       </p:grpSpPr>
       <p:sp>
         <p:nvSpPr>
-          <p:cNvPr id="2" name="Date Placeholder 1"/>
+          <p:cNvPr id="2" name="Text Placeholder 1"/>
+          <p:cNvSpPr>
+            <a:spLocks noGrp="1"/>
+          </p:cNvSpPr>
+          <p:nvPr>
+            <p:ph type="body" sz="quarter" idx="13"/>
+          </p:nvPr>
+        </p:nvSpPr>
+        <p:spPr/>
+        <p:txBody>
+          <a:bodyPr/>
+          <a:lstStyle/>
+          <a:p>
+            <a:r>
+              <a:rPr lang="en-US" dirty="0" smtClean="0"/>
+              <a:t>Hardware</a:t>
+            </a:r>
+            <a:endParaRPr lang="en-US" dirty="0"/>
+          </a:p>
+        </p:txBody>
+      </p:sp>
+      <p:sp>
+        <p:nvSpPr>
+          <p:cNvPr id="3" name="Text Placeholder 2"/>
+          <p:cNvSpPr>
+            <a:spLocks noGrp="1"/>
+          </p:cNvSpPr>
+          <p:nvPr>
+            <p:ph type="body" sz="quarter" idx="14"/>
+          </p:nvPr>
+        </p:nvSpPr>
+        <p:spPr/>
+        <p:txBody>
+          <a:bodyPr/>
+          <a:lstStyle/>
+          <a:p>
+            <a:r>
+              <a:rPr lang="en-US" dirty="0" smtClean="0"/>
+              <a:t>Low-Oxygen Sensor</a:t>
+            </a:r>
+            <a:endParaRPr lang="en-US" dirty="0"/>
+          </a:p>
+        </p:txBody>
+      </p:sp>
+      <p:sp>
+        <p:nvSpPr>
+          <p:cNvPr id="4" name="Text Placeholder 3"/>
+          <p:cNvSpPr>
+            <a:spLocks noGrp="1"/>
+          </p:cNvSpPr>
+          <p:nvPr>
+            <p:ph type="body" sz="quarter" idx="15"/>
+          </p:nvPr>
+        </p:nvSpPr>
+        <p:spPr/>
+        <p:txBody>
+          <a:bodyPr/>
+          <a:lstStyle/>
+          <a:p>
+            <a:r>
+              <a:rPr lang="en-US" dirty="0" smtClean="0"/>
+              <a:t>Figaro TGS 2600</a:t>
+            </a:r>
+          </a:p>
+          <a:p>
+            <a:r>
+              <a:rPr lang="en-US" dirty="0" smtClean="0"/>
+              <a:t>Technically “Air Contaminant Sensor”</a:t>
+            </a:r>
+          </a:p>
+          <a:p>
+            <a:r>
+              <a:rPr lang="en-US" dirty="0" smtClean="0"/>
+              <a:t>Resemblance to VOC Sensor</a:t>
+            </a:r>
+          </a:p>
+          <a:p>
+            <a:r>
+              <a:rPr lang="en-US" dirty="0" smtClean="0"/>
+              <a:t>Easy to Find Applications or Experiments</a:t>
+            </a:r>
+          </a:p>
+          <a:p>
+            <a:endParaRPr lang="en-US" dirty="0"/>
+          </a:p>
+        </p:txBody>
+      </p:sp>
+      <p:sp>
+        <p:nvSpPr>
+          <p:cNvPr id="8" name="Date Placeholder 7"/>
           <p:cNvSpPr>
             <a:spLocks noGrp="1"/>
           </p:cNvSpPr>
@@ -3789,7 +4795,7 @@
           <a:bodyPr/>
           <a:lstStyle/>
           <a:p>
-            <a:fld id="{C29800E0-75F7-49C7-9A2B-4D6AEABEED8B}" type="datetime1">
+            <a:fld id="{5CCE490F-6F2A-472B-9AC3-55962C89105B}" type="datetime1">
               <a:rPr lang="en-US" smtClean="0"/>
               <a:t>6/5/2014</a:t>
             </a:fld>
@@ -3799,7 +4805,7 @@
       </p:sp>
       <p:sp>
         <p:nvSpPr>
-          <p:cNvPr id="3" name="Footer Placeholder 2"/>
+          <p:cNvPr id="9" name="Footer Placeholder 8"/>
           <p:cNvSpPr>
             <a:spLocks noGrp="1"/>
           </p:cNvSpPr>
@@ -3822,7 +4828,7 @@
       </p:sp>
       <p:sp>
         <p:nvSpPr>
-          <p:cNvPr id="4" name="Slide Number Placeholder 3"/>
+          <p:cNvPr id="10" name="Slide Number Placeholder 9"/>
           <p:cNvSpPr>
             <a:spLocks noGrp="1"/>
           </p:cNvSpPr>
@@ -3843,113 +4849,40 @@
           </a:p>
         </p:txBody>
       </p:sp>
-      <p:sp>
-        <p:nvSpPr>
-          <p:cNvPr id="5" name="Text Placeholder 4"/>
-          <p:cNvSpPr>
-            <a:spLocks noGrp="1"/>
-          </p:cNvSpPr>
-          <p:nvPr>
-            <p:ph type="body" sz="quarter" idx="13"/>
-          </p:nvPr>
-        </p:nvSpPr>
-        <p:spPr/>
-        <p:txBody>
-          <a:bodyPr/>
-          <a:lstStyle/>
-          <a:p>
-            <a:r>
-              <a:rPr lang="en-US" dirty="0" smtClean="0"/>
-              <a:t>Hardware</a:t>
-            </a:r>
-            <a:endParaRPr lang="en-US" dirty="0"/>
-          </a:p>
-        </p:txBody>
-      </p:sp>
-      <p:sp>
-        <p:nvSpPr>
-          <p:cNvPr id="6" name="Text Placeholder 5"/>
-          <p:cNvSpPr>
-            <a:spLocks noGrp="1"/>
-          </p:cNvSpPr>
-          <p:nvPr>
-            <p:ph type="body" sz="quarter" idx="14"/>
-          </p:nvPr>
-        </p:nvSpPr>
-        <p:spPr/>
-        <p:txBody>
-          <a:bodyPr/>
-          <a:lstStyle/>
-          <a:p>
-            <a:r>
-              <a:rPr lang="en-US" dirty="0" smtClean="0"/>
-              <a:t>Other</a:t>
-            </a:r>
-            <a:endParaRPr lang="en-US" dirty="0"/>
-          </a:p>
-        </p:txBody>
-      </p:sp>
-      <p:sp>
-        <p:nvSpPr>
-          <p:cNvPr id="7" name="Text Placeholder 6"/>
-          <p:cNvSpPr>
-            <a:spLocks noGrp="1"/>
-          </p:cNvSpPr>
-          <p:nvPr>
-            <p:ph type="body" sz="quarter" idx="15"/>
-          </p:nvPr>
-        </p:nvSpPr>
-        <p:spPr/>
-        <p:txBody>
-          <a:bodyPr/>
-          <a:lstStyle/>
-          <a:p>
-            <a:r>
-              <a:rPr lang="en-US" dirty="0" smtClean="0"/>
-              <a:t>Two Buttons (Start &amp; Stop)</a:t>
-            </a:r>
-          </a:p>
-          <a:p>
-            <a:r>
-              <a:rPr lang="en-US" dirty="0" smtClean="0"/>
-              <a:t>LED System Indicator</a:t>
-            </a:r>
-          </a:p>
-          <a:p>
-            <a:pPr lvl="1"/>
-            <a:r>
-              <a:rPr lang="en-US" dirty="0" smtClean="0"/>
-              <a:t>Start Sampling</a:t>
-            </a:r>
-          </a:p>
-          <a:p>
-            <a:pPr lvl="1"/>
-            <a:r>
-              <a:rPr lang="en-US" dirty="0" smtClean="0"/>
-              <a:t>Stop Sampling</a:t>
-            </a:r>
-          </a:p>
-          <a:p>
-            <a:r>
-              <a:rPr lang="en-US" dirty="0" smtClean="0"/>
-              <a:t>Powered with 4x AA Batteries</a:t>
-            </a:r>
-          </a:p>
-          <a:p>
-            <a:r>
-              <a:rPr lang="en-US" dirty="0" smtClean="0"/>
-              <a:t>Mixed Ground Planes (Analog/Digital)</a:t>
-            </a:r>
-          </a:p>
-          <a:p>
-            <a:endParaRPr lang="en-US" dirty="0"/>
-          </a:p>
-        </p:txBody>
-      </p:sp>
+      <p:pic>
+        <p:nvPicPr>
+          <p:cNvPr id="11" name="Picture 10"/>
+          <p:cNvPicPr>
+            <a:picLocks noChangeAspect="1"/>
+          </p:cNvPicPr>
+          <p:nvPr/>
+        </p:nvPicPr>
+        <p:blipFill>
+          <a:blip r:embed="rId3">
+            <a:extLst>
+              <a:ext uri="{28A0092B-C50C-407E-A947-70E740481C1C}">
+                <a14:useLocalDpi xmlns:a14="http://schemas.microsoft.com/office/drawing/2010/main" val="0"/>
+              </a:ext>
+            </a:extLst>
+          </a:blip>
+          <a:stretch>
+            <a:fillRect/>
+          </a:stretch>
+        </p:blipFill>
+        <p:spPr>
+          <a:xfrm>
+            <a:off x="4655869" y="4154556"/>
+            <a:ext cx="1897331" cy="1756788"/>
+          </a:xfrm>
+          <a:prstGeom prst="rect">
+            <a:avLst/>
+          </a:prstGeom>
+        </p:spPr>
+      </p:pic>
     </p:spTree>
     <p:extLst>
       <p:ext uri="{BB962C8B-B14F-4D97-AF65-F5344CB8AC3E}">
-        <p14:creationId xmlns:p14="http://schemas.microsoft.com/office/powerpoint/2010/main" val="120952503"/>
+        <p14:creationId xmlns:p14="http://schemas.microsoft.com/office/powerpoint/2010/main" val="4146449161"/>
       </p:ext>
     </p:extLst>
   </p:cSld>
@@ -3985,35 +4918,93 @@
       </p:grpSpPr>
       <p:sp>
         <p:nvSpPr>
-          <p:cNvPr id="2" name="Title 1"/>
-          <p:cNvSpPr>
-            <a:spLocks noGrp="1"/>
-          </p:cNvSpPr>
-          <p:nvPr>
-            <p:ph type="title"/>
-          </p:nvPr>
-        </p:nvSpPr>
-        <p:spPr>
-          <a:xfrm>
-            <a:off x="496116" y="2676345"/>
-            <a:ext cx="8166537" cy="1111469"/>
-          </a:xfrm>
-        </p:spPr>
-        <p:txBody>
-          <a:bodyPr/>
-          <a:lstStyle/>
-          <a:p>
-            <a:r>
-              <a:rPr lang="en-US" b="1" dirty="0" smtClean="0"/>
-              <a:t>Software</a:t>
-            </a:r>
-            <a:endParaRPr lang="en-US" b="1" dirty="0"/>
-          </a:p>
-        </p:txBody>
-      </p:sp>
-      <p:sp>
-        <p:nvSpPr>
-          <p:cNvPr id="4" name="Date Placeholder 3"/>
+          <p:cNvPr id="2" name="Text Placeholder 1"/>
+          <p:cNvSpPr>
+            <a:spLocks noGrp="1"/>
+          </p:cNvSpPr>
+          <p:nvPr>
+            <p:ph type="body" sz="quarter" idx="13"/>
+          </p:nvPr>
+        </p:nvSpPr>
+        <p:spPr/>
+        <p:txBody>
+          <a:bodyPr/>
+          <a:lstStyle/>
+          <a:p>
+            <a:r>
+              <a:rPr lang="en-US" dirty="0" smtClean="0"/>
+              <a:t>Hardware</a:t>
+            </a:r>
+            <a:endParaRPr lang="en-US" dirty="0"/>
+          </a:p>
+        </p:txBody>
+      </p:sp>
+      <p:sp>
+        <p:nvSpPr>
+          <p:cNvPr id="3" name="Text Placeholder 2"/>
+          <p:cNvSpPr>
+            <a:spLocks noGrp="1"/>
+          </p:cNvSpPr>
+          <p:nvPr>
+            <p:ph type="body" sz="quarter" idx="14"/>
+          </p:nvPr>
+        </p:nvSpPr>
+        <p:spPr/>
+        <p:txBody>
+          <a:bodyPr/>
+          <a:lstStyle/>
+          <a:p>
+            <a:r>
+              <a:rPr lang="en-US" dirty="0" smtClean="0"/>
+              <a:t>Light Sensor</a:t>
+            </a:r>
+            <a:endParaRPr lang="en-US" dirty="0"/>
+          </a:p>
+        </p:txBody>
+      </p:sp>
+      <p:sp>
+        <p:nvSpPr>
+          <p:cNvPr id="4" name="Text Placeholder 3"/>
+          <p:cNvSpPr>
+            <a:spLocks noGrp="1"/>
+          </p:cNvSpPr>
+          <p:nvPr>
+            <p:ph type="body" sz="quarter" idx="15"/>
+          </p:nvPr>
+        </p:nvSpPr>
+        <p:spPr/>
+        <p:txBody>
+          <a:bodyPr/>
+          <a:lstStyle/>
+          <a:p>
+            <a:r>
+              <a:rPr lang="en-US" dirty="0" smtClean="0"/>
+              <a:t>Easy to Implement</a:t>
+            </a:r>
+          </a:p>
+          <a:p>
+            <a:r>
+              <a:rPr lang="en-US" dirty="0" smtClean="0"/>
+              <a:t>Simple to Understand</a:t>
+            </a:r>
+          </a:p>
+          <a:p>
+            <a:r>
+              <a:rPr lang="en-US" dirty="0" smtClean="0"/>
+              <a:t>Many Use Cases</a:t>
+            </a:r>
+          </a:p>
+          <a:p>
+            <a:r>
+              <a:rPr lang="en-US" dirty="0" smtClean="0"/>
+              <a:t>Proof of Concept Sensor</a:t>
+            </a:r>
+          </a:p>
+        </p:txBody>
+      </p:sp>
+      <p:sp>
+        <p:nvSpPr>
+          <p:cNvPr id="7" name="Date Placeholder 6"/>
           <p:cNvSpPr>
             <a:spLocks noGrp="1"/>
           </p:cNvSpPr>
@@ -4026,7 +5017,7 @@
           <a:bodyPr/>
           <a:lstStyle/>
           <a:p>
-            <a:fld id="{3F200636-6250-4F89-B227-5D471D2DCAB3}" type="datetime1">
+            <a:fld id="{7848CE29-B55F-4A30-A5BE-2588661F7426}" type="datetime1">
               <a:rPr lang="en-US" smtClean="0"/>
               <a:t>6/5/2014</a:t>
             </a:fld>
@@ -4036,7 +5027,7 @@
       </p:sp>
       <p:sp>
         <p:nvSpPr>
-          <p:cNvPr id="5" name="Footer Placeholder 4"/>
+          <p:cNvPr id="8" name="Footer Placeholder 7"/>
           <p:cNvSpPr>
             <a:spLocks noGrp="1"/>
           </p:cNvSpPr>
@@ -4053,13 +5044,13 @@
               <a:rPr lang="en-US" smtClean="0"/>
               <a:t>Erebus Labs STEM Sensor</a:t>
             </a:r>
-            <a:endParaRPr lang="en-US"/>
-          </a:p>
-        </p:txBody>
-      </p:sp>
-      <p:sp>
-        <p:nvSpPr>
-          <p:cNvPr id="6" name="Slide Number Placeholder 5"/>
+            <a:endParaRPr lang="en-US" dirty="0"/>
+          </a:p>
+        </p:txBody>
+      </p:sp>
+      <p:sp>
+        <p:nvSpPr>
+          <p:cNvPr id="9" name="Slide Number Placeholder 8"/>
           <p:cNvSpPr>
             <a:spLocks noGrp="1"/>
           </p:cNvSpPr>
@@ -4080,10 +5071,40 @@
           </a:p>
         </p:txBody>
       </p:sp>
+      <p:pic>
+        <p:nvPicPr>
+          <p:cNvPr id="10" name="Picture 9"/>
+          <p:cNvPicPr>
+            <a:picLocks noChangeAspect="1"/>
+          </p:cNvPicPr>
+          <p:nvPr/>
+        </p:nvPicPr>
+        <p:blipFill>
+          <a:blip r:embed="rId2">
+            <a:extLst>
+              <a:ext uri="{28A0092B-C50C-407E-A947-70E740481C1C}">
+                <a14:useLocalDpi xmlns:a14="http://schemas.microsoft.com/office/drawing/2010/main" val="0"/>
+              </a:ext>
+            </a:extLst>
+          </a:blip>
+          <a:stretch>
+            <a:fillRect/>
+          </a:stretch>
+        </p:blipFill>
+        <p:spPr>
+          <a:xfrm>
+            <a:off x="4723038" y="4120752"/>
+            <a:ext cx="1830162" cy="1779324"/>
+          </a:xfrm>
+          <a:prstGeom prst="rect">
+            <a:avLst/>
+          </a:prstGeom>
+        </p:spPr>
+      </p:pic>
     </p:spTree>
     <p:extLst>
       <p:ext uri="{BB962C8B-B14F-4D97-AF65-F5344CB8AC3E}">
-        <p14:creationId xmlns:p14="http://schemas.microsoft.com/office/powerpoint/2010/main" val="2642892805"/>
+        <p14:creationId xmlns:p14="http://schemas.microsoft.com/office/powerpoint/2010/main" val="694918271"/>
       </p:ext>
     </p:extLst>
   </p:cSld>
@@ -4119,87 +5140,7 @@
       </p:grpSpPr>
       <p:sp>
         <p:nvSpPr>
-          <p:cNvPr id="2" name="Text Placeholder 1"/>
-          <p:cNvSpPr>
-            <a:spLocks noGrp="1"/>
-          </p:cNvSpPr>
-          <p:nvPr>
-            <p:ph type="body" sz="quarter" idx="13"/>
-          </p:nvPr>
-        </p:nvSpPr>
-        <p:spPr/>
-        <p:txBody>
-          <a:bodyPr/>
-          <a:lstStyle/>
-          <a:p>
-            <a:r>
-              <a:rPr lang="en-US" dirty="0" smtClean="0"/>
-              <a:t>Software</a:t>
-            </a:r>
-            <a:endParaRPr lang="en-US" dirty="0"/>
-          </a:p>
-        </p:txBody>
-      </p:sp>
-      <p:sp>
-        <p:nvSpPr>
-          <p:cNvPr id="3" name="Text Placeholder 2"/>
-          <p:cNvSpPr>
-            <a:spLocks noGrp="1"/>
-          </p:cNvSpPr>
-          <p:nvPr>
-            <p:ph type="body" sz="quarter" idx="14"/>
-          </p:nvPr>
-        </p:nvSpPr>
-        <p:spPr/>
-        <p:txBody>
-          <a:bodyPr/>
-          <a:lstStyle/>
-          <a:p>
-            <a:r>
-              <a:rPr lang="en-US" dirty="0" smtClean="0"/>
-              <a:t>PSoC Creator</a:t>
-            </a:r>
-            <a:endParaRPr lang="en-US" dirty="0"/>
-          </a:p>
-        </p:txBody>
-      </p:sp>
-      <p:sp>
-        <p:nvSpPr>
-          <p:cNvPr id="4" name="Text Placeholder 3"/>
-          <p:cNvSpPr>
-            <a:spLocks noGrp="1"/>
-          </p:cNvSpPr>
-          <p:nvPr>
-            <p:ph type="body" sz="quarter" idx="15"/>
-          </p:nvPr>
-        </p:nvSpPr>
-        <p:spPr/>
-        <p:txBody>
-          <a:bodyPr/>
-          <a:lstStyle/>
-          <a:p>
-            <a:r>
-              <a:rPr lang="en-US" dirty="0" smtClean="0"/>
-              <a:t>Free Development Environment</a:t>
-            </a:r>
-          </a:p>
-          <a:p>
-            <a:r>
-              <a:rPr lang="en-US" dirty="0" smtClean="0"/>
-              <a:t>Drag-and-Drop Programming</a:t>
-            </a:r>
-          </a:p>
-          <a:p>
-            <a:r>
-              <a:rPr lang="en-US" dirty="0" smtClean="0"/>
-              <a:t>Extensive APIs</a:t>
-            </a:r>
-          </a:p>
-        </p:txBody>
-      </p:sp>
-      <p:sp>
-        <p:nvSpPr>
-          <p:cNvPr id="5" name="Date Placeholder 4"/>
+          <p:cNvPr id="2" name="Date Placeholder 1"/>
           <p:cNvSpPr>
             <a:spLocks noGrp="1"/>
           </p:cNvSpPr>
@@ -4212,7 +5153,7 @@
           <a:bodyPr/>
           <a:lstStyle/>
           <a:p>
-            <a:fld id="{60D7BE83-9D8A-4E84-AE8B-85636A3615EB}" type="datetime1">
+            <a:fld id="{C29800E0-75F7-49C7-9A2B-4D6AEABEED8B}" type="datetime1">
               <a:rPr lang="en-US" smtClean="0"/>
               <a:t>6/5/2014</a:t>
             </a:fld>
@@ -4222,6 +5163,429 @@
       </p:sp>
       <p:sp>
         <p:nvSpPr>
+          <p:cNvPr id="3" name="Footer Placeholder 2"/>
+          <p:cNvSpPr>
+            <a:spLocks noGrp="1"/>
+          </p:cNvSpPr>
+          <p:nvPr>
+            <p:ph type="ftr" sz="quarter" idx="11"/>
+          </p:nvPr>
+        </p:nvSpPr>
+        <p:spPr/>
+        <p:txBody>
+          <a:bodyPr/>
+          <a:lstStyle/>
+          <a:p>
+            <a:r>
+              <a:rPr lang="en-US" smtClean="0"/>
+              <a:t>Erebus Labs STEM Sensor</a:t>
+            </a:r>
+            <a:endParaRPr lang="en-US" dirty="0"/>
+          </a:p>
+        </p:txBody>
+      </p:sp>
+      <p:sp>
+        <p:nvSpPr>
+          <p:cNvPr id="4" name="Slide Number Placeholder 3"/>
+          <p:cNvSpPr>
+            <a:spLocks noGrp="1"/>
+          </p:cNvSpPr>
+          <p:nvPr>
+            <p:ph type="sldNum" sz="quarter" idx="12"/>
+          </p:nvPr>
+        </p:nvSpPr>
+        <p:spPr/>
+        <p:txBody>
+          <a:bodyPr/>
+          <a:lstStyle/>
+          <a:p>
+            <a:fld id="{41FBF465-1333-4AA3-A58E-1653FDB8C624}" type="slidenum">
+              <a:rPr lang="en-US" smtClean="0"/>
+              <a:t>13</a:t>
+            </a:fld>
+            <a:endParaRPr lang="en-US"/>
+          </a:p>
+        </p:txBody>
+      </p:sp>
+      <p:sp>
+        <p:nvSpPr>
+          <p:cNvPr id="5" name="Text Placeholder 4"/>
+          <p:cNvSpPr>
+            <a:spLocks noGrp="1"/>
+          </p:cNvSpPr>
+          <p:nvPr>
+            <p:ph type="body" sz="quarter" idx="13"/>
+          </p:nvPr>
+        </p:nvSpPr>
+        <p:spPr/>
+        <p:txBody>
+          <a:bodyPr/>
+          <a:lstStyle/>
+          <a:p>
+            <a:r>
+              <a:rPr lang="en-US" dirty="0" smtClean="0"/>
+              <a:t>Hardware</a:t>
+            </a:r>
+            <a:endParaRPr lang="en-US" dirty="0"/>
+          </a:p>
+        </p:txBody>
+      </p:sp>
+      <p:sp>
+        <p:nvSpPr>
+          <p:cNvPr id="6" name="Text Placeholder 5"/>
+          <p:cNvSpPr>
+            <a:spLocks noGrp="1"/>
+          </p:cNvSpPr>
+          <p:nvPr>
+            <p:ph type="body" sz="quarter" idx="14"/>
+          </p:nvPr>
+        </p:nvSpPr>
+        <p:spPr/>
+        <p:txBody>
+          <a:bodyPr/>
+          <a:lstStyle/>
+          <a:p>
+            <a:r>
+              <a:rPr lang="en-US" dirty="0" smtClean="0"/>
+              <a:t>Other</a:t>
+            </a:r>
+            <a:endParaRPr lang="en-US" dirty="0"/>
+          </a:p>
+        </p:txBody>
+      </p:sp>
+      <p:sp>
+        <p:nvSpPr>
+          <p:cNvPr id="7" name="Text Placeholder 6"/>
+          <p:cNvSpPr>
+            <a:spLocks noGrp="1"/>
+          </p:cNvSpPr>
+          <p:nvPr>
+            <p:ph type="body" sz="quarter" idx="15"/>
+          </p:nvPr>
+        </p:nvSpPr>
+        <p:spPr/>
+        <p:txBody>
+          <a:bodyPr/>
+          <a:lstStyle/>
+          <a:p>
+            <a:r>
+              <a:rPr lang="en-US" dirty="0" smtClean="0"/>
+              <a:t>Two Buttons (Start &amp; Stop)</a:t>
+            </a:r>
+          </a:p>
+          <a:p>
+            <a:r>
+              <a:rPr lang="en-US" dirty="0" smtClean="0"/>
+              <a:t>LED System Indicator</a:t>
+            </a:r>
+          </a:p>
+          <a:p>
+            <a:pPr lvl="1"/>
+            <a:r>
+              <a:rPr lang="en-US" dirty="0" smtClean="0"/>
+              <a:t>Start Sampling</a:t>
+            </a:r>
+          </a:p>
+          <a:p>
+            <a:pPr lvl="1"/>
+            <a:r>
+              <a:rPr lang="en-US" dirty="0" smtClean="0"/>
+              <a:t>Stop Sampling</a:t>
+            </a:r>
+          </a:p>
+          <a:p>
+            <a:r>
+              <a:rPr lang="en-US" dirty="0" smtClean="0"/>
+              <a:t>Powered with 4x AA Batteries</a:t>
+            </a:r>
+          </a:p>
+          <a:p>
+            <a:r>
+              <a:rPr lang="en-US" dirty="0" smtClean="0"/>
+              <a:t>Mixed Ground Planes (Analog/Digital)</a:t>
+            </a:r>
+          </a:p>
+          <a:p>
+            <a:endParaRPr lang="en-US" dirty="0"/>
+          </a:p>
+        </p:txBody>
+      </p:sp>
+    </p:spTree>
+    <p:extLst>
+      <p:ext uri="{BB962C8B-B14F-4D97-AF65-F5344CB8AC3E}">
+        <p14:creationId xmlns:p14="http://schemas.microsoft.com/office/powerpoint/2010/main" val="120952503"/>
+      </p:ext>
+    </p:extLst>
+  </p:cSld>
+  <p:clrMapOvr>
+    <a:masterClrMapping/>
+  </p:clrMapOvr>
+  <p:timing>
+    <p:tnLst>
+      <p:par>
+        <p:cTn id="1" dur="indefinite" restart="never" nodeType="tmRoot"/>
+      </p:par>
+    </p:tnLst>
+  </p:timing>
+</p:sld>
+</file>
+
+<file path=ppt/slides/slide14.xml><?xml version="1.0" encoding="utf-8"?>
+<p:sld xmlns:a="http://schemas.openxmlformats.org/drawingml/2006/main" xmlns:r="http://schemas.openxmlformats.org/officeDocument/2006/relationships" xmlns:p="http://schemas.openxmlformats.org/presentationml/2006/main">
+  <p:cSld>
+    <p:spTree>
+      <p:nvGrpSpPr>
+        <p:cNvPr id="1" name=""/>
+        <p:cNvGrpSpPr/>
+        <p:nvPr/>
+      </p:nvGrpSpPr>
+      <p:grpSpPr>
+        <a:xfrm>
+          <a:off x="0" y="0"/>
+          <a:ext cx="0" cy="0"/>
+          <a:chOff x="0" y="0"/>
+          <a:chExt cx="0" cy="0"/>
+        </a:xfrm>
+      </p:grpSpPr>
+      <p:sp>
+        <p:nvSpPr>
+          <p:cNvPr id="2" name="Title 1"/>
+          <p:cNvSpPr>
+            <a:spLocks noGrp="1"/>
+          </p:cNvSpPr>
+          <p:nvPr>
+            <p:ph type="title"/>
+          </p:nvPr>
+        </p:nvSpPr>
+        <p:spPr>
+          <a:xfrm>
+            <a:off x="496116" y="2676345"/>
+            <a:ext cx="8166537" cy="1111469"/>
+          </a:xfrm>
+        </p:spPr>
+        <p:txBody>
+          <a:bodyPr/>
+          <a:lstStyle/>
+          <a:p>
+            <a:r>
+              <a:rPr lang="en-US" b="1" dirty="0" smtClean="0"/>
+              <a:t>Software</a:t>
+            </a:r>
+            <a:endParaRPr lang="en-US" b="1" dirty="0"/>
+          </a:p>
+        </p:txBody>
+      </p:sp>
+      <p:sp>
+        <p:nvSpPr>
+          <p:cNvPr id="4" name="Date Placeholder 3"/>
+          <p:cNvSpPr>
+            <a:spLocks noGrp="1"/>
+          </p:cNvSpPr>
+          <p:nvPr>
+            <p:ph type="dt" sz="half" idx="10"/>
+          </p:nvPr>
+        </p:nvSpPr>
+        <p:spPr/>
+        <p:txBody>
+          <a:bodyPr/>
+          <a:lstStyle/>
+          <a:p>
+            <a:fld id="{3F200636-6250-4F89-B227-5D471D2DCAB3}" type="datetime1">
+              <a:rPr lang="en-US" smtClean="0"/>
+              <a:t>6/5/2014</a:t>
+            </a:fld>
+            <a:endParaRPr lang="en-US"/>
+          </a:p>
+        </p:txBody>
+      </p:sp>
+      <p:sp>
+        <p:nvSpPr>
+          <p:cNvPr id="5" name="Footer Placeholder 4"/>
+          <p:cNvSpPr>
+            <a:spLocks noGrp="1"/>
+          </p:cNvSpPr>
+          <p:nvPr>
+            <p:ph type="ftr" sz="quarter" idx="11"/>
+          </p:nvPr>
+        </p:nvSpPr>
+        <p:spPr/>
+        <p:txBody>
+          <a:bodyPr/>
+          <a:lstStyle/>
+          <a:p>
+            <a:r>
+              <a:rPr lang="en-US" smtClean="0"/>
+              <a:t>Erebus Labs STEM Sensor</a:t>
+            </a:r>
+            <a:endParaRPr lang="en-US"/>
+          </a:p>
+        </p:txBody>
+      </p:sp>
+      <p:sp>
+        <p:nvSpPr>
+          <p:cNvPr id="6" name="Slide Number Placeholder 5"/>
+          <p:cNvSpPr>
+            <a:spLocks noGrp="1"/>
+          </p:cNvSpPr>
+          <p:nvPr>
+            <p:ph type="sldNum" sz="quarter" idx="12"/>
+          </p:nvPr>
+        </p:nvSpPr>
+        <p:spPr/>
+        <p:txBody>
+          <a:bodyPr/>
+          <a:lstStyle/>
+          <a:p>
+            <a:fld id="{41FBF465-1333-4AA3-A58E-1653FDB8C624}" type="slidenum">
+              <a:rPr lang="en-US" smtClean="0"/>
+              <a:t>14</a:t>
+            </a:fld>
+            <a:endParaRPr lang="en-US"/>
+          </a:p>
+        </p:txBody>
+      </p:sp>
+    </p:spTree>
+    <p:extLst>
+      <p:ext uri="{BB962C8B-B14F-4D97-AF65-F5344CB8AC3E}">
+        <p14:creationId xmlns:p14="http://schemas.microsoft.com/office/powerpoint/2010/main" val="2642892805"/>
+      </p:ext>
+    </p:extLst>
+  </p:cSld>
+  <p:clrMapOvr>
+    <a:masterClrMapping/>
+  </p:clrMapOvr>
+  <p:timing>
+    <p:tnLst>
+      <p:par>
+        <p:cTn id="1" dur="indefinite" restart="never" nodeType="tmRoot"/>
+      </p:par>
+    </p:tnLst>
+  </p:timing>
+</p:sld>
+</file>
+
+<file path=ppt/slides/slide15.xml><?xml version="1.0" encoding="utf-8"?>
+<p:sld xmlns:a="http://schemas.openxmlformats.org/drawingml/2006/main" xmlns:r="http://schemas.openxmlformats.org/officeDocument/2006/relationships" xmlns:p="http://schemas.openxmlformats.org/presentationml/2006/main">
+  <p:cSld>
+    <p:spTree>
+      <p:nvGrpSpPr>
+        <p:cNvPr id="1" name=""/>
+        <p:cNvGrpSpPr/>
+        <p:nvPr/>
+      </p:nvGrpSpPr>
+      <p:grpSpPr>
+        <a:xfrm>
+          <a:off x="0" y="0"/>
+          <a:ext cx="0" cy="0"/>
+          <a:chOff x="0" y="0"/>
+          <a:chExt cx="0" cy="0"/>
+        </a:xfrm>
+      </p:grpSpPr>
+      <p:sp>
+        <p:nvSpPr>
+          <p:cNvPr id="2" name="Text Placeholder 1"/>
+          <p:cNvSpPr>
+            <a:spLocks noGrp="1"/>
+          </p:cNvSpPr>
+          <p:nvPr>
+            <p:ph type="body" sz="quarter" idx="13"/>
+          </p:nvPr>
+        </p:nvSpPr>
+        <p:spPr/>
+        <p:txBody>
+          <a:bodyPr/>
+          <a:lstStyle/>
+          <a:p>
+            <a:r>
+              <a:rPr lang="en-US" dirty="0" smtClean="0"/>
+              <a:t>Software</a:t>
+            </a:r>
+            <a:endParaRPr lang="en-US" dirty="0"/>
+          </a:p>
+        </p:txBody>
+      </p:sp>
+      <p:sp>
+        <p:nvSpPr>
+          <p:cNvPr id="3" name="Text Placeholder 2"/>
+          <p:cNvSpPr>
+            <a:spLocks noGrp="1"/>
+          </p:cNvSpPr>
+          <p:nvPr>
+            <p:ph type="body" sz="quarter" idx="14"/>
+          </p:nvPr>
+        </p:nvSpPr>
+        <p:spPr/>
+        <p:txBody>
+          <a:bodyPr/>
+          <a:lstStyle/>
+          <a:p>
+            <a:r>
+              <a:rPr lang="en-US" dirty="0" smtClean="0"/>
+              <a:t>PSoC Creator</a:t>
+            </a:r>
+            <a:endParaRPr lang="en-US" dirty="0"/>
+          </a:p>
+        </p:txBody>
+      </p:sp>
+      <p:sp>
+        <p:nvSpPr>
+          <p:cNvPr id="4" name="Text Placeholder 3"/>
+          <p:cNvSpPr>
+            <a:spLocks noGrp="1"/>
+          </p:cNvSpPr>
+          <p:nvPr>
+            <p:ph type="body" sz="quarter" idx="15"/>
+          </p:nvPr>
+        </p:nvSpPr>
+        <p:spPr/>
+        <p:txBody>
+          <a:bodyPr/>
+          <a:lstStyle/>
+          <a:p>
+            <a:r>
+              <a:rPr lang="en-US" dirty="0" smtClean="0"/>
+              <a:t>Free Development Environment</a:t>
+            </a:r>
+          </a:p>
+          <a:p>
+            <a:r>
+              <a:rPr lang="en-US" dirty="0" smtClean="0"/>
+              <a:t>Drag-and-Drop Programming</a:t>
+            </a:r>
+          </a:p>
+          <a:p>
+            <a:r>
+              <a:rPr lang="en-US" dirty="0" smtClean="0"/>
+              <a:t>Extensive APIs</a:t>
+            </a:r>
+          </a:p>
+        </p:txBody>
+      </p:sp>
+      <p:sp>
+        <p:nvSpPr>
+          <p:cNvPr id="5" name="Date Placeholder 4"/>
+          <p:cNvSpPr>
+            <a:spLocks noGrp="1"/>
+          </p:cNvSpPr>
+          <p:nvPr>
+            <p:ph type="dt" sz="half" idx="10"/>
+          </p:nvPr>
+        </p:nvSpPr>
+        <p:spPr/>
+        <p:txBody>
+          <a:bodyPr/>
+          <a:lstStyle/>
+          <a:p>
+            <a:fld id="{60D7BE83-9D8A-4E84-AE8B-85636A3615EB}" type="datetime1">
+              <a:rPr lang="en-US" smtClean="0"/>
+              <a:t>6/5/2014</a:t>
+            </a:fld>
+            <a:endParaRPr lang="en-US"/>
+          </a:p>
+        </p:txBody>
+      </p:sp>
+      <p:sp>
+        <p:nvSpPr>
           <p:cNvPr id="6" name="Footer Placeholder 5"/>
           <p:cNvSpPr>
             <a:spLocks noGrp="1"/>
@@ -4260,7 +5624,7 @@
           <a:p>
             <a:fld id="{41FBF465-1333-4AA3-A58E-1653FDB8C624}" type="slidenum">
               <a:rPr lang="en-US" smtClean="0"/>
-              <a:t>13</a:t>
+              <a:t>15</a:t>
             </a:fld>
             <a:endParaRPr lang="en-US"/>
           </a:p>
@@ -4316,7 +5680,7 @@
 </p:sld>
 </file>
 
-<file path=ppt/slides/slide14.xml><?xml version="1.0" encoding="utf-8"?>
+<file path=ppt/slides/slide16.xml><?xml version="1.0" encoding="utf-8"?>
 <p:sld xmlns:a="http://schemas.openxmlformats.org/drawingml/2006/main" xmlns:r="http://schemas.openxmlformats.org/officeDocument/2006/relationships" xmlns:p="http://schemas.openxmlformats.org/presentationml/2006/main">
   <p:cSld>
     <p:spTree>
@@ -4419,7 +5783,291 @@
           <a:p>
             <a:fld id="{41FBF465-1333-4AA3-A58E-1653FDB8C624}" type="slidenum">
               <a:rPr lang="en-US" smtClean="0"/>
-              <a:t>14</a:t>
+              <a:t>16</a:t>
+            </a:fld>
+            <a:endParaRPr lang="en-US"/>
+          </a:p>
+        </p:txBody>
+      </p:sp>
+      <p:sp>
+        <p:nvSpPr>
+          <p:cNvPr id="6" name="Text Placeholder 5"/>
+          <p:cNvSpPr>
+            <a:spLocks noGrp="1"/>
+          </p:cNvSpPr>
+          <p:nvPr>
+            <p:ph type="body" sz="quarter" idx="14"/>
+          </p:nvPr>
+        </p:nvSpPr>
+        <p:spPr/>
+        <p:txBody>
+          <a:bodyPr/>
+          <a:lstStyle/>
+          <a:p>
+            <a:r>
+              <a:rPr lang="en-US" dirty="0" smtClean="0"/>
+              <a:t>Firmware</a:t>
+            </a:r>
+            <a:endParaRPr lang="en-US" dirty="0"/>
+          </a:p>
+        </p:txBody>
+      </p:sp>
+      <p:sp>
+        <p:nvSpPr>
+          <p:cNvPr id="8" name="Rectangle 2"/>
+          <p:cNvSpPr>
+            <a:spLocks noChangeArrowheads="1"/>
+          </p:cNvSpPr>
+          <p:nvPr/>
+        </p:nvSpPr>
+        <p:spPr bwMode="auto">
+          <a:xfrm>
+            <a:off x="1905000" y="1752600"/>
+            <a:ext cx="9144000" cy="0"/>
+          </a:xfrm>
+          <a:prstGeom prst="rect">
+            <a:avLst/>
+          </a:prstGeom>
+          <a:noFill/>
+          <a:ln>
+            <a:noFill/>
+          </a:ln>
+          <a:effectLst/>
+          <a:extLst>
+            <a:ext uri="{909E8E84-426E-40DD-AFC4-6F175D3DCCD1}">
+              <a14:hiddenFill xmlns:a14="http://schemas.microsoft.com/office/drawing/2010/main">
+                <a:solidFill>
+                  <a:schemeClr val="accent1"/>
+                </a:solidFill>
+              </a14:hiddenFill>
+            </a:ext>
+            <a:ext uri="{91240B29-F687-4F45-9708-019B960494DF}">
+              <a14:hiddenLine xmlns:a14="http://schemas.microsoft.com/office/drawing/2010/main" w="9525">
+                <a:solidFill>
+                  <a:schemeClr val="tx1"/>
+                </a:solidFill>
+                <a:miter lim="800000"/>
+                <a:headEnd/>
+                <a:tailEnd/>
+              </a14:hiddenLine>
+            </a:ext>
+            <a:ext uri="{AF507438-7753-43E0-B8FC-AC1667EBCBE1}">
+              <a14:hiddenEffects xmlns:a14="http://schemas.microsoft.com/office/drawing/2010/main">
+                <a:effectLst>
+                  <a:outerShdw dist="35921" dir="2700000" algn="ctr" rotWithShape="0">
+                    <a:schemeClr val="bg2"/>
+                  </a:outerShdw>
+                </a:effectLst>
+              </a14:hiddenEffects>
+            </a:ext>
+          </a:extLst>
+        </p:spPr>
+        <p:txBody>
+          <a:bodyPr vert="horz" wrap="none" lIns="91440" tIns="45720" rIns="91440" bIns="45720" numCol="1" anchor="ctr" anchorCtr="0" compatLnSpc="1">
+            <a:prstTxWarp prst="textNoShape">
+              <a:avLst/>
+            </a:prstTxWarp>
+            <a:spAutoFit/>
+          </a:bodyPr>
+          <a:lstStyle/>
+          <a:p>
+            <a:endParaRPr lang="en-US"/>
+          </a:p>
+        </p:txBody>
+      </p:sp>
+      <p:graphicFrame>
+        <p:nvGraphicFramePr>
+          <p:cNvPr id="9" name="Object 8"/>
+          <p:cNvGraphicFramePr>
+            <a:graphicFrameLocks noChangeAspect="1"/>
+          </p:cNvGraphicFramePr>
+          <p:nvPr>
+            <p:extLst>
+              <p:ext uri="{D42A27DB-BD31-4B8C-83A1-F6EECF244321}">
+                <p14:modId xmlns:p14="http://schemas.microsoft.com/office/powerpoint/2010/main" val="1461827621"/>
+              </p:ext>
+            </p:extLst>
+          </p:nvPr>
+        </p:nvGraphicFramePr>
+        <p:xfrm>
+          <a:off x="1905000" y="1752600"/>
+          <a:ext cx="3649663" cy="3695700"/>
+        </p:xfrm>
+        <a:graphic>
+          <a:graphicData uri="http://schemas.openxmlformats.org/presentationml/2006/ole">
+            <mc:AlternateContent xmlns:mc="http://schemas.openxmlformats.org/markup-compatibility/2006">
+              <mc:Choice xmlns:v="urn:schemas-microsoft-com:vml" Requires="v">
+                <p:oleObj spid="_x0000_s1032" r:id="rId3" imgW="3647884" imgH="3695684" progId="Visio.Drawing.15">
+                  <p:embed/>
+                </p:oleObj>
+              </mc:Choice>
+              <mc:Fallback>
+                <p:oleObj r:id="rId3" imgW="3647884" imgH="3695684" progId="Visio.Drawing.15">
+                  <p:embed/>
+                  <p:pic>
+                    <p:nvPicPr>
+                      <p:cNvPr id="0" name="Object 1"/>
+                      <p:cNvPicPr>
+                        <a:picLocks noChangeAspect="1" noChangeArrowheads="1"/>
+                      </p:cNvPicPr>
+                      <p:nvPr/>
+                    </p:nvPicPr>
+                    <p:blipFill>
+                      <a:blip r:embed="rId4">
+                        <a:extLst>
+                          <a:ext uri="{28A0092B-C50C-407E-A947-70E740481C1C}">
+                            <a14:useLocalDpi xmlns:a14="http://schemas.microsoft.com/office/drawing/2010/main" val="0"/>
+                          </a:ext>
+                        </a:extLst>
+                      </a:blip>
+                      <a:srcRect/>
+                      <a:stretch>
+                        <a:fillRect/>
+                      </a:stretch>
+                    </p:blipFill>
+                    <p:spPr bwMode="auto">
+                      <a:xfrm>
+                        <a:off x="1905000" y="1752600"/>
+                        <a:ext cx="3649663" cy="3695700"/>
+                      </a:xfrm>
+                      <a:prstGeom prst="rect">
+                        <a:avLst/>
+                      </a:prstGeom>
+                      <a:noFill/>
+                      <a:extLst>
+                        <a:ext uri="{909E8E84-426E-40DD-AFC4-6F175D3DCCD1}">
+                          <a14:hiddenFill xmlns:a14="http://schemas.microsoft.com/office/drawing/2010/main">
+                            <a:solidFill>
+                              <a:srgbClr val="FFFFFF"/>
+                            </a:solidFill>
+                          </a14:hiddenFill>
+                        </a:ext>
+                      </a:extLst>
+                    </p:spPr>
+                  </p:pic>
+                </p:oleObj>
+              </mc:Fallback>
+            </mc:AlternateContent>
+          </a:graphicData>
+        </a:graphic>
+      </p:graphicFrame>
+    </p:spTree>
+    <p:extLst>
+      <p:ext uri="{BB962C8B-B14F-4D97-AF65-F5344CB8AC3E}">
+        <p14:creationId xmlns:p14="http://schemas.microsoft.com/office/powerpoint/2010/main" val="1777281146"/>
+      </p:ext>
+    </p:extLst>
+  </p:cSld>
+  <p:clrMapOvr>
+    <a:masterClrMapping/>
+  </p:clrMapOvr>
+</p:sld>
+</file>
+
+<file path=ppt/slides/slide17.xml><?xml version="1.0" encoding="utf-8"?>
+<p:sld xmlns:a="http://schemas.openxmlformats.org/drawingml/2006/main" xmlns:r="http://schemas.openxmlformats.org/officeDocument/2006/relationships" xmlns:p="http://schemas.openxmlformats.org/presentationml/2006/main">
+  <p:cSld>
+    <p:spTree>
+      <p:nvGrpSpPr>
+        <p:cNvPr id="1" name=""/>
+        <p:cNvGrpSpPr/>
+        <p:nvPr/>
+      </p:nvGrpSpPr>
+      <p:grpSpPr>
+        <a:xfrm>
+          <a:off x="0" y="0"/>
+          <a:ext cx="0" cy="0"/>
+          <a:chOff x="0" y="0"/>
+          <a:chExt cx="0" cy="0"/>
+        </a:xfrm>
+      </p:grpSpPr>
+      <p:sp>
+        <p:nvSpPr>
+          <p:cNvPr id="2" name="Text Placeholder 1"/>
+          <p:cNvSpPr>
+            <a:spLocks noGrp="1"/>
+          </p:cNvSpPr>
+          <p:nvPr>
+            <p:ph type="body" sz="quarter" idx="13"/>
+          </p:nvPr>
+        </p:nvSpPr>
+        <p:spPr/>
+        <p:txBody>
+          <a:bodyPr/>
+          <a:lstStyle/>
+          <a:p>
+            <a:r>
+              <a:rPr lang="en-US" dirty="0" smtClean="0"/>
+              <a:t>Software</a:t>
+            </a:r>
+            <a:endParaRPr lang="en-US" dirty="0"/>
+          </a:p>
+        </p:txBody>
+      </p:sp>
+      <p:sp>
+        <p:nvSpPr>
+          <p:cNvPr id="3" name="Date Placeholder 2"/>
+          <p:cNvSpPr>
+            <a:spLocks noGrp="1"/>
+          </p:cNvSpPr>
+          <p:nvPr>
+            <p:ph type="dt" sz="half" idx="10"/>
+          </p:nvPr>
+        </p:nvSpPr>
+        <p:spPr/>
+        <p:txBody>
+          <a:bodyPr/>
+          <a:lstStyle/>
+          <a:p>
+            <a:fld id="{B7ADC19B-5FB9-4704-99F7-B6E940347A84}" type="datetime1">
+              <a:rPr lang="en-US" smtClean="0"/>
+              <a:t>6/5/2014</a:t>
+            </a:fld>
+            <a:endParaRPr lang="en-US"/>
+          </a:p>
+        </p:txBody>
+      </p:sp>
+      <p:sp>
+        <p:nvSpPr>
+          <p:cNvPr id="4" name="Footer Placeholder 3"/>
+          <p:cNvSpPr>
+            <a:spLocks noGrp="1"/>
+          </p:cNvSpPr>
+          <p:nvPr>
+            <p:ph type="ftr" sz="quarter" idx="11"/>
+          </p:nvPr>
+        </p:nvSpPr>
+        <p:spPr/>
+        <p:txBody>
+          <a:bodyPr/>
+          <a:lstStyle/>
+          <a:p>
+            <a:r>
+              <a:rPr lang="en-US" smtClean="0"/>
+              <a:t>Erebus Labs STEM Sensor</a:t>
+            </a:r>
+            <a:endParaRPr lang="en-US" dirty="0"/>
+          </a:p>
+        </p:txBody>
+      </p:sp>
+      <p:sp>
+        <p:nvSpPr>
+          <p:cNvPr id="5" name="Slide Number Placeholder 4"/>
+          <p:cNvSpPr>
+            <a:spLocks noGrp="1"/>
+          </p:cNvSpPr>
+          <p:nvPr>
+            <p:ph type="sldNum" sz="quarter" idx="12"/>
+          </p:nvPr>
+        </p:nvSpPr>
+        <p:spPr/>
+        <p:txBody>
+          <a:bodyPr/>
+          <a:lstStyle/>
+          <a:p>
+            <a:fld id="{41FBF465-1333-4AA3-A58E-1653FDB8C624}" type="slidenum">
+              <a:rPr lang="en-US" smtClean="0"/>
+              <a:t>17</a:t>
             </a:fld>
             <a:endParaRPr lang="en-US"/>
           </a:p>
@@ -4539,7 +6187,7 @@
 </p:sld>
 </file>
 
-<file path=ppt/slides/slide15.xml><?xml version="1.0" encoding="utf-8"?>
+<file path=ppt/slides/slide18.xml><?xml version="1.0" encoding="utf-8"?>
 <p:sld xmlns:a="http://schemas.openxmlformats.org/drawingml/2006/main" xmlns:r="http://schemas.openxmlformats.org/officeDocument/2006/relationships" xmlns:p="http://schemas.openxmlformats.org/presentationml/2006/main">
   <p:cSld>
     <p:spTree>
@@ -4642,7 +6290,7 @@
           <a:p>
             <a:fld id="{41FBF465-1333-4AA3-A58E-1653FDB8C624}" type="slidenum">
               <a:rPr lang="en-US" smtClean="0"/>
-              <a:t>15</a:t>
+              <a:t>18</a:t>
             </a:fld>
             <a:endParaRPr lang="en-US"/>
           </a:p>
@@ -4754,7 +6402,7 @@
 </p:sld>
 </file>
 
-<file path=ppt/slides/slide16.xml><?xml version="1.0" encoding="utf-8"?>
+<file path=ppt/slides/slide19.xml><?xml version="1.0" encoding="utf-8"?>
 <p:sld xmlns:a="http://schemas.openxmlformats.org/drawingml/2006/main" xmlns:r="http://schemas.openxmlformats.org/officeDocument/2006/relationships" xmlns:p="http://schemas.openxmlformats.org/presentationml/2006/main">
   <p:cSld>
     <p:spTree>
@@ -4857,7 +6505,401 @@
           <a:p>
             <a:fld id="{41FBF465-1333-4AA3-A58E-1653FDB8C624}" type="slidenum">
               <a:rPr lang="en-US" smtClean="0"/>
-              <a:t>16</a:t>
+              <a:t>19</a:t>
+            </a:fld>
+            <a:endParaRPr lang="en-US"/>
+          </a:p>
+        </p:txBody>
+      </p:sp>
+      <p:sp>
+        <p:nvSpPr>
+          <p:cNvPr id="6" name="Text Placeholder 5"/>
+          <p:cNvSpPr>
+            <a:spLocks noGrp="1"/>
+          </p:cNvSpPr>
+          <p:nvPr>
+            <p:ph type="body" sz="quarter" idx="14"/>
+          </p:nvPr>
+        </p:nvSpPr>
+        <p:spPr/>
+        <p:txBody>
+          <a:bodyPr/>
+          <a:lstStyle/>
+          <a:p>
+            <a:r>
+              <a:rPr lang="en-US" dirty="0" smtClean="0"/>
+              <a:t>Software/Hardware Interaction</a:t>
+            </a:r>
+            <a:endParaRPr lang="en-US" dirty="0"/>
+          </a:p>
+        </p:txBody>
+      </p:sp>
+      <p:pic>
+        <p:nvPicPr>
+          <p:cNvPr id="8" name="Picture 7"/>
+          <p:cNvPicPr>
+            <a:picLocks noChangeAspect="1"/>
+          </p:cNvPicPr>
+          <p:nvPr/>
+        </p:nvPicPr>
+        <p:blipFill>
+          <a:blip r:embed="rId2"/>
+          <a:stretch>
+            <a:fillRect/>
+          </a:stretch>
+        </p:blipFill>
+        <p:spPr>
+          <a:xfrm>
+            <a:off x="914400" y="2209800"/>
+            <a:ext cx="6352136" cy="2790420"/>
+          </a:xfrm>
+          <a:prstGeom prst="rect">
+            <a:avLst/>
+          </a:prstGeom>
+        </p:spPr>
+      </p:pic>
+    </p:spTree>
+    <p:extLst>
+      <p:ext uri="{BB962C8B-B14F-4D97-AF65-F5344CB8AC3E}">
+        <p14:creationId xmlns:p14="http://schemas.microsoft.com/office/powerpoint/2010/main" val="3400866782"/>
+      </p:ext>
+    </p:extLst>
+  </p:cSld>
+  <p:clrMapOvr>
+    <a:masterClrMapping/>
+  </p:clrMapOvr>
+</p:sld>
+</file>
+
+<file path=ppt/slides/slide2.xml><?xml version="1.0" encoding="utf-8"?>
+<p:sld xmlns:a="http://schemas.openxmlformats.org/drawingml/2006/main" xmlns:r="http://schemas.openxmlformats.org/officeDocument/2006/relationships" xmlns:p="http://schemas.openxmlformats.org/presentationml/2006/main">
+  <p:cSld>
+    <p:spTree>
+      <p:nvGrpSpPr>
+        <p:cNvPr id="1" name=""/>
+        <p:cNvGrpSpPr/>
+        <p:nvPr/>
+      </p:nvGrpSpPr>
+      <p:grpSpPr>
+        <a:xfrm>
+          <a:off x="0" y="0"/>
+          <a:ext cx="0" cy="0"/>
+          <a:chOff x="0" y="0"/>
+          <a:chExt cx="0" cy="0"/>
+        </a:xfrm>
+      </p:grpSpPr>
+      <p:sp>
+        <p:nvSpPr>
+          <p:cNvPr id="2" name="Date Placeholder 1"/>
+          <p:cNvSpPr>
+            <a:spLocks noGrp="1"/>
+          </p:cNvSpPr>
+          <p:nvPr>
+            <p:ph type="dt" sz="half" idx="10"/>
+          </p:nvPr>
+        </p:nvSpPr>
+        <p:spPr/>
+        <p:txBody>
+          <a:bodyPr/>
+          <a:lstStyle/>
+          <a:p>
+            <a:fld id="{C29800E0-75F7-49C7-9A2B-4D6AEABEED8B}" type="datetime1">
+              <a:rPr lang="en-US" smtClean="0"/>
+              <a:t>6/5/2014</a:t>
+            </a:fld>
+            <a:endParaRPr lang="en-US"/>
+          </a:p>
+        </p:txBody>
+      </p:sp>
+      <p:sp>
+        <p:nvSpPr>
+          <p:cNvPr id="3" name="Footer Placeholder 2"/>
+          <p:cNvSpPr>
+            <a:spLocks noGrp="1"/>
+          </p:cNvSpPr>
+          <p:nvPr>
+            <p:ph type="ftr" sz="quarter" idx="11"/>
+          </p:nvPr>
+        </p:nvSpPr>
+        <p:spPr/>
+        <p:txBody>
+          <a:bodyPr/>
+          <a:lstStyle/>
+          <a:p>
+            <a:r>
+              <a:rPr lang="en-US" smtClean="0"/>
+              <a:t>Erebus Labs STEM Sensor</a:t>
+            </a:r>
+            <a:endParaRPr lang="en-US" dirty="0"/>
+          </a:p>
+        </p:txBody>
+      </p:sp>
+      <p:sp>
+        <p:nvSpPr>
+          <p:cNvPr id="4" name="Slide Number Placeholder 3"/>
+          <p:cNvSpPr>
+            <a:spLocks noGrp="1"/>
+          </p:cNvSpPr>
+          <p:nvPr>
+            <p:ph type="sldNum" sz="quarter" idx="12"/>
+          </p:nvPr>
+        </p:nvSpPr>
+        <p:spPr/>
+        <p:txBody>
+          <a:bodyPr/>
+          <a:lstStyle/>
+          <a:p>
+            <a:fld id="{41FBF465-1333-4AA3-A58E-1653FDB8C624}" type="slidenum">
+              <a:rPr lang="en-US" smtClean="0"/>
+              <a:t>2</a:t>
+            </a:fld>
+            <a:endParaRPr lang="en-US"/>
+          </a:p>
+        </p:txBody>
+      </p:sp>
+      <p:sp>
+        <p:nvSpPr>
+          <p:cNvPr id="5" name="Text Placeholder 4"/>
+          <p:cNvSpPr>
+            <a:spLocks noGrp="1"/>
+          </p:cNvSpPr>
+          <p:nvPr>
+            <p:ph type="body" sz="quarter" idx="13"/>
+          </p:nvPr>
+        </p:nvSpPr>
+        <p:spPr/>
+        <p:txBody>
+          <a:bodyPr/>
+          <a:lstStyle/>
+          <a:p>
+            <a:r>
+              <a:rPr lang="en-US" dirty="0" smtClean="0"/>
+              <a:t>Introduction</a:t>
+            </a:r>
+            <a:endParaRPr lang="en-US" dirty="0"/>
+          </a:p>
+        </p:txBody>
+      </p:sp>
+      <p:sp>
+        <p:nvSpPr>
+          <p:cNvPr id="7" name="Text Placeholder 6"/>
+          <p:cNvSpPr>
+            <a:spLocks noGrp="1"/>
+          </p:cNvSpPr>
+          <p:nvPr>
+            <p:ph type="body" sz="quarter" idx="15"/>
+          </p:nvPr>
+        </p:nvSpPr>
+        <p:spPr>
+          <a:xfrm>
+            <a:off x="76200" y="533400"/>
+            <a:ext cx="7848600" cy="5638800"/>
+          </a:xfrm>
+        </p:spPr>
+        <p:txBody>
+          <a:bodyPr>
+            <a:normAutofit/>
+          </a:bodyPr>
+          <a:lstStyle/>
+          <a:p>
+            <a:pPr marL="0" indent="0" algn="ctr">
+              <a:lnSpc>
+                <a:spcPct val="150000"/>
+              </a:lnSpc>
+              <a:buNone/>
+            </a:pPr>
+            <a:r>
+              <a:rPr lang="en-US" dirty="0" smtClean="0"/>
+              <a:t>Objective</a:t>
+            </a:r>
+          </a:p>
+          <a:p>
+            <a:pPr marL="0" indent="0" algn="ctr">
+              <a:lnSpc>
+                <a:spcPct val="150000"/>
+              </a:lnSpc>
+              <a:buNone/>
+            </a:pPr>
+            <a:r>
+              <a:rPr lang="en-US" dirty="0" smtClean="0"/>
+              <a:t>Hardware</a:t>
+            </a:r>
+          </a:p>
+          <a:p>
+            <a:pPr marL="0" indent="0" algn="ctr">
+              <a:lnSpc>
+                <a:spcPct val="150000"/>
+              </a:lnSpc>
+              <a:buNone/>
+            </a:pPr>
+            <a:r>
+              <a:rPr lang="en-US" dirty="0" smtClean="0"/>
+              <a:t>Software</a:t>
+            </a:r>
+          </a:p>
+          <a:p>
+            <a:pPr marL="0" indent="0" algn="ctr">
+              <a:lnSpc>
+                <a:spcPct val="150000"/>
+              </a:lnSpc>
+              <a:buNone/>
+            </a:pPr>
+            <a:r>
+              <a:rPr lang="en-US" dirty="0" smtClean="0"/>
+              <a:t>Lessons Learned</a:t>
+            </a:r>
+          </a:p>
+          <a:p>
+            <a:pPr marL="0" indent="0" algn="ctr">
+              <a:lnSpc>
+                <a:spcPct val="150000"/>
+              </a:lnSpc>
+              <a:buNone/>
+            </a:pPr>
+            <a:r>
+              <a:rPr lang="en-US" dirty="0" smtClean="0"/>
+              <a:t>Thoughts for Rev. 2</a:t>
+            </a:r>
+          </a:p>
+          <a:p>
+            <a:pPr marL="0" indent="0" algn="ctr">
+              <a:lnSpc>
+                <a:spcPct val="150000"/>
+              </a:lnSpc>
+              <a:buNone/>
+            </a:pPr>
+            <a:r>
+              <a:rPr lang="en-US" dirty="0" smtClean="0"/>
+              <a:t>Q&amp;A</a:t>
+            </a:r>
+            <a:endParaRPr lang="en-US" dirty="0"/>
+          </a:p>
+        </p:txBody>
+      </p:sp>
+    </p:spTree>
+    <p:extLst>
+      <p:ext uri="{BB962C8B-B14F-4D97-AF65-F5344CB8AC3E}">
+        <p14:creationId xmlns:p14="http://schemas.microsoft.com/office/powerpoint/2010/main" val="171895788"/>
+      </p:ext>
+    </p:extLst>
+  </p:cSld>
+  <p:clrMapOvr>
+    <a:masterClrMapping/>
+  </p:clrMapOvr>
+  <p:timing>
+    <p:tnLst>
+      <p:par>
+        <p:cTn id="1" dur="indefinite" restart="never" nodeType="tmRoot"/>
+      </p:par>
+    </p:tnLst>
+  </p:timing>
+</p:sld>
+</file>
+
+<file path=ppt/slides/slide20.xml><?xml version="1.0" encoding="utf-8"?>
+<p:sld xmlns:a="http://schemas.openxmlformats.org/drawingml/2006/main" xmlns:r="http://schemas.openxmlformats.org/officeDocument/2006/relationships" xmlns:p="http://schemas.openxmlformats.org/presentationml/2006/main">
+  <p:cSld>
+    <p:spTree>
+      <p:nvGrpSpPr>
+        <p:cNvPr id="1" name=""/>
+        <p:cNvGrpSpPr/>
+        <p:nvPr/>
+      </p:nvGrpSpPr>
+      <p:grpSpPr>
+        <a:xfrm>
+          <a:off x="0" y="0"/>
+          <a:ext cx="0" cy="0"/>
+          <a:chOff x="0" y="0"/>
+          <a:chExt cx="0" cy="0"/>
+        </a:xfrm>
+      </p:grpSpPr>
+      <p:sp>
+        <p:nvSpPr>
+          <p:cNvPr id="2" name="Text Placeholder 1"/>
+          <p:cNvSpPr>
+            <a:spLocks noGrp="1"/>
+          </p:cNvSpPr>
+          <p:nvPr>
+            <p:ph type="body" sz="quarter" idx="13"/>
+          </p:nvPr>
+        </p:nvSpPr>
+        <p:spPr/>
+        <p:txBody>
+          <a:bodyPr/>
+          <a:lstStyle/>
+          <a:p>
+            <a:r>
+              <a:rPr lang="en-US" dirty="0" smtClean="0"/>
+              <a:t>Software</a:t>
+            </a:r>
+            <a:endParaRPr lang="en-US" dirty="0"/>
+          </a:p>
+        </p:txBody>
+      </p:sp>
+      <p:sp>
+        <p:nvSpPr>
+          <p:cNvPr id="3" name="Date Placeholder 2"/>
+          <p:cNvSpPr>
+            <a:spLocks noGrp="1"/>
+          </p:cNvSpPr>
+          <p:nvPr>
+            <p:ph type="dt" sz="half" idx="10"/>
+          </p:nvPr>
+        </p:nvSpPr>
+        <p:spPr/>
+        <p:txBody>
+          <a:bodyPr/>
+          <a:lstStyle/>
+          <a:p>
+            <a:fld id="{B7ADC19B-5FB9-4704-99F7-B6E940347A84}" type="datetime1">
+              <a:rPr lang="en-US" smtClean="0"/>
+              <a:t>6/5/2014</a:t>
+            </a:fld>
+            <a:endParaRPr lang="en-US"/>
+          </a:p>
+        </p:txBody>
+      </p:sp>
+      <p:sp>
+        <p:nvSpPr>
+          <p:cNvPr id="4" name="Footer Placeholder 3"/>
+          <p:cNvSpPr>
+            <a:spLocks noGrp="1"/>
+          </p:cNvSpPr>
+          <p:nvPr>
+            <p:ph type="ftr" sz="quarter" idx="11"/>
+          </p:nvPr>
+        </p:nvSpPr>
+        <p:spPr/>
+        <p:txBody>
+          <a:bodyPr/>
+          <a:lstStyle/>
+          <a:p>
+            <a:r>
+              <a:rPr lang="en-US" smtClean="0"/>
+              <a:t>Erebus Labs STEM Sensor</a:t>
+            </a:r>
+            <a:endParaRPr lang="en-US" dirty="0"/>
+          </a:p>
+        </p:txBody>
+      </p:sp>
+      <p:sp>
+        <p:nvSpPr>
+          <p:cNvPr id="5" name="Slide Number Placeholder 4"/>
+          <p:cNvSpPr>
+            <a:spLocks noGrp="1"/>
+          </p:cNvSpPr>
+          <p:nvPr>
+            <p:ph type="sldNum" sz="quarter" idx="12"/>
+          </p:nvPr>
+        </p:nvSpPr>
+        <p:spPr/>
+        <p:txBody>
+          <a:bodyPr/>
+          <a:lstStyle/>
+          <a:p>
+            <a:fld id="{41FBF465-1333-4AA3-A58E-1653FDB8C624}" type="slidenum">
+              <a:rPr lang="en-US" smtClean="0"/>
+              <a:t>20</a:t>
             </a:fld>
             <a:endParaRPr lang="en-US"/>
           </a:p>
@@ -4936,7 +6978,7 @@
 </p:sld>
 </file>
 
-<file path=ppt/slides/slide17.xml><?xml version="1.0" encoding="utf-8"?>
+<file path=ppt/slides/slide21.xml><?xml version="1.0" encoding="utf-8"?>
 <p:sld xmlns:a="http://schemas.openxmlformats.org/drawingml/2006/main" xmlns:r="http://schemas.openxmlformats.org/officeDocument/2006/relationships" xmlns:p="http://schemas.openxmlformats.org/presentationml/2006/main">
   <p:cSld>
     <p:spTree>
@@ -5039,7 +7081,7 @@
           <a:p>
             <a:fld id="{41FBF465-1333-4AA3-A58E-1653FDB8C624}" type="slidenum">
               <a:rPr lang="en-US" smtClean="0"/>
-              <a:t>17</a:t>
+              <a:t>21</a:t>
             </a:fld>
             <a:endParaRPr lang="en-US"/>
           </a:p>
@@ -5153,7 +7195,7 @@
 </p:sld>
 </file>
 
-<file path=ppt/slides/slide18.xml><?xml version="1.0" encoding="utf-8"?>
+<file path=ppt/slides/slide22.xml><?xml version="1.0" encoding="utf-8"?>
 <p:sld xmlns:a="http://schemas.openxmlformats.org/drawingml/2006/main" xmlns:r="http://schemas.openxmlformats.org/officeDocument/2006/relationships" xmlns:p="http://schemas.openxmlformats.org/presentationml/2006/main">
   <p:cSld>
     <p:spTree>
@@ -5182,6 +7224,501 @@
         </p:nvSpPr>
         <p:spPr>
           <a:xfrm>
+            <a:off x="472966" y="2743200"/>
+            <a:ext cx="8166537" cy="1111469"/>
+          </a:xfrm>
+        </p:spPr>
+        <p:txBody>
+          <a:bodyPr/>
+          <a:lstStyle/>
+          <a:p>
+            <a:r>
+              <a:rPr lang="en-US" dirty="0" smtClean="0"/>
+              <a:t>Documentation</a:t>
+            </a:r>
+            <a:endParaRPr lang="en-US" dirty="0"/>
+          </a:p>
+        </p:txBody>
+      </p:sp>
+      <p:sp>
+        <p:nvSpPr>
+          <p:cNvPr id="4" name="Date Placeholder 3"/>
+          <p:cNvSpPr>
+            <a:spLocks noGrp="1"/>
+          </p:cNvSpPr>
+          <p:nvPr>
+            <p:ph type="dt" sz="half" idx="10"/>
+          </p:nvPr>
+        </p:nvSpPr>
+        <p:spPr/>
+        <p:txBody>
+          <a:bodyPr/>
+          <a:lstStyle/>
+          <a:p>
+            <a:fld id="{3D5BC15F-23A8-447B-98F2-73382115937F}" type="datetime1">
+              <a:rPr lang="en-US" smtClean="0"/>
+              <a:t>6/5/2014</a:t>
+            </a:fld>
+            <a:endParaRPr lang="en-US"/>
+          </a:p>
+        </p:txBody>
+      </p:sp>
+      <p:sp>
+        <p:nvSpPr>
+          <p:cNvPr id="5" name="Footer Placeholder 4"/>
+          <p:cNvSpPr>
+            <a:spLocks noGrp="1"/>
+          </p:cNvSpPr>
+          <p:nvPr>
+            <p:ph type="ftr" sz="quarter" idx="11"/>
+          </p:nvPr>
+        </p:nvSpPr>
+        <p:spPr/>
+        <p:txBody>
+          <a:bodyPr/>
+          <a:lstStyle/>
+          <a:p>
+            <a:r>
+              <a:rPr lang="en-US" smtClean="0"/>
+              <a:t>Erebus Labs STEM Sensor</a:t>
+            </a:r>
+            <a:endParaRPr lang="en-US"/>
+          </a:p>
+        </p:txBody>
+      </p:sp>
+      <p:sp>
+        <p:nvSpPr>
+          <p:cNvPr id="6" name="Slide Number Placeholder 5"/>
+          <p:cNvSpPr>
+            <a:spLocks noGrp="1"/>
+          </p:cNvSpPr>
+          <p:nvPr>
+            <p:ph type="sldNum" sz="quarter" idx="12"/>
+          </p:nvPr>
+        </p:nvSpPr>
+        <p:spPr/>
+        <p:txBody>
+          <a:bodyPr/>
+          <a:lstStyle/>
+          <a:p>
+            <a:fld id="{41FBF465-1333-4AA3-A58E-1653FDB8C624}" type="slidenum">
+              <a:rPr lang="en-US" smtClean="0"/>
+              <a:t>22</a:t>
+            </a:fld>
+            <a:endParaRPr lang="en-US"/>
+          </a:p>
+        </p:txBody>
+      </p:sp>
+    </p:spTree>
+    <p:extLst>
+      <p:ext uri="{BB962C8B-B14F-4D97-AF65-F5344CB8AC3E}">
+        <p14:creationId xmlns:p14="http://schemas.microsoft.com/office/powerpoint/2010/main" val="3266992304"/>
+      </p:ext>
+    </p:extLst>
+  </p:cSld>
+  <p:clrMapOvr>
+    <a:masterClrMapping/>
+  </p:clrMapOvr>
+</p:sld>
+</file>
+
+<file path=ppt/slides/slide23.xml><?xml version="1.0" encoding="utf-8"?>
+<p:sld xmlns:a="http://schemas.openxmlformats.org/drawingml/2006/main" xmlns:r="http://schemas.openxmlformats.org/officeDocument/2006/relationships" xmlns:p="http://schemas.openxmlformats.org/presentationml/2006/main">
+  <p:cSld>
+    <p:spTree>
+      <p:nvGrpSpPr>
+        <p:cNvPr id="1" name=""/>
+        <p:cNvGrpSpPr/>
+        <p:nvPr/>
+      </p:nvGrpSpPr>
+      <p:grpSpPr>
+        <a:xfrm>
+          <a:off x="0" y="0"/>
+          <a:ext cx="0" cy="0"/>
+          <a:chOff x="0" y="0"/>
+          <a:chExt cx="0" cy="0"/>
+        </a:xfrm>
+      </p:grpSpPr>
+      <p:sp>
+        <p:nvSpPr>
+          <p:cNvPr id="2" name="Text Placeholder 1"/>
+          <p:cNvSpPr>
+            <a:spLocks noGrp="1"/>
+          </p:cNvSpPr>
+          <p:nvPr>
+            <p:ph type="body" sz="quarter" idx="13"/>
+          </p:nvPr>
+        </p:nvSpPr>
+        <p:spPr/>
+        <p:txBody>
+          <a:bodyPr/>
+          <a:lstStyle/>
+          <a:p>
+            <a:r>
+              <a:rPr lang="en-US" dirty="0" smtClean="0"/>
+              <a:t>Documentation</a:t>
+            </a:r>
+            <a:endParaRPr lang="en-US" dirty="0"/>
+          </a:p>
+        </p:txBody>
+      </p:sp>
+      <p:sp>
+        <p:nvSpPr>
+          <p:cNvPr id="3" name="Date Placeholder 2"/>
+          <p:cNvSpPr>
+            <a:spLocks noGrp="1"/>
+          </p:cNvSpPr>
+          <p:nvPr>
+            <p:ph type="dt" sz="half" idx="10"/>
+          </p:nvPr>
+        </p:nvSpPr>
+        <p:spPr/>
+        <p:txBody>
+          <a:bodyPr/>
+          <a:lstStyle/>
+          <a:p>
+            <a:fld id="{B7ADC19B-5FB9-4704-99F7-B6E940347A84}" type="datetime1">
+              <a:rPr lang="en-US" smtClean="0"/>
+              <a:t>6/5/2014</a:t>
+            </a:fld>
+            <a:endParaRPr lang="en-US"/>
+          </a:p>
+        </p:txBody>
+      </p:sp>
+      <p:sp>
+        <p:nvSpPr>
+          <p:cNvPr id="4" name="Footer Placeholder 3"/>
+          <p:cNvSpPr>
+            <a:spLocks noGrp="1"/>
+          </p:cNvSpPr>
+          <p:nvPr>
+            <p:ph type="ftr" sz="quarter" idx="11"/>
+          </p:nvPr>
+        </p:nvSpPr>
+        <p:spPr/>
+        <p:txBody>
+          <a:bodyPr/>
+          <a:lstStyle/>
+          <a:p>
+            <a:r>
+              <a:rPr lang="en-US" smtClean="0"/>
+              <a:t>Erebus Labs STEM Sensor</a:t>
+            </a:r>
+            <a:endParaRPr lang="en-US" dirty="0"/>
+          </a:p>
+        </p:txBody>
+      </p:sp>
+      <p:sp>
+        <p:nvSpPr>
+          <p:cNvPr id="5" name="Slide Number Placeholder 4"/>
+          <p:cNvSpPr>
+            <a:spLocks noGrp="1"/>
+          </p:cNvSpPr>
+          <p:nvPr>
+            <p:ph type="sldNum" sz="quarter" idx="12"/>
+          </p:nvPr>
+        </p:nvSpPr>
+        <p:spPr/>
+        <p:txBody>
+          <a:bodyPr/>
+          <a:lstStyle/>
+          <a:p>
+            <a:fld id="{41FBF465-1333-4AA3-A58E-1653FDB8C624}" type="slidenum">
+              <a:rPr lang="en-US" smtClean="0"/>
+              <a:t>23</a:t>
+            </a:fld>
+            <a:endParaRPr lang="en-US"/>
+          </a:p>
+        </p:txBody>
+      </p:sp>
+      <p:sp>
+        <p:nvSpPr>
+          <p:cNvPr id="6" name="Text Placeholder 5"/>
+          <p:cNvSpPr>
+            <a:spLocks noGrp="1"/>
+          </p:cNvSpPr>
+          <p:nvPr>
+            <p:ph type="body" sz="quarter" idx="14"/>
+          </p:nvPr>
+        </p:nvSpPr>
+        <p:spPr/>
+        <p:txBody>
+          <a:bodyPr/>
+          <a:lstStyle/>
+          <a:p>
+            <a:r>
+              <a:rPr lang="en-US" dirty="0" smtClean="0"/>
+              <a:t>User Documents</a:t>
+            </a:r>
+            <a:endParaRPr lang="en-US" dirty="0"/>
+          </a:p>
+        </p:txBody>
+      </p:sp>
+      <p:sp>
+        <p:nvSpPr>
+          <p:cNvPr id="7" name="Text Placeholder 6"/>
+          <p:cNvSpPr>
+            <a:spLocks noGrp="1"/>
+          </p:cNvSpPr>
+          <p:nvPr>
+            <p:ph type="body" sz="quarter" idx="15"/>
+          </p:nvPr>
+        </p:nvSpPr>
+        <p:spPr/>
+        <p:txBody>
+          <a:bodyPr/>
+          <a:lstStyle/>
+          <a:p>
+            <a:r>
+              <a:rPr lang="en-US" dirty="0" smtClean="0"/>
+              <a:t>User Manual</a:t>
+            </a:r>
+          </a:p>
+          <a:p>
+            <a:r>
+              <a:rPr lang="en-US" dirty="0" smtClean="0"/>
+              <a:t>Design Specification</a:t>
+            </a:r>
+          </a:p>
+          <a:p>
+            <a:r>
+              <a:rPr lang="en-US" dirty="0" smtClean="0"/>
+              <a:t>Fundamentals of Electronics</a:t>
+            </a:r>
+          </a:p>
+          <a:p>
+            <a:endParaRPr lang="en-US" dirty="0"/>
+          </a:p>
+        </p:txBody>
+      </p:sp>
+    </p:spTree>
+    <p:extLst>
+      <p:ext uri="{BB962C8B-B14F-4D97-AF65-F5344CB8AC3E}">
+        <p14:creationId xmlns:p14="http://schemas.microsoft.com/office/powerpoint/2010/main" val="1896363276"/>
+      </p:ext>
+    </p:extLst>
+  </p:cSld>
+  <p:clrMapOvr>
+    <a:masterClrMapping/>
+  </p:clrMapOvr>
+</p:sld>
+</file>
+
+<file path=ppt/slides/slide24.xml><?xml version="1.0" encoding="utf-8"?>
+<p:sld xmlns:a="http://schemas.openxmlformats.org/drawingml/2006/main" xmlns:r="http://schemas.openxmlformats.org/officeDocument/2006/relationships" xmlns:p="http://schemas.openxmlformats.org/presentationml/2006/main">
+  <p:cSld>
+    <p:spTree>
+      <p:nvGrpSpPr>
+        <p:cNvPr id="1" name=""/>
+        <p:cNvGrpSpPr/>
+        <p:nvPr/>
+      </p:nvGrpSpPr>
+      <p:grpSpPr>
+        <a:xfrm>
+          <a:off x="0" y="0"/>
+          <a:ext cx="0" cy="0"/>
+          <a:chOff x="0" y="0"/>
+          <a:chExt cx="0" cy="0"/>
+        </a:xfrm>
+      </p:grpSpPr>
+      <p:sp>
+        <p:nvSpPr>
+          <p:cNvPr id="2" name="Text Placeholder 1"/>
+          <p:cNvSpPr>
+            <a:spLocks noGrp="1"/>
+          </p:cNvSpPr>
+          <p:nvPr>
+            <p:ph type="body" sz="quarter" idx="13"/>
+          </p:nvPr>
+        </p:nvSpPr>
+        <p:spPr/>
+        <p:txBody>
+          <a:bodyPr/>
+          <a:lstStyle/>
+          <a:p>
+            <a:r>
+              <a:rPr lang="en-US" dirty="0" smtClean="0"/>
+              <a:t>Documentation</a:t>
+            </a:r>
+            <a:endParaRPr lang="en-US" dirty="0"/>
+          </a:p>
+        </p:txBody>
+      </p:sp>
+      <p:sp>
+        <p:nvSpPr>
+          <p:cNvPr id="3" name="Date Placeholder 2"/>
+          <p:cNvSpPr>
+            <a:spLocks noGrp="1"/>
+          </p:cNvSpPr>
+          <p:nvPr>
+            <p:ph type="dt" sz="half" idx="10"/>
+          </p:nvPr>
+        </p:nvSpPr>
+        <p:spPr/>
+        <p:txBody>
+          <a:bodyPr/>
+          <a:lstStyle/>
+          <a:p>
+            <a:fld id="{B7ADC19B-5FB9-4704-99F7-B6E940347A84}" type="datetime1">
+              <a:rPr lang="en-US" smtClean="0"/>
+              <a:t>6/5/2014</a:t>
+            </a:fld>
+            <a:endParaRPr lang="en-US"/>
+          </a:p>
+        </p:txBody>
+      </p:sp>
+      <p:sp>
+        <p:nvSpPr>
+          <p:cNvPr id="4" name="Footer Placeholder 3"/>
+          <p:cNvSpPr>
+            <a:spLocks noGrp="1"/>
+          </p:cNvSpPr>
+          <p:nvPr>
+            <p:ph type="ftr" sz="quarter" idx="11"/>
+          </p:nvPr>
+        </p:nvSpPr>
+        <p:spPr/>
+        <p:txBody>
+          <a:bodyPr/>
+          <a:lstStyle/>
+          <a:p>
+            <a:r>
+              <a:rPr lang="en-US" smtClean="0"/>
+              <a:t>Erebus Labs STEM Sensor</a:t>
+            </a:r>
+            <a:endParaRPr lang="en-US" dirty="0"/>
+          </a:p>
+        </p:txBody>
+      </p:sp>
+      <p:sp>
+        <p:nvSpPr>
+          <p:cNvPr id="5" name="Slide Number Placeholder 4"/>
+          <p:cNvSpPr>
+            <a:spLocks noGrp="1"/>
+          </p:cNvSpPr>
+          <p:nvPr>
+            <p:ph type="sldNum" sz="quarter" idx="12"/>
+          </p:nvPr>
+        </p:nvSpPr>
+        <p:spPr/>
+        <p:txBody>
+          <a:bodyPr/>
+          <a:lstStyle/>
+          <a:p>
+            <a:fld id="{41FBF465-1333-4AA3-A58E-1653FDB8C624}" type="slidenum">
+              <a:rPr lang="en-US" smtClean="0"/>
+              <a:t>24</a:t>
+            </a:fld>
+            <a:endParaRPr lang="en-US"/>
+          </a:p>
+        </p:txBody>
+      </p:sp>
+      <p:sp>
+        <p:nvSpPr>
+          <p:cNvPr id="6" name="Text Placeholder 5"/>
+          <p:cNvSpPr>
+            <a:spLocks noGrp="1"/>
+          </p:cNvSpPr>
+          <p:nvPr>
+            <p:ph type="body" sz="quarter" idx="14"/>
+          </p:nvPr>
+        </p:nvSpPr>
+        <p:spPr/>
+        <p:txBody>
+          <a:bodyPr/>
+          <a:lstStyle/>
+          <a:p>
+            <a:r>
+              <a:rPr lang="en-US" dirty="0" smtClean="0"/>
+              <a:t>Project Documents</a:t>
+            </a:r>
+            <a:endParaRPr lang="en-US" dirty="0"/>
+          </a:p>
+        </p:txBody>
+      </p:sp>
+      <p:sp>
+        <p:nvSpPr>
+          <p:cNvPr id="7" name="Text Placeholder 6"/>
+          <p:cNvSpPr>
+            <a:spLocks noGrp="1"/>
+          </p:cNvSpPr>
+          <p:nvPr>
+            <p:ph type="body" sz="quarter" idx="15"/>
+          </p:nvPr>
+        </p:nvSpPr>
+        <p:spPr/>
+        <p:txBody>
+          <a:bodyPr/>
+          <a:lstStyle/>
+          <a:p>
+            <a:r>
+              <a:rPr lang="en-US" dirty="0" smtClean="0"/>
+              <a:t>Budget</a:t>
+            </a:r>
+          </a:p>
+          <a:p>
+            <a:r>
+              <a:rPr lang="en-US" dirty="0" smtClean="0"/>
+              <a:t>Timeline</a:t>
+            </a:r>
+          </a:p>
+          <a:p>
+            <a:r>
+              <a:rPr lang="en-US" dirty="0" smtClean="0"/>
+              <a:t>Requirements</a:t>
+            </a:r>
+          </a:p>
+          <a:p>
+            <a:r>
+              <a:rPr lang="en-US" dirty="0" smtClean="0"/>
+              <a:t>Test Plan</a:t>
+            </a:r>
+            <a:endParaRPr lang="en-US" dirty="0"/>
+          </a:p>
+        </p:txBody>
+      </p:sp>
+    </p:spTree>
+    <p:extLst>
+      <p:ext uri="{BB962C8B-B14F-4D97-AF65-F5344CB8AC3E}">
+        <p14:creationId xmlns:p14="http://schemas.microsoft.com/office/powerpoint/2010/main" val="3930635044"/>
+      </p:ext>
+    </p:extLst>
+  </p:cSld>
+  <p:clrMapOvr>
+    <a:masterClrMapping/>
+  </p:clrMapOvr>
+</p:sld>
+</file>
+
+<file path=ppt/slides/slide25.xml><?xml version="1.0" encoding="utf-8"?>
+<p:sld xmlns:a="http://schemas.openxmlformats.org/drawingml/2006/main" xmlns:r="http://schemas.openxmlformats.org/officeDocument/2006/relationships" xmlns:p="http://schemas.openxmlformats.org/presentationml/2006/main">
+  <p:cSld>
+    <p:spTree>
+      <p:nvGrpSpPr>
+        <p:cNvPr id="1" name=""/>
+        <p:cNvGrpSpPr/>
+        <p:nvPr/>
+      </p:nvGrpSpPr>
+      <p:grpSpPr>
+        <a:xfrm>
+          <a:off x="0" y="0"/>
+          <a:ext cx="0" cy="0"/>
+          <a:chOff x="0" y="0"/>
+          <a:chExt cx="0" cy="0"/>
+        </a:xfrm>
+      </p:grpSpPr>
+      <p:sp>
+        <p:nvSpPr>
+          <p:cNvPr id="2" name="Title 1"/>
+          <p:cNvSpPr>
+            <a:spLocks noGrp="1"/>
+          </p:cNvSpPr>
+          <p:nvPr>
+            <p:ph type="title"/>
+          </p:nvPr>
+        </p:nvSpPr>
+        <p:spPr>
+          <a:xfrm>
             <a:off x="472966" y="2667000"/>
             <a:ext cx="8166537" cy="1111469"/>
           </a:xfrm>
@@ -5271,7 +7808,7 @@
             <a:fld id="{41FBF465-1333-4AA3-A58E-1653FDB8C624}" type="slidenum">
               <a:rPr lang="en-US" smtClean="0"/>
               <a:pPr/>
-              <a:t>18</a:t>
+              <a:t>25</a:t>
             </a:fld>
             <a:endParaRPr lang="en-US"/>
           </a:p>
@@ -5297,7 +7834,7 @@
 </p:sld>
 </file>
 
-<file path=ppt/slides/slide19.xml><?xml version="1.0" encoding="utf-8"?>
+<file path=ppt/slides/slide26.xml><?xml version="1.0" encoding="utf-8"?>
 <p:sld xmlns:a="http://schemas.openxmlformats.org/drawingml/2006/main" xmlns:r="http://schemas.openxmlformats.org/officeDocument/2006/relationships" xmlns:p="http://schemas.openxmlformats.org/presentationml/2006/main">
   <p:cSld>
     <p:spTree>
@@ -5377,7 +7914,7 @@
           <a:p>
             <a:fld id="{41FBF465-1333-4AA3-A58E-1653FDB8C624}" type="slidenum">
               <a:rPr lang="en-US" smtClean="0"/>
-              <a:t>19</a:t>
+              <a:t>26</a:t>
             </a:fld>
             <a:endParaRPr lang="en-US"/>
           </a:p>
@@ -5494,7 +8031,7 @@
 </p:sld>
 </file>
 
-<file path=ppt/slides/slide2.xml><?xml version="1.0" encoding="utf-8"?>
+<file path=ppt/slides/slide27.xml><?xml version="1.0" encoding="utf-8"?>
 <p:sld xmlns:a="http://schemas.openxmlformats.org/drawingml/2006/main" xmlns:r="http://schemas.openxmlformats.org/officeDocument/2006/relationships" xmlns:p="http://schemas.openxmlformats.org/presentationml/2006/main">
   <p:cSld>
     <p:spTree>
@@ -5513,35 +8050,7 @@
       </p:grpSpPr>
       <p:sp>
         <p:nvSpPr>
-          <p:cNvPr id="2" name="Title 1"/>
-          <p:cNvSpPr>
-            <a:spLocks noGrp="1"/>
-          </p:cNvSpPr>
-          <p:nvPr>
-            <p:ph type="title"/>
-          </p:nvPr>
-        </p:nvSpPr>
-        <p:spPr>
-          <a:xfrm>
-            <a:off x="488731" y="2639649"/>
-            <a:ext cx="8166537" cy="1111469"/>
-          </a:xfrm>
-        </p:spPr>
-        <p:txBody>
-          <a:bodyPr/>
-          <a:lstStyle/>
-          <a:p>
-            <a:r>
-              <a:rPr lang="en-US" b="1" dirty="0" smtClean="0"/>
-              <a:t>Hardware</a:t>
-            </a:r>
-            <a:endParaRPr lang="en-US" b="1" dirty="0"/>
-          </a:p>
-        </p:txBody>
-      </p:sp>
-      <p:sp>
-        <p:nvSpPr>
-          <p:cNvPr id="5" name="Date Placeholder 4"/>
+          <p:cNvPr id="2" name="Date Placeholder 1"/>
           <p:cNvSpPr>
             <a:spLocks noGrp="1"/>
           </p:cNvSpPr>
@@ -5554,7 +8063,7 @@
           <a:bodyPr/>
           <a:lstStyle/>
           <a:p>
-            <a:fld id="{36EE32E8-32C0-4483-A2D4-AA570CA4665C}" type="datetime1">
+            <a:fld id="{C29800E0-75F7-49C7-9A2B-4D6AEABEED8B}" type="datetime1">
               <a:rPr lang="en-US" smtClean="0"/>
               <a:t>6/5/2014</a:t>
             </a:fld>
@@ -5564,7 +8073,7 @@
       </p:sp>
       <p:sp>
         <p:nvSpPr>
-          <p:cNvPr id="6" name="Footer Placeholder 5"/>
+          <p:cNvPr id="3" name="Footer Placeholder 2"/>
           <p:cNvSpPr>
             <a:spLocks noGrp="1"/>
           </p:cNvSpPr>
@@ -5587,7 +8096,7 @@
       </p:sp>
       <p:sp>
         <p:nvSpPr>
-          <p:cNvPr id="7" name="Slide Number Placeholder 6"/>
+          <p:cNvPr id="4" name="Slide Number Placeholder 3"/>
           <p:cNvSpPr>
             <a:spLocks noGrp="1"/>
           </p:cNvSpPr>
@@ -5602,113 +8111,7 @@
           <a:p>
             <a:fld id="{41FBF465-1333-4AA3-A58E-1653FDB8C624}" type="slidenum">
               <a:rPr lang="en-US" smtClean="0"/>
-              <a:t>2</a:t>
-            </a:fld>
-            <a:endParaRPr lang="en-US"/>
-          </a:p>
-        </p:txBody>
-      </p:sp>
-    </p:spTree>
-    <p:extLst>
-      <p:ext uri="{BB962C8B-B14F-4D97-AF65-F5344CB8AC3E}">
-        <p14:creationId xmlns:p14="http://schemas.microsoft.com/office/powerpoint/2010/main" val="3347167269"/>
-      </p:ext>
-    </p:extLst>
-  </p:cSld>
-  <p:clrMapOvr>
-    <a:masterClrMapping/>
-  </p:clrMapOvr>
-  <p:timing>
-    <p:tnLst>
-      <p:par>
-        <p:cTn id="1" dur="indefinite" restart="never" nodeType="tmRoot"/>
-      </p:par>
-    </p:tnLst>
-  </p:timing>
-</p:sld>
-</file>
-
-<file path=ppt/slides/slide20.xml><?xml version="1.0" encoding="utf-8"?>
-<p:sld xmlns:a="http://schemas.openxmlformats.org/drawingml/2006/main" xmlns:r="http://schemas.openxmlformats.org/officeDocument/2006/relationships" xmlns:p="http://schemas.openxmlformats.org/presentationml/2006/main">
-  <p:cSld>
-    <p:spTree>
-      <p:nvGrpSpPr>
-        <p:cNvPr id="1" name=""/>
-        <p:cNvGrpSpPr/>
-        <p:nvPr/>
-      </p:nvGrpSpPr>
-      <p:grpSpPr>
-        <a:xfrm>
-          <a:off x="0" y="0"/>
-          <a:ext cx="0" cy="0"/>
-          <a:chOff x="0" y="0"/>
-          <a:chExt cx="0" cy="0"/>
-        </a:xfrm>
-      </p:grpSpPr>
-      <p:sp>
-        <p:nvSpPr>
-          <p:cNvPr id="2" name="Date Placeholder 1"/>
-          <p:cNvSpPr>
-            <a:spLocks noGrp="1"/>
-          </p:cNvSpPr>
-          <p:nvPr>
-            <p:ph type="dt" sz="half" idx="10"/>
-          </p:nvPr>
-        </p:nvSpPr>
-        <p:spPr/>
-        <p:txBody>
-          <a:bodyPr/>
-          <a:lstStyle/>
-          <a:p>
-            <a:fld id="{C29800E0-75F7-49C7-9A2B-4D6AEABEED8B}" type="datetime1">
-              <a:rPr lang="en-US" smtClean="0"/>
-              <a:t>6/5/2014</a:t>
-            </a:fld>
-            <a:endParaRPr lang="en-US"/>
-          </a:p>
-        </p:txBody>
-      </p:sp>
-      <p:sp>
-        <p:nvSpPr>
-          <p:cNvPr id="3" name="Footer Placeholder 2"/>
-          <p:cNvSpPr>
-            <a:spLocks noGrp="1"/>
-          </p:cNvSpPr>
-          <p:nvPr>
-            <p:ph type="ftr" sz="quarter" idx="11"/>
-          </p:nvPr>
-        </p:nvSpPr>
-        <p:spPr/>
-        <p:txBody>
-          <a:bodyPr/>
-          <a:lstStyle/>
-          <a:p>
-            <a:r>
-              <a:rPr lang="en-US" smtClean="0"/>
-              <a:t>Erebus Labs STEM Sensor</a:t>
-            </a:r>
-            <a:endParaRPr lang="en-US" dirty="0"/>
-          </a:p>
-        </p:txBody>
-      </p:sp>
-      <p:sp>
-        <p:nvSpPr>
-          <p:cNvPr id="4" name="Slide Number Placeholder 3"/>
-          <p:cNvSpPr>
-            <a:spLocks noGrp="1"/>
-          </p:cNvSpPr>
-          <p:nvPr>
-            <p:ph type="sldNum" sz="quarter" idx="12"/>
-          </p:nvPr>
-        </p:nvSpPr>
-        <p:spPr/>
-        <p:txBody>
-          <a:bodyPr/>
-          <a:lstStyle/>
-          <a:p>
-            <a:fld id="{41FBF465-1333-4AA3-A58E-1653FDB8C624}" type="slidenum">
-              <a:rPr lang="en-US" smtClean="0"/>
-              <a:t>20</a:t>
+              <a:t>27</a:t>
             </a:fld>
             <a:endParaRPr lang="en-US"/>
           </a:p>
@@ -5845,7 +8248,7 @@
 </p:sld>
 </file>
 
-<file path=ppt/slides/slide21.xml><?xml version="1.0" encoding="utf-8"?>
+<file path=ppt/slides/slide28.xml><?xml version="1.0" encoding="utf-8"?>
 <p:sld xmlns:a="http://schemas.openxmlformats.org/drawingml/2006/main" xmlns:r="http://schemas.openxmlformats.org/officeDocument/2006/relationships" xmlns:p="http://schemas.openxmlformats.org/presentationml/2006/main">
   <p:cSld>
     <p:spTree>
@@ -5911,6 +8314,521 @@
 </file>
 
 <file path=ppt/slides/slide3.xml><?xml version="1.0" encoding="utf-8"?>
+<p:sld xmlns:a="http://schemas.openxmlformats.org/drawingml/2006/main" xmlns:r="http://schemas.openxmlformats.org/officeDocument/2006/relationships" xmlns:p="http://schemas.openxmlformats.org/presentationml/2006/main">
+  <p:cSld>
+    <p:spTree>
+      <p:nvGrpSpPr>
+        <p:cNvPr id="1" name=""/>
+        <p:cNvGrpSpPr/>
+        <p:nvPr/>
+      </p:nvGrpSpPr>
+      <p:grpSpPr>
+        <a:xfrm>
+          <a:off x="0" y="0"/>
+          <a:ext cx="0" cy="0"/>
+          <a:chOff x="0" y="0"/>
+          <a:chExt cx="0" cy="0"/>
+        </a:xfrm>
+      </p:grpSpPr>
+      <p:sp>
+        <p:nvSpPr>
+          <p:cNvPr id="2" name="Date Placeholder 1"/>
+          <p:cNvSpPr>
+            <a:spLocks noGrp="1"/>
+          </p:cNvSpPr>
+          <p:nvPr>
+            <p:ph type="dt" sz="half" idx="10"/>
+          </p:nvPr>
+        </p:nvSpPr>
+        <p:spPr/>
+        <p:txBody>
+          <a:bodyPr/>
+          <a:lstStyle/>
+          <a:p>
+            <a:fld id="{C29800E0-75F7-49C7-9A2B-4D6AEABEED8B}" type="datetime1">
+              <a:rPr lang="en-US" smtClean="0"/>
+              <a:t>6/5/2014</a:t>
+            </a:fld>
+            <a:endParaRPr lang="en-US"/>
+          </a:p>
+        </p:txBody>
+      </p:sp>
+      <p:sp>
+        <p:nvSpPr>
+          <p:cNvPr id="3" name="Footer Placeholder 2"/>
+          <p:cNvSpPr>
+            <a:spLocks noGrp="1"/>
+          </p:cNvSpPr>
+          <p:nvPr>
+            <p:ph type="ftr" sz="quarter" idx="11"/>
+          </p:nvPr>
+        </p:nvSpPr>
+        <p:spPr/>
+        <p:txBody>
+          <a:bodyPr/>
+          <a:lstStyle/>
+          <a:p>
+            <a:r>
+              <a:rPr lang="en-US" smtClean="0"/>
+              <a:t>Erebus Labs STEM Sensor</a:t>
+            </a:r>
+            <a:endParaRPr lang="en-US" dirty="0"/>
+          </a:p>
+        </p:txBody>
+      </p:sp>
+      <p:sp>
+        <p:nvSpPr>
+          <p:cNvPr id="4" name="Slide Number Placeholder 3"/>
+          <p:cNvSpPr>
+            <a:spLocks noGrp="1"/>
+          </p:cNvSpPr>
+          <p:nvPr>
+            <p:ph type="sldNum" sz="quarter" idx="12"/>
+          </p:nvPr>
+        </p:nvSpPr>
+        <p:spPr/>
+        <p:txBody>
+          <a:bodyPr/>
+          <a:lstStyle/>
+          <a:p>
+            <a:fld id="{41FBF465-1333-4AA3-A58E-1653FDB8C624}" type="slidenum">
+              <a:rPr lang="en-US" smtClean="0"/>
+              <a:t>3</a:t>
+            </a:fld>
+            <a:endParaRPr lang="en-US"/>
+          </a:p>
+        </p:txBody>
+      </p:sp>
+      <p:sp>
+        <p:nvSpPr>
+          <p:cNvPr id="5" name="Text Placeholder 4"/>
+          <p:cNvSpPr>
+            <a:spLocks noGrp="1"/>
+          </p:cNvSpPr>
+          <p:nvPr>
+            <p:ph type="body" sz="quarter" idx="13"/>
+          </p:nvPr>
+        </p:nvSpPr>
+        <p:spPr/>
+        <p:txBody>
+          <a:bodyPr/>
+          <a:lstStyle/>
+          <a:p>
+            <a:r>
+              <a:rPr lang="en-US" dirty="0" smtClean="0"/>
+              <a:t>Introduction</a:t>
+            </a:r>
+            <a:endParaRPr lang="en-US" dirty="0"/>
+          </a:p>
+        </p:txBody>
+      </p:sp>
+      <p:sp>
+        <p:nvSpPr>
+          <p:cNvPr id="6" name="Text Placeholder 5"/>
+          <p:cNvSpPr>
+            <a:spLocks noGrp="1"/>
+          </p:cNvSpPr>
+          <p:nvPr>
+            <p:ph type="body" sz="quarter" idx="14"/>
+          </p:nvPr>
+        </p:nvSpPr>
+        <p:spPr/>
+        <p:txBody>
+          <a:bodyPr/>
+          <a:lstStyle/>
+          <a:p>
+            <a:r>
+              <a:rPr lang="en-US" dirty="0" smtClean="0"/>
+              <a:t>Objective</a:t>
+            </a:r>
+            <a:endParaRPr lang="en-US" dirty="0"/>
+          </a:p>
+        </p:txBody>
+      </p:sp>
+      <p:sp>
+        <p:nvSpPr>
+          <p:cNvPr id="7" name="Text Placeholder 6"/>
+          <p:cNvSpPr>
+            <a:spLocks noGrp="1"/>
+          </p:cNvSpPr>
+          <p:nvPr>
+            <p:ph type="body" sz="quarter" idx="15"/>
+          </p:nvPr>
+        </p:nvSpPr>
+        <p:spPr/>
+        <p:txBody>
+          <a:bodyPr/>
+          <a:lstStyle/>
+          <a:p>
+            <a:r>
+              <a:rPr lang="en-US" dirty="0" smtClean="0"/>
+              <a:t>Create an Environmental Sensor System</a:t>
+            </a:r>
+          </a:p>
+          <a:p>
+            <a:pPr lvl="1"/>
+            <a:r>
+              <a:rPr lang="en-US" dirty="0" smtClean="0"/>
+              <a:t>Hardware/Software</a:t>
+            </a:r>
+          </a:p>
+          <a:p>
+            <a:pPr lvl="1"/>
+            <a:r>
+              <a:rPr lang="en-US" dirty="0" smtClean="0"/>
+              <a:t>Documentation</a:t>
+            </a:r>
+          </a:p>
+          <a:p>
+            <a:r>
+              <a:rPr lang="en-US" dirty="0" smtClean="0"/>
+              <a:t>Keep it Simple</a:t>
+            </a:r>
+          </a:p>
+          <a:p>
+            <a:r>
+              <a:rPr lang="en-US" dirty="0" smtClean="0"/>
+              <a:t>Keep it Open</a:t>
+            </a:r>
+          </a:p>
+          <a:p>
+            <a:r>
+              <a:rPr lang="en-US" dirty="0" smtClean="0"/>
+              <a:t>Keep it Cheap</a:t>
+            </a:r>
+          </a:p>
+          <a:p>
+            <a:r>
+              <a:rPr lang="en-US" dirty="0" smtClean="0"/>
+              <a:t>Get Kids Interested in STEM!</a:t>
+            </a:r>
+          </a:p>
+        </p:txBody>
+      </p:sp>
+    </p:spTree>
+    <p:extLst>
+      <p:ext uri="{BB962C8B-B14F-4D97-AF65-F5344CB8AC3E}">
+        <p14:creationId xmlns:p14="http://schemas.microsoft.com/office/powerpoint/2010/main" val="1901587766"/>
+      </p:ext>
+    </p:extLst>
+  </p:cSld>
+  <p:clrMapOvr>
+    <a:masterClrMapping/>
+  </p:clrMapOvr>
+  <p:timing>
+    <p:tnLst>
+      <p:par>
+        <p:cTn id="1" dur="indefinite" restart="never" nodeType="tmRoot"/>
+      </p:par>
+    </p:tnLst>
+  </p:timing>
+</p:sld>
+</file>
+
+<file path=ppt/slides/slide4.xml><?xml version="1.0" encoding="utf-8"?>
+<p:sld xmlns:a="http://schemas.openxmlformats.org/drawingml/2006/main" xmlns:r="http://schemas.openxmlformats.org/officeDocument/2006/relationships" xmlns:p="http://schemas.openxmlformats.org/presentationml/2006/main">
+  <p:cSld>
+    <p:spTree>
+      <p:nvGrpSpPr>
+        <p:cNvPr id="1" name=""/>
+        <p:cNvGrpSpPr/>
+        <p:nvPr/>
+      </p:nvGrpSpPr>
+      <p:grpSpPr>
+        <a:xfrm>
+          <a:off x="0" y="0"/>
+          <a:ext cx="0" cy="0"/>
+          <a:chOff x="0" y="0"/>
+          <a:chExt cx="0" cy="0"/>
+        </a:xfrm>
+      </p:grpSpPr>
+      <p:sp>
+        <p:nvSpPr>
+          <p:cNvPr id="2" name="Title 1"/>
+          <p:cNvSpPr>
+            <a:spLocks noGrp="1"/>
+          </p:cNvSpPr>
+          <p:nvPr>
+            <p:ph type="title"/>
+          </p:nvPr>
+        </p:nvSpPr>
+        <p:spPr>
+          <a:xfrm>
+            <a:off x="488731" y="2639649"/>
+            <a:ext cx="8166537" cy="1111469"/>
+          </a:xfrm>
+        </p:spPr>
+        <p:txBody>
+          <a:bodyPr/>
+          <a:lstStyle/>
+          <a:p>
+            <a:r>
+              <a:rPr lang="en-US" b="1" dirty="0" smtClean="0"/>
+              <a:t>Hardware</a:t>
+            </a:r>
+            <a:endParaRPr lang="en-US" b="1" dirty="0"/>
+          </a:p>
+        </p:txBody>
+      </p:sp>
+      <p:sp>
+        <p:nvSpPr>
+          <p:cNvPr id="5" name="Date Placeholder 4"/>
+          <p:cNvSpPr>
+            <a:spLocks noGrp="1"/>
+          </p:cNvSpPr>
+          <p:nvPr>
+            <p:ph type="dt" sz="half" idx="10"/>
+          </p:nvPr>
+        </p:nvSpPr>
+        <p:spPr/>
+        <p:txBody>
+          <a:bodyPr/>
+          <a:lstStyle/>
+          <a:p>
+            <a:fld id="{36EE32E8-32C0-4483-A2D4-AA570CA4665C}" type="datetime1">
+              <a:rPr lang="en-US" smtClean="0"/>
+              <a:t>6/5/2014</a:t>
+            </a:fld>
+            <a:endParaRPr lang="en-US"/>
+          </a:p>
+        </p:txBody>
+      </p:sp>
+      <p:sp>
+        <p:nvSpPr>
+          <p:cNvPr id="6" name="Footer Placeholder 5"/>
+          <p:cNvSpPr>
+            <a:spLocks noGrp="1"/>
+          </p:cNvSpPr>
+          <p:nvPr>
+            <p:ph type="ftr" sz="quarter" idx="11"/>
+          </p:nvPr>
+        </p:nvSpPr>
+        <p:spPr/>
+        <p:txBody>
+          <a:bodyPr/>
+          <a:lstStyle/>
+          <a:p>
+            <a:r>
+              <a:rPr lang="en-US" smtClean="0"/>
+              <a:t>Erebus Labs STEM Sensor</a:t>
+            </a:r>
+            <a:endParaRPr lang="en-US" dirty="0"/>
+          </a:p>
+        </p:txBody>
+      </p:sp>
+      <p:sp>
+        <p:nvSpPr>
+          <p:cNvPr id="7" name="Slide Number Placeholder 6"/>
+          <p:cNvSpPr>
+            <a:spLocks noGrp="1"/>
+          </p:cNvSpPr>
+          <p:nvPr>
+            <p:ph type="sldNum" sz="quarter" idx="12"/>
+          </p:nvPr>
+        </p:nvSpPr>
+        <p:spPr/>
+        <p:txBody>
+          <a:bodyPr/>
+          <a:lstStyle/>
+          <a:p>
+            <a:fld id="{41FBF465-1333-4AA3-A58E-1653FDB8C624}" type="slidenum">
+              <a:rPr lang="en-US" smtClean="0"/>
+              <a:t>4</a:t>
+            </a:fld>
+            <a:endParaRPr lang="en-US"/>
+          </a:p>
+        </p:txBody>
+      </p:sp>
+    </p:spTree>
+    <p:extLst>
+      <p:ext uri="{BB962C8B-B14F-4D97-AF65-F5344CB8AC3E}">
+        <p14:creationId xmlns:p14="http://schemas.microsoft.com/office/powerpoint/2010/main" val="3347167269"/>
+      </p:ext>
+    </p:extLst>
+  </p:cSld>
+  <p:clrMapOvr>
+    <a:masterClrMapping/>
+  </p:clrMapOvr>
+  <p:timing>
+    <p:tnLst>
+      <p:par>
+        <p:cTn id="1" dur="indefinite" restart="never" nodeType="tmRoot"/>
+      </p:par>
+    </p:tnLst>
+  </p:timing>
+</p:sld>
+</file>
+
+<file path=ppt/slides/slide5.xml><?xml version="1.0" encoding="utf-8"?>
+<p:sld xmlns:a="http://schemas.openxmlformats.org/drawingml/2006/main" xmlns:r="http://schemas.openxmlformats.org/officeDocument/2006/relationships" xmlns:p="http://schemas.openxmlformats.org/presentationml/2006/main">
+  <p:cSld>
+    <p:spTree>
+      <p:nvGrpSpPr>
+        <p:cNvPr id="1" name=""/>
+        <p:cNvGrpSpPr/>
+        <p:nvPr/>
+      </p:nvGrpSpPr>
+      <p:grpSpPr>
+        <a:xfrm>
+          <a:off x="0" y="0"/>
+          <a:ext cx="0" cy="0"/>
+          <a:chOff x="0" y="0"/>
+          <a:chExt cx="0" cy="0"/>
+        </a:xfrm>
+      </p:grpSpPr>
+      <p:sp>
+        <p:nvSpPr>
+          <p:cNvPr id="2" name="Date Placeholder 1"/>
+          <p:cNvSpPr>
+            <a:spLocks noGrp="1"/>
+          </p:cNvSpPr>
+          <p:nvPr>
+            <p:ph type="dt" sz="half" idx="10"/>
+          </p:nvPr>
+        </p:nvSpPr>
+        <p:spPr/>
+        <p:txBody>
+          <a:bodyPr/>
+          <a:lstStyle/>
+          <a:p>
+            <a:fld id="{C29800E0-75F7-49C7-9A2B-4D6AEABEED8B}" type="datetime1">
+              <a:rPr lang="en-US" smtClean="0"/>
+              <a:t>6/5/2014</a:t>
+            </a:fld>
+            <a:endParaRPr lang="en-US"/>
+          </a:p>
+        </p:txBody>
+      </p:sp>
+      <p:sp>
+        <p:nvSpPr>
+          <p:cNvPr id="3" name="Footer Placeholder 2"/>
+          <p:cNvSpPr>
+            <a:spLocks noGrp="1"/>
+          </p:cNvSpPr>
+          <p:nvPr>
+            <p:ph type="ftr" sz="quarter" idx="11"/>
+          </p:nvPr>
+        </p:nvSpPr>
+        <p:spPr/>
+        <p:txBody>
+          <a:bodyPr/>
+          <a:lstStyle/>
+          <a:p>
+            <a:r>
+              <a:rPr lang="en-US" smtClean="0"/>
+              <a:t>Erebus Labs STEM Sensor</a:t>
+            </a:r>
+            <a:endParaRPr lang="en-US" dirty="0"/>
+          </a:p>
+        </p:txBody>
+      </p:sp>
+      <p:sp>
+        <p:nvSpPr>
+          <p:cNvPr id="4" name="Slide Number Placeholder 3"/>
+          <p:cNvSpPr>
+            <a:spLocks noGrp="1"/>
+          </p:cNvSpPr>
+          <p:nvPr>
+            <p:ph type="sldNum" sz="quarter" idx="12"/>
+          </p:nvPr>
+        </p:nvSpPr>
+        <p:spPr/>
+        <p:txBody>
+          <a:bodyPr/>
+          <a:lstStyle/>
+          <a:p>
+            <a:fld id="{41FBF465-1333-4AA3-A58E-1653FDB8C624}" type="slidenum">
+              <a:rPr lang="en-US" smtClean="0"/>
+              <a:t>5</a:t>
+            </a:fld>
+            <a:endParaRPr lang="en-US"/>
+          </a:p>
+        </p:txBody>
+      </p:sp>
+      <p:sp>
+        <p:nvSpPr>
+          <p:cNvPr id="5" name="Text Placeholder 4"/>
+          <p:cNvSpPr>
+            <a:spLocks noGrp="1"/>
+          </p:cNvSpPr>
+          <p:nvPr>
+            <p:ph type="body" sz="quarter" idx="13"/>
+          </p:nvPr>
+        </p:nvSpPr>
+        <p:spPr/>
+        <p:txBody>
+          <a:bodyPr/>
+          <a:lstStyle/>
+          <a:p>
+            <a:r>
+              <a:rPr lang="en-US" dirty="0" smtClean="0"/>
+              <a:t>Hardware</a:t>
+            </a:r>
+            <a:endParaRPr lang="en-US" dirty="0"/>
+          </a:p>
+        </p:txBody>
+      </p:sp>
+      <p:sp>
+        <p:nvSpPr>
+          <p:cNvPr id="6" name="Text Placeholder 5"/>
+          <p:cNvSpPr>
+            <a:spLocks noGrp="1"/>
+          </p:cNvSpPr>
+          <p:nvPr>
+            <p:ph type="body" sz="quarter" idx="14"/>
+          </p:nvPr>
+        </p:nvSpPr>
+        <p:spPr/>
+        <p:txBody>
+          <a:bodyPr/>
+          <a:lstStyle/>
+          <a:p>
+            <a:r>
+              <a:rPr lang="en-US" dirty="0" smtClean="0"/>
+              <a:t>Hardware Overview</a:t>
+            </a:r>
+            <a:endParaRPr lang="en-US" dirty="0"/>
+          </a:p>
+        </p:txBody>
+      </p:sp>
+      <p:pic>
+        <p:nvPicPr>
+          <p:cNvPr id="7" name="Picture 6"/>
+          <p:cNvPicPr>
+            <a:picLocks noChangeAspect="1"/>
+          </p:cNvPicPr>
+          <p:nvPr/>
+        </p:nvPicPr>
+        <p:blipFill>
+          <a:blip r:embed="rId2"/>
+          <a:stretch>
+            <a:fillRect/>
+          </a:stretch>
+        </p:blipFill>
+        <p:spPr>
+          <a:xfrm>
+            <a:off x="1226343" y="1170899"/>
+            <a:ext cx="5548313" cy="4516201"/>
+          </a:xfrm>
+          <a:prstGeom prst="rect">
+            <a:avLst/>
+          </a:prstGeom>
+        </p:spPr>
+      </p:pic>
+    </p:spTree>
+    <p:extLst>
+      <p:ext uri="{BB962C8B-B14F-4D97-AF65-F5344CB8AC3E}">
+        <p14:creationId xmlns:p14="http://schemas.microsoft.com/office/powerpoint/2010/main" val="1405498367"/>
+      </p:ext>
+    </p:extLst>
+  </p:cSld>
+  <p:clrMapOvr>
+    <a:masterClrMapping/>
+  </p:clrMapOvr>
+</p:sld>
+</file>
+
+<file path=ppt/slides/slide6.xml><?xml version="1.0" encoding="utf-8"?>
 <p:sld xmlns:a="http://schemas.openxmlformats.org/drawingml/2006/main" xmlns:r="http://schemas.openxmlformats.org/officeDocument/2006/relationships" xmlns:p="http://schemas.openxmlformats.org/presentationml/2006/main">
   <p:cSld>
     <p:spTree>
@@ -6366,7 +9284,7 @@
           <a:p>
             <a:fld id="{41FBF465-1333-4AA3-A58E-1653FDB8C624}" type="slidenum">
               <a:rPr lang="en-US" smtClean="0"/>
-              <a:t>3</a:t>
+              <a:t>6</a:t>
             </a:fld>
             <a:endParaRPr lang="en-US"/>
           </a:p>
@@ -6392,7 +9310,7 @@
 </p:sld>
 </file>
 
-<file path=ppt/slides/slide4.xml><?xml version="1.0" encoding="utf-8"?>
+<file path=ppt/slides/slide7.xml><?xml version="1.0" encoding="utf-8"?>
 <p:sld xmlns:a="http://schemas.openxmlformats.org/drawingml/2006/main" xmlns:r="http://schemas.openxmlformats.org/officeDocument/2006/relationships" xmlns:p="http://schemas.openxmlformats.org/presentationml/2006/main">
   <p:cSld>
     <p:spTree>
@@ -6656,7 +9574,7 @@
           <a:p>
             <a:fld id="{41FBF465-1333-4AA3-A58E-1653FDB8C624}" type="slidenum">
               <a:rPr lang="en-US" smtClean="0"/>
-              <a:t>4</a:t>
+              <a:t>7</a:t>
             </a:fld>
             <a:endParaRPr lang="en-US"/>
           </a:p>
@@ -6666,627 +9584,6 @@
     <p:extLst>
       <p:ext uri="{BB962C8B-B14F-4D97-AF65-F5344CB8AC3E}">
         <p14:creationId xmlns:p14="http://schemas.microsoft.com/office/powerpoint/2010/main" val="8636402"/>
-      </p:ext>
-    </p:extLst>
-  </p:cSld>
-  <p:clrMapOvr>
-    <a:masterClrMapping/>
-  </p:clrMapOvr>
-  <p:timing>
-    <p:tnLst>
-      <p:par>
-        <p:cTn id="1" dur="indefinite" restart="never" nodeType="tmRoot"/>
-      </p:par>
-    </p:tnLst>
-  </p:timing>
-</p:sld>
-</file>
-
-<file path=ppt/slides/slide5.xml><?xml version="1.0" encoding="utf-8"?>
-<p:sld xmlns:a="http://schemas.openxmlformats.org/drawingml/2006/main" xmlns:r="http://schemas.openxmlformats.org/officeDocument/2006/relationships" xmlns:p="http://schemas.openxmlformats.org/presentationml/2006/main">
-  <p:cSld>
-    <p:spTree>
-      <p:nvGrpSpPr>
-        <p:cNvPr id="1" name=""/>
-        <p:cNvGrpSpPr/>
-        <p:nvPr/>
-      </p:nvGrpSpPr>
-      <p:grpSpPr>
-        <a:xfrm>
-          <a:off x="0" y="0"/>
-          <a:ext cx="0" cy="0"/>
-          <a:chOff x="0" y="0"/>
-          <a:chExt cx="0" cy="0"/>
-        </a:xfrm>
-      </p:grpSpPr>
-      <p:sp>
-        <p:nvSpPr>
-          <p:cNvPr id="2" name="Text Placeholder 1"/>
-          <p:cNvSpPr>
-            <a:spLocks noGrp="1"/>
-          </p:cNvSpPr>
-          <p:nvPr>
-            <p:ph type="body" sz="quarter" idx="13"/>
-          </p:nvPr>
-        </p:nvSpPr>
-        <p:spPr/>
-        <p:txBody>
-          <a:bodyPr/>
-          <a:lstStyle/>
-          <a:p>
-            <a:r>
-              <a:rPr lang="en-US" dirty="0" smtClean="0"/>
-              <a:t>Hardware</a:t>
-            </a:r>
-            <a:endParaRPr lang="en-US" dirty="0"/>
-          </a:p>
-        </p:txBody>
-      </p:sp>
-      <p:sp>
-        <p:nvSpPr>
-          <p:cNvPr id="3" name="Text Placeholder 2"/>
-          <p:cNvSpPr>
-            <a:spLocks noGrp="1"/>
-          </p:cNvSpPr>
-          <p:nvPr>
-            <p:ph type="body" sz="quarter" idx="14"/>
-          </p:nvPr>
-        </p:nvSpPr>
-        <p:spPr/>
-        <p:txBody>
-          <a:bodyPr/>
-          <a:lstStyle/>
-          <a:p>
-            <a:r>
-              <a:rPr lang="en-US" dirty="0" smtClean="0"/>
-              <a:t>PSoC Architecture</a:t>
-            </a:r>
-            <a:endParaRPr lang="en-US" dirty="0"/>
-          </a:p>
-        </p:txBody>
-      </p:sp>
-      <p:pic>
-        <p:nvPicPr>
-          <p:cNvPr id="5" name="Picture 4"/>
-          <p:cNvPicPr>
-            <a:picLocks noChangeAspect="1"/>
-          </p:cNvPicPr>
-          <p:nvPr/>
-        </p:nvPicPr>
-        <p:blipFill>
-          <a:blip r:embed="rId2" cstate="print">
-            <a:extLst>
-              <a:ext uri="{28A0092B-C50C-407E-A947-70E740481C1C}">
-                <a14:useLocalDpi xmlns:a14="http://schemas.microsoft.com/office/drawing/2010/main" val="0"/>
-              </a:ext>
-            </a:extLst>
-          </a:blip>
-          <a:stretch>
-            <a:fillRect/>
-          </a:stretch>
-        </p:blipFill>
-        <p:spPr>
-          <a:xfrm>
-            <a:off x="555672" y="1676400"/>
-            <a:ext cx="6889656" cy="4383024"/>
-          </a:xfrm>
-          <a:prstGeom prst="rect">
-            <a:avLst/>
-          </a:prstGeom>
-        </p:spPr>
-      </p:pic>
-      <p:sp>
-        <p:nvSpPr>
-          <p:cNvPr id="6" name="Date Placeholder 5"/>
-          <p:cNvSpPr>
-            <a:spLocks noGrp="1"/>
-          </p:cNvSpPr>
-          <p:nvPr>
-            <p:ph type="dt" sz="half" idx="10"/>
-          </p:nvPr>
-        </p:nvSpPr>
-        <p:spPr/>
-        <p:txBody>
-          <a:bodyPr/>
-          <a:lstStyle/>
-          <a:p>
-            <a:fld id="{48E8C03F-E981-4D7C-B245-605A1ED2BB0C}" type="datetime1">
-              <a:rPr lang="en-US" smtClean="0"/>
-              <a:t>6/5/2014</a:t>
-            </a:fld>
-            <a:endParaRPr lang="en-US"/>
-          </a:p>
-        </p:txBody>
-      </p:sp>
-      <p:sp>
-        <p:nvSpPr>
-          <p:cNvPr id="7" name="Footer Placeholder 6"/>
-          <p:cNvSpPr>
-            <a:spLocks noGrp="1"/>
-          </p:cNvSpPr>
-          <p:nvPr>
-            <p:ph type="ftr" sz="quarter" idx="11"/>
-          </p:nvPr>
-        </p:nvSpPr>
-        <p:spPr/>
-        <p:txBody>
-          <a:bodyPr/>
-          <a:lstStyle/>
-          <a:p>
-            <a:r>
-              <a:rPr lang="en-US" smtClean="0"/>
-              <a:t>Erebus Labs STEM Sensor</a:t>
-            </a:r>
-            <a:endParaRPr lang="en-US" dirty="0"/>
-          </a:p>
-        </p:txBody>
-      </p:sp>
-      <p:sp>
-        <p:nvSpPr>
-          <p:cNvPr id="8" name="Slide Number Placeholder 7"/>
-          <p:cNvSpPr>
-            <a:spLocks noGrp="1"/>
-          </p:cNvSpPr>
-          <p:nvPr>
-            <p:ph type="sldNum" sz="quarter" idx="12"/>
-          </p:nvPr>
-        </p:nvSpPr>
-        <p:spPr/>
-        <p:txBody>
-          <a:bodyPr/>
-          <a:lstStyle/>
-          <a:p>
-            <a:fld id="{41FBF465-1333-4AA3-A58E-1653FDB8C624}" type="slidenum">
-              <a:rPr lang="en-US" smtClean="0"/>
-              <a:t>5</a:t>
-            </a:fld>
-            <a:endParaRPr lang="en-US"/>
-          </a:p>
-        </p:txBody>
-      </p:sp>
-    </p:spTree>
-    <p:extLst>
-      <p:ext uri="{BB962C8B-B14F-4D97-AF65-F5344CB8AC3E}">
-        <p14:creationId xmlns:p14="http://schemas.microsoft.com/office/powerpoint/2010/main" val="3289087403"/>
-      </p:ext>
-    </p:extLst>
-  </p:cSld>
-  <p:clrMapOvr>
-    <a:masterClrMapping/>
-  </p:clrMapOvr>
-  <p:timing>
-    <p:tnLst>
-      <p:par>
-        <p:cTn id="1" dur="indefinite" restart="never" nodeType="tmRoot"/>
-      </p:par>
-    </p:tnLst>
-  </p:timing>
-</p:sld>
-</file>
-
-<file path=ppt/slides/slide6.xml><?xml version="1.0" encoding="utf-8"?>
-<p:sld xmlns:a="http://schemas.openxmlformats.org/drawingml/2006/main" xmlns:r="http://schemas.openxmlformats.org/officeDocument/2006/relationships" xmlns:p="http://schemas.openxmlformats.org/presentationml/2006/main">
-  <p:cSld>
-    <p:spTree>
-      <p:nvGrpSpPr>
-        <p:cNvPr id="1" name=""/>
-        <p:cNvGrpSpPr/>
-        <p:nvPr/>
-      </p:nvGrpSpPr>
-      <p:grpSpPr>
-        <a:xfrm>
-          <a:off x="0" y="0"/>
-          <a:ext cx="0" cy="0"/>
-          <a:chOff x="0" y="0"/>
-          <a:chExt cx="0" cy="0"/>
-        </a:xfrm>
-      </p:grpSpPr>
-      <p:sp>
-        <p:nvSpPr>
-          <p:cNvPr id="2" name="Text Placeholder 1"/>
-          <p:cNvSpPr>
-            <a:spLocks noGrp="1"/>
-          </p:cNvSpPr>
-          <p:nvPr>
-            <p:ph type="body" sz="quarter" idx="13"/>
-          </p:nvPr>
-        </p:nvSpPr>
-        <p:spPr/>
-        <p:txBody>
-          <a:bodyPr/>
-          <a:lstStyle/>
-          <a:p>
-            <a:r>
-              <a:rPr lang="en-US" dirty="0" smtClean="0"/>
-              <a:t>Hardware</a:t>
-            </a:r>
-            <a:endParaRPr lang="en-US" dirty="0"/>
-          </a:p>
-        </p:txBody>
-      </p:sp>
-      <p:sp>
-        <p:nvSpPr>
-          <p:cNvPr id="3" name="Text Placeholder 2"/>
-          <p:cNvSpPr>
-            <a:spLocks noGrp="1"/>
-          </p:cNvSpPr>
-          <p:nvPr>
-            <p:ph type="body" sz="quarter" idx="14"/>
-          </p:nvPr>
-        </p:nvSpPr>
-        <p:spPr/>
-        <p:txBody>
-          <a:bodyPr/>
-          <a:lstStyle/>
-          <a:p>
-            <a:r>
-              <a:rPr lang="en-US" dirty="0" smtClean="0"/>
-              <a:t>Power Supply</a:t>
-            </a:r>
-            <a:endParaRPr lang="en-US" dirty="0"/>
-          </a:p>
-        </p:txBody>
-      </p:sp>
-      <p:sp>
-        <p:nvSpPr>
-          <p:cNvPr id="4" name="Text Placeholder 3"/>
-          <p:cNvSpPr>
-            <a:spLocks noGrp="1"/>
-          </p:cNvSpPr>
-          <p:nvPr>
-            <p:ph type="body" sz="quarter" idx="15"/>
-          </p:nvPr>
-        </p:nvSpPr>
-        <p:spPr/>
-        <p:txBody>
-          <a:bodyPr/>
-          <a:lstStyle/>
-          <a:p>
-            <a:r>
-              <a:rPr lang="en-US" dirty="0" smtClean="0"/>
-              <a:t>Linear Power Supply (First Choice)</a:t>
-            </a:r>
-          </a:p>
-          <a:p>
-            <a:pPr lvl="1"/>
-            <a:r>
-              <a:rPr lang="en-US" dirty="0" smtClean="0"/>
-              <a:t>Less Noise</a:t>
-            </a:r>
-          </a:p>
-          <a:p>
-            <a:pPr lvl="1"/>
-            <a:r>
-              <a:rPr lang="en-US" dirty="0" smtClean="0"/>
-              <a:t>Lower Battery Life</a:t>
-            </a:r>
-          </a:p>
-          <a:p>
-            <a:r>
-              <a:rPr lang="en-US" dirty="0" smtClean="0"/>
-              <a:t>Switching Power Supply</a:t>
-            </a:r>
-          </a:p>
-          <a:p>
-            <a:pPr lvl="1"/>
-            <a:r>
-              <a:rPr lang="en-US" dirty="0" smtClean="0"/>
-              <a:t>Noise not an issue</a:t>
-            </a:r>
-          </a:p>
-          <a:p>
-            <a:pPr lvl="1"/>
-            <a:r>
-              <a:rPr lang="en-US" dirty="0" smtClean="0"/>
-              <a:t>Battery life more important</a:t>
-            </a:r>
-          </a:p>
-          <a:p>
-            <a:pPr lvl="1"/>
-            <a:r>
-              <a:rPr lang="en-US" dirty="0" smtClean="0"/>
-              <a:t>Smaller Footprint</a:t>
-            </a:r>
-          </a:p>
-          <a:p>
-            <a:pPr lvl="1"/>
-            <a:r>
-              <a:rPr lang="en-US" dirty="0" smtClean="0"/>
-              <a:t>One Part for 3V and 5V</a:t>
-            </a:r>
-          </a:p>
-        </p:txBody>
-      </p:sp>
-      <p:sp>
-        <p:nvSpPr>
-          <p:cNvPr id="5" name="Date Placeholder 4"/>
-          <p:cNvSpPr>
-            <a:spLocks noGrp="1"/>
-          </p:cNvSpPr>
-          <p:nvPr>
-            <p:ph type="dt" sz="half" idx="10"/>
-          </p:nvPr>
-        </p:nvSpPr>
-        <p:spPr/>
-        <p:txBody>
-          <a:bodyPr/>
-          <a:lstStyle/>
-          <a:p>
-            <a:fld id="{CE8AA357-2F88-48FD-861C-786C4915934F}" type="datetime1">
-              <a:rPr lang="en-US" smtClean="0"/>
-              <a:t>6/5/2014</a:t>
-            </a:fld>
-            <a:endParaRPr lang="en-US"/>
-          </a:p>
-        </p:txBody>
-      </p:sp>
-      <p:sp>
-        <p:nvSpPr>
-          <p:cNvPr id="6" name="Footer Placeholder 5"/>
-          <p:cNvSpPr>
-            <a:spLocks noGrp="1"/>
-          </p:cNvSpPr>
-          <p:nvPr>
-            <p:ph type="ftr" sz="quarter" idx="11"/>
-          </p:nvPr>
-        </p:nvSpPr>
-        <p:spPr/>
-        <p:txBody>
-          <a:bodyPr/>
-          <a:lstStyle/>
-          <a:p>
-            <a:r>
-              <a:rPr lang="en-US" smtClean="0"/>
-              <a:t>Erebus Labs STEM Sensor</a:t>
-            </a:r>
-            <a:endParaRPr lang="en-US" dirty="0"/>
-          </a:p>
-        </p:txBody>
-      </p:sp>
-      <p:sp>
-        <p:nvSpPr>
-          <p:cNvPr id="7" name="Slide Number Placeholder 6"/>
-          <p:cNvSpPr>
-            <a:spLocks noGrp="1"/>
-          </p:cNvSpPr>
-          <p:nvPr>
-            <p:ph type="sldNum" sz="quarter" idx="12"/>
-          </p:nvPr>
-        </p:nvSpPr>
-        <p:spPr/>
-        <p:txBody>
-          <a:bodyPr/>
-          <a:lstStyle/>
-          <a:p>
-            <a:fld id="{41FBF465-1333-4AA3-A58E-1653FDB8C624}" type="slidenum">
-              <a:rPr lang="en-US" smtClean="0"/>
-              <a:t>6</a:t>
-            </a:fld>
-            <a:endParaRPr lang="en-US"/>
-          </a:p>
-        </p:txBody>
-      </p:sp>
-    </p:spTree>
-    <p:extLst>
-      <p:ext uri="{BB962C8B-B14F-4D97-AF65-F5344CB8AC3E}">
-        <p14:creationId xmlns:p14="http://schemas.microsoft.com/office/powerpoint/2010/main" val="2542745474"/>
-      </p:ext>
-    </p:extLst>
-  </p:cSld>
-  <p:clrMapOvr>
-    <a:masterClrMapping/>
-  </p:clrMapOvr>
-  <p:timing>
-    <p:tnLst>
-      <p:par>
-        <p:cTn id="1" dur="indefinite" restart="never" nodeType="tmRoot"/>
-      </p:par>
-    </p:tnLst>
-  </p:timing>
-</p:sld>
-</file>
-
-<file path=ppt/slides/slide7.xml><?xml version="1.0" encoding="utf-8"?>
-<p:sld xmlns:a="http://schemas.openxmlformats.org/drawingml/2006/main" xmlns:r="http://schemas.openxmlformats.org/officeDocument/2006/relationships" xmlns:p="http://schemas.openxmlformats.org/presentationml/2006/main">
-  <p:cSld>
-    <p:spTree>
-      <p:nvGrpSpPr>
-        <p:cNvPr id="1" name=""/>
-        <p:cNvGrpSpPr/>
-        <p:nvPr/>
-      </p:nvGrpSpPr>
-      <p:grpSpPr>
-        <a:xfrm>
-          <a:off x="0" y="0"/>
-          <a:ext cx="0" cy="0"/>
-          <a:chOff x="0" y="0"/>
-          <a:chExt cx="0" cy="0"/>
-        </a:xfrm>
-      </p:grpSpPr>
-      <p:sp>
-        <p:nvSpPr>
-          <p:cNvPr id="2" name="Text Placeholder 1"/>
-          <p:cNvSpPr>
-            <a:spLocks noGrp="1"/>
-          </p:cNvSpPr>
-          <p:nvPr>
-            <p:ph type="body" sz="quarter" idx="13"/>
-          </p:nvPr>
-        </p:nvSpPr>
-        <p:spPr/>
-        <p:txBody>
-          <a:bodyPr/>
-          <a:lstStyle/>
-          <a:p>
-            <a:r>
-              <a:rPr lang="en-US" dirty="0" smtClean="0"/>
-              <a:t>Hardware</a:t>
-            </a:r>
-            <a:endParaRPr lang="en-US" dirty="0"/>
-          </a:p>
-        </p:txBody>
-      </p:sp>
-      <p:sp>
-        <p:nvSpPr>
-          <p:cNvPr id="3" name="Text Placeholder 2"/>
-          <p:cNvSpPr>
-            <a:spLocks noGrp="1"/>
-          </p:cNvSpPr>
-          <p:nvPr>
-            <p:ph type="body" sz="quarter" idx="14"/>
-          </p:nvPr>
-        </p:nvSpPr>
-        <p:spPr/>
-        <p:txBody>
-          <a:bodyPr/>
-          <a:lstStyle/>
-          <a:p>
-            <a:r>
-              <a:rPr lang="en-US" dirty="0" smtClean="0"/>
-              <a:t>Interfaces</a:t>
-            </a:r>
-            <a:endParaRPr lang="en-US" dirty="0"/>
-          </a:p>
-        </p:txBody>
-      </p:sp>
-      <p:sp>
-        <p:nvSpPr>
-          <p:cNvPr id="4" name="Text Placeholder 3"/>
-          <p:cNvSpPr>
-            <a:spLocks noGrp="1"/>
-          </p:cNvSpPr>
-          <p:nvPr>
-            <p:ph type="body" sz="quarter" idx="15"/>
-          </p:nvPr>
-        </p:nvSpPr>
-        <p:spPr/>
-        <p:txBody>
-          <a:bodyPr>
-            <a:normAutofit/>
-          </a:bodyPr>
-          <a:lstStyle/>
-          <a:p>
-            <a:r>
-              <a:rPr lang="en-US" dirty="0" smtClean="0"/>
-              <a:t>Ethernet for Sensor Port</a:t>
-            </a:r>
-          </a:p>
-          <a:p>
-            <a:pPr lvl="1"/>
-            <a:r>
-              <a:rPr lang="en-US" dirty="0" smtClean="0"/>
-              <a:t>Cheap Cables</a:t>
-            </a:r>
-          </a:p>
-          <a:p>
-            <a:pPr lvl="1"/>
-            <a:r>
-              <a:rPr lang="en-US" dirty="0" smtClean="0"/>
-              <a:t>Easy to Work With</a:t>
-            </a:r>
-          </a:p>
-          <a:p>
-            <a:pPr lvl="1"/>
-            <a:r>
-              <a:rPr lang="en-US" dirty="0" smtClean="0"/>
-              <a:t>Many Lengths Available</a:t>
-            </a:r>
-          </a:p>
-          <a:p>
-            <a:r>
-              <a:rPr lang="en-US" dirty="0" smtClean="0"/>
-              <a:t>USB</a:t>
-            </a:r>
-          </a:p>
-          <a:p>
-            <a:pPr lvl="1"/>
-            <a:r>
-              <a:rPr lang="en-US" dirty="0" smtClean="0"/>
-              <a:t>Standard for Most Computer Interface Applications</a:t>
-            </a:r>
-          </a:p>
-          <a:p>
-            <a:pPr lvl="1"/>
-            <a:r>
-              <a:rPr lang="en-US" dirty="0" smtClean="0"/>
-              <a:t>Micro USB = Small Footprint</a:t>
-            </a:r>
-          </a:p>
-        </p:txBody>
-      </p:sp>
-      <p:sp>
-        <p:nvSpPr>
-          <p:cNvPr id="5" name="Date Placeholder 4"/>
-          <p:cNvSpPr>
-            <a:spLocks noGrp="1"/>
-          </p:cNvSpPr>
-          <p:nvPr>
-            <p:ph type="dt" sz="half" idx="10"/>
-          </p:nvPr>
-        </p:nvSpPr>
-        <p:spPr/>
-        <p:txBody>
-          <a:bodyPr/>
-          <a:lstStyle/>
-          <a:p>
-            <a:fld id="{083EEC35-4827-4E69-BD16-897B79CAC35F}" type="datetime1">
-              <a:rPr lang="en-US" smtClean="0"/>
-              <a:t>6/5/2014</a:t>
-            </a:fld>
-            <a:endParaRPr lang="en-US"/>
-          </a:p>
-        </p:txBody>
-      </p:sp>
-      <p:sp>
-        <p:nvSpPr>
-          <p:cNvPr id="6" name="Footer Placeholder 5"/>
-          <p:cNvSpPr>
-            <a:spLocks noGrp="1"/>
-          </p:cNvSpPr>
-          <p:nvPr>
-            <p:ph type="ftr" sz="quarter" idx="11"/>
-          </p:nvPr>
-        </p:nvSpPr>
-        <p:spPr/>
-        <p:txBody>
-          <a:bodyPr/>
-          <a:lstStyle/>
-          <a:p>
-            <a:r>
-              <a:rPr lang="en-US" smtClean="0"/>
-              <a:t>Erebus Labs STEM Sensor</a:t>
-            </a:r>
-            <a:endParaRPr lang="en-US" dirty="0"/>
-          </a:p>
-        </p:txBody>
-      </p:sp>
-      <p:sp>
-        <p:nvSpPr>
-          <p:cNvPr id="7" name="Slide Number Placeholder 6"/>
-          <p:cNvSpPr>
-            <a:spLocks noGrp="1"/>
-          </p:cNvSpPr>
-          <p:nvPr>
-            <p:ph type="sldNum" sz="quarter" idx="12"/>
-          </p:nvPr>
-        </p:nvSpPr>
-        <p:spPr/>
-        <p:txBody>
-          <a:bodyPr/>
-          <a:lstStyle/>
-          <a:p>
-            <a:fld id="{41FBF465-1333-4AA3-A58E-1653FDB8C624}" type="slidenum">
-              <a:rPr lang="en-US" smtClean="0"/>
-              <a:t>7</a:t>
-            </a:fld>
-            <a:endParaRPr lang="en-US"/>
-          </a:p>
-        </p:txBody>
-      </p:sp>
-    </p:spTree>
-    <p:extLst>
-      <p:ext uri="{BB962C8B-B14F-4D97-AF65-F5344CB8AC3E}">
-        <p14:creationId xmlns:p14="http://schemas.microsoft.com/office/powerpoint/2010/main" val="4234070995"/>
       </p:ext>
     </p:extLst>
   </p:cSld>
@@ -7360,7 +9657,7 @@
           <a:p>
             <a:r>
               <a:rPr lang="en-US" dirty="0" smtClean="0"/>
-              <a:t>Sensor Modules</a:t>
+              <a:t>PSoC Architecture</a:t>
             </a:r>
             <a:endParaRPr lang="en-US" dirty="0"/>
           </a:p>
@@ -7375,7 +9672,7 @@
           <p:nvPr/>
         </p:nvPicPr>
         <p:blipFill>
-          <a:blip r:embed="rId2">
+          <a:blip r:embed="rId2" cstate="print">
             <a:extLst>
               <a:ext uri="{28A0092B-C50C-407E-A947-70E740481C1C}">
                 <a14:useLocalDpi xmlns:a14="http://schemas.microsoft.com/office/drawing/2010/main" val="0"/>
@@ -7388,109 +9685,17 @@
         </p:blipFill>
         <p:spPr>
           <a:xfrm>
-            <a:off x="4495800" y="1905000"/>
-            <a:ext cx="2899955" cy="2819400"/>
+            <a:off x="555672" y="1676400"/>
+            <a:ext cx="6889656" cy="4383024"/>
           </a:xfrm>
           <a:prstGeom prst="rect">
             <a:avLst/>
           </a:prstGeom>
         </p:spPr>
       </p:pic>
-      <p:pic>
-        <p:nvPicPr>
-          <p:cNvPr id="6" name="Picture 5"/>
-          <p:cNvPicPr>
-            <a:picLocks noChangeAspect="1"/>
-          </p:cNvPicPr>
-          <p:nvPr/>
-        </p:nvPicPr>
-        <p:blipFill>
-          <a:blip r:embed="rId3">
-            <a:extLst>
-              <a:ext uri="{28A0092B-C50C-407E-A947-70E740481C1C}">
-                <a14:useLocalDpi xmlns:a14="http://schemas.microsoft.com/office/drawing/2010/main" val="0"/>
-              </a:ext>
-            </a:extLst>
-          </a:blip>
-          <a:stretch>
-            <a:fillRect/>
-          </a:stretch>
-        </p:blipFill>
-        <p:spPr>
-          <a:xfrm>
-            <a:off x="845603" y="1905000"/>
-            <a:ext cx="3044952" cy="2819400"/>
-          </a:xfrm>
-          <a:prstGeom prst="rect">
-            <a:avLst/>
-          </a:prstGeom>
-        </p:spPr>
-      </p:pic>
-      <p:sp>
-        <p:nvSpPr>
-          <p:cNvPr id="7" name="TextBox 6"/>
-          <p:cNvSpPr txBox="1"/>
-          <p:nvPr/>
-        </p:nvSpPr>
-        <p:spPr>
-          <a:xfrm>
-            <a:off x="845603" y="4876800"/>
-            <a:ext cx="3044952" cy="369332"/>
-          </a:xfrm>
-          <a:prstGeom prst="rect">
-            <a:avLst/>
-          </a:prstGeom>
-          <a:noFill/>
-        </p:spPr>
-        <p:txBody>
-          <a:bodyPr wrap="square" rtlCol="0">
-            <a:spAutoFit/>
-          </a:bodyPr>
-          <a:lstStyle/>
-          <a:p>
-            <a:pPr algn="ctr"/>
-            <a:r>
-              <a:rPr lang="en-US" dirty="0" smtClean="0"/>
-              <a:t>Low-Oxygen Sensor</a:t>
-            </a:r>
-            <a:endParaRPr lang="en-US" dirty="0"/>
-          </a:p>
-        </p:txBody>
-      </p:sp>
-      <p:sp>
-        <p:nvSpPr>
-          <p:cNvPr id="8" name="TextBox 7"/>
-          <p:cNvSpPr txBox="1"/>
-          <p:nvPr/>
-        </p:nvSpPr>
-        <p:spPr>
-          <a:xfrm>
-            <a:off x="4495799" y="4876800"/>
-            <a:ext cx="2899955" cy="369332"/>
-          </a:xfrm>
-          <a:prstGeom prst="rect">
-            <a:avLst/>
-          </a:prstGeom>
-          <a:noFill/>
-        </p:spPr>
-        <p:txBody>
-          <a:bodyPr wrap="square" rtlCol="0">
-            <a:spAutoFit/>
-          </a:bodyPr>
-          <a:lstStyle/>
-          <a:p>
-            <a:pPr algn="ctr"/>
-            <a:r>
-              <a:rPr lang="en-US" dirty="0" smtClean="0"/>
-              <a:t>Light Sensor</a:t>
-            </a:r>
-            <a:endParaRPr lang="en-US" dirty="0"/>
-          </a:p>
-        </p:txBody>
-      </p:sp>
-      <p:sp>
-        <p:nvSpPr>
-          <p:cNvPr id="9" name="Date Placeholder 8"/>
+      <p:sp>
+        <p:nvSpPr>
+          <p:cNvPr id="6" name="Date Placeholder 5"/>
           <p:cNvSpPr>
             <a:spLocks noGrp="1"/>
           </p:cNvSpPr>
@@ -7503,7 +9708,7 @@
           <a:bodyPr/>
           <a:lstStyle/>
           <a:p>
-            <a:fld id="{2F4043A9-7207-4348-B17A-CB40EFB0262A}" type="datetime1">
+            <a:fld id="{48E8C03F-E981-4D7C-B245-605A1ED2BB0C}" type="datetime1">
               <a:rPr lang="en-US" smtClean="0"/>
               <a:t>6/5/2014</a:t>
             </a:fld>
@@ -7513,7 +9718,7 @@
       </p:sp>
       <p:sp>
         <p:nvSpPr>
-          <p:cNvPr id="10" name="Footer Placeholder 9"/>
+          <p:cNvPr id="7" name="Footer Placeholder 6"/>
           <p:cNvSpPr>
             <a:spLocks noGrp="1"/>
           </p:cNvSpPr>
@@ -7536,7 +9741,7 @@
       </p:sp>
       <p:sp>
         <p:nvSpPr>
-          <p:cNvPr id="11" name="Slide Number Placeholder 10"/>
+          <p:cNvPr id="8" name="Slide Number Placeholder 7"/>
           <p:cNvSpPr>
             <a:spLocks noGrp="1"/>
           </p:cNvSpPr>
@@ -7560,7 +9765,7 @@
     </p:spTree>
     <p:extLst>
       <p:ext uri="{BB962C8B-B14F-4D97-AF65-F5344CB8AC3E}">
-        <p14:creationId xmlns:p14="http://schemas.microsoft.com/office/powerpoint/2010/main" val="4287893142"/>
+        <p14:creationId xmlns:p14="http://schemas.microsoft.com/office/powerpoint/2010/main" val="3289087403"/>
       </p:ext>
     </p:extLst>
   </p:cSld>
@@ -7634,7 +9839,7 @@
           <a:p>
             <a:r>
               <a:rPr lang="en-US" dirty="0" smtClean="0"/>
-              <a:t>Low-Oxygen Sensor</a:t>
+              <a:t>Power Supply</a:t>
             </a:r>
             <a:endParaRPr lang="en-US" dirty="0"/>
           </a:p>
@@ -7657,132 +9862,62 @@
           <a:p>
             <a:r>
               <a:rPr lang="en-US" dirty="0" smtClean="0"/>
-              <a:t>Figaro TGS </a:t>
-            </a:r>
-            <a:r>
-              <a:rPr lang="en-US" dirty="0" smtClean="0"/>
-              <a:t>2600</a:t>
-            </a:r>
-            <a:endParaRPr lang="en-US" dirty="0" smtClean="0"/>
-          </a:p>
-          <a:p>
-            <a:r>
-              <a:rPr lang="en-US" dirty="0" smtClean="0"/>
-              <a:t>Technically “Air Contaminant Sensor”</a:t>
-            </a:r>
-          </a:p>
-          <a:p>
-            <a:r>
-              <a:rPr lang="en-US" dirty="0" smtClean="0"/>
-              <a:t>Resemblance to VOC Sensor</a:t>
-            </a:r>
-          </a:p>
-          <a:p>
-            <a:r>
-              <a:rPr lang="en-US" dirty="0" smtClean="0"/>
-              <a:t>Easy to Find Applications or Experiments</a:t>
-            </a:r>
-          </a:p>
-          <a:p>
-            <a:endParaRPr lang="en-US" dirty="0"/>
-          </a:p>
-        </p:txBody>
-      </p:sp>
-      <p:pic>
-        <p:nvPicPr>
-          <p:cNvPr id="5" name="Picture 4"/>
-          <p:cNvPicPr>
-            <a:picLocks noChangeAspect="1"/>
-          </p:cNvPicPr>
-          <p:nvPr/>
-        </p:nvPicPr>
-        <p:blipFill>
-          <a:blip r:embed="rId3"/>
-          <a:stretch>
-            <a:fillRect/>
-          </a:stretch>
-        </p:blipFill>
-        <p:spPr>
-          <a:xfrm>
-            <a:off x="3088482" y="3961370"/>
-            <a:ext cx="1824037" cy="2213438"/>
-          </a:xfrm>
-          <a:prstGeom prst="rect">
-            <a:avLst/>
-          </a:prstGeom>
-        </p:spPr>
-      </p:pic>
-      <p:pic>
-        <p:nvPicPr>
-          <p:cNvPr id="6" name="Picture 5"/>
-          <p:cNvPicPr>
-            <a:picLocks noChangeAspect="1"/>
-          </p:cNvPicPr>
-          <p:nvPr/>
-        </p:nvPicPr>
-        <p:blipFill>
-          <a:blip r:embed="rId4"/>
-          <a:stretch>
-            <a:fillRect/>
-          </a:stretch>
-        </p:blipFill>
-        <p:spPr>
-          <a:xfrm>
-            <a:off x="533400" y="4191000"/>
-            <a:ext cx="2264928" cy="1754179"/>
-          </a:xfrm>
-          <a:prstGeom prst="rect">
-            <a:avLst/>
-          </a:prstGeom>
-        </p:spPr>
-      </p:pic>
-      <p:sp>
-        <p:nvSpPr>
-          <p:cNvPr id="7" name="Rectangle 6"/>
-          <p:cNvSpPr/>
-          <p:nvPr/>
-        </p:nvSpPr>
-        <p:spPr>
-          <a:xfrm>
-            <a:off x="5181600" y="4114800"/>
-            <a:ext cx="2286000" cy="1752600"/>
-          </a:xfrm>
-          <a:prstGeom prst="rect">
-            <a:avLst/>
-          </a:prstGeom>
-        </p:spPr>
-        <p:style>
-          <a:lnRef idx="2">
-            <a:schemeClr val="accent1">
-              <a:shade val="50000"/>
-            </a:schemeClr>
-          </a:lnRef>
-          <a:fillRef idx="1">
-            <a:schemeClr val="accent1"/>
-          </a:fillRef>
-          <a:effectRef idx="0">
-            <a:schemeClr val="accent1"/>
-          </a:effectRef>
-          <a:fontRef idx="minor">
-            <a:schemeClr val="lt1"/>
-          </a:fontRef>
-        </p:style>
-        <p:txBody>
-          <a:bodyPr rtlCol="0" anchor="ctr"/>
-          <a:lstStyle/>
-          <a:p>
-            <a:pPr algn="ctr"/>
-            <a:r>
-              <a:rPr lang="en-US" dirty="0" smtClean="0"/>
-              <a:t>Picture of Sensor Module</a:t>
-            </a:r>
-            <a:endParaRPr lang="en-US" dirty="0"/>
-          </a:p>
-        </p:txBody>
-      </p:sp>
-      <p:sp>
-        <p:nvSpPr>
-          <p:cNvPr id="8" name="Date Placeholder 7"/>
+              <a:t>Linear Power Supply (First Choice)</a:t>
+            </a:r>
+          </a:p>
+          <a:p>
+            <a:pPr lvl="1"/>
+            <a:r>
+              <a:rPr lang="en-US" dirty="0" smtClean="0"/>
+              <a:t>Less Noise</a:t>
+            </a:r>
+          </a:p>
+          <a:p>
+            <a:pPr lvl="1"/>
+            <a:r>
+              <a:rPr lang="en-US" dirty="0" smtClean="0"/>
+              <a:t>Lower Battery Life</a:t>
+            </a:r>
+          </a:p>
+          <a:p>
+            <a:r>
+              <a:rPr lang="en-US" dirty="0" smtClean="0"/>
+              <a:t>Switching Power Supply</a:t>
+            </a:r>
+          </a:p>
+          <a:p>
+            <a:pPr lvl="1"/>
+            <a:r>
+              <a:rPr lang="en-US" dirty="0" smtClean="0"/>
+              <a:t>Noise Not An Issue</a:t>
+            </a:r>
+          </a:p>
+          <a:p>
+            <a:pPr lvl="1"/>
+            <a:r>
+              <a:rPr lang="en-US" dirty="0" smtClean="0"/>
+              <a:t>Better Battery Life</a:t>
+            </a:r>
+          </a:p>
+          <a:p>
+            <a:pPr lvl="1"/>
+            <a:r>
+              <a:rPr lang="en-US" dirty="0" smtClean="0"/>
+              <a:t>One Part for 3V and 5V</a:t>
+            </a:r>
+          </a:p>
+          <a:p>
+            <a:pPr lvl="1"/>
+            <a:r>
+              <a:rPr lang="en-US" dirty="0" smtClean="0"/>
+              <a:t>More Complex</a:t>
+            </a:r>
+          </a:p>
+        </p:txBody>
+      </p:sp>
+      <p:sp>
+        <p:nvSpPr>
+          <p:cNvPr id="5" name="Date Placeholder 4"/>
           <p:cNvSpPr>
             <a:spLocks noGrp="1"/>
           </p:cNvSpPr>
@@ -7795,7 +9930,7 @@
           <a:bodyPr/>
           <a:lstStyle/>
           <a:p>
-            <a:fld id="{5CCE490F-6F2A-472B-9AC3-55962C89105B}" type="datetime1">
+            <a:fld id="{CE8AA357-2F88-48FD-861C-786C4915934F}" type="datetime1">
               <a:rPr lang="en-US" smtClean="0"/>
               <a:t>6/5/2014</a:t>
             </a:fld>
@@ -7805,7 +9940,7 @@
       </p:sp>
       <p:sp>
         <p:nvSpPr>
-          <p:cNvPr id="9" name="Footer Placeholder 8"/>
+          <p:cNvPr id="6" name="Footer Placeholder 5"/>
           <p:cNvSpPr>
             <a:spLocks noGrp="1"/>
           </p:cNvSpPr>
@@ -7828,7 +9963,7 @@
       </p:sp>
       <p:sp>
         <p:nvSpPr>
-          <p:cNvPr id="10" name="Slide Number Placeholder 9"/>
+          <p:cNvPr id="7" name="Slide Number Placeholder 6"/>
           <p:cNvSpPr>
             <a:spLocks noGrp="1"/>
           </p:cNvSpPr>
@@ -7852,7 +9987,7 @@
     </p:spTree>
     <p:extLst>
       <p:ext uri="{BB962C8B-B14F-4D97-AF65-F5344CB8AC3E}">
-        <p14:creationId xmlns:p14="http://schemas.microsoft.com/office/powerpoint/2010/main" val="4146449161"/>
+        <p14:creationId xmlns:p14="http://schemas.microsoft.com/office/powerpoint/2010/main" val="2542745474"/>
       </p:ext>
     </p:extLst>
   </p:cSld>

--- a/Documents/source_documents/Presentation.pptx
+++ b/Documents/source_documents/Presentation.pptx
@@ -5,7 +5,7 @@
     <p:sldMasterId id="2147483648" r:id="rId1"/>
   </p:sldMasterIdLst>
   <p:notesMasterIdLst>
-    <p:notesMasterId r:id="rId30"/>
+    <p:notesMasterId r:id="rId29"/>
   </p:notesMasterIdLst>
   <p:sldIdLst>
     <p:sldId id="256" r:id="rId2"/>
@@ -14,28 +14,27 @@
     <p:sldId id="257" r:id="rId5"/>
     <p:sldId id="281" r:id="rId6"/>
     <p:sldId id="263" r:id="rId7"/>
-    <p:sldId id="260" r:id="rId8"/>
-    <p:sldId id="261" r:id="rId9"/>
-    <p:sldId id="262" r:id="rId10"/>
-    <p:sldId id="264" r:id="rId11"/>
-    <p:sldId id="266" r:id="rId12"/>
-    <p:sldId id="267" r:id="rId13"/>
-    <p:sldId id="271" r:id="rId14"/>
+    <p:sldId id="262" r:id="rId8"/>
+    <p:sldId id="264" r:id="rId9"/>
+    <p:sldId id="266" r:id="rId10"/>
+    <p:sldId id="267" r:id="rId11"/>
+    <p:sldId id="271" r:id="rId12"/>
+    <p:sldId id="287" r:id="rId13"/>
+    <p:sldId id="288" r:id="rId14"/>
     <p:sldId id="268" r:id="rId15"/>
     <p:sldId id="269" r:id="rId16"/>
     <p:sldId id="282" r:id="rId17"/>
     <p:sldId id="270" r:id="rId18"/>
     <p:sldId id="272" r:id="rId19"/>
-    <p:sldId id="283" r:id="rId20"/>
-    <p:sldId id="273" r:id="rId21"/>
-    <p:sldId id="274" r:id="rId22"/>
-    <p:sldId id="284" r:id="rId23"/>
-    <p:sldId id="285" r:id="rId24"/>
-    <p:sldId id="286" r:id="rId25"/>
-    <p:sldId id="275" r:id="rId26"/>
-    <p:sldId id="276" r:id="rId27"/>
-    <p:sldId id="277" r:id="rId28"/>
-    <p:sldId id="278" r:id="rId29"/>
+    <p:sldId id="274" r:id="rId20"/>
+    <p:sldId id="283" r:id="rId21"/>
+    <p:sldId id="284" r:id="rId22"/>
+    <p:sldId id="285" r:id="rId23"/>
+    <p:sldId id="286" r:id="rId24"/>
+    <p:sldId id="275" r:id="rId25"/>
+    <p:sldId id="276" r:id="rId26"/>
+    <p:sldId id="277" r:id="rId27"/>
+    <p:sldId id="278" r:id="rId28"/>
   </p:sldIdLst>
   <p:sldSz cx="9144000" cy="6858000" type="screen4x3"/>
   <p:notesSz cx="6858000" cy="9144000"/>
@@ -145,21 +144,20 @@
             <p14:sldId id="257"/>
             <p14:sldId id="281"/>
             <p14:sldId id="263"/>
-            <p14:sldId id="260"/>
-            <p14:sldId id="261"/>
             <p14:sldId id="262"/>
             <p14:sldId id="264"/>
             <p14:sldId id="266"/>
             <p14:sldId id="267"/>
             <p14:sldId id="271"/>
+            <p14:sldId id="287"/>
+            <p14:sldId id="288"/>
             <p14:sldId id="268"/>
             <p14:sldId id="269"/>
             <p14:sldId id="282"/>
             <p14:sldId id="270"/>
             <p14:sldId id="272"/>
+            <p14:sldId id="274"/>
             <p14:sldId id="283"/>
-            <p14:sldId id="273"/>
-            <p14:sldId id="274"/>
             <p14:sldId id="284"/>
             <p14:sldId id="285"/>
             <p14:sldId id="286"/>
@@ -660,6 +658,835 @@
 </p:notes>
 </file>
 
+<file path=ppt/notesSlides/notesSlide10.xml><?xml version="1.0" encoding="utf-8"?>
+<p:notes xmlns:a="http://schemas.openxmlformats.org/drawingml/2006/main" xmlns:r="http://schemas.openxmlformats.org/officeDocument/2006/relationships" xmlns:p="http://schemas.openxmlformats.org/presentationml/2006/main">
+  <p:cSld>
+    <p:spTree>
+      <p:nvGrpSpPr>
+        <p:cNvPr id="1" name=""/>
+        <p:cNvGrpSpPr/>
+        <p:nvPr/>
+      </p:nvGrpSpPr>
+      <p:grpSpPr>
+        <a:xfrm>
+          <a:off x="0" y="0"/>
+          <a:ext cx="0" cy="0"/>
+          <a:chOff x="0" y="0"/>
+          <a:chExt cx="0" cy="0"/>
+        </a:xfrm>
+      </p:grpSpPr>
+      <p:sp>
+        <p:nvSpPr>
+          <p:cNvPr id="2" name="Slide Image Placeholder 1"/>
+          <p:cNvSpPr>
+            <a:spLocks noGrp="1" noRot="1" noChangeAspect="1"/>
+          </p:cNvSpPr>
+          <p:nvPr>
+            <p:ph type="sldImg"/>
+          </p:nvPr>
+        </p:nvSpPr>
+        <p:spPr/>
+      </p:sp>
+      <p:sp>
+        <p:nvSpPr>
+          <p:cNvPr id="3" name="Notes Placeholder 2"/>
+          <p:cNvSpPr>
+            <a:spLocks noGrp="1"/>
+          </p:cNvSpPr>
+          <p:nvPr>
+            <p:ph type="body" idx="1"/>
+          </p:nvPr>
+        </p:nvSpPr>
+        <p:spPr/>
+        <p:txBody>
+          <a:bodyPr/>
+          <a:lstStyle/>
+          <a:p>
+            <a:r>
+              <a:rPr lang="en-US" dirty="0" smtClean="0"/>
+              <a:t>Errors:</a:t>
+            </a:r>
+          </a:p>
+          <a:p>
+            <a:r>
+              <a:rPr lang="en-US" dirty="0" smtClean="0"/>
+              <a:t>* Low</a:t>
+            </a:r>
+            <a:r>
+              <a:rPr lang="en-US" baseline="0" dirty="0" smtClean="0"/>
+              <a:t> Battery (blink yellow)</a:t>
+            </a:r>
+          </a:p>
+          <a:p>
+            <a:r>
+              <a:rPr lang="en-US" baseline="0" dirty="0" smtClean="0"/>
+              <a:t>* Memory Full (red)</a:t>
+            </a:r>
+            <a:endParaRPr lang="en-US" dirty="0"/>
+          </a:p>
+        </p:txBody>
+      </p:sp>
+      <p:sp>
+        <p:nvSpPr>
+          <p:cNvPr id="4" name="Slide Number Placeholder 3"/>
+          <p:cNvSpPr>
+            <a:spLocks noGrp="1"/>
+          </p:cNvSpPr>
+          <p:nvPr>
+            <p:ph type="sldNum" sz="quarter" idx="10"/>
+          </p:nvPr>
+        </p:nvSpPr>
+        <p:spPr/>
+        <p:txBody>
+          <a:bodyPr/>
+          <a:lstStyle/>
+          <a:p>
+            <a:fld id="{80A39CBA-3246-41BD-B461-7A6F199FC541}" type="slidenum">
+              <a:rPr lang="en-US" smtClean="0"/>
+              <a:t>17</a:t>
+            </a:fld>
+            <a:endParaRPr lang="en-US"/>
+          </a:p>
+        </p:txBody>
+      </p:sp>
+    </p:spTree>
+    <p:extLst>
+      <p:ext uri="{BB962C8B-B14F-4D97-AF65-F5344CB8AC3E}">
+        <p14:creationId xmlns:p14="http://schemas.microsoft.com/office/powerpoint/2010/main" val="2367590032"/>
+      </p:ext>
+    </p:extLst>
+  </p:cSld>
+  <p:clrMapOvr>
+    <a:masterClrMapping/>
+  </p:clrMapOvr>
+</p:notes>
+</file>
+
+<file path=ppt/notesSlides/notesSlide11.xml><?xml version="1.0" encoding="utf-8"?>
+<p:notes xmlns:a="http://schemas.openxmlformats.org/drawingml/2006/main" xmlns:r="http://schemas.openxmlformats.org/officeDocument/2006/relationships" xmlns:p="http://schemas.openxmlformats.org/presentationml/2006/main">
+  <p:cSld>
+    <p:spTree>
+      <p:nvGrpSpPr>
+        <p:cNvPr id="1" name=""/>
+        <p:cNvGrpSpPr/>
+        <p:nvPr/>
+      </p:nvGrpSpPr>
+      <p:grpSpPr>
+        <a:xfrm>
+          <a:off x="0" y="0"/>
+          <a:ext cx="0" cy="0"/>
+          <a:chOff x="0" y="0"/>
+          <a:chExt cx="0" cy="0"/>
+        </a:xfrm>
+      </p:grpSpPr>
+      <p:sp>
+        <p:nvSpPr>
+          <p:cNvPr id="2" name="Slide Image Placeholder 1"/>
+          <p:cNvSpPr>
+            <a:spLocks noGrp="1" noRot="1" noChangeAspect="1"/>
+          </p:cNvSpPr>
+          <p:nvPr>
+            <p:ph type="sldImg"/>
+          </p:nvPr>
+        </p:nvSpPr>
+        <p:spPr/>
+      </p:sp>
+      <p:sp>
+        <p:nvSpPr>
+          <p:cNvPr id="3" name="Notes Placeholder 2"/>
+          <p:cNvSpPr>
+            <a:spLocks noGrp="1"/>
+          </p:cNvSpPr>
+          <p:nvPr>
+            <p:ph type="body" idx="1"/>
+          </p:nvPr>
+        </p:nvSpPr>
+        <p:spPr/>
+        <p:txBody>
+          <a:bodyPr/>
+          <a:lstStyle/>
+          <a:p>
+            <a:r>
+              <a:rPr lang="en-US" dirty="0" smtClean="0"/>
+              <a:t>Scott starts</a:t>
+            </a:r>
+            <a:endParaRPr lang="en-US" dirty="0"/>
+          </a:p>
+        </p:txBody>
+      </p:sp>
+      <p:sp>
+        <p:nvSpPr>
+          <p:cNvPr id="4" name="Slide Number Placeholder 3"/>
+          <p:cNvSpPr>
+            <a:spLocks noGrp="1"/>
+          </p:cNvSpPr>
+          <p:nvPr>
+            <p:ph type="sldNum" sz="quarter" idx="10"/>
+          </p:nvPr>
+        </p:nvSpPr>
+        <p:spPr/>
+        <p:txBody>
+          <a:bodyPr/>
+          <a:lstStyle/>
+          <a:p>
+            <a:fld id="{80A39CBA-3246-41BD-B461-7A6F199FC541}" type="slidenum">
+              <a:rPr lang="en-US" smtClean="0"/>
+              <a:t>18</a:t>
+            </a:fld>
+            <a:endParaRPr lang="en-US"/>
+          </a:p>
+        </p:txBody>
+      </p:sp>
+    </p:spTree>
+    <p:extLst>
+      <p:ext uri="{BB962C8B-B14F-4D97-AF65-F5344CB8AC3E}">
+        <p14:creationId xmlns:p14="http://schemas.microsoft.com/office/powerpoint/2010/main" val="2972674611"/>
+      </p:ext>
+    </p:extLst>
+  </p:cSld>
+  <p:clrMapOvr>
+    <a:masterClrMapping/>
+  </p:clrMapOvr>
+</p:notes>
+</file>
+
+<file path=ppt/notesSlides/notesSlide12.xml><?xml version="1.0" encoding="utf-8"?>
+<p:notes xmlns:a="http://schemas.openxmlformats.org/drawingml/2006/main" xmlns:r="http://schemas.openxmlformats.org/officeDocument/2006/relationships" xmlns:p="http://schemas.openxmlformats.org/presentationml/2006/main">
+  <p:cSld>
+    <p:spTree>
+      <p:nvGrpSpPr>
+        <p:cNvPr id="1" name=""/>
+        <p:cNvGrpSpPr/>
+        <p:nvPr/>
+      </p:nvGrpSpPr>
+      <p:grpSpPr>
+        <a:xfrm>
+          <a:off x="0" y="0"/>
+          <a:ext cx="0" cy="0"/>
+          <a:chOff x="0" y="0"/>
+          <a:chExt cx="0" cy="0"/>
+        </a:xfrm>
+      </p:grpSpPr>
+      <p:sp>
+        <p:nvSpPr>
+          <p:cNvPr id="2" name="Slide Image Placeholder 1"/>
+          <p:cNvSpPr>
+            <a:spLocks noGrp="1" noRot="1" noChangeAspect="1"/>
+          </p:cNvSpPr>
+          <p:nvPr>
+            <p:ph type="sldImg"/>
+          </p:nvPr>
+        </p:nvSpPr>
+        <p:spPr/>
+      </p:sp>
+      <p:sp>
+        <p:nvSpPr>
+          <p:cNvPr id="3" name="Notes Placeholder 2"/>
+          <p:cNvSpPr>
+            <a:spLocks noGrp="1"/>
+          </p:cNvSpPr>
+          <p:nvPr>
+            <p:ph type="body" idx="1"/>
+          </p:nvPr>
+        </p:nvSpPr>
+        <p:spPr/>
+        <p:txBody>
+          <a:bodyPr/>
+          <a:lstStyle/>
+          <a:p>
+            <a:endParaRPr lang="en-US" dirty="0"/>
+          </a:p>
+        </p:txBody>
+      </p:sp>
+      <p:sp>
+        <p:nvSpPr>
+          <p:cNvPr id="4" name="Slide Number Placeholder 3"/>
+          <p:cNvSpPr>
+            <a:spLocks noGrp="1"/>
+          </p:cNvSpPr>
+          <p:nvPr>
+            <p:ph type="sldNum" sz="quarter" idx="10"/>
+          </p:nvPr>
+        </p:nvSpPr>
+        <p:spPr/>
+        <p:txBody>
+          <a:bodyPr/>
+          <a:lstStyle/>
+          <a:p>
+            <a:fld id="{80A39CBA-3246-41BD-B461-7A6F199FC541}" type="slidenum">
+              <a:rPr lang="en-US" smtClean="0"/>
+              <a:t>20</a:t>
+            </a:fld>
+            <a:endParaRPr lang="en-US"/>
+          </a:p>
+        </p:txBody>
+      </p:sp>
+    </p:spTree>
+    <p:extLst>
+      <p:ext uri="{BB962C8B-B14F-4D97-AF65-F5344CB8AC3E}">
+        <p14:creationId xmlns:p14="http://schemas.microsoft.com/office/powerpoint/2010/main" val="195832879"/>
+      </p:ext>
+    </p:extLst>
+  </p:cSld>
+  <p:clrMapOvr>
+    <a:masterClrMapping/>
+  </p:clrMapOvr>
+</p:notes>
+</file>
+
+<file path=ppt/notesSlides/notesSlide13.xml><?xml version="1.0" encoding="utf-8"?>
+<p:notes xmlns:a="http://schemas.openxmlformats.org/drawingml/2006/main" xmlns:r="http://schemas.openxmlformats.org/officeDocument/2006/relationships" xmlns:p="http://schemas.openxmlformats.org/presentationml/2006/main">
+  <p:cSld>
+    <p:spTree>
+      <p:nvGrpSpPr>
+        <p:cNvPr id="1" name=""/>
+        <p:cNvGrpSpPr/>
+        <p:nvPr/>
+      </p:nvGrpSpPr>
+      <p:grpSpPr>
+        <a:xfrm>
+          <a:off x="0" y="0"/>
+          <a:ext cx="0" cy="0"/>
+          <a:chOff x="0" y="0"/>
+          <a:chExt cx="0" cy="0"/>
+        </a:xfrm>
+      </p:grpSpPr>
+      <p:sp>
+        <p:nvSpPr>
+          <p:cNvPr id="2" name="Slide Image Placeholder 1"/>
+          <p:cNvSpPr>
+            <a:spLocks noGrp="1" noRot="1" noChangeAspect="1"/>
+          </p:cNvSpPr>
+          <p:nvPr>
+            <p:ph type="sldImg"/>
+          </p:nvPr>
+        </p:nvSpPr>
+        <p:spPr/>
+      </p:sp>
+      <p:sp>
+        <p:nvSpPr>
+          <p:cNvPr id="3" name="Notes Placeholder 2"/>
+          <p:cNvSpPr>
+            <a:spLocks noGrp="1"/>
+          </p:cNvSpPr>
+          <p:nvPr>
+            <p:ph type="body" idx="1"/>
+          </p:nvPr>
+        </p:nvSpPr>
+        <p:spPr/>
+        <p:txBody>
+          <a:bodyPr/>
+          <a:lstStyle/>
+          <a:p>
+            <a:r>
+              <a:rPr lang="en-US" dirty="0" smtClean="0"/>
+              <a:t>Hand out documents</a:t>
+            </a:r>
+          </a:p>
+          <a:p>
+            <a:endParaRPr lang="en-US" dirty="0" smtClean="0"/>
+          </a:p>
+          <a:p>
+            <a:r>
+              <a:rPr lang="en-US" dirty="0" smtClean="0"/>
+              <a:t>Stop example experiment and process data</a:t>
+            </a:r>
+            <a:endParaRPr lang="en-US" dirty="0"/>
+          </a:p>
+        </p:txBody>
+      </p:sp>
+      <p:sp>
+        <p:nvSpPr>
+          <p:cNvPr id="4" name="Slide Number Placeholder 3"/>
+          <p:cNvSpPr>
+            <a:spLocks noGrp="1"/>
+          </p:cNvSpPr>
+          <p:nvPr>
+            <p:ph type="sldNum" sz="quarter" idx="10"/>
+          </p:nvPr>
+        </p:nvSpPr>
+        <p:spPr/>
+        <p:txBody>
+          <a:bodyPr/>
+          <a:lstStyle/>
+          <a:p>
+            <a:fld id="{80A39CBA-3246-41BD-B461-7A6F199FC541}" type="slidenum">
+              <a:rPr lang="en-US" smtClean="0"/>
+              <a:t>21</a:t>
+            </a:fld>
+            <a:endParaRPr lang="en-US"/>
+          </a:p>
+        </p:txBody>
+      </p:sp>
+    </p:spTree>
+    <p:extLst>
+      <p:ext uri="{BB962C8B-B14F-4D97-AF65-F5344CB8AC3E}">
+        <p14:creationId xmlns:p14="http://schemas.microsoft.com/office/powerpoint/2010/main" val="3155228114"/>
+      </p:ext>
+    </p:extLst>
+  </p:cSld>
+  <p:clrMapOvr>
+    <a:masterClrMapping/>
+  </p:clrMapOvr>
+</p:notes>
+</file>
+
+<file path=ppt/notesSlides/notesSlide14.xml><?xml version="1.0" encoding="utf-8"?>
+<p:notes xmlns:a="http://schemas.openxmlformats.org/drawingml/2006/main" xmlns:r="http://schemas.openxmlformats.org/officeDocument/2006/relationships" xmlns:p="http://schemas.openxmlformats.org/presentationml/2006/main">
+  <p:cSld>
+    <p:spTree>
+      <p:nvGrpSpPr>
+        <p:cNvPr id="1" name=""/>
+        <p:cNvGrpSpPr/>
+        <p:nvPr/>
+      </p:nvGrpSpPr>
+      <p:grpSpPr>
+        <a:xfrm>
+          <a:off x="0" y="0"/>
+          <a:ext cx="0" cy="0"/>
+          <a:chOff x="0" y="0"/>
+          <a:chExt cx="0" cy="0"/>
+        </a:xfrm>
+      </p:grpSpPr>
+      <p:sp>
+        <p:nvSpPr>
+          <p:cNvPr id="2" name="Slide Image Placeholder 1"/>
+          <p:cNvSpPr>
+            <a:spLocks noGrp="1" noRot="1" noChangeAspect="1"/>
+          </p:cNvSpPr>
+          <p:nvPr>
+            <p:ph type="sldImg"/>
+          </p:nvPr>
+        </p:nvSpPr>
+        <p:spPr/>
+      </p:sp>
+      <p:sp>
+        <p:nvSpPr>
+          <p:cNvPr id="3" name="Notes Placeholder 2"/>
+          <p:cNvSpPr>
+            <a:spLocks noGrp="1"/>
+          </p:cNvSpPr>
+          <p:nvPr>
+            <p:ph type="body" idx="1"/>
+          </p:nvPr>
+        </p:nvSpPr>
+        <p:spPr/>
+        <p:txBody>
+          <a:bodyPr/>
+          <a:lstStyle/>
+          <a:p>
+            <a:r>
+              <a:rPr lang="en-US" dirty="0" smtClean="0"/>
+              <a:t>Start handing out documentation</a:t>
+            </a:r>
+            <a:endParaRPr lang="en-US" dirty="0"/>
+          </a:p>
+        </p:txBody>
+      </p:sp>
+      <p:sp>
+        <p:nvSpPr>
+          <p:cNvPr id="4" name="Slide Number Placeholder 3"/>
+          <p:cNvSpPr>
+            <a:spLocks noGrp="1"/>
+          </p:cNvSpPr>
+          <p:nvPr>
+            <p:ph type="sldNum" sz="quarter" idx="10"/>
+          </p:nvPr>
+        </p:nvSpPr>
+        <p:spPr/>
+        <p:txBody>
+          <a:bodyPr/>
+          <a:lstStyle/>
+          <a:p>
+            <a:fld id="{80A39CBA-3246-41BD-B461-7A6F199FC541}" type="slidenum">
+              <a:rPr lang="en-US" smtClean="0"/>
+              <a:t>22</a:t>
+            </a:fld>
+            <a:endParaRPr lang="en-US"/>
+          </a:p>
+        </p:txBody>
+      </p:sp>
+    </p:spTree>
+    <p:extLst>
+      <p:ext uri="{BB962C8B-B14F-4D97-AF65-F5344CB8AC3E}">
+        <p14:creationId xmlns:p14="http://schemas.microsoft.com/office/powerpoint/2010/main" val="3155165605"/>
+      </p:ext>
+    </p:extLst>
+  </p:cSld>
+  <p:clrMapOvr>
+    <a:masterClrMapping/>
+  </p:clrMapOvr>
+</p:notes>
+</file>
+
+<file path=ppt/notesSlides/notesSlide15.xml><?xml version="1.0" encoding="utf-8"?>
+<p:notes xmlns:a="http://schemas.openxmlformats.org/drawingml/2006/main" xmlns:r="http://schemas.openxmlformats.org/officeDocument/2006/relationships" xmlns:p="http://schemas.openxmlformats.org/presentationml/2006/main">
+  <p:cSld>
+    <p:spTree>
+      <p:nvGrpSpPr>
+        <p:cNvPr id="1" name=""/>
+        <p:cNvGrpSpPr/>
+        <p:nvPr/>
+      </p:nvGrpSpPr>
+      <p:grpSpPr>
+        <a:xfrm>
+          <a:off x="0" y="0"/>
+          <a:ext cx="0" cy="0"/>
+          <a:chOff x="0" y="0"/>
+          <a:chExt cx="0" cy="0"/>
+        </a:xfrm>
+      </p:grpSpPr>
+      <p:sp>
+        <p:nvSpPr>
+          <p:cNvPr id="2" name="Slide Image Placeholder 1"/>
+          <p:cNvSpPr>
+            <a:spLocks noGrp="1" noRot="1" noChangeAspect="1"/>
+          </p:cNvSpPr>
+          <p:nvPr>
+            <p:ph type="sldImg"/>
+          </p:nvPr>
+        </p:nvSpPr>
+        <p:spPr/>
+      </p:sp>
+      <p:sp>
+        <p:nvSpPr>
+          <p:cNvPr id="3" name="Notes Placeholder 2"/>
+          <p:cNvSpPr>
+            <a:spLocks noGrp="1"/>
+          </p:cNvSpPr>
+          <p:nvPr>
+            <p:ph type="body" idx="1"/>
+          </p:nvPr>
+        </p:nvSpPr>
+        <p:spPr/>
+        <p:txBody>
+          <a:bodyPr/>
+          <a:lstStyle/>
+          <a:p>
+            <a:r>
+              <a:rPr lang="en-US" dirty="0" smtClean="0"/>
+              <a:t>Bryan starts</a:t>
+            </a:r>
+            <a:endParaRPr lang="en-US" dirty="0"/>
+          </a:p>
+        </p:txBody>
+      </p:sp>
+      <p:sp>
+        <p:nvSpPr>
+          <p:cNvPr id="4" name="Slide Number Placeholder 3"/>
+          <p:cNvSpPr>
+            <a:spLocks noGrp="1"/>
+          </p:cNvSpPr>
+          <p:nvPr>
+            <p:ph type="sldNum" sz="quarter" idx="10"/>
+          </p:nvPr>
+        </p:nvSpPr>
+        <p:spPr/>
+        <p:txBody>
+          <a:bodyPr/>
+          <a:lstStyle/>
+          <a:p>
+            <a:fld id="{80A39CBA-3246-41BD-B461-7A6F199FC541}" type="slidenum">
+              <a:rPr lang="en-US" smtClean="0"/>
+              <a:t>24</a:t>
+            </a:fld>
+            <a:endParaRPr lang="en-US"/>
+          </a:p>
+        </p:txBody>
+      </p:sp>
+    </p:spTree>
+    <p:extLst>
+      <p:ext uri="{BB962C8B-B14F-4D97-AF65-F5344CB8AC3E}">
+        <p14:creationId xmlns:p14="http://schemas.microsoft.com/office/powerpoint/2010/main" val="4218839055"/>
+      </p:ext>
+    </p:extLst>
+  </p:cSld>
+  <p:clrMapOvr>
+    <a:masterClrMapping/>
+  </p:clrMapOvr>
+</p:notes>
+</file>
+
+<file path=ppt/notesSlides/notesSlide16.xml><?xml version="1.0" encoding="utf-8"?>
+<p:notes xmlns:a="http://schemas.openxmlformats.org/drawingml/2006/main" xmlns:r="http://schemas.openxmlformats.org/officeDocument/2006/relationships" xmlns:p="http://schemas.openxmlformats.org/presentationml/2006/main">
+  <p:cSld>
+    <p:spTree>
+      <p:nvGrpSpPr>
+        <p:cNvPr id="1" name=""/>
+        <p:cNvGrpSpPr/>
+        <p:nvPr/>
+      </p:nvGrpSpPr>
+      <p:grpSpPr>
+        <a:xfrm>
+          <a:off x="0" y="0"/>
+          <a:ext cx="0" cy="0"/>
+          <a:chOff x="0" y="0"/>
+          <a:chExt cx="0" cy="0"/>
+        </a:xfrm>
+      </p:grpSpPr>
+      <p:sp>
+        <p:nvSpPr>
+          <p:cNvPr id="2" name="Slide Image Placeholder 1"/>
+          <p:cNvSpPr>
+            <a:spLocks noGrp="1" noRot="1" noChangeAspect="1"/>
+          </p:cNvSpPr>
+          <p:nvPr>
+            <p:ph type="sldImg"/>
+          </p:nvPr>
+        </p:nvSpPr>
+        <p:spPr/>
+      </p:sp>
+      <p:sp>
+        <p:nvSpPr>
+          <p:cNvPr id="3" name="Notes Placeholder 2"/>
+          <p:cNvSpPr>
+            <a:spLocks noGrp="1"/>
+          </p:cNvSpPr>
+          <p:nvPr>
+            <p:ph type="body" idx="1"/>
+          </p:nvPr>
+        </p:nvSpPr>
+        <p:spPr/>
+        <p:txBody>
+          <a:bodyPr/>
+          <a:lstStyle/>
+          <a:p>
+            <a:r>
+              <a:rPr lang="en-US" dirty="0" smtClean="0"/>
+              <a:t>Current</a:t>
+            </a:r>
+            <a:r>
+              <a:rPr lang="en-US" baseline="0" dirty="0" smtClean="0"/>
+              <a:t> RTC loses time when power is lost</a:t>
+            </a:r>
+            <a:endParaRPr lang="en-US" dirty="0"/>
+          </a:p>
+        </p:txBody>
+      </p:sp>
+      <p:sp>
+        <p:nvSpPr>
+          <p:cNvPr id="4" name="Slide Number Placeholder 3"/>
+          <p:cNvSpPr>
+            <a:spLocks noGrp="1"/>
+          </p:cNvSpPr>
+          <p:nvPr>
+            <p:ph type="sldNum" sz="quarter" idx="10"/>
+          </p:nvPr>
+        </p:nvSpPr>
+        <p:spPr/>
+        <p:txBody>
+          <a:bodyPr/>
+          <a:lstStyle/>
+          <a:p>
+            <a:fld id="{80A39CBA-3246-41BD-B461-7A6F199FC541}" type="slidenum">
+              <a:rPr lang="en-US" smtClean="0"/>
+              <a:t>25</a:t>
+            </a:fld>
+            <a:endParaRPr lang="en-US"/>
+          </a:p>
+        </p:txBody>
+      </p:sp>
+    </p:spTree>
+    <p:extLst>
+      <p:ext uri="{BB962C8B-B14F-4D97-AF65-F5344CB8AC3E}">
+        <p14:creationId xmlns:p14="http://schemas.microsoft.com/office/powerpoint/2010/main" val="2045565765"/>
+      </p:ext>
+    </p:extLst>
+  </p:cSld>
+  <p:clrMapOvr>
+    <a:masterClrMapping/>
+  </p:clrMapOvr>
+</p:notes>
+</file>
+
+<file path=ppt/notesSlides/notesSlide17.xml><?xml version="1.0" encoding="utf-8"?>
+<p:notes xmlns:a="http://schemas.openxmlformats.org/drawingml/2006/main" xmlns:r="http://schemas.openxmlformats.org/officeDocument/2006/relationships" xmlns:p="http://schemas.openxmlformats.org/presentationml/2006/main">
+  <p:cSld>
+    <p:spTree>
+      <p:nvGrpSpPr>
+        <p:cNvPr id="1" name=""/>
+        <p:cNvGrpSpPr/>
+        <p:nvPr/>
+      </p:nvGrpSpPr>
+      <p:grpSpPr>
+        <a:xfrm>
+          <a:off x="0" y="0"/>
+          <a:ext cx="0" cy="0"/>
+          <a:chOff x="0" y="0"/>
+          <a:chExt cx="0" cy="0"/>
+        </a:xfrm>
+      </p:grpSpPr>
+      <p:sp>
+        <p:nvSpPr>
+          <p:cNvPr id="2" name="Slide Image Placeholder 1"/>
+          <p:cNvSpPr>
+            <a:spLocks noGrp="1" noRot="1" noChangeAspect="1"/>
+          </p:cNvSpPr>
+          <p:nvPr>
+            <p:ph type="sldImg"/>
+          </p:nvPr>
+        </p:nvSpPr>
+        <p:spPr/>
+      </p:sp>
+      <p:sp>
+        <p:nvSpPr>
+          <p:cNvPr id="3" name="Notes Placeholder 2"/>
+          <p:cNvSpPr>
+            <a:spLocks noGrp="1"/>
+          </p:cNvSpPr>
+          <p:nvPr>
+            <p:ph type="body" idx="1"/>
+          </p:nvPr>
+        </p:nvSpPr>
+        <p:spPr/>
+        <p:txBody>
+          <a:bodyPr/>
+          <a:lstStyle/>
+          <a:p>
+            <a:endParaRPr lang="en-US" dirty="0"/>
+          </a:p>
+        </p:txBody>
+      </p:sp>
+      <p:sp>
+        <p:nvSpPr>
+          <p:cNvPr id="4" name="Slide Number Placeholder 3"/>
+          <p:cNvSpPr>
+            <a:spLocks noGrp="1"/>
+          </p:cNvSpPr>
+          <p:nvPr>
+            <p:ph type="sldNum" sz="quarter" idx="10"/>
+          </p:nvPr>
+        </p:nvSpPr>
+        <p:spPr/>
+        <p:txBody>
+          <a:bodyPr/>
+          <a:lstStyle/>
+          <a:p>
+            <a:fld id="{80A39CBA-3246-41BD-B461-7A6F199FC541}" type="slidenum">
+              <a:rPr lang="en-US" smtClean="0"/>
+              <a:t>26</a:t>
+            </a:fld>
+            <a:endParaRPr lang="en-US"/>
+          </a:p>
+        </p:txBody>
+      </p:sp>
+    </p:spTree>
+    <p:extLst>
+      <p:ext uri="{BB962C8B-B14F-4D97-AF65-F5344CB8AC3E}">
+        <p14:creationId xmlns:p14="http://schemas.microsoft.com/office/powerpoint/2010/main" val="665995865"/>
+      </p:ext>
+    </p:extLst>
+  </p:cSld>
+  <p:clrMapOvr>
+    <a:masterClrMapping/>
+  </p:clrMapOvr>
+</p:notes>
+</file>
+
+<file path=ppt/notesSlides/notesSlide18.xml><?xml version="1.0" encoding="utf-8"?>
+<p:notes xmlns:a="http://schemas.openxmlformats.org/drawingml/2006/main" xmlns:r="http://schemas.openxmlformats.org/officeDocument/2006/relationships" xmlns:p="http://schemas.openxmlformats.org/presentationml/2006/main">
+  <p:cSld>
+    <p:spTree>
+      <p:nvGrpSpPr>
+        <p:cNvPr id="1" name=""/>
+        <p:cNvGrpSpPr/>
+        <p:nvPr/>
+      </p:nvGrpSpPr>
+      <p:grpSpPr>
+        <a:xfrm>
+          <a:off x="0" y="0"/>
+          <a:ext cx="0" cy="0"/>
+          <a:chOff x="0" y="0"/>
+          <a:chExt cx="0" cy="0"/>
+        </a:xfrm>
+      </p:grpSpPr>
+      <p:sp>
+        <p:nvSpPr>
+          <p:cNvPr id="2" name="Slide Image Placeholder 1"/>
+          <p:cNvSpPr>
+            <a:spLocks noGrp="1" noRot="1" noChangeAspect="1"/>
+          </p:cNvSpPr>
+          <p:nvPr>
+            <p:ph type="sldImg"/>
+          </p:nvPr>
+        </p:nvSpPr>
+        <p:spPr/>
+      </p:sp>
+      <p:sp>
+        <p:nvSpPr>
+          <p:cNvPr id="3" name="Notes Placeholder 2"/>
+          <p:cNvSpPr>
+            <a:spLocks noGrp="1"/>
+          </p:cNvSpPr>
+          <p:nvPr>
+            <p:ph type="body" idx="1"/>
+          </p:nvPr>
+        </p:nvSpPr>
+        <p:spPr/>
+        <p:txBody>
+          <a:bodyPr/>
+          <a:lstStyle/>
+          <a:p>
+            <a:pPr marL="0" marR="0" indent="0" algn="l" defTabSz="914400" rtl="0" eaLnBrk="1" fontAlgn="auto" latinLnBrk="0" hangingPunct="1">
+              <a:lnSpc>
+                <a:spcPct val="100000"/>
+              </a:lnSpc>
+              <a:spcBef>
+                <a:spcPts val="0"/>
+              </a:spcBef>
+              <a:spcAft>
+                <a:spcPts val="0"/>
+              </a:spcAft>
+              <a:buClrTx/>
+              <a:buSzTx/>
+              <a:buFontTx/>
+              <a:buNone/>
+              <a:tabLst/>
+              <a:defRPr/>
+            </a:pPr>
+            <a:r>
+              <a:rPr lang="en-US" dirty="0" smtClean="0"/>
+              <a:t>Answer questions</a:t>
+            </a:r>
+          </a:p>
+        </p:txBody>
+      </p:sp>
+      <p:sp>
+        <p:nvSpPr>
+          <p:cNvPr id="4" name="Slide Number Placeholder 3"/>
+          <p:cNvSpPr>
+            <a:spLocks noGrp="1"/>
+          </p:cNvSpPr>
+          <p:nvPr>
+            <p:ph type="sldNum" sz="quarter" idx="10"/>
+          </p:nvPr>
+        </p:nvSpPr>
+        <p:spPr/>
+        <p:txBody>
+          <a:bodyPr/>
+          <a:lstStyle/>
+          <a:p>
+            <a:fld id="{80A39CBA-3246-41BD-B461-7A6F199FC541}" type="slidenum">
+              <a:rPr lang="en-US" smtClean="0"/>
+              <a:t>27</a:t>
+            </a:fld>
+            <a:endParaRPr lang="en-US"/>
+          </a:p>
+        </p:txBody>
+      </p:sp>
+    </p:spTree>
+    <p:extLst>
+      <p:ext uri="{BB962C8B-B14F-4D97-AF65-F5344CB8AC3E}">
+        <p14:creationId xmlns:p14="http://schemas.microsoft.com/office/powerpoint/2010/main" val="2737554237"/>
+      </p:ext>
+    </p:extLst>
+  </p:cSld>
+  <p:clrMapOvr>
+    <a:masterClrMapping/>
+  </p:clrMapOvr>
+</p:notes>
+</file>
+
 <file path=ppt/notesSlides/notesSlide2.xml><?xml version="1.0" encoding="utf-8"?>
 <p:notes xmlns:a="http://schemas.openxmlformats.org/drawingml/2006/main" xmlns:r="http://schemas.openxmlformats.org/officeDocument/2006/relationships" xmlns:p="http://schemas.openxmlformats.org/presentationml/2006/main">
   <p:cSld>
@@ -788,49 +1615,6 @@
           <a:bodyPr/>
           <a:lstStyle/>
           <a:p>
-            <a:r>
-              <a:rPr lang="en-US" dirty="0" smtClean="0"/>
-              <a:t>Ethernet: </a:t>
-            </a:r>
-          </a:p>
-          <a:p>
-            <a:r>
-              <a:rPr lang="en-US" dirty="0" smtClean="0"/>
-              <a:t>Cheap</a:t>
-            </a:r>
-            <a:r>
-              <a:rPr lang="en-US" baseline="0" dirty="0" smtClean="0"/>
-              <a:t> cables are important for keeping costs low.</a:t>
-            </a:r>
-          </a:p>
-          <a:p>
-            <a:r>
-              <a:rPr lang="en-US" baseline="0" dirty="0" smtClean="0"/>
-              <a:t>Easy to work with in consideration of use by children (not to hard to make your own cable).</a:t>
-            </a:r>
-          </a:p>
-          <a:p>
-            <a:r>
-              <a:rPr lang="en-US" baseline="0" dirty="0" smtClean="0"/>
-              <a:t>Length kept in mind for future applications (e.g. sensor in a well)</a:t>
-            </a:r>
-          </a:p>
-          <a:p>
-            <a:r>
-              <a:rPr lang="en-US" baseline="0" dirty="0" smtClean="0"/>
-              <a:t>More sensors could be put onto a single module </a:t>
-            </a:r>
-          </a:p>
-          <a:p>
-            <a:endParaRPr lang="en-US" baseline="0" dirty="0" smtClean="0"/>
-          </a:p>
-          <a:p>
-            <a:r>
-              <a:rPr lang="en-US" baseline="0" dirty="0" smtClean="0"/>
-              <a:t>USB:</a:t>
-            </a:r>
-          </a:p>
-          <a:p>
             <a:endParaRPr lang="en-US" dirty="0"/>
           </a:p>
         </p:txBody>
@@ -852,7 +1636,7 @@
           <a:p>
             <a:fld id="{80A39CBA-3246-41BD-B461-7A6F199FC541}" type="slidenum">
               <a:rPr lang="en-US" smtClean="0"/>
-              <a:t>10</a:t>
+              <a:t>5</a:t>
             </a:fld>
             <a:endParaRPr lang="en-US"/>
           </a:p>
@@ -861,7 +1645,7 @@
     </p:spTree>
     <p:extLst>
       <p:ext uri="{BB962C8B-B14F-4D97-AF65-F5344CB8AC3E}">
-        <p14:creationId xmlns:p14="http://schemas.microsoft.com/office/powerpoint/2010/main" val="356323975"/>
+        <p14:creationId xmlns:p14="http://schemas.microsoft.com/office/powerpoint/2010/main" val="1010079111"/>
       </p:ext>
     </p:extLst>
   </p:cSld>
@@ -917,6 +1701,334 @@
           <a:p>
             <a:r>
               <a:rPr lang="en-US" dirty="0" smtClean="0"/>
+              <a:t>Chris</a:t>
+            </a:r>
+            <a:r>
+              <a:rPr lang="en-US" baseline="0" dirty="0" smtClean="0"/>
+              <a:t> starts</a:t>
+            </a:r>
+            <a:endParaRPr lang="en-US" dirty="0"/>
+          </a:p>
+        </p:txBody>
+      </p:sp>
+      <p:sp>
+        <p:nvSpPr>
+          <p:cNvPr id="4" name="Slide Number Placeholder 3"/>
+          <p:cNvSpPr>
+            <a:spLocks noGrp="1"/>
+          </p:cNvSpPr>
+          <p:nvPr>
+            <p:ph type="sldNum" sz="quarter" idx="10"/>
+          </p:nvPr>
+        </p:nvSpPr>
+        <p:spPr/>
+        <p:txBody>
+          <a:bodyPr/>
+          <a:lstStyle/>
+          <a:p>
+            <a:fld id="{80A39CBA-3246-41BD-B461-7A6F199FC541}" type="slidenum">
+              <a:rPr lang="en-US" smtClean="0"/>
+              <a:t>6</a:t>
+            </a:fld>
+            <a:endParaRPr lang="en-US"/>
+          </a:p>
+        </p:txBody>
+      </p:sp>
+    </p:spTree>
+    <p:extLst>
+      <p:ext uri="{BB962C8B-B14F-4D97-AF65-F5344CB8AC3E}">
+        <p14:creationId xmlns:p14="http://schemas.microsoft.com/office/powerpoint/2010/main" val="4060853415"/>
+      </p:ext>
+    </p:extLst>
+  </p:cSld>
+  <p:clrMapOvr>
+    <a:masterClrMapping/>
+  </p:clrMapOvr>
+</p:notes>
+</file>
+
+<file path=ppt/notesSlides/notesSlide5.xml><?xml version="1.0" encoding="utf-8"?>
+<p:notes xmlns:a="http://schemas.openxmlformats.org/drawingml/2006/main" xmlns:r="http://schemas.openxmlformats.org/officeDocument/2006/relationships" xmlns:p="http://schemas.openxmlformats.org/presentationml/2006/main">
+  <p:cSld>
+    <p:spTree>
+      <p:nvGrpSpPr>
+        <p:cNvPr id="1" name=""/>
+        <p:cNvGrpSpPr/>
+        <p:nvPr/>
+      </p:nvGrpSpPr>
+      <p:grpSpPr>
+        <a:xfrm>
+          <a:off x="0" y="0"/>
+          <a:ext cx="0" cy="0"/>
+          <a:chOff x="0" y="0"/>
+          <a:chExt cx="0" cy="0"/>
+        </a:xfrm>
+      </p:grpSpPr>
+      <p:sp>
+        <p:nvSpPr>
+          <p:cNvPr id="2" name="Slide Image Placeholder 1"/>
+          <p:cNvSpPr>
+            <a:spLocks noGrp="1" noRot="1" noChangeAspect="1"/>
+          </p:cNvSpPr>
+          <p:nvPr>
+            <p:ph type="sldImg"/>
+          </p:nvPr>
+        </p:nvSpPr>
+        <p:spPr/>
+      </p:sp>
+      <p:sp>
+        <p:nvSpPr>
+          <p:cNvPr id="3" name="Notes Placeholder 2"/>
+          <p:cNvSpPr>
+            <a:spLocks noGrp="1"/>
+          </p:cNvSpPr>
+          <p:nvPr>
+            <p:ph type="body" idx="1"/>
+          </p:nvPr>
+        </p:nvSpPr>
+        <p:spPr/>
+        <p:txBody>
+          <a:bodyPr/>
+          <a:lstStyle/>
+          <a:p>
+            <a:r>
+              <a:rPr lang="en-US" dirty="0" smtClean="0"/>
+              <a:t>Tradeoffs (LDO vs </a:t>
+            </a:r>
+            <a:r>
+              <a:rPr lang="en-US" dirty="0" err="1" smtClean="0"/>
+              <a:t>Swiching</a:t>
+            </a:r>
+            <a:r>
+              <a:rPr lang="en-US" dirty="0" smtClean="0"/>
+              <a:t>)</a:t>
+            </a:r>
+          </a:p>
+          <a:p>
+            <a:endParaRPr lang="en-US" dirty="0" smtClean="0"/>
+          </a:p>
+          <a:p>
+            <a:r>
+              <a:rPr lang="en-US" dirty="0" smtClean="0"/>
+              <a:t>Switching</a:t>
+            </a:r>
+            <a:r>
+              <a:rPr lang="en-US" baseline="0" dirty="0" smtClean="0"/>
+              <a:t> regulators didn’t work on breadboard</a:t>
+            </a:r>
+            <a:endParaRPr lang="en-US" dirty="0"/>
+          </a:p>
+        </p:txBody>
+      </p:sp>
+      <p:sp>
+        <p:nvSpPr>
+          <p:cNvPr id="4" name="Slide Number Placeholder 3"/>
+          <p:cNvSpPr>
+            <a:spLocks noGrp="1"/>
+          </p:cNvSpPr>
+          <p:nvPr>
+            <p:ph type="sldNum" sz="quarter" idx="10"/>
+          </p:nvPr>
+        </p:nvSpPr>
+        <p:spPr/>
+        <p:txBody>
+          <a:bodyPr/>
+          <a:lstStyle/>
+          <a:p>
+            <a:fld id="{80A39CBA-3246-41BD-B461-7A6F199FC541}" type="slidenum">
+              <a:rPr lang="en-US" smtClean="0"/>
+              <a:t>7</a:t>
+            </a:fld>
+            <a:endParaRPr lang="en-US"/>
+          </a:p>
+        </p:txBody>
+      </p:sp>
+    </p:spTree>
+    <p:extLst>
+      <p:ext uri="{BB962C8B-B14F-4D97-AF65-F5344CB8AC3E}">
+        <p14:creationId xmlns:p14="http://schemas.microsoft.com/office/powerpoint/2010/main" val="63036572"/>
+      </p:ext>
+    </p:extLst>
+  </p:cSld>
+  <p:clrMapOvr>
+    <a:masterClrMapping/>
+  </p:clrMapOvr>
+</p:notes>
+</file>
+
+<file path=ppt/notesSlides/notesSlide6.xml><?xml version="1.0" encoding="utf-8"?>
+<p:notes xmlns:a="http://schemas.openxmlformats.org/drawingml/2006/main" xmlns:r="http://schemas.openxmlformats.org/officeDocument/2006/relationships" xmlns:p="http://schemas.openxmlformats.org/presentationml/2006/main">
+  <p:cSld>
+    <p:spTree>
+      <p:nvGrpSpPr>
+        <p:cNvPr id="1" name=""/>
+        <p:cNvGrpSpPr/>
+        <p:nvPr/>
+      </p:nvGrpSpPr>
+      <p:grpSpPr>
+        <a:xfrm>
+          <a:off x="0" y="0"/>
+          <a:ext cx="0" cy="0"/>
+          <a:chOff x="0" y="0"/>
+          <a:chExt cx="0" cy="0"/>
+        </a:xfrm>
+      </p:grpSpPr>
+      <p:sp>
+        <p:nvSpPr>
+          <p:cNvPr id="2" name="Slide Image Placeholder 1"/>
+          <p:cNvSpPr>
+            <a:spLocks noGrp="1" noRot="1" noChangeAspect="1"/>
+          </p:cNvSpPr>
+          <p:nvPr>
+            <p:ph type="sldImg"/>
+          </p:nvPr>
+        </p:nvSpPr>
+        <p:spPr/>
+      </p:sp>
+      <p:sp>
+        <p:nvSpPr>
+          <p:cNvPr id="3" name="Notes Placeholder 2"/>
+          <p:cNvSpPr>
+            <a:spLocks noGrp="1"/>
+          </p:cNvSpPr>
+          <p:nvPr>
+            <p:ph type="body" idx="1"/>
+          </p:nvPr>
+        </p:nvSpPr>
+        <p:spPr/>
+        <p:txBody>
+          <a:bodyPr/>
+          <a:lstStyle/>
+          <a:p>
+            <a:r>
+              <a:rPr lang="en-US" dirty="0" smtClean="0"/>
+              <a:t>Ethernet: </a:t>
+            </a:r>
+          </a:p>
+          <a:p>
+            <a:r>
+              <a:rPr lang="en-US" dirty="0" smtClean="0"/>
+              <a:t>Cheap</a:t>
+            </a:r>
+            <a:r>
+              <a:rPr lang="en-US" baseline="0" dirty="0" smtClean="0"/>
+              <a:t> cables are important for keeping costs low.</a:t>
+            </a:r>
+          </a:p>
+          <a:p>
+            <a:r>
+              <a:rPr lang="en-US" baseline="0" dirty="0" smtClean="0"/>
+              <a:t>Easy to work with in consideration of use by children (not to hard to make your own cable).</a:t>
+            </a:r>
+          </a:p>
+          <a:p>
+            <a:r>
+              <a:rPr lang="en-US" baseline="0" dirty="0" smtClean="0"/>
+              <a:t>Length kept in mind for future applications (e.g. sensor in a well)</a:t>
+            </a:r>
+          </a:p>
+          <a:p>
+            <a:r>
+              <a:rPr lang="en-US" baseline="0" dirty="0" smtClean="0"/>
+              <a:t>More sensors could be put onto a single module </a:t>
+            </a:r>
+          </a:p>
+          <a:p>
+            <a:endParaRPr lang="en-US" baseline="0" dirty="0" smtClean="0"/>
+          </a:p>
+          <a:p>
+            <a:r>
+              <a:rPr lang="en-US" baseline="0" dirty="0" smtClean="0"/>
+              <a:t>USB:</a:t>
+            </a:r>
+          </a:p>
+          <a:p>
+            <a:endParaRPr lang="en-US" dirty="0"/>
+          </a:p>
+        </p:txBody>
+      </p:sp>
+      <p:sp>
+        <p:nvSpPr>
+          <p:cNvPr id="4" name="Slide Number Placeholder 3"/>
+          <p:cNvSpPr>
+            <a:spLocks noGrp="1"/>
+          </p:cNvSpPr>
+          <p:nvPr>
+            <p:ph type="sldNum" sz="quarter" idx="10"/>
+          </p:nvPr>
+        </p:nvSpPr>
+        <p:spPr/>
+        <p:txBody>
+          <a:bodyPr/>
+          <a:lstStyle/>
+          <a:p>
+            <a:fld id="{80A39CBA-3246-41BD-B461-7A6F199FC541}" type="slidenum">
+              <a:rPr lang="en-US" smtClean="0"/>
+              <a:t>8</a:t>
+            </a:fld>
+            <a:endParaRPr lang="en-US"/>
+          </a:p>
+        </p:txBody>
+      </p:sp>
+    </p:spTree>
+    <p:extLst>
+      <p:ext uri="{BB962C8B-B14F-4D97-AF65-F5344CB8AC3E}">
+        <p14:creationId xmlns:p14="http://schemas.microsoft.com/office/powerpoint/2010/main" val="356323975"/>
+      </p:ext>
+    </p:extLst>
+  </p:cSld>
+  <p:clrMapOvr>
+    <a:masterClrMapping/>
+  </p:clrMapOvr>
+</p:notes>
+</file>
+
+<file path=ppt/notesSlides/notesSlide7.xml><?xml version="1.0" encoding="utf-8"?>
+<p:notes xmlns:a="http://schemas.openxmlformats.org/drawingml/2006/main" xmlns:r="http://schemas.openxmlformats.org/officeDocument/2006/relationships" xmlns:p="http://schemas.openxmlformats.org/presentationml/2006/main">
+  <p:cSld>
+    <p:spTree>
+      <p:nvGrpSpPr>
+        <p:cNvPr id="1" name=""/>
+        <p:cNvGrpSpPr/>
+        <p:nvPr/>
+      </p:nvGrpSpPr>
+      <p:grpSpPr>
+        <a:xfrm>
+          <a:off x="0" y="0"/>
+          <a:ext cx="0" cy="0"/>
+          <a:chOff x="0" y="0"/>
+          <a:chExt cx="0" cy="0"/>
+        </a:xfrm>
+      </p:grpSpPr>
+      <p:sp>
+        <p:nvSpPr>
+          <p:cNvPr id="2" name="Slide Image Placeholder 1"/>
+          <p:cNvSpPr>
+            <a:spLocks noGrp="1" noRot="1" noChangeAspect="1"/>
+          </p:cNvSpPr>
+          <p:nvPr>
+            <p:ph type="sldImg"/>
+          </p:nvPr>
+        </p:nvSpPr>
+        <p:spPr/>
+      </p:sp>
+      <p:sp>
+        <p:nvSpPr>
+          <p:cNvPr id="3" name="Notes Placeholder 2"/>
+          <p:cNvSpPr>
+            <a:spLocks noGrp="1"/>
+          </p:cNvSpPr>
+          <p:nvPr>
+            <p:ph type="body" idx="1"/>
+          </p:nvPr>
+        </p:nvSpPr>
+        <p:spPr/>
+        <p:txBody>
+          <a:bodyPr/>
+          <a:lstStyle/>
+          <a:p>
+            <a:r>
+              <a:rPr lang="en-US" dirty="0" smtClean="0"/>
               <a:t>Labeled</a:t>
             </a:r>
             <a:r>
@@ -962,7 +2074,7 @@
           <a:p>
             <a:fld id="{80A39CBA-3246-41BD-B461-7A6F199FC541}" type="slidenum">
               <a:rPr lang="en-US" smtClean="0"/>
-              <a:t>11</a:t>
+              <a:t>9</a:t>
             </a:fld>
             <a:endParaRPr lang="en-US"/>
           </a:p>
@@ -981,7 +2093,95 @@
 </p:notes>
 </file>
 
-<file path=ppt/notesSlides/notesSlide5.xml><?xml version="1.0" encoding="utf-8"?>
+<file path=ppt/notesSlides/notesSlide8.xml><?xml version="1.0" encoding="utf-8"?>
+<p:notes xmlns:a="http://schemas.openxmlformats.org/drawingml/2006/main" xmlns:r="http://schemas.openxmlformats.org/officeDocument/2006/relationships" xmlns:p="http://schemas.openxmlformats.org/presentationml/2006/main">
+  <p:cSld>
+    <p:spTree>
+      <p:nvGrpSpPr>
+        <p:cNvPr id="1" name=""/>
+        <p:cNvGrpSpPr/>
+        <p:nvPr/>
+      </p:nvGrpSpPr>
+      <p:grpSpPr>
+        <a:xfrm>
+          <a:off x="0" y="0"/>
+          <a:ext cx="0" cy="0"/>
+          <a:chOff x="0" y="0"/>
+          <a:chExt cx="0" cy="0"/>
+        </a:xfrm>
+      </p:grpSpPr>
+      <p:sp>
+        <p:nvSpPr>
+          <p:cNvPr id="2" name="Slide Image Placeholder 1"/>
+          <p:cNvSpPr>
+            <a:spLocks noGrp="1" noRot="1" noChangeAspect="1"/>
+          </p:cNvSpPr>
+          <p:nvPr>
+            <p:ph type="sldImg"/>
+          </p:nvPr>
+        </p:nvSpPr>
+        <p:spPr/>
+      </p:sp>
+      <p:sp>
+        <p:nvSpPr>
+          <p:cNvPr id="3" name="Notes Placeholder 2"/>
+          <p:cNvSpPr>
+            <a:spLocks noGrp="1"/>
+          </p:cNvSpPr>
+          <p:nvPr>
+            <p:ph type="body" idx="1"/>
+          </p:nvPr>
+        </p:nvSpPr>
+        <p:spPr/>
+        <p:txBody>
+          <a:bodyPr/>
+          <a:lstStyle/>
+          <a:p>
+            <a:r>
+              <a:rPr lang="en-US" dirty="0" smtClean="0"/>
+              <a:t>Max starts</a:t>
+            </a:r>
+            <a:endParaRPr lang="en-US" dirty="0"/>
+          </a:p>
+        </p:txBody>
+      </p:sp>
+      <p:sp>
+        <p:nvSpPr>
+          <p:cNvPr id="4" name="Slide Number Placeholder 3"/>
+          <p:cNvSpPr>
+            <a:spLocks noGrp="1"/>
+          </p:cNvSpPr>
+          <p:nvPr>
+            <p:ph type="sldNum" sz="quarter" idx="10"/>
+          </p:nvPr>
+        </p:nvSpPr>
+        <p:spPr/>
+        <p:txBody>
+          <a:bodyPr/>
+          <a:lstStyle/>
+          <a:p>
+            <a:fld id="{80A39CBA-3246-41BD-B461-7A6F199FC541}" type="slidenum">
+              <a:rPr lang="en-US" smtClean="0"/>
+              <a:t>12</a:t>
+            </a:fld>
+            <a:endParaRPr lang="en-US"/>
+          </a:p>
+        </p:txBody>
+      </p:sp>
+    </p:spTree>
+    <p:extLst>
+      <p:ext uri="{BB962C8B-B14F-4D97-AF65-F5344CB8AC3E}">
+        <p14:creationId xmlns:p14="http://schemas.microsoft.com/office/powerpoint/2010/main" val="2108236876"/>
+      </p:ext>
+    </p:extLst>
+  </p:cSld>
+  <p:clrMapOvr>
+    <a:masterClrMapping/>
+  </p:clrMapOvr>
+</p:notes>
+</file>
+
+<file path=ppt/notesSlides/notesSlide9.xml><?xml version="1.0" encoding="utf-8"?>
 <p:notes xmlns:a="http://schemas.openxmlformats.org/drawingml/2006/main" xmlns:r="http://schemas.openxmlformats.org/officeDocument/2006/relationships" xmlns:p="http://schemas.openxmlformats.org/presentationml/2006/main">
   <p:cSld>
     <p:spTree>
@@ -1958,7 +3158,7 @@
     <p:bg>
       <p:bgPr>
         <a:solidFill>
-          <a:srgbClr val="FFC305"/>
+          <a:srgbClr val="DEA900"/>
         </a:solidFill>
         <a:effectLst/>
       </p:bgPr>
@@ -4514,7 +5714,7 @@
           <a:p>
             <a:r>
               <a:rPr lang="en-US" dirty="0" smtClean="0"/>
-              <a:t>Interfaces</a:t>
+              <a:t>Light Sensor</a:t>
             </a:r>
             <a:endParaRPr lang="en-US" dirty="0"/>
           </a:p>
@@ -4532,62 +5732,37 @@
         </p:nvSpPr>
         <p:spPr/>
         <p:txBody>
-          <a:bodyPr>
-            <a:normAutofit/>
-          </a:bodyPr>
-          <a:lstStyle/>
-          <a:p>
-            <a:r>
-              <a:rPr lang="en-US" dirty="0" smtClean="0"/>
-              <a:t>Ethernet for Sensor Port</a:t>
-            </a:r>
-          </a:p>
-          <a:p>
-            <a:pPr lvl="1"/>
-            <a:r>
-              <a:rPr lang="en-US" dirty="0" smtClean="0"/>
-              <a:t>Cheap Cables</a:t>
-            </a:r>
-          </a:p>
-          <a:p>
-            <a:pPr lvl="1"/>
-            <a:r>
-              <a:rPr lang="en-US" dirty="0" smtClean="0"/>
-              <a:t>Easy to Work With</a:t>
-            </a:r>
-          </a:p>
-          <a:p>
-            <a:pPr lvl="1"/>
-            <a:r>
-              <a:rPr lang="en-US" dirty="0" smtClean="0"/>
-              <a:t>Many Lengths Available</a:t>
-            </a:r>
-          </a:p>
-          <a:p>
-            <a:r>
-              <a:rPr lang="en-US" dirty="0" smtClean="0"/>
-              <a:t>USB</a:t>
-            </a:r>
-          </a:p>
-          <a:p>
-            <a:pPr lvl="1"/>
-            <a:r>
-              <a:rPr lang="en-US" dirty="0" smtClean="0"/>
-              <a:t>Standard for Most Computer Interface Applications</a:t>
-            </a:r>
-          </a:p>
-          <a:p>
-            <a:pPr lvl="1"/>
-            <a:r>
-              <a:rPr lang="en-US" dirty="0" smtClean="0"/>
-              <a:t>Micro USB = Small Footprint</a:t>
-            </a:r>
-          </a:p>
-        </p:txBody>
-      </p:sp>
-      <p:sp>
-        <p:nvSpPr>
-          <p:cNvPr id="5" name="Date Placeholder 4"/>
+          <a:bodyPr/>
+          <a:lstStyle/>
+          <a:p>
+            <a:r>
+              <a:rPr lang="en-US" dirty="0" smtClean="0"/>
+              <a:t>Easy to Implement</a:t>
+            </a:r>
+          </a:p>
+          <a:p>
+            <a:r>
+              <a:rPr lang="en-US" dirty="0" smtClean="0"/>
+              <a:t>Simple to Understand</a:t>
+            </a:r>
+          </a:p>
+          <a:p>
+            <a:r>
+              <a:rPr lang="en-US" dirty="0" smtClean="0"/>
+              <a:t>Many Use Cases</a:t>
+            </a:r>
+          </a:p>
+          <a:p>
+            <a:r>
+              <a:rPr lang="en-US" dirty="0" smtClean="0"/>
+              <a:t>Proof of Concept Sensor</a:t>
+            </a:r>
+          </a:p>
+        </p:txBody>
+      </p:sp>
+      <p:sp>
+        <p:nvSpPr>
+          <p:cNvPr id="7" name="Date Placeholder 6"/>
           <p:cNvSpPr>
             <a:spLocks noGrp="1"/>
           </p:cNvSpPr>
@@ -4600,7 +5775,7 @@
           <a:bodyPr/>
           <a:lstStyle/>
           <a:p>
-            <a:fld id="{083EEC35-4827-4E69-BD16-897B79CAC35F}" type="datetime1">
+            <a:fld id="{7848CE29-B55F-4A30-A5BE-2588661F7426}" type="datetime1">
               <a:rPr lang="en-US" smtClean="0"/>
               <a:t>6/5/2014</a:t>
             </a:fld>
@@ -4610,7 +5785,7 @@
       </p:sp>
       <p:sp>
         <p:nvSpPr>
-          <p:cNvPr id="6" name="Footer Placeholder 5"/>
+          <p:cNvPr id="8" name="Footer Placeholder 7"/>
           <p:cNvSpPr>
             <a:spLocks noGrp="1"/>
           </p:cNvSpPr>
@@ -4633,7 +5808,7 @@
       </p:sp>
       <p:sp>
         <p:nvSpPr>
-          <p:cNvPr id="7" name="Slide Number Placeholder 6"/>
+          <p:cNvPr id="9" name="Slide Number Placeholder 8"/>
           <p:cNvSpPr>
             <a:spLocks noGrp="1"/>
           </p:cNvSpPr>
@@ -4649,423 +5824,6 @@
             <a:fld id="{41FBF465-1333-4AA3-A58E-1653FDB8C624}" type="slidenum">
               <a:rPr lang="en-US" smtClean="0"/>
               <a:t>10</a:t>
-            </a:fld>
-            <a:endParaRPr lang="en-US"/>
-          </a:p>
-        </p:txBody>
-      </p:sp>
-    </p:spTree>
-    <p:extLst>
-      <p:ext uri="{BB962C8B-B14F-4D97-AF65-F5344CB8AC3E}">
-        <p14:creationId xmlns:p14="http://schemas.microsoft.com/office/powerpoint/2010/main" val="4234070995"/>
-      </p:ext>
-    </p:extLst>
-  </p:cSld>
-  <p:clrMapOvr>
-    <a:masterClrMapping/>
-  </p:clrMapOvr>
-  <p:timing>
-    <p:tnLst>
-      <p:par>
-        <p:cTn id="1" dur="indefinite" restart="never" nodeType="tmRoot"/>
-      </p:par>
-    </p:tnLst>
-  </p:timing>
-</p:sld>
-</file>
-
-<file path=ppt/slides/slide11.xml><?xml version="1.0" encoding="utf-8"?>
-<p:sld xmlns:a="http://schemas.openxmlformats.org/drawingml/2006/main" xmlns:r="http://schemas.openxmlformats.org/officeDocument/2006/relationships" xmlns:p="http://schemas.openxmlformats.org/presentationml/2006/main">
-  <p:cSld>
-    <p:spTree>
-      <p:nvGrpSpPr>
-        <p:cNvPr id="1" name=""/>
-        <p:cNvGrpSpPr/>
-        <p:nvPr/>
-      </p:nvGrpSpPr>
-      <p:grpSpPr>
-        <a:xfrm>
-          <a:off x="0" y="0"/>
-          <a:ext cx="0" cy="0"/>
-          <a:chOff x="0" y="0"/>
-          <a:chExt cx="0" cy="0"/>
-        </a:xfrm>
-      </p:grpSpPr>
-      <p:sp>
-        <p:nvSpPr>
-          <p:cNvPr id="2" name="Text Placeholder 1"/>
-          <p:cNvSpPr>
-            <a:spLocks noGrp="1"/>
-          </p:cNvSpPr>
-          <p:nvPr>
-            <p:ph type="body" sz="quarter" idx="13"/>
-          </p:nvPr>
-        </p:nvSpPr>
-        <p:spPr/>
-        <p:txBody>
-          <a:bodyPr/>
-          <a:lstStyle/>
-          <a:p>
-            <a:r>
-              <a:rPr lang="en-US" dirty="0" smtClean="0"/>
-              <a:t>Hardware</a:t>
-            </a:r>
-            <a:endParaRPr lang="en-US" dirty="0"/>
-          </a:p>
-        </p:txBody>
-      </p:sp>
-      <p:sp>
-        <p:nvSpPr>
-          <p:cNvPr id="3" name="Text Placeholder 2"/>
-          <p:cNvSpPr>
-            <a:spLocks noGrp="1"/>
-          </p:cNvSpPr>
-          <p:nvPr>
-            <p:ph type="body" sz="quarter" idx="14"/>
-          </p:nvPr>
-        </p:nvSpPr>
-        <p:spPr/>
-        <p:txBody>
-          <a:bodyPr/>
-          <a:lstStyle/>
-          <a:p>
-            <a:r>
-              <a:rPr lang="en-US" dirty="0" smtClean="0"/>
-              <a:t>Low-Oxygen Sensor</a:t>
-            </a:r>
-            <a:endParaRPr lang="en-US" dirty="0"/>
-          </a:p>
-        </p:txBody>
-      </p:sp>
-      <p:sp>
-        <p:nvSpPr>
-          <p:cNvPr id="4" name="Text Placeholder 3"/>
-          <p:cNvSpPr>
-            <a:spLocks noGrp="1"/>
-          </p:cNvSpPr>
-          <p:nvPr>
-            <p:ph type="body" sz="quarter" idx="15"/>
-          </p:nvPr>
-        </p:nvSpPr>
-        <p:spPr/>
-        <p:txBody>
-          <a:bodyPr/>
-          <a:lstStyle/>
-          <a:p>
-            <a:r>
-              <a:rPr lang="en-US" dirty="0" smtClean="0"/>
-              <a:t>Figaro TGS 2600</a:t>
-            </a:r>
-          </a:p>
-          <a:p>
-            <a:r>
-              <a:rPr lang="en-US" dirty="0" smtClean="0"/>
-              <a:t>Technically “Air Contaminant Sensor”</a:t>
-            </a:r>
-          </a:p>
-          <a:p>
-            <a:r>
-              <a:rPr lang="en-US" dirty="0" smtClean="0"/>
-              <a:t>Resemblance to VOC Sensor</a:t>
-            </a:r>
-          </a:p>
-          <a:p>
-            <a:r>
-              <a:rPr lang="en-US" dirty="0" smtClean="0"/>
-              <a:t>Easy to Find Applications or Experiments</a:t>
-            </a:r>
-          </a:p>
-          <a:p>
-            <a:endParaRPr lang="en-US" dirty="0"/>
-          </a:p>
-        </p:txBody>
-      </p:sp>
-      <p:sp>
-        <p:nvSpPr>
-          <p:cNvPr id="8" name="Date Placeholder 7"/>
-          <p:cNvSpPr>
-            <a:spLocks noGrp="1"/>
-          </p:cNvSpPr>
-          <p:nvPr>
-            <p:ph type="dt" sz="half" idx="10"/>
-          </p:nvPr>
-        </p:nvSpPr>
-        <p:spPr/>
-        <p:txBody>
-          <a:bodyPr/>
-          <a:lstStyle/>
-          <a:p>
-            <a:fld id="{5CCE490F-6F2A-472B-9AC3-55962C89105B}" type="datetime1">
-              <a:rPr lang="en-US" smtClean="0"/>
-              <a:t>6/5/2014</a:t>
-            </a:fld>
-            <a:endParaRPr lang="en-US"/>
-          </a:p>
-        </p:txBody>
-      </p:sp>
-      <p:sp>
-        <p:nvSpPr>
-          <p:cNvPr id="9" name="Footer Placeholder 8"/>
-          <p:cNvSpPr>
-            <a:spLocks noGrp="1"/>
-          </p:cNvSpPr>
-          <p:nvPr>
-            <p:ph type="ftr" sz="quarter" idx="11"/>
-          </p:nvPr>
-        </p:nvSpPr>
-        <p:spPr/>
-        <p:txBody>
-          <a:bodyPr/>
-          <a:lstStyle/>
-          <a:p>
-            <a:r>
-              <a:rPr lang="en-US" smtClean="0"/>
-              <a:t>Erebus Labs STEM Sensor</a:t>
-            </a:r>
-            <a:endParaRPr lang="en-US" dirty="0"/>
-          </a:p>
-        </p:txBody>
-      </p:sp>
-      <p:sp>
-        <p:nvSpPr>
-          <p:cNvPr id="10" name="Slide Number Placeholder 9"/>
-          <p:cNvSpPr>
-            <a:spLocks noGrp="1"/>
-          </p:cNvSpPr>
-          <p:nvPr>
-            <p:ph type="sldNum" sz="quarter" idx="12"/>
-          </p:nvPr>
-        </p:nvSpPr>
-        <p:spPr/>
-        <p:txBody>
-          <a:bodyPr/>
-          <a:lstStyle/>
-          <a:p>
-            <a:fld id="{41FBF465-1333-4AA3-A58E-1653FDB8C624}" type="slidenum">
-              <a:rPr lang="en-US" smtClean="0"/>
-              <a:t>11</a:t>
-            </a:fld>
-            <a:endParaRPr lang="en-US"/>
-          </a:p>
-        </p:txBody>
-      </p:sp>
-      <p:pic>
-        <p:nvPicPr>
-          <p:cNvPr id="11" name="Picture 10"/>
-          <p:cNvPicPr>
-            <a:picLocks noChangeAspect="1"/>
-          </p:cNvPicPr>
-          <p:nvPr/>
-        </p:nvPicPr>
-        <p:blipFill>
-          <a:blip r:embed="rId3">
-            <a:extLst>
-              <a:ext uri="{28A0092B-C50C-407E-A947-70E740481C1C}">
-                <a14:useLocalDpi xmlns:a14="http://schemas.microsoft.com/office/drawing/2010/main" val="0"/>
-              </a:ext>
-            </a:extLst>
-          </a:blip>
-          <a:stretch>
-            <a:fillRect/>
-          </a:stretch>
-        </p:blipFill>
-        <p:spPr>
-          <a:xfrm>
-            <a:off x="4655869" y="4154556"/>
-            <a:ext cx="1897331" cy="1756788"/>
-          </a:xfrm>
-          <a:prstGeom prst="rect">
-            <a:avLst/>
-          </a:prstGeom>
-        </p:spPr>
-      </p:pic>
-    </p:spTree>
-    <p:extLst>
-      <p:ext uri="{BB962C8B-B14F-4D97-AF65-F5344CB8AC3E}">
-        <p14:creationId xmlns:p14="http://schemas.microsoft.com/office/powerpoint/2010/main" val="4146449161"/>
-      </p:ext>
-    </p:extLst>
-  </p:cSld>
-  <p:clrMapOvr>
-    <a:masterClrMapping/>
-  </p:clrMapOvr>
-  <p:timing>
-    <p:tnLst>
-      <p:par>
-        <p:cTn id="1" dur="indefinite" restart="never" nodeType="tmRoot"/>
-      </p:par>
-    </p:tnLst>
-  </p:timing>
-</p:sld>
-</file>
-
-<file path=ppt/slides/slide12.xml><?xml version="1.0" encoding="utf-8"?>
-<p:sld xmlns:a="http://schemas.openxmlformats.org/drawingml/2006/main" xmlns:r="http://schemas.openxmlformats.org/officeDocument/2006/relationships" xmlns:p="http://schemas.openxmlformats.org/presentationml/2006/main">
-  <p:cSld>
-    <p:spTree>
-      <p:nvGrpSpPr>
-        <p:cNvPr id="1" name=""/>
-        <p:cNvGrpSpPr/>
-        <p:nvPr/>
-      </p:nvGrpSpPr>
-      <p:grpSpPr>
-        <a:xfrm>
-          <a:off x="0" y="0"/>
-          <a:ext cx="0" cy="0"/>
-          <a:chOff x="0" y="0"/>
-          <a:chExt cx="0" cy="0"/>
-        </a:xfrm>
-      </p:grpSpPr>
-      <p:sp>
-        <p:nvSpPr>
-          <p:cNvPr id="2" name="Text Placeholder 1"/>
-          <p:cNvSpPr>
-            <a:spLocks noGrp="1"/>
-          </p:cNvSpPr>
-          <p:nvPr>
-            <p:ph type="body" sz="quarter" idx="13"/>
-          </p:nvPr>
-        </p:nvSpPr>
-        <p:spPr/>
-        <p:txBody>
-          <a:bodyPr/>
-          <a:lstStyle/>
-          <a:p>
-            <a:r>
-              <a:rPr lang="en-US" dirty="0" smtClean="0"/>
-              <a:t>Hardware</a:t>
-            </a:r>
-            <a:endParaRPr lang="en-US" dirty="0"/>
-          </a:p>
-        </p:txBody>
-      </p:sp>
-      <p:sp>
-        <p:nvSpPr>
-          <p:cNvPr id="3" name="Text Placeholder 2"/>
-          <p:cNvSpPr>
-            <a:spLocks noGrp="1"/>
-          </p:cNvSpPr>
-          <p:nvPr>
-            <p:ph type="body" sz="quarter" idx="14"/>
-          </p:nvPr>
-        </p:nvSpPr>
-        <p:spPr/>
-        <p:txBody>
-          <a:bodyPr/>
-          <a:lstStyle/>
-          <a:p>
-            <a:r>
-              <a:rPr lang="en-US" dirty="0" smtClean="0"/>
-              <a:t>Light Sensor</a:t>
-            </a:r>
-            <a:endParaRPr lang="en-US" dirty="0"/>
-          </a:p>
-        </p:txBody>
-      </p:sp>
-      <p:sp>
-        <p:nvSpPr>
-          <p:cNvPr id="4" name="Text Placeholder 3"/>
-          <p:cNvSpPr>
-            <a:spLocks noGrp="1"/>
-          </p:cNvSpPr>
-          <p:nvPr>
-            <p:ph type="body" sz="quarter" idx="15"/>
-          </p:nvPr>
-        </p:nvSpPr>
-        <p:spPr/>
-        <p:txBody>
-          <a:bodyPr/>
-          <a:lstStyle/>
-          <a:p>
-            <a:r>
-              <a:rPr lang="en-US" dirty="0" smtClean="0"/>
-              <a:t>Easy to Implement</a:t>
-            </a:r>
-          </a:p>
-          <a:p>
-            <a:r>
-              <a:rPr lang="en-US" dirty="0" smtClean="0"/>
-              <a:t>Simple to Understand</a:t>
-            </a:r>
-          </a:p>
-          <a:p>
-            <a:r>
-              <a:rPr lang="en-US" dirty="0" smtClean="0"/>
-              <a:t>Many Use Cases</a:t>
-            </a:r>
-          </a:p>
-          <a:p>
-            <a:r>
-              <a:rPr lang="en-US" dirty="0" smtClean="0"/>
-              <a:t>Proof of Concept Sensor</a:t>
-            </a:r>
-          </a:p>
-        </p:txBody>
-      </p:sp>
-      <p:sp>
-        <p:nvSpPr>
-          <p:cNvPr id="7" name="Date Placeholder 6"/>
-          <p:cNvSpPr>
-            <a:spLocks noGrp="1"/>
-          </p:cNvSpPr>
-          <p:nvPr>
-            <p:ph type="dt" sz="half" idx="10"/>
-          </p:nvPr>
-        </p:nvSpPr>
-        <p:spPr/>
-        <p:txBody>
-          <a:bodyPr/>
-          <a:lstStyle/>
-          <a:p>
-            <a:fld id="{7848CE29-B55F-4A30-A5BE-2588661F7426}" type="datetime1">
-              <a:rPr lang="en-US" smtClean="0"/>
-              <a:t>6/5/2014</a:t>
-            </a:fld>
-            <a:endParaRPr lang="en-US"/>
-          </a:p>
-        </p:txBody>
-      </p:sp>
-      <p:sp>
-        <p:nvSpPr>
-          <p:cNvPr id="8" name="Footer Placeholder 7"/>
-          <p:cNvSpPr>
-            <a:spLocks noGrp="1"/>
-          </p:cNvSpPr>
-          <p:nvPr>
-            <p:ph type="ftr" sz="quarter" idx="11"/>
-          </p:nvPr>
-        </p:nvSpPr>
-        <p:spPr/>
-        <p:txBody>
-          <a:bodyPr/>
-          <a:lstStyle/>
-          <a:p>
-            <a:r>
-              <a:rPr lang="en-US" smtClean="0"/>
-              <a:t>Erebus Labs STEM Sensor</a:t>
-            </a:r>
-            <a:endParaRPr lang="en-US" dirty="0"/>
-          </a:p>
-        </p:txBody>
-      </p:sp>
-      <p:sp>
-        <p:nvSpPr>
-          <p:cNvPr id="9" name="Slide Number Placeholder 8"/>
-          <p:cNvSpPr>
-            <a:spLocks noGrp="1"/>
-          </p:cNvSpPr>
-          <p:nvPr>
-            <p:ph type="sldNum" sz="quarter" idx="12"/>
-          </p:nvPr>
-        </p:nvSpPr>
-        <p:spPr/>
-        <p:txBody>
-          <a:bodyPr/>
-          <a:lstStyle/>
-          <a:p>
-            <a:fld id="{41FBF465-1333-4AA3-A58E-1653FDB8C624}" type="slidenum">
-              <a:rPr lang="en-US" smtClean="0"/>
-              <a:t>12</a:t>
             </a:fld>
             <a:endParaRPr lang="en-US"/>
           </a:p>
@@ -5121,6 +5879,505 @@
 </p:sld>
 </file>
 
+<file path=ppt/slides/slide11.xml><?xml version="1.0" encoding="utf-8"?>
+<p:sld xmlns:a="http://schemas.openxmlformats.org/drawingml/2006/main" xmlns:r="http://schemas.openxmlformats.org/officeDocument/2006/relationships" xmlns:p="http://schemas.openxmlformats.org/presentationml/2006/main">
+  <p:cSld>
+    <p:spTree>
+      <p:nvGrpSpPr>
+        <p:cNvPr id="1" name=""/>
+        <p:cNvGrpSpPr/>
+        <p:nvPr/>
+      </p:nvGrpSpPr>
+      <p:grpSpPr>
+        <a:xfrm>
+          <a:off x="0" y="0"/>
+          <a:ext cx="0" cy="0"/>
+          <a:chOff x="0" y="0"/>
+          <a:chExt cx="0" cy="0"/>
+        </a:xfrm>
+      </p:grpSpPr>
+      <p:sp>
+        <p:nvSpPr>
+          <p:cNvPr id="2" name="Date Placeholder 1"/>
+          <p:cNvSpPr>
+            <a:spLocks noGrp="1"/>
+          </p:cNvSpPr>
+          <p:nvPr>
+            <p:ph type="dt" sz="half" idx="10"/>
+          </p:nvPr>
+        </p:nvSpPr>
+        <p:spPr/>
+        <p:txBody>
+          <a:bodyPr/>
+          <a:lstStyle/>
+          <a:p>
+            <a:fld id="{C29800E0-75F7-49C7-9A2B-4D6AEABEED8B}" type="datetime1">
+              <a:rPr lang="en-US" smtClean="0"/>
+              <a:t>6/5/2014</a:t>
+            </a:fld>
+            <a:endParaRPr lang="en-US"/>
+          </a:p>
+        </p:txBody>
+      </p:sp>
+      <p:sp>
+        <p:nvSpPr>
+          <p:cNvPr id="3" name="Footer Placeholder 2"/>
+          <p:cNvSpPr>
+            <a:spLocks noGrp="1"/>
+          </p:cNvSpPr>
+          <p:nvPr>
+            <p:ph type="ftr" sz="quarter" idx="11"/>
+          </p:nvPr>
+        </p:nvSpPr>
+        <p:spPr/>
+        <p:txBody>
+          <a:bodyPr/>
+          <a:lstStyle/>
+          <a:p>
+            <a:r>
+              <a:rPr lang="en-US" smtClean="0"/>
+              <a:t>Erebus Labs STEM Sensor</a:t>
+            </a:r>
+            <a:endParaRPr lang="en-US" dirty="0"/>
+          </a:p>
+        </p:txBody>
+      </p:sp>
+      <p:sp>
+        <p:nvSpPr>
+          <p:cNvPr id="4" name="Slide Number Placeholder 3"/>
+          <p:cNvSpPr>
+            <a:spLocks noGrp="1"/>
+          </p:cNvSpPr>
+          <p:nvPr>
+            <p:ph type="sldNum" sz="quarter" idx="12"/>
+          </p:nvPr>
+        </p:nvSpPr>
+        <p:spPr/>
+        <p:txBody>
+          <a:bodyPr/>
+          <a:lstStyle/>
+          <a:p>
+            <a:fld id="{41FBF465-1333-4AA3-A58E-1653FDB8C624}" type="slidenum">
+              <a:rPr lang="en-US" smtClean="0"/>
+              <a:t>11</a:t>
+            </a:fld>
+            <a:endParaRPr lang="en-US"/>
+          </a:p>
+        </p:txBody>
+      </p:sp>
+      <p:sp>
+        <p:nvSpPr>
+          <p:cNvPr id="5" name="Text Placeholder 4"/>
+          <p:cNvSpPr>
+            <a:spLocks noGrp="1"/>
+          </p:cNvSpPr>
+          <p:nvPr>
+            <p:ph type="body" sz="quarter" idx="13"/>
+          </p:nvPr>
+        </p:nvSpPr>
+        <p:spPr/>
+        <p:txBody>
+          <a:bodyPr/>
+          <a:lstStyle/>
+          <a:p>
+            <a:r>
+              <a:rPr lang="en-US" dirty="0" smtClean="0"/>
+              <a:t>Hardware</a:t>
+            </a:r>
+            <a:endParaRPr lang="en-US" dirty="0"/>
+          </a:p>
+        </p:txBody>
+      </p:sp>
+      <p:sp>
+        <p:nvSpPr>
+          <p:cNvPr id="6" name="Text Placeholder 5"/>
+          <p:cNvSpPr>
+            <a:spLocks noGrp="1"/>
+          </p:cNvSpPr>
+          <p:nvPr>
+            <p:ph type="body" sz="quarter" idx="14"/>
+          </p:nvPr>
+        </p:nvSpPr>
+        <p:spPr/>
+        <p:txBody>
+          <a:bodyPr/>
+          <a:lstStyle/>
+          <a:p>
+            <a:r>
+              <a:rPr lang="en-US" dirty="0" smtClean="0"/>
+              <a:t>Other</a:t>
+            </a:r>
+            <a:endParaRPr lang="en-US" dirty="0"/>
+          </a:p>
+        </p:txBody>
+      </p:sp>
+      <p:sp>
+        <p:nvSpPr>
+          <p:cNvPr id="7" name="Text Placeholder 6"/>
+          <p:cNvSpPr>
+            <a:spLocks noGrp="1"/>
+          </p:cNvSpPr>
+          <p:nvPr>
+            <p:ph type="body" sz="quarter" idx="15"/>
+          </p:nvPr>
+        </p:nvSpPr>
+        <p:spPr/>
+        <p:txBody>
+          <a:bodyPr/>
+          <a:lstStyle/>
+          <a:p>
+            <a:r>
+              <a:rPr lang="en-US" dirty="0" smtClean="0"/>
+              <a:t>Two Buttons (Start &amp; Stop)</a:t>
+            </a:r>
+          </a:p>
+          <a:p>
+            <a:r>
+              <a:rPr lang="en-US" dirty="0" smtClean="0"/>
+              <a:t>LED System Indicator</a:t>
+            </a:r>
+          </a:p>
+          <a:p>
+            <a:pPr lvl="1"/>
+            <a:r>
+              <a:rPr lang="en-US" dirty="0" smtClean="0"/>
+              <a:t>Start Sampling</a:t>
+            </a:r>
+          </a:p>
+          <a:p>
+            <a:pPr lvl="1"/>
+            <a:r>
+              <a:rPr lang="en-US" dirty="0" smtClean="0"/>
+              <a:t>Stop Sampling</a:t>
+            </a:r>
+          </a:p>
+          <a:p>
+            <a:r>
+              <a:rPr lang="en-US" dirty="0" smtClean="0"/>
+              <a:t>Powered with 4x AA Batteries</a:t>
+            </a:r>
+          </a:p>
+          <a:p>
+            <a:r>
+              <a:rPr lang="en-US" dirty="0" smtClean="0"/>
+              <a:t>Mixed Ground Planes (Analog/Digital)</a:t>
+            </a:r>
+          </a:p>
+          <a:p>
+            <a:endParaRPr lang="en-US" dirty="0"/>
+          </a:p>
+        </p:txBody>
+      </p:sp>
+    </p:spTree>
+    <p:extLst>
+      <p:ext uri="{BB962C8B-B14F-4D97-AF65-F5344CB8AC3E}">
+        <p14:creationId xmlns:p14="http://schemas.microsoft.com/office/powerpoint/2010/main" val="120952503"/>
+      </p:ext>
+    </p:extLst>
+  </p:cSld>
+  <p:clrMapOvr>
+    <a:masterClrMapping/>
+  </p:clrMapOvr>
+  <p:timing>
+    <p:tnLst>
+      <p:par>
+        <p:cTn id="1" dur="indefinite" restart="never" nodeType="tmRoot"/>
+      </p:par>
+    </p:tnLst>
+  </p:timing>
+</p:sld>
+</file>
+
+<file path=ppt/slides/slide12.xml><?xml version="1.0" encoding="utf-8"?>
+<p:sld xmlns:a="http://schemas.openxmlformats.org/drawingml/2006/main" xmlns:r="http://schemas.openxmlformats.org/officeDocument/2006/relationships" xmlns:p="http://schemas.openxmlformats.org/presentationml/2006/main">
+  <p:cSld>
+    <p:spTree>
+      <p:nvGrpSpPr>
+        <p:cNvPr id="1" name=""/>
+        <p:cNvGrpSpPr/>
+        <p:nvPr/>
+      </p:nvGrpSpPr>
+      <p:grpSpPr>
+        <a:xfrm>
+          <a:off x="0" y="0"/>
+          <a:ext cx="0" cy="0"/>
+          <a:chOff x="0" y="0"/>
+          <a:chExt cx="0" cy="0"/>
+        </a:xfrm>
+      </p:grpSpPr>
+      <p:sp>
+        <p:nvSpPr>
+          <p:cNvPr id="2" name="Text Placeholder 1"/>
+          <p:cNvSpPr>
+            <a:spLocks noGrp="1"/>
+          </p:cNvSpPr>
+          <p:nvPr>
+            <p:ph type="body" sz="quarter" idx="13"/>
+          </p:nvPr>
+        </p:nvSpPr>
+        <p:spPr/>
+        <p:txBody>
+          <a:bodyPr/>
+          <a:lstStyle/>
+          <a:p>
+            <a:r>
+              <a:rPr lang="en-US" dirty="0" smtClean="0"/>
+              <a:t>Hardware</a:t>
+            </a:r>
+            <a:endParaRPr lang="en-US" dirty="0"/>
+          </a:p>
+        </p:txBody>
+      </p:sp>
+      <p:sp>
+        <p:nvSpPr>
+          <p:cNvPr id="3" name="Text Placeholder 2"/>
+          <p:cNvSpPr>
+            <a:spLocks noGrp="1"/>
+          </p:cNvSpPr>
+          <p:nvPr>
+            <p:ph type="body" sz="quarter" idx="14"/>
+          </p:nvPr>
+        </p:nvSpPr>
+        <p:spPr/>
+        <p:txBody>
+          <a:bodyPr/>
+          <a:lstStyle/>
+          <a:p>
+            <a:r>
+              <a:rPr lang="en-US" dirty="0" smtClean="0"/>
+              <a:t>Cypress PSoC 3</a:t>
+            </a:r>
+            <a:endParaRPr lang="en-US" dirty="0"/>
+          </a:p>
+        </p:txBody>
+      </p:sp>
+      <p:sp>
+        <p:nvSpPr>
+          <p:cNvPr id="4" name="Text Placeholder 3"/>
+          <p:cNvSpPr>
+            <a:spLocks noGrp="1"/>
+          </p:cNvSpPr>
+          <p:nvPr>
+            <p:ph type="body" sz="quarter" idx="15"/>
+          </p:nvPr>
+        </p:nvSpPr>
+        <p:spPr>
+          <a:xfrm>
+            <a:off x="76200" y="1524000"/>
+            <a:ext cx="7848600" cy="4648200"/>
+          </a:xfrm>
+        </p:spPr>
+        <p:txBody>
+          <a:bodyPr/>
+          <a:lstStyle/>
+          <a:p>
+            <a:r>
+              <a:rPr lang="en-US" dirty="0" smtClean="0"/>
+              <a:t>Development Kit – Rapid Prototyping</a:t>
+            </a:r>
+          </a:p>
+          <a:p>
+            <a:r>
+              <a:rPr lang="en-US" dirty="0" smtClean="0"/>
+              <a:t>Flexible Architecture</a:t>
+            </a:r>
+          </a:p>
+          <a:p>
+            <a:pPr lvl="1"/>
+            <a:r>
+              <a:rPr lang="en-US" dirty="0" smtClean="0"/>
+              <a:t>Universal Digital Blocks</a:t>
+            </a:r>
+          </a:p>
+          <a:p>
+            <a:pPr lvl="1"/>
+            <a:r>
+              <a:rPr lang="en-US" dirty="0" smtClean="0"/>
+              <a:t>Programmable Interconnects</a:t>
+            </a:r>
+          </a:p>
+          <a:p>
+            <a:r>
+              <a:rPr lang="en-US" dirty="0" smtClean="0"/>
+              <a:t>One Chip Solution</a:t>
+            </a:r>
+          </a:p>
+          <a:p>
+            <a:pPr lvl="1"/>
+            <a:r>
+              <a:rPr lang="en-US" dirty="0" smtClean="0"/>
+              <a:t>Real Time Clock</a:t>
+            </a:r>
+          </a:p>
+          <a:p>
+            <a:pPr lvl="1"/>
+            <a:r>
+              <a:rPr lang="en-US" dirty="0" smtClean="0"/>
+              <a:t>USB Controller</a:t>
+            </a:r>
+          </a:p>
+          <a:p>
+            <a:pPr lvl="1"/>
+            <a:r>
+              <a:rPr lang="en-US" dirty="0" smtClean="0"/>
+              <a:t>Hardware Emulation</a:t>
+            </a:r>
+          </a:p>
+          <a:p>
+            <a:pPr lvl="1"/>
+            <a:endParaRPr lang="en-US" dirty="0" smtClean="0"/>
+          </a:p>
+        </p:txBody>
+      </p:sp>
+      <p:pic>
+        <p:nvPicPr>
+          <p:cNvPr id="5" name="Picture 4"/>
+          <p:cNvPicPr>
+            <a:picLocks noChangeAspect="1"/>
+          </p:cNvPicPr>
+          <p:nvPr/>
+        </p:nvPicPr>
+        <p:blipFill>
+          <a:blip r:embed="rId3" cstate="print">
+            <a:extLst>
+              <a:ext uri="{28A0092B-C50C-407E-A947-70E740481C1C}">
+                <a14:useLocalDpi xmlns:a14="http://schemas.microsoft.com/office/drawing/2010/main" val="0"/>
+              </a:ext>
+            </a:extLst>
+          </a:blip>
+          <a:stretch>
+            <a:fillRect/>
+          </a:stretch>
+        </p:blipFill>
+        <p:spPr>
+          <a:xfrm>
+            <a:off x="5215158" y="4142056"/>
+            <a:ext cx="2709641" cy="2032231"/>
+          </a:xfrm>
+          <a:prstGeom prst="rect">
+            <a:avLst/>
+          </a:prstGeom>
+        </p:spPr>
+      </p:pic>
+      <p:pic>
+        <p:nvPicPr>
+          <p:cNvPr id="6" name="Picture 5"/>
+          <p:cNvPicPr>
+            <a:picLocks noChangeAspect="1"/>
+          </p:cNvPicPr>
+          <p:nvPr/>
+        </p:nvPicPr>
+        <p:blipFill>
+          <a:blip r:embed="rId4" cstate="print">
+            <a:extLst>
+              <a:ext uri="{28A0092B-C50C-407E-A947-70E740481C1C}">
+                <a14:useLocalDpi xmlns:a14="http://schemas.microsoft.com/office/drawing/2010/main" val="0"/>
+              </a:ext>
+            </a:extLst>
+          </a:blip>
+          <a:stretch>
+            <a:fillRect/>
+          </a:stretch>
+        </p:blipFill>
+        <p:spPr>
+          <a:xfrm>
+            <a:off x="6172200" y="2454012"/>
+            <a:ext cx="1387088" cy="1379780"/>
+          </a:xfrm>
+          <a:prstGeom prst="rect">
+            <a:avLst/>
+          </a:prstGeom>
+        </p:spPr>
+      </p:pic>
+      <p:sp>
+        <p:nvSpPr>
+          <p:cNvPr id="7" name="Date Placeholder 6"/>
+          <p:cNvSpPr>
+            <a:spLocks noGrp="1"/>
+          </p:cNvSpPr>
+          <p:nvPr>
+            <p:ph type="dt" sz="half" idx="10"/>
+          </p:nvPr>
+        </p:nvSpPr>
+        <p:spPr/>
+        <p:txBody>
+          <a:bodyPr/>
+          <a:lstStyle/>
+          <a:p>
+            <a:fld id="{511A9959-09E7-4DFF-AD9C-13860CBC9817}" type="datetime1">
+              <a:rPr lang="en-US" smtClean="0"/>
+              <a:t>6/5/2014</a:t>
+            </a:fld>
+            <a:endParaRPr lang="en-US"/>
+          </a:p>
+        </p:txBody>
+      </p:sp>
+      <p:sp>
+        <p:nvSpPr>
+          <p:cNvPr id="8" name="Footer Placeholder 7"/>
+          <p:cNvSpPr>
+            <a:spLocks noGrp="1"/>
+          </p:cNvSpPr>
+          <p:nvPr>
+            <p:ph type="ftr" sz="quarter" idx="11"/>
+          </p:nvPr>
+        </p:nvSpPr>
+        <p:spPr/>
+        <p:txBody>
+          <a:bodyPr/>
+          <a:lstStyle/>
+          <a:p>
+            <a:r>
+              <a:rPr lang="en-US" smtClean="0"/>
+              <a:t>Erebus Labs STEM Sensor</a:t>
+            </a:r>
+            <a:endParaRPr lang="en-US" dirty="0"/>
+          </a:p>
+        </p:txBody>
+      </p:sp>
+      <p:sp>
+        <p:nvSpPr>
+          <p:cNvPr id="9" name="Slide Number Placeholder 8"/>
+          <p:cNvSpPr>
+            <a:spLocks noGrp="1"/>
+          </p:cNvSpPr>
+          <p:nvPr>
+            <p:ph type="sldNum" sz="quarter" idx="12"/>
+          </p:nvPr>
+        </p:nvSpPr>
+        <p:spPr/>
+        <p:txBody>
+          <a:bodyPr/>
+          <a:lstStyle/>
+          <a:p>
+            <a:fld id="{41FBF465-1333-4AA3-A58E-1653FDB8C624}" type="slidenum">
+              <a:rPr lang="en-US" smtClean="0"/>
+              <a:t>12</a:t>
+            </a:fld>
+            <a:endParaRPr lang="en-US"/>
+          </a:p>
+        </p:txBody>
+      </p:sp>
+    </p:spTree>
+    <p:extLst>
+      <p:ext uri="{BB962C8B-B14F-4D97-AF65-F5344CB8AC3E}">
+        <p14:creationId xmlns:p14="http://schemas.microsoft.com/office/powerpoint/2010/main" val="2523342629"/>
+      </p:ext>
+    </p:extLst>
+  </p:cSld>
+  <p:clrMapOvr>
+    <a:masterClrMapping/>
+  </p:clrMapOvr>
+  <p:timing>
+    <p:tnLst>
+      <p:par>
+        <p:cTn id="1" dur="indefinite" restart="never" nodeType="tmRoot"/>
+      </p:par>
+    </p:tnLst>
+  </p:timing>
+</p:sld>
+</file>
+
 <file path=ppt/slides/slide13.xml><?xml version="1.0" encoding="utf-8"?>
 <p:sld xmlns:a="http://schemas.openxmlformats.org/drawingml/2006/main" xmlns:r="http://schemas.openxmlformats.org/officeDocument/2006/relationships" xmlns:p="http://schemas.openxmlformats.org/presentationml/2006/main">
   <p:cSld>
@@ -5140,7 +6397,83 @@
       </p:grpSpPr>
       <p:sp>
         <p:nvSpPr>
-          <p:cNvPr id="2" name="Date Placeholder 1"/>
+          <p:cNvPr id="2" name="Text Placeholder 1"/>
+          <p:cNvSpPr>
+            <a:spLocks noGrp="1"/>
+          </p:cNvSpPr>
+          <p:nvPr>
+            <p:ph type="body" sz="quarter" idx="13"/>
+          </p:nvPr>
+        </p:nvSpPr>
+        <p:spPr/>
+        <p:txBody>
+          <a:bodyPr/>
+          <a:lstStyle/>
+          <a:p>
+            <a:r>
+              <a:rPr lang="en-US" dirty="0" smtClean="0"/>
+              <a:t>Hardware</a:t>
+            </a:r>
+            <a:endParaRPr lang="en-US" dirty="0"/>
+          </a:p>
+        </p:txBody>
+      </p:sp>
+      <p:sp>
+        <p:nvSpPr>
+          <p:cNvPr id="3" name="Text Placeholder 2"/>
+          <p:cNvSpPr>
+            <a:spLocks noGrp="1"/>
+          </p:cNvSpPr>
+          <p:nvPr>
+            <p:ph type="body" sz="quarter" idx="14"/>
+          </p:nvPr>
+        </p:nvSpPr>
+        <p:spPr/>
+        <p:txBody>
+          <a:bodyPr/>
+          <a:lstStyle/>
+          <a:p>
+            <a:r>
+              <a:rPr lang="en-US" dirty="0" smtClean="0"/>
+              <a:t>PSoC Architecture</a:t>
+            </a:r>
+            <a:endParaRPr lang="en-US" dirty="0"/>
+          </a:p>
+        </p:txBody>
+      </p:sp>
+      <p:pic>
+        <p:nvPicPr>
+          <p:cNvPr id="5" name="Picture 4"/>
+          <p:cNvPicPr>
+            <a:picLocks noChangeAspect="1"/>
+          </p:cNvPicPr>
+          <p:nvPr/>
+        </p:nvPicPr>
+        <p:blipFill>
+          <a:blip r:embed="rId2" cstate="print">
+            <a:extLst>
+              <a:ext uri="{28A0092B-C50C-407E-A947-70E740481C1C}">
+                <a14:useLocalDpi xmlns:a14="http://schemas.microsoft.com/office/drawing/2010/main" val="0"/>
+              </a:ext>
+            </a:extLst>
+          </a:blip>
+          <a:stretch>
+            <a:fillRect/>
+          </a:stretch>
+        </p:blipFill>
+        <p:spPr>
+          <a:xfrm>
+            <a:off x="555672" y="1676400"/>
+            <a:ext cx="6889656" cy="4383024"/>
+          </a:xfrm>
+          <a:prstGeom prst="rect">
+            <a:avLst/>
+          </a:prstGeom>
+        </p:spPr>
+      </p:pic>
+      <p:sp>
+        <p:nvSpPr>
+          <p:cNvPr id="6" name="Date Placeholder 5"/>
           <p:cNvSpPr>
             <a:spLocks noGrp="1"/>
           </p:cNvSpPr>
@@ -5153,7 +6486,7 @@
           <a:bodyPr/>
           <a:lstStyle/>
           <a:p>
-            <a:fld id="{C29800E0-75F7-49C7-9A2B-4D6AEABEED8B}" type="datetime1">
+            <a:fld id="{48E8C03F-E981-4D7C-B245-605A1ED2BB0C}" type="datetime1">
               <a:rPr lang="en-US" smtClean="0"/>
               <a:t>6/5/2014</a:t>
             </a:fld>
@@ -5163,7 +6496,7 @@
       </p:sp>
       <p:sp>
         <p:nvSpPr>
-          <p:cNvPr id="3" name="Footer Placeholder 2"/>
+          <p:cNvPr id="7" name="Footer Placeholder 6"/>
           <p:cNvSpPr>
             <a:spLocks noGrp="1"/>
           </p:cNvSpPr>
@@ -5186,7 +6519,7 @@
       </p:sp>
       <p:sp>
         <p:nvSpPr>
-          <p:cNvPr id="4" name="Slide Number Placeholder 3"/>
+          <p:cNvPr id="8" name="Slide Number Placeholder 7"/>
           <p:cNvSpPr>
             <a:spLocks noGrp="1"/>
           </p:cNvSpPr>
@@ -5207,113 +6540,10 @@
           </a:p>
         </p:txBody>
       </p:sp>
-      <p:sp>
-        <p:nvSpPr>
-          <p:cNvPr id="5" name="Text Placeholder 4"/>
-          <p:cNvSpPr>
-            <a:spLocks noGrp="1"/>
-          </p:cNvSpPr>
-          <p:nvPr>
-            <p:ph type="body" sz="quarter" idx="13"/>
-          </p:nvPr>
-        </p:nvSpPr>
-        <p:spPr/>
-        <p:txBody>
-          <a:bodyPr/>
-          <a:lstStyle/>
-          <a:p>
-            <a:r>
-              <a:rPr lang="en-US" dirty="0" smtClean="0"/>
-              <a:t>Hardware</a:t>
-            </a:r>
-            <a:endParaRPr lang="en-US" dirty="0"/>
-          </a:p>
-        </p:txBody>
-      </p:sp>
-      <p:sp>
-        <p:nvSpPr>
-          <p:cNvPr id="6" name="Text Placeholder 5"/>
-          <p:cNvSpPr>
-            <a:spLocks noGrp="1"/>
-          </p:cNvSpPr>
-          <p:nvPr>
-            <p:ph type="body" sz="quarter" idx="14"/>
-          </p:nvPr>
-        </p:nvSpPr>
-        <p:spPr/>
-        <p:txBody>
-          <a:bodyPr/>
-          <a:lstStyle/>
-          <a:p>
-            <a:r>
-              <a:rPr lang="en-US" dirty="0" smtClean="0"/>
-              <a:t>Other</a:t>
-            </a:r>
-            <a:endParaRPr lang="en-US" dirty="0"/>
-          </a:p>
-        </p:txBody>
-      </p:sp>
-      <p:sp>
-        <p:nvSpPr>
-          <p:cNvPr id="7" name="Text Placeholder 6"/>
-          <p:cNvSpPr>
-            <a:spLocks noGrp="1"/>
-          </p:cNvSpPr>
-          <p:nvPr>
-            <p:ph type="body" sz="quarter" idx="15"/>
-          </p:nvPr>
-        </p:nvSpPr>
-        <p:spPr/>
-        <p:txBody>
-          <a:bodyPr/>
-          <a:lstStyle/>
-          <a:p>
-            <a:r>
-              <a:rPr lang="en-US" dirty="0" smtClean="0"/>
-              <a:t>Two Buttons (Start &amp; Stop)</a:t>
-            </a:r>
-          </a:p>
-          <a:p>
-            <a:r>
-              <a:rPr lang="en-US" dirty="0" smtClean="0"/>
-              <a:t>LED System Indicator</a:t>
-            </a:r>
-          </a:p>
-          <a:p>
-            <a:pPr lvl="1"/>
-            <a:r>
-              <a:rPr lang="en-US" dirty="0" smtClean="0"/>
-              <a:t>Start Sampling</a:t>
-            </a:r>
-          </a:p>
-          <a:p>
-            <a:pPr lvl="1"/>
-            <a:r>
-              <a:rPr lang="en-US" dirty="0" smtClean="0"/>
-              <a:t>Stop Sampling</a:t>
-            </a:r>
-          </a:p>
-          <a:p>
-            <a:r>
-              <a:rPr lang="en-US" dirty="0" smtClean="0"/>
-              <a:t>Powered with 4x AA Batteries</a:t>
-            </a:r>
-          </a:p>
-          <a:p>
-            <a:r>
-              <a:rPr lang="en-US" dirty="0" smtClean="0"/>
-              <a:t>Mixed Ground Planes (Analog/Digital)</a:t>
-            </a:r>
-          </a:p>
-          <a:p>
-            <a:endParaRPr lang="en-US" dirty="0"/>
-          </a:p>
-        </p:txBody>
-      </p:sp>
     </p:spTree>
     <p:extLst>
       <p:ext uri="{BB962C8B-B14F-4D97-AF65-F5344CB8AC3E}">
-        <p14:creationId xmlns:p14="http://schemas.microsoft.com/office/powerpoint/2010/main" val="120952503"/>
+        <p14:creationId xmlns:p14="http://schemas.microsoft.com/office/powerpoint/2010/main" val="2262736659"/>
       </p:ext>
     </p:extLst>
   </p:cSld>
@@ -5537,7 +6767,12 @@
             <p:ph type="body" sz="quarter" idx="15"/>
           </p:nvPr>
         </p:nvSpPr>
-        <p:spPr/>
+        <p:spPr>
+          <a:xfrm>
+            <a:off x="76200" y="1143000"/>
+            <a:ext cx="7848600" cy="5029200"/>
+          </a:xfrm>
+        </p:spPr>
         <p:txBody>
           <a:bodyPr/>
           <a:lstStyle/>
@@ -5652,8 +6887,8 @@
         </p:blipFill>
         <p:spPr>
           <a:xfrm>
-            <a:off x="1881855" y="3439160"/>
-            <a:ext cx="4237290" cy="2530604"/>
+            <a:off x="1362986" y="2895600"/>
+            <a:ext cx="5275028" cy="3460750"/>
           </a:xfrm>
           <a:prstGeom prst="rect">
             <a:avLst/>
@@ -5875,38 +7110,101 @@
           </a:p>
         </p:txBody>
       </p:sp>
+      <p:sp>
+        <p:nvSpPr>
+          <p:cNvPr id="11" name="Rectangle 13"/>
+          <p:cNvSpPr>
+            <a:spLocks noChangeArrowheads="1"/>
+          </p:cNvSpPr>
+          <p:nvPr/>
+        </p:nvSpPr>
+        <p:spPr bwMode="auto">
+          <a:xfrm>
+            <a:off x="312737" y="1257299"/>
+            <a:ext cx="9144000" cy="0"/>
+          </a:xfrm>
+          <a:prstGeom prst="rect">
+            <a:avLst/>
+          </a:prstGeom>
+          <a:noFill/>
+          <a:ln>
+            <a:noFill/>
+          </a:ln>
+          <a:effectLst/>
+          <a:extLst>
+            <a:ext uri="{909E8E84-426E-40DD-AFC4-6F175D3DCCD1}">
+              <a14:hiddenFill xmlns:a14="http://schemas.microsoft.com/office/drawing/2010/main">
+                <a:solidFill>
+                  <a:schemeClr val="accent1"/>
+                </a:solidFill>
+              </a14:hiddenFill>
+            </a:ext>
+            <a:ext uri="{91240B29-F687-4F45-9708-019B960494DF}">
+              <a14:hiddenLine xmlns:a14="http://schemas.microsoft.com/office/drawing/2010/main" w="9525">
+                <a:solidFill>
+                  <a:schemeClr val="tx1"/>
+                </a:solidFill>
+                <a:miter lim="800000"/>
+                <a:headEnd/>
+                <a:tailEnd/>
+              </a14:hiddenLine>
+            </a:ext>
+            <a:ext uri="{AF507438-7753-43E0-B8FC-AC1667EBCBE1}">
+              <a14:hiddenEffects xmlns:a14="http://schemas.microsoft.com/office/drawing/2010/main">
+                <a:effectLst>
+                  <a:outerShdw dist="35921" dir="2700000" algn="ctr" rotWithShape="0">
+                    <a:schemeClr val="bg2"/>
+                  </a:outerShdw>
+                </a:effectLst>
+              </a14:hiddenEffects>
+            </a:ext>
+          </a:extLst>
+        </p:spPr>
+        <p:txBody>
+          <a:bodyPr vert="horz" wrap="none" lIns="91440" tIns="45720" rIns="91440" bIns="45720" numCol="1" anchor="ctr" anchorCtr="0" compatLnSpc="1">
+            <a:prstTxWarp prst="textNoShape">
+              <a:avLst/>
+            </a:prstTxWarp>
+            <a:spAutoFit/>
+          </a:bodyPr>
+          <a:lstStyle/>
+          <a:p>
+            <a:endParaRPr lang="en-US"/>
+          </a:p>
+        </p:txBody>
+      </p:sp>
       <p:graphicFrame>
         <p:nvGraphicFramePr>
-          <p:cNvPr id="9" name="Object 8"/>
+          <p:cNvPr id="12" name="Object 11"/>
           <p:cNvGraphicFramePr>
             <a:graphicFrameLocks noChangeAspect="1"/>
           </p:cNvGraphicFramePr>
           <p:nvPr>
             <p:extLst>
               <p:ext uri="{D42A27DB-BD31-4B8C-83A1-F6EECF244321}">
-                <p14:modId xmlns:p14="http://schemas.microsoft.com/office/powerpoint/2010/main" val="1461827621"/>
+                <p14:modId xmlns:p14="http://schemas.microsoft.com/office/powerpoint/2010/main" val="3477684574"/>
               </p:ext>
             </p:extLst>
           </p:nvPr>
         </p:nvGraphicFramePr>
         <p:xfrm>
-          <a:off x="1905000" y="1752600"/>
-          <a:ext cx="3649663" cy="3695700"/>
+          <a:off x="312737" y="1257299"/>
+          <a:ext cx="4556125" cy="4686300"/>
         </p:xfrm>
         <a:graphic>
           <a:graphicData uri="http://schemas.openxmlformats.org/presentationml/2006/ole">
             <mc:AlternateContent xmlns:mc="http://schemas.openxmlformats.org/markup-compatibility/2006">
               <mc:Choice xmlns:v="urn:schemas-microsoft-com:vml" Requires="v">
-                <p:oleObj spid="_x0000_s1032" r:id="rId3" imgW="3647884" imgH="3695684" progId="Visio.Drawing.15">
+                <p:oleObj spid="_x0000_s1042" r:id="rId3" imgW="6105482" imgH="6286618" progId="Visio.Drawing.15">
                   <p:embed/>
                 </p:oleObj>
               </mc:Choice>
               <mc:Fallback>
-                <p:oleObj r:id="rId3" imgW="3647884" imgH="3695684" progId="Visio.Drawing.15">
+                <p:oleObj r:id="rId3" imgW="6105482" imgH="6286618" progId="Visio.Drawing.15">
                   <p:embed/>
                   <p:pic>
                     <p:nvPicPr>
-                      <p:cNvPr id="0" name="Object 1"/>
+                      <p:cNvPr id="0" name="Object 12"/>
                       <p:cNvPicPr>
                         <a:picLocks noChangeAspect="1" noChangeArrowheads="1"/>
                       </p:cNvPicPr>
@@ -5927,22 +7225,13 @@
                     </p:blipFill>
                     <p:spPr bwMode="auto">
                       <a:xfrm>
-                        <a:off x="1905000" y="1752600"/>
-                        <a:ext cx="3649663" cy="3695700"/>
+                        <a:off x="312737" y="1257299"/>
+                        <a:ext cx="4556125" cy="4686300"/>
                       </a:xfrm>
                       <a:prstGeom prst="rect">
                         <a:avLst/>
                       </a:prstGeom>
                       <a:noFill/>
-                      <a:extLst>
-                        <a:ext uri="{909E8E84-426E-40DD-AFC4-6F175D3DCCD1}">
-                          <a14:hiddenFill xmlns:a14="http://schemas.microsoft.com/office/drawing/2010/main">
-                            <a:solidFill>
-                              <a:srgbClr val="FFFFFF"/>
-                            </a:solidFill>
-                          </a14:hiddenFill>
-                        </a:ext>
-                      </a:extLst>
                     </p:spPr>
                   </p:pic>
                 </p:oleObj>
@@ -5961,6 +7250,13 @@
   <p:clrMapOvr>
     <a:masterClrMapping/>
   </p:clrMapOvr>
+  <p:timing>
+    <p:tnLst>
+      <p:par>
+        <p:cTn id="1" dur="indefinite" restart="never" nodeType="tmRoot"/>
+      </p:par>
+    </p:tnLst>
+  </p:timing>
 </p:sld>
 </file>
 
@@ -6119,50 +7415,50 @@
           <a:p>
             <a:r>
               <a:rPr lang="en-US" dirty="0" smtClean="0"/>
-              <a:t>Max Speed 1 Sample </a:t>
-            </a:r>
+              <a:t>LED </a:t>
+            </a:r>
+            <a:r>
+              <a:rPr lang="en-US" dirty="0" smtClean="0"/>
+              <a:t>System Indicator</a:t>
+            </a:r>
+          </a:p>
+          <a:p>
+            <a:pPr lvl="1"/>
+            <a:r>
+              <a:rPr lang="en-US" dirty="0" smtClean="0"/>
+              <a:t>Sample</a:t>
+            </a:r>
+            <a:endParaRPr lang="en-US" dirty="0" smtClean="0"/>
+          </a:p>
+          <a:p>
+            <a:pPr lvl="1"/>
+            <a:r>
+              <a:rPr lang="en-US" dirty="0" smtClean="0"/>
+              <a:t>Error</a:t>
+            </a:r>
+            <a:endParaRPr lang="en-US" dirty="0" smtClean="0"/>
+          </a:p>
+          <a:p>
+            <a:pPr lvl="1"/>
+            <a:r>
+              <a:rPr lang="en-US" dirty="0" smtClean="0"/>
+              <a:t>USB </a:t>
+            </a:r>
+            <a:r>
+              <a:rPr lang="en-US" dirty="0" smtClean="0"/>
+              <a:t>Connected</a:t>
+            </a:r>
+          </a:p>
+          <a:p>
             <a:r>
               <a:rPr lang="en-US" dirty="0"/>
-              <a:t>P</a:t>
-            </a:r>
-            <a:r>
-              <a:rPr lang="en-US" dirty="0" smtClean="0"/>
-              <a:t>er Second</a:t>
-            </a:r>
-          </a:p>
-          <a:p>
-            <a:r>
-              <a:rPr lang="en-US" dirty="0" smtClean="0"/>
-              <a:t>LED System Indicator</a:t>
-            </a:r>
-          </a:p>
-          <a:p>
-            <a:pPr lvl="1"/>
-            <a:r>
-              <a:rPr lang="en-US" dirty="0" smtClean="0"/>
-              <a:t>Sample Get</a:t>
-            </a:r>
-          </a:p>
-          <a:p>
-            <a:pPr lvl="1"/>
-            <a:r>
-              <a:rPr lang="en-US" dirty="0" smtClean="0"/>
-              <a:t>Errors</a:t>
-            </a:r>
-          </a:p>
-          <a:p>
-            <a:pPr lvl="1"/>
-            <a:r>
-              <a:rPr lang="en-US" dirty="0" smtClean="0"/>
-              <a:t>USB Connected</a:t>
-            </a:r>
-          </a:p>
-          <a:p>
-            <a:pPr lvl="1"/>
-            <a:r>
-              <a:rPr lang="en-US" dirty="0" smtClean="0"/>
-              <a:t>Low Battery</a:t>
-            </a:r>
+              <a:t>Max Speed 1 Sample Per Second</a:t>
+            </a:r>
+          </a:p>
+          <a:p>
+            <a:pPr marL="0" indent="0">
+              <a:buNone/>
+            </a:pPr>
             <a:endParaRPr lang="en-US" dirty="0"/>
           </a:p>
         </p:txBody>
@@ -6528,9 +7824,48 @@
           <a:p>
             <a:r>
               <a:rPr lang="en-US" dirty="0" smtClean="0"/>
-              <a:t>Software/Hardware Interaction</a:t>
-            </a:r>
-            <a:endParaRPr lang="en-US" dirty="0"/>
+              <a:t>GUI</a:t>
+            </a:r>
+            <a:endParaRPr lang="en-US" dirty="0"/>
+          </a:p>
+        </p:txBody>
+      </p:sp>
+      <p:sp>
+        <p:nvSpPr>
+          <p:cNvPr id="7" name="Text Placeholder 6"/>
+          <p:cNvSpPr>
+            <a:spLocks noGrp="1"/>
+          </p:cNvSpPr>
+          <p:nvPr>
+            <p:ph type="body" sz="quarter" idx="15"/>
+          </p:nvPr>
+        </p:nvSpPr>
+        <p:spPr/>
+        <p:txBody>
+          <a:bodyPr/>
+          <a:lstStyle/>
+          <a:p>
+            <a:r>
+              <a:rPr lang="en-US" dirty="0" smtClean="0"/>
+              <a:t>Simple &amp; Minimalistic</a:t>
+            </a:r>
+          </a:p>
+          <a:p>
+            <a:r>
+              <a:rPr lang="en-US" dirty="0" smtClean="0"/>
+              <a:t>Sample Settings</a:t>
+            </a:r>
+            <a:endParaRPr lang="en-US" dirty="0" smtClean="0"/>
+          </a:p>
+          <a:p>
+            <a:r>
+              <a:rPr lang="en-US" dirty="0" smtClean="0"/>
+              <a:t>Reference and </a:t>
+            </a:r>
+            <a:r>
+              <a:rPr lang="en-US" dirty="0" smtClean="0"/>
+              <a:t>Documentation</a:t>
+            </a:r>
           </a:p>
         </p:txBody>
       </p:sp>
@@ -6543,15 +7878,21 @@
           <p:nvPr/>
         </p:nvPicPr>
         <p:blipFill>
-          <a:blip r:embed="rId2"/>
+          <a:blip r:embed="rId2">
+            <a:extLst>
+              <a:ext uri="{28A0092B-C50C-407E-A947-70E740481C1C}">
+                <a14:useLocalDpi xmlns:a14="http://schemas.microsoft.com/office/drawing/2010/main" val="0"/>
+              </a:ext>
+            </a:extLst>
+          </a:blip>
           <a:stretch>
             <a:fillRect/>
           </a:stretch>
         </p:blipFill>
         <p:spPr>
           <a:xfrm>
-            <a:off x="914400" y="2209800"/>
-            <a:ext cx="6352136" cy="2790420"/>
+            <a:off x="1543236" y="3399902"/>
+            <a:ext cx="4914528" cy="2772298"/>
           </a:xfrm>
           <a:prstGeom prst="rect">
             <a:avLst/>
@@ -6561,13 +7902,20 @@
     </p:spTree>
     <p:extLst>
       <p:ext uri="{BB962C8B-B14F-4D97-AF65-F5344CB8AC3E}">
-        <p14:creationId xmlns:p14="http://schemas.microsoft.com/office/powerpoint/2010/main" val="3400866782"/>
+        <p14:creationId xmlns:p14="http://schemas.microsoft.com/office/powerpoint/2010/main" val="1824787352"/>
       </p:ext>
     </p:extLst>
   </p:cSld>
   <p:clrMapOvr>
     <a:masterClrMapping/>
   </p:clrMapOvr>
+  <p:timing>
+    <p:tnLst>
+      <p:par>
+        <p:cTn id="1" dur="indefinite" restart="never" nodeType="tmRoot"/>
+      </p:par>
+    </p:tnLst>
+  </p:timing>
 </p:sld>
 </file>
 
@@ -6922,7 +8270,7 @@
           <a:p>
             <a:r>
               <a:rPr lang="en-US" dirty="0" smtClean="0"/>
-              <a:t>GUI</a:t>
+              <a:t>Software/Hardware Interaction</a:t>
             </a:r>
             <a:endParaRPr lang="en-US" dirty="0"/>
           </a:p>
@@ -6937,21 +8285,15 @@
           <p:nvPr/>
         </p:nvPicPr>
         <p:blipFill>
-          <a:blip r:embed="rId2">
-            <a:extLst>
-              <a:ext uri="{28A0092B-C50C-407E-A947-70E740481C1C}">
-                <a14:useLocalDpi xmlns:a14="http://schemas.microsoft.com/office/drawing/2010/main" val="0"/>
-              </a:ext>
-            </a:extLst>
-          </a:blip>
+          <a:blip r:embed="rId3"/>
           <a:stretch>
             <a:fillRect/>
           </a:stretch>
         </p:blipFill>
         <p:spPr>
           <a:xfrm>
-            <a:off x="1029071" y="1752809"/>
-            <a:ext cx="5942857" cy="3352381"/>
+            <a:off x="304800" y="1752600"/>
+            <a:ext cx="7392910" cy="3247620"/>
           </a:xfrm>
           <a:prstGeom prst="rect">
             <a:avLst/>
@@ -6961,7 +8303,7 @@
     </p:spTree>
     <p:extLst>
       <p:ext uri="{BB962C8B-B14F-4D97-AF65-F5344CB8AC3E}">
-        <p14:creationId xmlns:p14="http://schemas.microsoft.com/office/powerpoint/2010/main" val="1149604359"/>
+        <p14:creationId xmlns:p14="http://schemas.microsoft.com/office/powerpoint/2010/main" val="3400866782"/>
       </p:ext>
     </p:extLst>
   </p:cSld>
@@ -6997,30 +8339,35 @@
       </p:grpSpPr>
       <p:sp>
         <p:nvSpPr>
-          <p:cNvPr id="2" name="Text Placeholder 1"/>
-          <p:cNvSpPr>
-            <a:spLocks noGrp="1"/>
-          </p:cNvSpPr>
-          <p:nvPr>
-            <p:ph type="body" sz="quarter" idx="13"/>
-          </p:nvPr>
-        </p:nvSpPr>
-        <p:spPr/>
-        <p:txBody>
-          <a:bodyPr/>
-          <a:lstStyle/>
-          <a:p>
-            <a:r>
-              <a:rPr lang="en-US" dirty="0" smtClean="0"/>
-              <a:t>Software</a:t>
-            </a:r>
-            <a:endParaRPr lang="en-US" dirty="0"/>
-          </a:p>
-        </p:txBody>
-      </p:sp>
-      <p:sp>
-        <p:nvSpPr>
-          <p:cNvPr id="3" name="Date Placeholder 2"/>
+          <p:cNvPr id="2" name="Title 1"/>
+          <p:cNvSpPr>
+            <a:spLocks noGrp="1"/>
+          </p:cNvSpPr>
+          <p:nvPr>
+            <p:ph type="title"/>
+          </p:nvPr>
+        </p:nvSpPr>
+        <p:spPr>
+          <a:xfrm>
+            <a:off x="472966" y="2743200"/>
+            <a:ext cx="8166537" cy="1111469"/>
+          </a:xfrm>
+        </p:spPr>
+        <p:txBody>
+          <a:bodyPr/>
+          <a:lstStyle/>
+          <a:p>
+            <a:r>
+              <a:rPr lang="en-US" b="1" dirty="0" smtClean="0"/>
+              <a:t>Documentation</a:t>
+            </a:r>
+            <a:endParaRPr lang="en-US" b="1" dirty="0"/>
+          </a:p>
+        </p:txBody>
+      </p:sp>
+      <p:sp>
+        <p:nvSpPr>
+          <p:cNvPr id="4" name="Date Placeholder 3"/>
           <p:cNvSpPr>
             <a:spLocks noGrp="1"/>
           </p:cNvSpPr>
@@ -7033,7 +8380,7 @@
           <a:bodyPr/>
           <a:lstStyle/>
           <a:p>
-            <a:fld id="{B7ADC19B-5FB9-4704-99F7-B6E940347A84}" type="datetime1">
+            <a:fld id="{3D5BC15F-23A8-447B-98F2-73382115937F}" type="datetime1">
               <a:rPr lang="en-US" smtClean="0"/>
               <a:t>6/5/2014</a:t>
             </a:fld>
@@ -7043,7 +8390,7 @@
       </p:sp>
       <p:sp>
         <p:nvSpPr>
-          <p:cNvPr id="4" name="Footer Placeholder 3"/>
+          <p:cNvPr id="5" name="Footer Placeholder 4"/>
           <p:cNvSpPr>
             <a:spLocks noGrp="1"/>
           </p:cNvSpPr>
@@ -7060,13 +8407,13 @@
               <a:rPr lang="en-US" smtClean="0"/>
               <a:t>Erebus Labs STEM Sensor</a:t>
             </a:r>
-            <a:endParaRPr lang="en-US" dirty="0"/>
-          </a:p>
-        </p:txBody>
-      </p:sp>
-      <p:sp>
-        <p:nvSpPr>
-          <p:cNvPr id="5" name="Slide Number Placeholder 4"/>
+            <a:endParaRPr lang="en-US"/>
+          </a:p>
+        </p:txBody>
+      </p:sp>
+      <p:sp>
+        <p:nvSpPr>
+          <p:cNvPr id="6" name="Slide Number Placeholder 5"/>
           <p:cNvSpPr>
             <a:spLocks noGrp="1"/>
           </p:cNvSpPr>
@@ -7087,98 +8434,10 @@
           </a:p>
         </p:txBody>
       </p:sp>
-      <p:sp>
-        <p:nvSpPr>
-          <p:cNvPr id="6" name="Text Placeholder 5"/>
-          <p:cNvSpPr>
-            <a:spLocks noGrp="1"/>
-          </p:cNvSpPr>
-          <p:nvPr>
-            <p:ph type="body" sz="quarter" idx="14"/>
-          </p:nvPr>
-        </p:nvSpPr>
-        <p:spPr/>
-        <p:txBody>
-          <a:bodyPr/>
-          <a:lstStyle/>
-          <a:p>
-            <a:r>
-              <a:rPr lang="en-US" dirty="0" smtClean="0"/>
-              <a:t>GUI</a:t>
-            </a:r>
-            <a:endParaRPr lang="en-US" dirty="0"/>
-          </a:p>
-        </p:txBody>
-      </p:sp>
-      <p:sp>
-        <p:nvSpPr>
-          <p:cNvPr id="7" name="Text Placeholder 6"/>
-          <p:cNvSpPr>
-            <a:spLocks noGrp="1"/>
-          </p:cNvSpPr>
-          <p:nvPr>
-            <p:ph type="body" sz="quarter" idx="15"/>
-          </p:nvPr>
-        </p:nvSpPr>
-        <p:spPr/>
-        <p:txBody>
-          <a:bodyPr/>
-          <a:lstStyle/>
-          <a:p>
-            <a:r>
-              <a:rPr lang="en-US" dirty="0" smtClean="0"/>
-              <a:t>Simple &amp; Minimalistic</a:t>
-            </a:r>
-          </a:p>
-          <a:p>
-            <a:r>
-              <a:rPr lang="en-US" dirty="0" smtClean="0"/>
-              <a:t>Sensor Selection</a:t>
-            </a:r>
-          </a:p>
-          <a:p>
-            <a:r>
-              <a:rPr lang="en-US" dirty="0" smtClean="0"/>
-              <a:t>Sample Rate</a:t>
-            </a:r>
-          </a:p>
-          <a:p>
-            <a:r>
-              <a:rPr lang="en-US" dirty="0" smtClean="0"/>
-              <a:t>Reference and Documentation</a:t>
-            </a:r>
-          </a:p>
-          <a:p>
-            <a:r>
-              <a:rPr lang="en-US" dirty="0" smtClean="0"/>
-              <a:t>Auto-Clear Data on </a:t>
-            </a:r>
-            <a:r>
-              <a:rPr lang="en-US" u="sng" dirty="0" smtClean="0"/>
-              <a:t>Successful</a:t>
-            </a:r>
-            <a:r>
-              <a:rPr lang="en-US" dirty="0"/>
-              <a:t> </a:t>
-            </a:r>
-            <a:r>
-              <a:rPr lang="en-US" dirty="0" smtClean="0"/>
-              <a:t>Dump</a:t>
-            </a:r>
-          </a:p>
-          <a:p>
-            <a:r>
-              <a:rPr lang="en-US" dirty="0" smtClean="0"/>
-              <a:t>Written in Python</a:t>
-            </a:r>
-            <a:endParaRPr lang="en-US" dirty="0"/>
-          </a:p>
-        </p:txBody>
-      </p:sp>
     </p:spTree>
     <p:extLst>
       <p:ext uri="{BB962C8B-B14F-4D97-AF65-F5344CB8AC3E}">
-        <p14:creationId xmlns:p14="http://schemas.microsoft.com/office/powerpoint/2010/main" val="1824787352"/>
+        <p14:creationId xmlns:p14="http://schemas.microsoft.com/office/powerpoint/2010/main" val="3266992304"/>
       </p:ext>
     </p:extLst>
   </p:cSld>
@@ -7214,20 +8473,15 @@
       </p:grpSpPr>
       <p:sp>
         <p:nvSpPr>
-          <p:cNvPr id="2" name="Title 1"/>
-          <p:cNvSpPr>
-            <a:spLocks noGrp="1"/>
-          </p:cNvSpPr>
-          <p:nvPr>
-            <p:ph type="title"/>
-          </p:nvPr>
-        </p:nvSpPr>
-        <p:spPr>
-          <a:xfrm>
-            <a:off x="472966" y="2743200"/>
-            <a:ext cx="8166537" cy="1111469"/>
-          </a:xfrm>
-        </p:spPr>
+          <p:cNvPr id="2" name="Text Placeholder 1"/>
+          <p:cNvSpPr>
+            <a:spLocks noGrp="1"/>
+          </p:cNvSpPr>
+          <p:nvPr>
+            <p:ph type="body" sz="quarter" idx="13"/>
+          </p:nvPr>
+        </p:nvSpPr>
+        <p:spPr/>
         <p:txBody>
           <a:bodyPr/>
           <a:lstStyle/>
@@ -7242,7 +8496,7 @@
       </p:sp>
       <p:sp>
         <p:nvSpPr>
-          <p:cNvPr id="4" name="Date Placeholder 3"/>
+          <p:cNvPr id="3" name="Date Placeholder 2"/>
           <p:cNvSpPr>
             <a:spLocks noGrp="1"/>
           </p:cNvSpPr>
@@ -7255,7 +8509,7 @@
           <a:bodyPr/>
           <a:lstStyle/>
           <a:p>
-            <a:fld id="{3D5BC15F-23A8-447B-98F2-73382115937F}" type="datetime1">
+            <a:fld id="{B7ADC19B-5FB9-4704-99F7-B6E940347A84}" type="datetime1">
               <a:rPr lang="en-US" smtClean="0"/>
               <a:t>6/5/2014</a:t>
             </a:fld>
@@ -7265,7 +8519,7 @@
       </p:sp>
       <p:sp>
         <p:nvSpPr>
-          <p:cNvPr id="5" name="Footer Placeholder 4"/>
+          <p:cNvPr id="4" name="Footer Placeholder 3"/>
           <p:cNvSpPr>
             <a:spLocks noGrp="1"/>
           </p:cNvSpPr>
@@ -7282,13 +8536,13 @@
               <a:rPr lang="en-US" smtClean="0"/>
               <a:t>Erebus Labs STEM Sensor</a:t>
             </a:r>
-            <a:endParaRPr lang="en-US"/>
-          </a:p>
-        </p:txBody>
-      </p:sp>
-      <p:sp>
-        <p:nvSpPr>
-          <p:cNvPr id="6" name="Slide Number Placeholder 5"/>
+            <a:endParaRPr lang="en-US" dirty="0"/>
+          </a:p>
+        </p:txBody>
+      </p:sp>
+      <p:sp>
+        <p:nvSpPr>
+          <p:cNvPr id="5" name="Slide Number Placeholder 4"/>
           <p:cNvSpPr>
             <a:spLocks noGrp="1"/>
           </p:cNvSpPr>
@@ -7309,16 +8563,99 @@
           </a:p>
         </p:txBody>
       </p:sp>
+      <p:sp>
+        <p:nvSpPr>
+          <p:cNvPr id="6" name="Text Placeholder 5"/>
+          <p:cNvSpPr>
+            <a:spLocks noGrp="1"/>
+          </p:cNvSpPr>
+          <p:nvPr>
+            <p:ph type="body" sz="quarter" idx="14"/>
+          </p:nvPr>
+        </p:nvSpPr>
+        <p:spPr/>
+        <p:txBody>
+          <a:bodyPr/>
+          <a:lstStyle/>
+          <a:p>
+            <a:r>
+              <a:rPr lang="en-US" dirty="0" smtClean="0"/>
+              <a:t>User Documents</a:t>
+            </a:r>
+            <a:endParaRPr lang="en-US" dirty="0"/>
+          </a:p>
+        </p:txBody>
+      </p:sp>
+      <p:sp>
+        <p:nvSpPr>
+          <p:cNvPr id="7" name="Text Placeholder 6"/>
+          <p:cNvSpPr>
+            <a:spLocks noGrp="1"/>
+          </p:cNvSpPr>
+          <p:nvPr>
+            <p:ph type="body" sz="quarter" idx="15"/>
+          </p:nvPr>
+        </p:nvSpPr>
+        <p:spPr/>
+        <p:txBody>
+          <a:bodyPr/>
+          <a:lstStyle/>
+          <a:p>
+            <a:r>
+              <a:rPr lang="en-US" dirty="0" smtClean="0"/>
+              <a:t>Technical Reference Manual</a:t>
+            </a:r>
+          </a:p>
+          <a:p>
+            <a:r>
+              <a:rPr lang="en-US" dirty="0"/>
+              <a:t>System Architecture</a:t>
+            </a:r>
+          </a:p>
+          <a:p>
+            <a:r>
+              <a:rPr lang="en-US" dirty="0" smtClean="0"/>
+              <a:t>User </a:t>
+            </a:r>
+            <a:r>
+              <a:rPr lang="en-US" dirty="0" smtClean="0"/>
+              <a:t>Manual</a:t>
+            </a:r>
+          </a:p>
+          <a:p>
+            <a:r>
+              <a:rPr lang="en-US" dirty="0" smtClean="0"/>
+              <a:t>Fundamentals </a:t>
+            </a:r>
+            <a:r>
+              <a:rPr lang="en-US" dirty="0" smtClean="0"/>
+              <a:t>of </a:t>
+            </a:r>
+            <a:r>
+              <a:rPr lang="en-US" dirty="0" smtClean="0"/>
+              <a:t>Electronics</a:t>
+            </a:r>
+            <a:endParaRPr lang="en-US" dirty="0"/>
+          </a:p>
+        </p:txBody>
+      </p:sp>
     </p:spTree>
     <p:extLst>
       <p:ext uri="{BB962C8B-B14F-4D97-AF65-F5344CB8AC3E}">
-        <p14:creationId xmlns:p14="http://schemas.microsoft.com/office/powerpoint/2010/main" val="3266992304"/>
+        <p14:creationId xmlns:p14="http://schemas.microsoft.com/office/powerpoint/2010/main" val="1896363276"/>
       </p:ext>
     </p:extLst>
   </p:cSld>
   <p:clrMapOvr>
     <a:masterClrMapping/>
   </p:clrMapOvr>
+  <p:timing>
+    <p:tnLst>
+      <p:par>
+        <p:cTn id="1" dur="indefinite" restart="never" nodeType="tmRoot"/>
+      </p:par>
+    </p:tnLst>
+  </p:timing>
 </p:sld>
 </file>
 
@@ -7448,7 +8785,7 @@
           <a:p>
             <a:r>
               <a:rPr lang="en-US" dirty="0" smtClean="0"/>
-              <a:t>User Documents</a:t>
+              <a:t>Project Documents</a:t>
             </a:r>
             <a:endParaRPr lang="en-US" dirty="0"/>
           </a:p>
@@ -7470,23 +8807,39 @@
           <a:lstStyle/>
           <a:p>
             <a:r>
-              <a:rPr lang="en-US" dirty="0" smtClean="0"/>
-              <a:t>User Manual</a:t>
-            </a:r>
-          </a:p>
-          <a:p>
-            <a:r>
-              <a:rPr lang="en-US" dirty="0" smtClean="0"/>
-              <a:t>Design Specification</a:t>
-            </a:r>
-          </a:p>
-          <a:p>
-            <a:r>
-              <a:rPr lang="en-US" dirty="0" smtClean="0"/>
-              <a:t>Fundamentals of Electronics</a:t>
-            </a:r>
-          </a:p>
-          <a:p>
+              <a:rPr lang="en-US" dirty="0"/>
+              <a:t>Design </a:t>
+            </a:r>
+            <a:r>
+              <a:rPr lang="en-US" dirty="0" smtClean="0"/>
+              <a:t>Specification</a:t>
+            </a:r>
+            <a:endParaRPr lang="en-US" dirty="0" smtClean="0"/>
+          </a:p>
+          <a:p>
+            <a:r>
+              <a:rPr lang="en-US" dirty="0" smtClean="0"/>
+              <a:t>Budget</a:t>
+            </a:r>
+            <a:endParaRPr lang="en-US" dirty="0" smtClean="0"/>
+          </a:p>
+          <a:p>
+            <a:r>
+              <a:rPr lang="en-US" dirty="0" smtClean="0"/>
+              <a:t>Timeline</a:t>
+            </a:r>
+          </a:p>
+          <a:p>
+            <a:r>
+              <a:rPr lang="en-US" dirty="0" smtClean="0"/>
+              <a:t>Requirements</a:t>
+            </a:r>
+          </a:p>
+          <a:p>
+            <a:r>
+              <a:rPr lang="en-US" dirty="0" smtClean="0"/>
+              <a:t>Test Plan</a:t>
+            </a:r>
             <a:endParaRPr lang="en-US" dirty="0"/>
           </a:p>
         </p:txBody>
@@ -7494,13 +8847,20 @@
     </p:spTree>
     <p:extLst>
       <p:ext uri="{BB962C8B-B14F-4D97-AF65-F5344CB8AC3E}">
-        <p14:creationId xmlns:p14="http://schemas.microsoft.com/office/powerpoint/2010/main" val="1896363276"/>
+        <p14:creationId xmlns:p14="http://schemas.microsoft.com/office/powerpoint/2010/main" val="3930635044"/>
       </p:ext>
     </p:extLst>
   </p:cSld>
   <p:clrMapOvr>
     <a:masterClrMapping/>
   </p:clrMapOvr>
+  <p:timing>
+    <p:tnLst>
+      <p:par>
+        <p:cTn id="1" dur="indefinite" restart="never" nodeType="tmRoot"/>
+      </p:par>
+    </p:tnLst>
+  </p:timing>
 </p:sld>
 </file>
 
@@ -7523,30 +8883,44 @@
       </p:grpSpPr>
       <p:sp>
         <p:nvSpPr>
-          <p:cNvPr id="2" name="Text Placeholder 1"/>
-          <p:cNvSpPr>
-            <a:spLocks noGrp="1"/>
-          </p:cNvSpPr>
-          <p:nvPr>
-            <p:ph type="body" sz="quarter" idx="13"/>
-          </p:nvPr>
-        </p:nvSpPr>
-        <p:spPr/>
-        <p:txBody>
-          <a:bodyPr/>
-          <a:lstStyle/>
-          <a:p>
-            <a:r>
-              <a:rPr lang="en-US" dirty="0" smtClean="0"/>
-              <a:t>Documentation</a:t>
-            </a:r>
-            <a:endParaRPr lang="en-US" dirty="0"/>
-          </a:p>
-        </p:txBody>
-      </p:sp>
-      <p:sp>
-        <p:nvSpPr>
-          <p:cNvPr id="3" name="Date Placeholder 2"/>
+          <p:cNvPr id="2" name="Title 1"/>
+          <p:cNvSpPr>
+            <a:spLocks noGrp="1"/>
+          </p:cNvSpPr>
+          <p:nvPr>
+            <p:ph type="title"/>
+          </p:nvPr>
+        </p:nvSpPr>
+        <p:spPr>
+          <a:xfrm>
+            <a:off x="472966" y="2667000"/>
+            <a:ext cx="8166537" cy="1111469"/>
+          </a:xfrm>
+        </p:spPr>
+        <p:txBody>
+          <a:bodyPr>
+            <a:normAutofit fontScale="90000"/>
+          </a:bodyPr>
+          <a:lstStyle/>
+          <a:p>
+            <a:r>
+              <a:rPr lang="en-US" b="1" dirty="0" smtClean="0"/>
+              <a:t>Lessons Learned</a:t>
+            </a:r>
+            <a:br>
+              <a:rPr lang="en-US" b="1" dirty="0" smtClean="0"/>
+            </a:br>
+            <a:r>
+              <a:rPr lang="en-US" b="1" dirty="0" smtClean="0"/>
+              <a:t>(Thoughts for Rev. 2)</a:t>
+            </a:r>
+            <a:endParaRPr lang="en-US" b="1" dirty="0"/>
+          </a:p>
+        </p:txBody>
+      </p:sp>
+      <p:sp>
+        <p:nvSpPr>
+          <p:cNvPr id="4" name="Date Placeholder 3"/>
           <p:cNvSpPr>
             <a:spLocks noGrp="1"/>
           </p:cNvSpPr>
@@ -7559,7 +8933,7 @@
           <a:bodyPr/>
           <a:lstStyle/>
           <a:p>
-            <a:fld id="{B7ADC19B-5FB9-4704-99F7-B6E940347A84}" type="datetime1">
+            <a:fld id="{B7016397-4199-4A8C-831C-12C1185F1413}" type="datetime1">
               <a:rPr lang="en-US" smtClean="0"/>
               <a:t>6/5/2014</a:t>
             </a:fld>
@@ -7569,7 +8943,7 @@
       </p:sp>
       <p:sp>
         <p:nvSpPr>
-          <p:cNvPr id="4" name="Footer Placeholder 3"/>
+          <p:cNvPr id="5" name="Footer Placeholder 4"/>
           <p:cNvSpPr>
             <a:spLocks noGrp="1"/>
           </p:cNvSpPr>
@@ -7592,7 +8966,7 @@
       </p:sp>
       <p:sp>
         <p:nvSpPr>
-          <p:cNvPr id="5" name="Slide Number Placeholder 4"/>
+          <p:cNvPr id="6" name="Slide Number Placeholder 5"/>
           <p:cNvSpPr>
             <a:spLocks noGrp="1"/>
           </p:cNvSpPr>
@@ -7607,86 +8981,30 @@
           <a:p>
             <a:fld id="{41FBF465-1333-4AA3-A58E-1653FDB8C624}" type="slidenum">
               <a:rPr lang="en-US" smtClean="0"/>
+              <a:pPr/>
               <a:t>24</a:t>
             </a:fld>
             <a:endParaRPr lang="en-US"/>
           </a:p>
         </p:txBody>
       </p:sp>
-      <p:sp>
-        <p:nvSpPr>
-          <p:cNvPr id="6" name="Text Placeholder 5"/>
-          <p:cNvSpPr>
-            <a:spLocks noGrp="1"/>
-          </p:cNvSpPr>
-          <p:nvPr>
-            <p:ph type="body" sz="quarter" idx="14"/>
-          </p:nvPr>
-        </p:nvSpPr>
-        <p:spPr/>
-        <p:txBody>
-          <a:bodyPr/>
-          <a:lstStyle/>
-          <a:p>
-            <a:r>
-              <a:rPr lang="en-US" dirty="0" smtClean="0"/>
-              <a:t>Project Documents</a:t>
-            </a:r>
-            <a:endParaRPr lang="en-US" dirty="0"/>
-          </a:p>
-        </p:txBody>
-      </p:sp>
-      <p:sp>
-        <p:nvSpPr>
-          <p:cNvPr id="7" name="Text Placeholder 6"/>
-          <p:cNvSpPr>
-            <a:spLocks noGrp="1"/>
-          </p:cNvSpPr>
-          <p:nvPr>
-            <p:ph type="body" sz="quarter" idx="15"/>
-          </p:nvPr>
-        </p:nvSpPr>
-        <p:spPr/>
-        <p:txBody>
-          <a:bodyPr/>
-          <a:lstStyle/>
-          <a:p>
-            <a:r>
-              <a:rPr lang="en-US" dirty="0" smtClean="0"/>
-              <a:t>Budget</a:t>
-            </a:r>
-          </a:p>
-          <a:p>
-            <a:r>
-              <a:rPr lang="en-US" dirty="0" smtClean="0"/>
-              <a:t>Timeline</a:t>
-            </a:r>
-          </a:p>
-          <a:p>
-            <a:r>
-              <a:rPr lang="en-US" dirty="0" smtClean="0"/>
-              <a:t>Requirements</a:t>
-            </a:r>
-          </a:p>
-          <a:p>
-            <a:r>
-              <a:rPr lang="en-US" dirty="0" smtClean="0"/>
-              <a:t>Test Plan</a:t>
-            </a:r>
-            <a:endParaRPr lang="en-US" dirty="0"/>
-          </a:p>
-        </p:txBody>
-      </p:sp>
     </p:spTree>
     <p:extLst>
       <p:ext uri="{BB962C8B-B14F-4D97-AF65-F5344CB8AC3E}">
-        <p14:creationId xmlns:p14="http://schemas.microsoft.com/office/powerpoint/2010/main" val="3930635044"/>
+        <p14:creationId xmlns:p14="http://schemas.microsoft.com/office/powerpoint/2010/main" val="429829556"/>
       </p:ext>
     </p:extLst>
   </p:cSld>
   <p:clrMapOvr>
     <a:masterClrMapping/>
   </p:clrMapOvr>
+  <p:timing>
+    <p:tnLst>
+      <p:par>
+        <p:cTn id="1" dur="indefinite" restart="never" nodeType="tmRoot"/>
+      </p:par>
+    </p:tnLst>
+  </p:timing>
 </p:sld>
 </file>
 
@@ -7709,44 +9027,7 @@
       </p:grpSpPr>
       <p:sp>
         <p:nvSpPr>
-          <p:cNvPr id="2" name="Title 1"/>
-          <p:cNvSpPr>
-            <a:spLocks noGrp="1"/>
-          </p:cNvSpPr>
-          <p:nvPr>
-            <p:ph type="title"/>
-          </p:nvPr>
-        </p:nvSpPr>
-        <p:spPr>
-          <a:xfrm>
-            <a:off x="472966" y="2667000"/>
-            <a:ext cx="8166537" cy="1111469"/>
-          </a:xfrm>
-        </p:spPr>
-        <p:txBody>
-          <a:bodyPr>
-            <a:normAutofit fontScale="90000"/>
-          </a:bodyPr>
-          <a:lstStyle/>
-          <a:p>
-            <a:r>
-              <a:rPr lang="en-US" b="1" dirty="0" smtClean="0"/>
-              <a:t>Lessons Learned</a:t>
-            </a:r>
-            <a:br>
-              <a:rPr lang="en-US" b="1" dirty="0" smtClean="0"/>
-            </a:br>
-            <a:r>
-              <a:rPr lang="en-US" b="1" dirty="0" smtClean="0"/>
-              <a:t>(Thoughts for Rev. 2)</a:t>
-            </a:r>
-            <a:endParaRPr lang="en-US" b="1" dirty="0"/>
-          </a:p>
-        </p:txBody>
-      </p:sp>
-      <p:sp>
-        <p:nvSpPr>
-          <p:cNvPr id="4" name="Date Placeholder 3"/>
+          <p:cNvPr id="2" name="Date Placeholder 1"/>
           <p:cNvSpPr>
             <a:spLocks noGrp="1"/>
           </p:cNvSpPr>
@@ -7759,7 +9040,7 @@
           <a:bodyPr/>
           <a:lstStyle/>
           <a:p>
-            <a:fld id="{B7016397-4199-4A8C-831C-12C1185F1413}" type="datetime1">
+            <a:fld id="{C29800E0-75F7-49C7-9A2B-4D6AEABEED8B}" type="datetime1">
               <a:rPr lang="en-US" smtClean="0"/>
               <a:t>6/5/2014</a:t>
             </a:fld>
@@ -7769,7 +9050,7 @@
       </p:sp>
       <p:sp>
         <p:nvSpPr>
-          <p:cNvPr id="5" name="Footer Placeholder 4"/>
+          <p:cNvPr id="3" name="Footer Placeholder 2"/>
           <p:cNvSpPr>
             <a:spLocks noGrp="1"/>
           </p:cNvSpPr>
@@ -7792,7 +9073,7 @@
       </p:sp>
       <p:sp>
         <p:nvSpPr>
-          <p:cNvPr id="6" name="Slide Number Placeholder 5"/>
+          <p:cNvPr id="4" name="Slide Number Placeholder 3"/>
           <p:cNvSpPr>
             <a:spLocks noGrp="1"/>
           </p:cNvSpPr>
@@ -7807,17 +9088,138 @@
           <a:p>
             <a:fld id="{41FBF465-1333-4AA3-A58E-1653FDB8C624}" type="slidenum">
               <a:rPr lang="en-US" smtClean="0"/>
-              <a:pPr/>
               <a:t>25</a:t>
             </a:fld>
             <a:endParaRPr lang="en-US"/>
           </a:p>
         </p:txBody>
       </p:sp>
+      <p:sp>
+        <p:nvSpPr>
+          <p:cNvPr id="5" name="Text Placeholder 4"/>
+          <p:cNvSpPr>
+            <a:spLocks noGrp="1"/>
+          </p:cNvSpPr>
+          <p:nvPr>
+            <p:ph type="body" sz="quarter" idx="13"/>
+          </p:nvPr>
+        </p:nvSpPr>
+        <p:spPr/>
+        <p:txBody>
+          <a:bodyPr/>
+          <a:lstStyle/>
+          <a:p>
+            <a:r>
+              <a:rPr lang="en-US" dirty="0" smtClean="0"/>
+              <a:t>Thoughts</a:t>
+            </a:r>
+            <a:endParaRPr lang="en-US" dirty="0"/>
+          </a:p>
+        </p:txBody>
+      </p:sp>
+      <p:sp>
+        <p:nvSpPr>
+          <p:cNvPr id="6" name="Text Placeholder 5"/>
+          <p:cNvSpPr>
+            <a:spLocks noGrp="1"/>
+          </p:cNvSpPr>
+          <p:nvPr>
+            <p:ph type="body" sz="quarter" idx="14"/>
+          </p:nvPr>
+        </p:nvSpPr>
+        <p:spPr/>
+        <p:txBody>
+          <a:bodyPr/>
+          <a:lstStyle/>
+          <a:p>
+            <a:r>
+              <a:rPr lang="en-US" dirty="0" smtClean="0"/>
+              <a:t>Lessons Learned</a:t>
+            </a:r>
+            <a:endParaRPr lang="en-US" dirty="0"/>
+          </a:p>
+        </p:txBody>
+      </p:sp>
+      <p:sp>
+        <p:nvSpPr>
+          <p:cNvPr id="7" name="Text Placeholder 6"/>
+          <p:cNvSpPr>
+            <a:spLocks noGrp="1"/>
+          </p:cNvSpPr>
+          <p:nvPr>
+            <p:ph type="body" sz="quarter" idx="15"/>
+          </p:nvPr>
+        </p:nvSpPr>
+        <p:spPr/>
+        <p:txBody>
+          <a:bodyPr/>
+          <a:lstStyle/>
+          <a:p>
+            <a:r>
+              <a:rPr lang="en-US" dirty="0" smtClean="0"/>
+              <a:t>Don’t Focus on Single-Chip Solution</a:t>
+            </a:r>
+          </a:p>
+          <a:p>
+            <a:pPr lvl="1"/>
+            <a:r>
+              <a:rPr lang="en-US" dirty="0" smtClean="0"/>
+              <a:t>Distribution = Power Savings</a:t>
+            </a:r>
+          </a:p>
+          <a:p>
+            <a:r>
+              <a:rPr lang="en-US" dirty="0" smtClean="0"/>
+              <a:t>Use </a:t>
+            </a:r>
+            <a:r>
+              <a:rPr lang="en-US" dirty="0" smtClean="0"/>
+              <a:t>Separate EEPROM</a:t>
+            </a:r>
+          </a:p>
+          <a:p>
+            <a:pPr lvl="1"/>
+            <a:r>
+              <a:rPr lang="en-US" dirty="0" smtClean="0"/>
+              <a:t>Storage not Lost Due to Firmware </a:t>
+            </a:r>
+            <a:r>
+              <a:rPr lang="en-US" dirty="0" smtClean="0"/>
+              <a:t>Size</a:t>
+            </a:r>
+          </a:p>
+          <a:p>
+            <a:pPr lvl="1"/>
+            <a:r>
+              <a:rPr lang="en-US" dirty="0" smtClean="0"/>
+              <a:t>Wear Leveling</a:t>
+            </a:r>
+            <a:endParaRPr lang="en-US" dirty="0" smtClean="0"/>
+          </a:p>
+          <a:p>
+            <a:r>
+              <a:rPr lang="en-US" dirty="0" smtClean="0"/>
+              <a:t>Use Off-Chip RTC</a:t>
+            </a:r>
+          </a:p>
+          <a:p>
+            <a:pPr lvl="1"/>
+            <a:r>
+              <a:rPr lang="en-US" dirty="0" smtClean="0"/>
+              <a:t>Button-Cell Battery </a:t>
+            </a:r>
+            <a:r>
+              <a:rPr lang="en-US" dirty="0" smtClean="0"/>
+              <a:t>Backup</a:t>
+            </a:r>
+            <a:endParaRPr lang="en-US" dirty="0" smtClean="0"/>
+          </a:p>
+        </p:txBody>
+      </p:sp>
     </p:spTree>
     <p:extLst>
       <p:ext uri="{BB962C8B-B14F-4D97-AF65-F5344CB8AC3E}">
-        <p14:creationId xmlns:p14="http://schemas.microsoft.com/office/powerpoint/2010/main" val="429829556"/>
+        <p14:creationId xmlns:p14="http://schemas.microsoft.com/office/powerpoint/2010/main" val="2513916233"/>
       </p:ext>
     </p:extLst>
   </p:cSld>
@@ -7960,7 +9362,7 @@
           <a:p>
             <a:r>
               <a:rPr lang="en-US" dirty="0" smtClean="0"/>
-              <a:t>Components</a:t>
+              <a:t>Revision 2</a:t>
             </a:r>
             <a:endParaRPr lang="en-US" dirty="0"/>
           </a:p>
@@ -7983,38 +9385,61 @@
           <a:p>
             <a:r>
               <a:rPr lang="en-US" dirty="0" smtClean="0"/>
-              <a:t>Use Separate EEPROM</a:t>
-            </a:r>
-          </a:p>
-          <a:p>
-            <a:pPr lvl="1"/>
-            <a:r>
-              <a:rPr lang="en-US" dirty="0" smtClean="0"/>
-              <a:t>Storage not Lost Due to Firmware Size</a:t>
-            </a:r>
-          </a:p>
-          <a:p>
-            <a:r>
-              <a:rPr lang="en-US" dirty="0" smtClean="0"/>
-              <a:t>Use Off-Chip RTC</a:t>
-            </a:r>
-          </a:p>
-          <a:p>
-            <a:pPr lvl="1"/>
-            <a:r>
-              <a:rPr lang="en-US" dirty="0" smtClean="0"/>
-              <a:t>Button-Cell Battery Backup</a:t>
+              <a:t>Critical Battery Shutdown</a:t>
+            </a:r>
+          </a:p>
+          <a:p>
+            <a:r>
+              <a:rPr lang="en-US" dirty="0" smtClean="0"/>
+              <a:t>Enclosure Mounted Buttons</a:t>
+            </a:r>
+          </a:p>
+          <a:p>
+            <a:r>
+              <a:rPr lang="en-US" dirty="0" smtClean="0"/>
+              <a:t>Power-Wire </a:t>
+            </a:r>
+            <a:r>
+              <a:rPr lang="en-US" dirty="0" smtClean="0"/>
+              <a:t>Strain Relief</a:t>
+            </a:r>
+          </a:p>
+          <a:p>
+            <a:r>
+              <a:rPr lang="en-US" dirty="0" smtClean="0"/>
+              <a:t>Weather Proof Box</a:t>
+            </a:r>
+          </a:p>
+          <a:p>
+            <a:r>
+              <a:rPr lang="en-US" dirty="0" smtClean="0"/>
+              <a:t>VOC Sensor</a:t>
+            </a:r>
+          </a:p>
+          <a:p>
+            <a:r>
+              <a:rPr lang="en-US" dirty="0" smtClean="0"/>
+              <a:t>Multiple Sensor Ports</a:t>
+            </a:r>
+          </a:p>
+          <a:p>
+            <a:r>
+              <a:rPr lang="en-US" dirty="0" smtClean="0"/>
+              <a:t>Jumper for Power</a:t>
             </a:r>
           </a:p>
           <a:p>
             <a:endParaRPr lang="en-US" dirty="0" smtClean="0"/>
+          </a:p>
+          <a:p>
+            <a:endParaRPr lang="en-US" dirty="0"/>
           </a:p>
         </p:txBody>
       </p:sp>
     </p:spTree>
     <p:extLst>
       <p:ext uri="{BB962C8B-B14F-4D97-AF65-F5344CB8AC3E}">
-        <p14:creationId xmlns:p14="http://schemas.microsoft.com/office/powerpoint/2010/main" val="2513916233"/>
+        <p14:creationId xmlns:p14="http://schemas.microsoft.com/office/powerpoint/2010/main" val="3665447531"/>
       </p:ext>
     </p:extLst>
   </p:cSld>
@@ -8050,223 +9475,6 @@
       </p:grpSpPr>
       <p:sp>
         <p:nvSpPr>
-          <p:cNvPr id="2" name="Date Placeholder 1"/>
-          <p:cNvSpPr>
-            <a:spLocks noGrp="1"/>
-          </p:cNvSpPr>
-          <p:nvPr>
-            <p:ph type="dt" sz="half" idx="10"/>
-          </p:nvPr>
-        </p:nvSpPr>
-        <p:spPr/>
-        <p:txBody>
-          <a:bodyPr/>
-          <a:lstStyle/>
-          <a:p>
-            <a:fld id="{C29800E0-75F7-49C7-9A2B-4D6AEABEED8B}" type="datetime1">
-              <a:rPr lang="en-US" smtClean="0"/>
-              <a:t>6/5/2014</a:t>
-            </a:fld>
-            <a:endParaRPr lang="en-US"/>
-          </a:p>
-        </p:txBody>
-      </p:sp>
-      <p:sp>
-        <p:nvSpPr>
-          <p:cNvPr id="3" name="Footer Placeholder 2"/>
-          <p:cNvSpPr>
-            <a:spLocks noGrp="1"/>
-          </p:cNvSpPr>
-          <p:nvPr>
-            <p:ph type="ftr" sz="quarter" idx="11"/>
-          </p:nvPr>
-        </p:nvSpPr>
-        <p:spPr/>
-        <p:txBody>
-          <a:bodyPr/>
-          <a:lstStyle/>
-          <a:p>
-            <a:r>
-              <a:rPr lang="en-US" smtClean="0"/>
-              <a:t>Erebus Labs STEM Sensor</a:t>
-            </a:r>
-            <a:endParaRPr lang="en-US" dirty="0"/>
-          </a:p>
-        </p:txBody>
-      </p:sp>
-      <p:sp>
-        <p:nvSpPr>
-          <p:cNvPr id="4" name="Slide Number Placeholder 3"/>
-          <p:cNvSpPr>
-            <a:spLocks noGrp="1"/>
-          </p:cNvSpPr>
-          <p:nvPr>
-            <p:ph type="sldNum" sz="quarter" idx="12"/>
-          </p:nvPr>
-        </p:nvSpPr>
-        <p:spPr/>
-        <p:txBody>
-          <a:bodyPr/>
-          <a:lstStyle/>
-          <a:p>
-            <a:fld id="{41FBF465-1333-4AA3-A58E-1653FDB8C624}" type="slidenum">
-              <a:rPr lang="en-US" smtClean="0"/>
-              <a:t>27</a:t>
-            </a:fld>
-            <a:endParaRPr lang="en-US"/>
-          </a:p>
-        </p:txBody>
-      </p:sp>
-      <p:sp>
-        <p:nvSpPr>
-          <p:cNvPr id="5" name="Text Placeholder 4"/>
-          <p:cNvSpPr>
-            <a:spLocks noGrp="1"/>
-          </p:cNvSpPr>
-          <p:nvPr>
-            <p:ph type="body" sz="quarter" idx="13"/>
-          </p:nvPr>
-        </p:nvSpPr>
-        <p:spPr/>
-        <p:txBody>
-          <a:bodyPr/>
-          <a:lstStyle/>
-          <a:p>
-            <a:r>
-              <a:rPr lang="en-US" dirty="0" smtClean="0"/>
-              <a:t>Thoughts</a:t>
-            </a:r>
-            <a:endParaRPr lang="en-US" dirty="0"/>
-          </a:p>
-        </p:txBody>
-      </p:sp>
-      <p:sp>
-        <p:nvSpPr>
-          <p:cNvPr id="6" name="Text Placeholder 5"/>
-          <p:cNvSpPr>
-            <a:spLocks noGrp="1"/>
-          </p:cNvSpPr>
-          <p:nvPr>
-            <p:ph type="body" sz="quarter" idx="14"/>
-          </p:nvPr>
-        </p:nvSpPr>
-        <p:spPr/>
-        <p:txBody>
-          <a:bodyPr/>
-          <a:lstStyle/>
-          <a:p>
-            <a:r>
-              <a:rPr lang="en-US" dirty="0" smtClean="0"/>
-              <a:t>Revision 2</a:t>
-            </a:r>
-            <a:endParaRPr lang="en-US" dirty="0"/>
-          </a:p>
-        </p:txBody>
-      </p:sp>
-      <p:sp>
-        <p:nvSpPr>
-          <p:cNvPr id="7" name="Text Placeholder 6"/>
-          <p:cNvSpPr>
-            <a:spLocks noGrp="1"/>
-          </p:cNvSpPr>
-          <p:nvPr>
-            <p:ph type="body" sz="quarter" idx="15"/>
-          </p:nvPr>
-        </p:nvSpPr>
-        <p:spPr/>
-        <p:txBody>
-          <a:bodyPr/>
-          <a:lstStyle/>
-          <a:p>
-            <a:r>
-              <a:rPr lang="en-US" dirty="0" smtClean="0"/>
-              <a:t>Critical Battery Shutdown</a:t>
-            </a:r>
-          </a:p>
-          <a:p>
-            <a:pPr lvl="1"/>
-            <a:r>
-              <a:rPr lang="en-US" dirty="0" smtClean="0"/>
-              <a:t>Predictable Low-Power Operation</a:t>
-            </a:r>
-          </a:p>
-          <a:p>
-            <a:r>
-              <a:rPr lang="en-US" dirty="0" smtClean="0"/>
-              <a:t>Power-Wire Strain Relief</a:t>
-            </a:r>
-          </a:p>
-          <a:p>
-            <a:r>
-              <a:rPr lang="en-US" dirty="0" smtClean="0"/>
-              <a:t>Weather Proof Box</a:t>
-            </a:r>
-          </a:p>
-          <a:p>
-            <a:r>
-              <a:rPr lang="en-US" dirty="0" smtClean="0"/>
-              <a:t>VOC Sensor</a:t>
-            </a:r>
-          </a:p>
-          <a:p>
-            <a:r>
-              <a:rPr lang="en-US" dirty="0" smtClean="0"/>
-              <a:t>Multiple Sensor Ports</a:t>
-            </a:r>
-          </a:p>
-          <a:p>
-            <a:r>
-              <a:rPr lang="en-US" dirty="0" smtClean="0"/>
-              <a:t>Jumper for Power</a:t>
-            </a:r>
-          </a:p>
-          <a:p>
-            <a:endParaRPr lang="en-US" dirty="0" smtClean="0"/>
-          </a:p>
-          <a:p>
-            <a:endParaRPr lang="en-US" dirty="0"/>
-          </a:p>
-        </p:txBody>
-      </p:sp>
-    </p:spTree>
-    <p:extLst>
-      <p:ext uri="{BB962C8B-B14F-4D97-AF65-F5344CB8AC3E}">
-        <p14:creationId xmlns:p14="http://schemas.microsoft.com/office/powerpoint/2010/main" val="3665447531"/>
-      </p:ext>
-    </p:extLst>
-  </p:cSld>
-  <p:clrMapOvr>
-    <a:masterClrMapping/>
-  </p:clrMapOvr>
-  <p:timing>
-    <p:tnLst>
-      <p:par>
-        <p:cTn id="1" dur="indefinite" restart="never" nodeType="tmRoot"/>
-      </p:par>
-    </p:tnLst>
-  </p:timing>
-</p:sld>
-</file>
-
-<file path=ppt/slides/slide28.xml><?xml version="1.0" encoding="utf-8"?>
-<p:sld xmlns:a="http://schemas.openxmlformats.org/drawingml/2006/main" xmlns:r="http://schemas.openxmlformats.org/officeDocument/2006/relationships" xmlns:p="http://schemas.openxmlformats.org/presentationml/2006/main">
-  <p:cSld>
-    <p:spTree>
-      <p:nvGrpSpPr>
-        <p:cNvPr id="1" name=""/>
-        <p:cNvGrpSpPr/>
-        <p:nvPr/>
-      </p:nvGrpSpPr>
-      <p:grpSpPr>
-        <a:xfrm>
-          <a:off x="0" y="0"/>
-          <a:ext cx="0" cy="0"/>
-          <a:chOff x="0" y="0"/>
-          <a:chExt cx="0" cy="0"/>
-        </a:xfrm>
-      </p:grpSpPr>
-      <p:sp>
-        <p:nvSpPr>
           <p:cNvPr id="2" name="Title 1"/>
           <p:cNvSpPr>
             <a:spLocks noGrp="1"/>
@@ -8277,8 +9485,8 @@
         </p:nvSpPr>
         <p:spPr>
           <a:xfrm>
-            <a:off x="533400" y="2514600"/>
-            <a:ext cx="8119242" cy="1470025"/>
+            <a:off x="1752600" y="2514600"/>
+            <a:ext cx="5486400" cy="1470025"/>
           </a:xfrm>
         </p:spPr>
         <p:txBody>
@@ -8286,10 +9494,10 @@
           <a:lstStyle/>
           <a:p>
             <a:r>
-              <a:rPr lang="en-US" dirty="0" smtClean="0"/>
+              <a:rPr lang="en-US" b="1" dirty="0" smtClean="0"/>
               <a:t>Q&amp;A</a:t>
             </a:r>
-            <a:endParaRPr lang="en-US" dirty="0"/>
+            <a:endParaRPr lang="en-US" b="1" dirty="0"/>
           </a:p>
         </p:txBody>
       </p:sp>
@@ -8800,7 +10008,7 @@
           <p:nvPr/>
         </p:nvPicPr>
         <p:blipFill>
-          <a:blip r:embed="rId2"/>
+          <a:blip r:embed="rId3"/>
           <a:stretch>
             <a:fillRect/>
           </a:stretch>
@@ -8825,6 +10033,13 @@
   <p:clrMapOvr>
     <a:masterClrMapping/>
   </p:clrMapOvr>
+  <p:timing>
+    <p:tnLst>
+      <p:par>
+        <p:cTn id="1" dur="indefinite" restart="never" nodeType="tmRoot"/>
+      </p:par>
+    </p:tnLst>
+  </p:timing>
 </p:sld>
 </file>
 
@@ -8900,7 +10115,7 @@
           <p:nvPr/>
         </p:nvPicPr>
         <p:blipFill>
-          <a:blip r:embed="rId2" cstate="print">
+          <a:blip r:embed="rId3" cstate="print">
             <a:extLst>
               <a:ext uri="{28A0092B-C50C-407E-A947-70E740481C1C}">
                 <a14:useLocalDpi xmlns:a14="http://schemas.microsoft.com/office/drawing/2010/main" val="0"/>
@@ -9367,7 +10582,7 @@
           <a:p>
             <a:r>
               <a:rPr lang="en-US" dirty="0" smtClean="0"/>
-              <a:t>Cypress PSoC 3</a:t>
+              <a:t>Power Supply</a:t>
             </a:r>
             <a:endParaRPr lang="en-US" dirty="0"/>
           </a:p>
@@ -9383,137 +10598,74 @@
             <p:ph type="body" sz="quarter" idx="15"/>
           </p:nvPr>
         </p:nvSpPr>
-        <p:spPr>
-          <a:xfrm>
-            <a:off x="76200" y="1524000"/>
-            <a:ext cx="7848600" cy="4648200"/>
-          </a:xfrm>
-        </p:spPr>
-        <p:txBody>
-          <a:bodyPr/>
-          <a:lstStyle/>
-          <a:p>
-            <a:r>
-              <a:rPr lang="en-US" dirty="0" smtClean="0"/>
-              <a:t>Development Kit – Rapid Prototyping</a:t>
-            </a:r>
-          </a:p>
-          <a:p>
-            <a:r>
-              <a:rPr lang="en-US" dirty="0" smtClean="0"/>
-              <a:t>Flexible Architecture</a:t>
-            </a:r>
+        <p:spPr/>
+        <p:txBody>
+          <a:bodyPr/>
+          <a:lstStyle/>
+          <a:p>
+            <a:r>
+              <a:rPr lang="en-US" dirty="0" smtClean="0"/>
+              <a:t>Linear Power </a:t>
+            </a:r>
+            <a:r>
+              <a:rPr lang="en-US" dirty="0" smtClean="0"/>
+              <a:t>Supply</a:t>
+            </a:r>
+            <a:endParaRPr lang="en-US" dirty="0" smtClean="0"/>
           </a:p>
           <a:p>
             <a:pPr lvl="1"/>
             <a:r>
               <a:rPr lang="en-US" dirty="0" smtClean="0"/>
-              <a:t>Universal Digital Blocks</a:t>
+              <a:t>Less Noise</a:t>
             </a:r>
           </a:p>
           <a:p>
             <a:pPr lvl="1"/>
             <a:r>
               <a:rPr lang="en-US" dirty="0" smtClean="0"/>
-              <a:t>Programmable Interconnects</a:t>
-            </a:r>
-          </a:p>
-          <a:p>
-            <a:r>
-              <a:rPr lang="en-US" dirty="0" smtClean="0"/>
-              <a:t>One Chip Solution</a:t>
+              <a:t>Lower Battery Life</a:t>
+            </a:r>
+          </a:p>
+          <a:p>
+            <a:r>
+              <a:rPr lang="en-US" dirty="0" smtClean="0"/>
+              <a:t>Switching Power Supply</a:t>
             </a:r>
           </a:p>
           <a:p>
             <a:pPr lvl="1"/>
             <a:r>
               <a:rPr lang="en-US" dirty="0" smtClean="0"/>
-              <a:t>Real Time Clock</a:t>
+              <a:t>Noise Not An Issue</a:t>
             </a:r>
           </a:p>
           <a:p>
             <a:pPr lvl="1"/>
             <a:r>
               <a:rPr lang="en-US" dirty="0" smtClean="0"/>
-              <a:t>USB Controller</a:t>
+              <a:t>Better Battery Life</a:t>
             </a:r>
           </a:p>
           <a:p>
             <a:pPr lvl="1"/>
             <a:r>
               <a:rPr lang="en-US" dirty="0" smtClean="0"/>
-              <a:t>Hardware Emulation</a:t>
+              <a:t>One Part for 3V and 5V</a:t>
             </a:r>
           </a:p>
           <a:p>
             <a:pPr lvl="1"/>
-            <a:endParaRPr lang="en-US" dirty="0" smtClean="0"/>
-          </a:p>
-        </p:txBody>
-      </p:sp>
-      <p:pic>
-        <p:nvPicPr>
-          <p:cNvPr id="5" name="Picture 4"/>
-          <p:cNvPicPr>
-            <a:picLocks noChangeAspect="1"/>
-          </p:cNvPicPr>
-          <p:nvPr/>
-        </p:nvPicPr>
-        <p:blipFill>
-          <a:blip r:embed="rId2" cstate="print">
-            <a:extLst>
-              <a:ext uri="{28A0092B-C50C-407E-A947-70E740481C1C}">
-                <a14:useLocalDpi xmlns:a14="http://schemas.microsoft.com/office/drawing/2010/main" val="0"/>
-              </a:ext>
-            </a:extLst>
-          </a:blip>
-          <a:stretch>
-            <a:fillRect/>
-          </a:stretch>
-        </p:blipFill>
-        <p:spPr>
-          <a:xfrm>
-            <a:off x="5215158" y="4142056"/>
-            <a:ext cx="2709641" cy="2032231"/>
-          </a:xfrm>
-          <a:prstGeom prst="rect">
-            <a:avLst/>
-          </a:prstGeom>
-        </p:spPr>
-      </p:pic>
-      <p:pic>
-        <p:nvPicPr>
-          <p:cNvPr id="6" name="Picture 5"/>
-          <p:cNvPicPr>
-            <a:picLocks noChangeAspect="1"/>
-          </p:cNvPicPr>
-          <p:nvPr/>
-        </p:nvPicPr>
-        <p:blipFill>
-          <a:blip r:embed="rId3" cstate="print">
-            <a:extLst>
-              <a:ext uri="{28A0092B-C50C-407E-A947-70E740481C1C}">
-                <a14:useLocalDpi xmlns:a14="http://schemas.microsoft.com/office/drawing/2010/main" val="0"/>
-              </a:ext>
-            </a:extLst>
-          </a:blip>
-          <a:stretch>
-            <a:fillRect/>
-          </a:stretch>
-        </p:blipFill>
-        <p:spPr>
-          <a:xfrm>
-            <a:off x="6172200" y="2454012"/>
-            <a:ext cx="1387088" cy="1379780"/>
-          </a:xfrm>
-          <a:prstGeom prst="rect">
-            <a:avLst/>
-          </a:prstGeom>
-        </p:spPr>
-      </p:pic>
-      <p:sp>
-        <p:nvSpPr>
-          <p:cNvPr id="7" name="Date Placeholder 6"/>
+            <a:r>
+              <a:rPr lang="en-US" dirty="0" smtClean="0"/>
+              <a:t>More Complex</a:t>
+            </a:r>
+          </a:p>
+        </p:txBody>
+      </p:sp>
+      <p:sp>
+        <p:nvSpPr>
+          <p:cNvPr id="5" name="Date Placeholder 4"/>
           <p:cNvSpPr>
             <a:spLocks noGrp="1"/>
           </p:cNvSpPr>
@@ -9526,7 +10678,7 @@
           <a:bodyPr/>
           <a:lstStyle/>
           <a:p>
-            <a:fld id="{511A9959-09E7-4DFF-AD9C-13860CBC9817}" type="datetime1">
+            <a:fld id="{CE8AA357-2F88-48FD-861C-786C4915934F}" type="datetime1">
               <a:rPr lang="en-US" smtClean="0"/>
               <a:t>6/5/2014</a:t>
             </a:fld>
@@ -9536,7 +10688,7 @@
       </p:sp>
       <p:sp>
         <p:nvSpPr>
-          <p:cNvPr id="8" name="Footer Placeholder 7"/>
+          <p:cNvPr id="6" name="Footer Placeholder 5"/>
           <p:cNvSpPr>
             <a:spLocks noGrp="1"/>
           </p:cNvSpPr>
@@ -9559,7 +10711,7 @@
       </p:sp>
       <p:sp>
         <p:nvSpPr>
-          <p:cNvPr id="9" name="Slide Number Placeholder 8"/>
+          <p:cNvPr id="7" name="Slide Number Placeholder 6"/>
           <p:cNvSpPr>
             <a:spLocks noGrp="1"/>
           </p:cNvSpPr>
@@ -9583,7 +10735,7 @@
     </p:spTree>
     <p:extLst>
       <p:ext uri="{BB962C8B-B14F-4D97-AF65-F5344CB8AC3E}">
-        <p14:creationId xmlns:p14="http://schemas.microsoft.com/office/powerpoint/2010/main" val="8636402"/>
+        <p14:creationId xmlns:p14="http://schemas.microsoft.com/office/powerpoint/2010/main" val="2542745474"/>
       </p:ext>
     </p:extLst>
   </p:cSld>
@@ -9657,45 +10809,80 @@
           <a:p>
             <a:r>
               <a:rPr lang="en-US" dirty="0" smtClean="0"/>
-              <a:t>PSoC Architecture</a:t>
-            </a:r>
-            <a:endParaRPr lang="en-US" dirty="0"/>
-          </a:p>
-        </p:txBody>
-      </p:sp>
-      <p:pic>
-        <p:nvPicPr>
-          <p:cNvPr id="5" name="Picture 4"/>
-          <p:cNvPicPr>
-            <a:picLocks noChangeAspect="1"/>
-          </p:cNvPicPr>
-          <p:nvPr/>
-        </p:nvPicPr>
-        <p:blipFill>
-          <a:blip r:embed="rId2" cstate="print">
-            <a:extLst>
-              <a:ext uri="{28A0092B-C50C-407E-A947-70E740481C1C}">
-                <a14:useLocalDpi xmlns:a14="http://schemas.microsoft.com/office/drawing/2010/main" val="0"/>
-              </a:ext>
-            </a:extLst>
-          </a:blip>
-          <a:stretch>
-            <a:fillRect/>
-          </a:stretch>
-        </p:blipFill>
-        <p:spPr>
-          <a:xfrm>
-            <a:off x="555672" y="1676400"/>
-            <a:ext cx="6889656" cy="4383024"/>
-          </a:xfrm>
-          <a:prstGeom prst="rect">
-            <a:avLst/>
-          </a:prstGeom>
-        </p:spPr>
-      </p:pic>
-      <p:sp>
-        <p:nvSpPr>
-          <p:cNvPr id="6" name="Date Placeholder 5"/>
+              <a:t>Interfaces</a:t>
+            </a:r>
+            <a:endParaRPr lang="en-US" dirty="0"/>
+          </a:p>
+        </p:txBody>
+      </p:sp>
+      <p:sp>
+        <p:nvSpPr>
+          <p:cNvPr id="4" name="Text Placeholder 3"/>
+          <p:cNvSpPr>
+            <a:spLocks noGrp="1"/>
+          </p:cNvSpPr>
+          <p:nvPr>
+            <p:ph type="body" sz="quarter" idx="15"/>
+          </p:nvPr>
+        </p:nvSpPr>
+        <p:spPr/>
+        <p:txBody>
+          <a:bodyPr>
+            <a:normAutofit/>
+          </a:bodyPr>
+          <a:lstStyle/>
+          <a:p>
+            <a:r>
+              <a:rPr lang="en-US" dirty="0" smtClean="0"/>
+              <a:t>Ethernet for Sensor Port</a:t>
+            </a:r>
+          </a:p>
+          <a:p>
+            <a:pPr lvl="1"/>
+            <a:r>
+              <a:rPr lang="en-US" dirty="0" smtClean="0"/>
+              <a:t>Cheap Cables</a:t>
+            </a:r>
+          </a:p>
+          <a:p>
+            <a:pPr lvl="1"/>
+            <a:r>
+              <a:rPr lang="en-US" dirty="0" smtClean="0"/>
+              <a:t>Easy to Work With</a:t>
+            </a:r>
+          </a:p>
+          <a:p>
+            <a:pPr lvl="1"/>
+            <a:r>
+              <a:rPr lang="en-US" dirty="0" smtClean="0"/>
+              <a:t>Many Lengths Available</a:t>
+            </a:r>
+          </a:p>
+          <a:p>
+            <a:r>
+              <a:rPr lang="en-US" dirty="0" smtClean="0"/>
+              <a:t>USB</a:t>
+            </a:r>
+          </a:p>
+          <a:p>
+            <a:pPr lvl="1"/>
+            <a:r>
+              <a:rPr lang="en-US" dirty="0" smtClean="0"/>
+              <a:t>Standard for Most Computer Interface Applications</a:t>
+            </a:r>
+          </a:p>
+          <a:p>
+            <a:pPr lvl="1"/>
+            <a:r>
+              <a:rPr lang="en-US" dirty="0" smtClean="0"/>
+              <a:t>Micro USB = Small Footprint</a:t>
+            </a:r>
+          </a:p>
+        </p:txBody>
+      </p:sp>
+      <p:sp>
+        <p:nvSpPr>
+          <p:cNvPr id="5" name="Date Placeholder 4"/>
           <p:cNvSpPr>
             <a:spLocks noGrp="1"/>
           </p:cNvSpPr>
@@ -9708,7 +10895,7 @@
           <a:bodyPr/>
           <a:lstStyle/>
           <a:p>
-            <a:fld id="{48E8C03F-E981-4D7C-B245-605A1ED2BB0C}" type="datetime1">
+            <a:fld id="{083EEC35-4827-4E69-BD16-897B79CAC35F}" type="datetime1">
               <a:rPr lang="en-US" smtClean="0"/>
               <a:t>6/5/2014</a:t>
             </a:fld>
@@ -9718,7 +10905,7 @@
       </p:sp>
       <p:sp>
         <p:nvSpPr>
-          <p:cNvPr id="7" name="Footer Placeholder 6"/>
+          <p:cNvPr id="6" name="Footer Placeholder 5"/>
           <p:cNvSpPr>
             <a:spLocks noGrp="1"/>
           </p:cNvSpPr>
@@ -9741,7 +10928,7 @@
       </p:sp>
       <p:sp>
         <p:nvSpPr>
-          <p:cNvPr id="8" name="Slide Number Placeholder 7"/>
+          <p:cNvPr id="7" name="Slide Number Placeholder 6"/>
           <p:cNvSpPr>
             <a:spLocks noGrp="1"/>
           </p:cNvSpPr>
@@ -9765,7 +10952,7 @@
     </p:spTree>
     <p:extLst>
       <p:ext uri="{BB962C8B-B14F-4D97-AF65-F5344CB8AC3E}">
-        <p14:creationId xmlns:p14="http://schemas.microsoft.com/office/powerpoint/2010/main" val="3289087403"/>
+        <p14:creationId xmlns:p14="http://schemas.microsoft.com/office/powerpoint/2010/main" val="4234070995"/>
       </p:ext>
     </p:extLst>
   </p:cSld>
@@ -9839,7 +11026,7 @@
           <a:p>
             <a:r>
               <a:rPr lang="en-US" dirty="0" smtClean="0"/>
-              <a:t>Power Supply</a:t>
+              <a:t>Low-Oxygen Sensor</a:t>
             </a:r>
             <a:endParaRPr lang="en-US" dirty="0"/>
           </a:p>
@@ -9862,62 +11049,35 @@
           <a:p>
             <a:r>
               <a:rPr lang="en-US" dirty="0" smtClean="0"/>
-              <a:t>Linear Power Supply (First Choice)</a:t>
-            </a:r>
-          </a:p>
-          <a:p>
-            <a:pPr lvl="1"/>
-            <a:r>
-              <a:rPr lang="en-US" dirty="0" smtClean="0"/>
-              <a:t>Less Noise</a:t>
-            </a:r>
-          </a:p>
-          <a:p>
-            <a:pPr lvl="1"/>
-            <a:r>
-              <a:rPr lang="en-US" dirty="0" smtClean="0"/>
-              <a:t>Lower Battery Life</a:t>
-            </a:r>
-          </a:p>
-          <a:p>
-            <a:r>
-              <a:rPr lang="en-US" dirty="0" smtClean="0"/>
-              <a:t>Switching Power Supply</a:t>
-            </a:r>
-          </a:p>
-          <a:p>
-            <a:pPr lvl="1"/>
-            <a:r>
-              <a:rPr lang="en-US" dirty="0" smtClean="0"/>
-              <a:t>Noise Not An Issue</a:t>
-            </a:r>
-          </a:p>
-          <a:p>
-            <a:pPr lvl="1"/>
-            <a:r>
-              <a:rPr lang="en-US" dirty="0" smtClean="0"/>
-              <a:t>Better Battery Life</a:t>
-            </a:r>
-          </a:p>
-          <a:p>
-            <a:pPr lvl="1"/>
-            <a:r>
-              <a:rPr lang="en-US" dirty="0" smtClean="0"/>
-              <a:t>One Part for 3V and 5V</a:t>
-            </a:r>
-          </a:p>
-          <a:p>
-            <a:pPr lvl="1"/>
-            <a:r>
-              <a:rPr lang="en-US" dirty="0" smtClean="0"/>
-              <a:t>More Complex</a:t>
-            </a:r>
-          </a:p>
-        </p:txBody>
-      </p:sp>
-      <p:sp>
-        <p:nvSpPr>
-          <p:cNvPr id="5" name="Date Placeholder 4"/>
+              <a:t>Figaro TGS 2600</a:t>
+            </a:r>
+          </a:p>
+          <a:p>
+            <a:r>
+              <a:rPr lang="en-US" dirty="0" smtClean="0"/>
+              <a:t>Technically “Air Contaminant Sensor”</a:t>
+            </a:r>
+          </a:p>
+          <a:p>
+            <a:r>
+              <a:rPr lang="en-US" dirty="0" smtClean="0"/>
+              <a:t>Resemblance to VOC Sensor</a:t>
+            </a:r>
+          </a:p>
+          <a:p>
+            <a:r>
+              <a:rPr lang="en-US" dirty="0" smtClean="0"/>
+              <a:t>Easy to Find Applications or Experiments</a:t>
+            </a:r>
+          </a:p>
+          <a:p>
+            <a:endParaRPr lang="en-US" dirty="0"/>
+          </a:p>
+        </p:txBody>
+      </p:sp>
+      <p:sp>
+        <p:nvSpPr>
+          <p:cNvPr id="8" name="Date Placeholder 7"/>
           <p:cNvSpPr>
             <a:spLocks noGrp="1"/>
           </p:cNvSpPr>
@@ -9930,7 +11090,7 @@
           <a:bodyPr/>
           <a:lstStyle/>
           <a:p>
-            <a:fld id="{CE8AA357-2F88-48FD-861C-786C4915934F}" type="datetime1">
+            <a:fld id="{5CCE490F-6F2A-472B-9AC3-55962C89105B}" type="datetime1">
               <a:rPr lang="en-US" smtClean="0"/>
               <a:t>6/5/2014</a:t>
             </a:fld>
@@ -9940,7 +11100,7 @@
       </p:sp>
       <p:sp>
         <p:nvSpPr>
-          <p:cNvPr id="6" name="Footer Placeholder 5"/>
+          <p:cNvPr id="9" name="Footer Placeholder 8"/>
           <p:cNvSpPr>
             <a:spLocks noGrp="1"/>
           </p:cNvSpPr>
@@ -9963,7 +11123,7 @@
       </p:sp>
       <p:sp>
         <p:nvSpPr>
-          <p:cNvPr id="7" name="Slide Number Placeholder 6"/>
+          <p:cNvPr id="10" name="Slide Number Placeholder 9"/>
           <p:cNvSpPr>
             <a:spLocks noGrp="1"/>
           </p:cNvSpPr>
@@ -9984,10 +11144,40 @@
           </a:p>
         </p:txBody>
       </p:sp>
+      <p:pic>
+        <p:nvPicPr>
+          <p:cNvPr id="11" name="Picture 10"/>
+          <p:cNvPicPr>
+            <a:picLocks noChangeAspect="1"/>
+          </p:cNvPicPr>
+          <p:nvPr/>
+        </p:nvPicPr>
+        <p:blipFill>
+          <a:blip r:embed="rId3">
+            <a:extLst>
+              <a:ext uri="{28A0092B-C50C-407E-A947-70E740481C1C}">
+                <a14:useLocalDpi xmlns:a14="http://schemas.microsoft.com/office/drawing/2010/main" val="0"/>
+              </a:ext>
+            </a:extLst>
+          </a:blip>
+          <a:stretch>
+            <a:fillRect/>
+          </a:stretch>
+        </p:blipFill>
+        <p:spPr>
+          <a:xfrm>
+            <a:off x="4655869" y="4154556"/>
+            <a:ext cx="1897331" cy="1756788"/>
+          </a:xfrm>
+          <a:prstGeom prst="rect">
+            <a:avLst/>
+          </a:prstGeom>
+        </p:spPr>
+      </p:pic>
     </p:spTree>
     <p:extLst>
       <p:ext uri="{BB962C8B-B14F-4D97-AF65-F5344CB8AC3E}">
-        <p14:creationId xmlns:p14="http://schemas.microsoft.com/office/powerpoint/2010/main" val="2542745474"/>
+        <p14:creationId xmlns:p14="http://schemas.microsoft.com/office/powerpoint/2010/main" val="4146449161"/>
       </p:ext>
     </p:extLst>
   </p:cSld>

--- a/Documents/source_documents/Presentation.pptx
+++ b/Documents/source_documents/Presentation.pptx
@@ -704,24 +704,20 @@
           <a:p>
             <a:r>
               <a:rPr lang="en-US" dirty="0" smtClean="0"/>
-              <a:t>Errors:</a:t>
-            </a:r>
-          </a:p>
-          <a:p>
-            <a:r>
-              <a:rPr lang="en-US" dirty="0" smtClean="0"/>
-              <a:t>* Low</a:t>
+              <a:t>EDE</a:t>
             </a:r>
             <a:r>
               <a:rPr lang="en-US" baseline="0" dirty="0" smtClean="0"/>
-              <a:t> Battery (blink yellow)</a:t>
+              <a:t> free to use. Graphical interface to simplify programming workload and design.</a:t>
             </a:r>
           </a:p>
           <a:p>
             <a:r>
               <a:rPr lang="en-US" baseline="0" dirty="0" smtClean="0"/>
-              <a:t>* Memory Full (red)</a:t>
-            </a:r>
+              <a:t>APIs. Option Windows. Build Project creates foundational code. Can modify from there.</a:t>
+            </a:r>
+          </a:p>
+          <a:p>
             <a:endParaRPr lang="en-US" dirty="0"/>
           </a:p>
         </p:txBody>
@@ -743,7 +739,7 @@
           <a:p>
             <a:fld id="{80A39CBA-3246-41BD-B461-7A6F199FC541}" type="slidenum">
               <a:rPr lang="en-US" smtClean="0"/>
-              <a:t>17</a:t>
+              <a:t>15</a:t>
             </a:fld>
             <a:endParaRPr lang="en-US"/>
           </a:p>
@@ -752,7 +748,7 @@
     </p:spTree>
     <p:extLst>
       <p:ext uri="{BB962C8B-B14F-4D97-AF65-F5344CB8AC3E}">
-        <p14:creationId xmlns:p14="http://schemas.microsoft.com/office/powerpoint/2010/main" val="2367590032"/>
+        <p14:creationId xmlns:p14="http://schemas.microsoft.com/office/powerpoint/2010/main" val="2949825411"/>
       </p:ext>
     </p:extLst>
   </p:cSld>
@@ -808,7 +804,59 @@
           <a:p>
             <a:r>
               <a:rPr lang="en-US" dirty="0" smtClean="0"/>
-              <a:t>Scott starts</a:t>
+              <a:t>Keep basic.</a:t>
+            </a:r>
+          </a:p>
+          <a:p>
+            <a:r>
+              <a:rPr lang="en-US" dirty="0" smtClean="0"/>
+              <a:t>Wakes up every second to check for interrupt. </a:t>
+            </a:r>
+          </a:p>
+          <a:p>
+            <a:endParaRPr lang="en-US" dirty="0" smtClean="0"/>
+          </a:p>
+          <a:p>
+            <a:r>
+              <a:rPr lang="en-US" dirty="0" smtClean="0"/>
+              <a:t>Pointers</a:t>
+            </a:r>
+          </a:p>
+          <a:p>
+            <a:r>
+              <a:rPr lang="en-US" dirty="0" smtClean="0"/>
+              <a:t>Flash</a:t>
+            </a:r>
+          </a:p>
+          <a:p>
+            <a:r>
+              <a:rPr lang="en-US" dirty="0" smtClean="0"/>
+              <a:t>Interrupts.</a:t>
+            </a:r>
+          </a:p>
+          <a:p>
+            <a:r>
+              <a:rPr lang="en-US" dirty="0" smtClean="0"/>
+              <a:t>R2C Sampling</a:t>
+            </a:r>
+          </a:p>
+          <a:p>
+            <a:endParaRPr lang="en-US" dirty="0" smtClean="0"/>
+          </a:p>
+          <a:p>
+            <a:r>
+              <a:rPr lang="en-US" dirty="0" smtClean="0"/>
+              <a:t>Buttons interrupt.</a:t>
+            </a:r>
+          </a:p>
+          <a:p>
+            <a:r>
+              <a:rPr lang="en-US" dirty="0" smtClean="0"/>
+              <a:t>Once set up sleeps . Every second wakes up to check for flags.</a:t>
+            </a:r>
+            <a:r>
+              <a:rPr lang="en-US" baseline="0" dirty="0" smtClean="0"/>
+              <a:t> </a:t>
             </a:r>
             <a:endParaRPr lang="en-US" dirty="0"/>
           </a:p>
@@ -831,7 +879,7 @@
           <a:p>
             <a:fld id="{80A39CBA-3246-41BD-B461-7A6F199FC541}" type="slidenum">
               <a:rPr lang="en-US" smtClean="0"/>
-              <a:t>18</a:t>
+              <a:t>16</a:t>
             </a:fld>
             <a:endParaRPr lang="en-US"/>
           </a:p>
@@ -840,7 +888,7 @@
     </p:spTree>
     <p:extLst>
       <p:ext uri="{BB962C8B-B14F-4D97-AF65-F5344CB8AC3E}">
-        <p14:creationId xmlns:p14="http://schemas.microsoft.com/office/powerpoint/2010/main" val="2972674611"/>
+        <p14:creationId xmlns:p14="http://schemas.microsoft.com/office/powerpoint/2010/main" val="3829864215"/>
       </p:ext>
     </p:extLst>
   </p:cSld>
@@ -894,6 +942,101 @@
           <a:bodyPr/>
           <a:lstStyle/>
           <a:p>
+            <a:r>
+              <a:rPr lang="en-US" dirty="0" smtClean="0"/>
+              <a:t>Sample:</a:t>
+            </a:r>
+          </a:p>
+          <a:p>
+            <a:r>
+              <a:rPr lang="en-US" dirty="0" smtClean="0"/>
+              <a:t>Blue blink</a:t>
+            </a:r>
+          </a:p>
+          <a:p>
+            <a:r>
+              <a:rPr lang="en-US" dirty="0" smtClean="0"/>
+              <a:t>Errors</a:t>
+            </a:r>
+            <a:r>
+              <a:rPr lang="en-US" dirty="0" smtClean="0"/>
+              <a:t>:</a:t>
+            </a:r>
+          </a:p>
+          <a:p>
+            <a:r>
+              <a:rPr lang="en-US" dirty="0" smtClean="0"/>
+              <a:t>* Low</a:t>
+            </a:r>
+            <a:r>
+              <a:rPr lang="en-US" baseline="0" dirty="0" smtClean="0"/>
+              <a:t> Battery (blink yellow)</a:t>
+            </a:r>
+          </a:p>
+          <a:p>
+            <a:pPr marL="171450" indent="-171450">
+              <a:buFont typeface="Arial" panose="020B0604020202020204" pitchFamily="34" charset="0"/>
+              <a:buChar char="•"/>
+            </a:pPr>
+            <a:r>
+              <a:rPr lang="en-US" baseline="0" dirty="0" smtClean="0"/>
+              <a:t>Memory </a:t>
+            </a:r>
+            <a:r>
+              <a:rPr lang="en-US" baseline="0" dirty="0" smtClean="0"/>
+              <a:t>Full (red</a:t>
+            </a:r>
+            <a:r>
+              <a:rPr lang="en-US" baseline="0" dirty="0" smtClean="0"/>
+              <a:t>)</a:t>
+            </a:r>
+          </a:p>
+          <a:p>
+            <a:pPr marL="0" indent="0">
+              <a:buFont typeface="Arial" panose="020B0604020202020204" pitchFamily="34" charset="0"/>
+              <a:buNone/>
+            </a:pPr>
+            <a:r>
+              <a:rPr lang="en-US" baseline="0" dirty="0" smtClean="0"/>
+              <a:t>USB</a:t>
+            </a:r>
+          </a:p>
+          <a:p>
+            <a:pPr marL="0" indent="0">
+              <a:buFont typeface="Arial" panose="020B0604020202020204" pitchFamily="34" charset="0"/>
+              <a:buNone/>
+            </a:pPr>
+            <a:r>
+              <a:rPr lang="en-US" baseline="0" dirty="0" smtClean="0"/>
+              <a:t>Solid teal</a:t>
+            </a:r>
+          </a:p>
+          <a:p>
+            <a:pPr marL="0" indent="0">
+              <a:buFont typeface="Arial" panose="020B0604020202020204" pitchFamily="34" charset="0"/>
+              <a:buNone/>
+            </a:pPr>
+            <a:endParaRPr lang="en-US" baseline="0" dirty="0" smtClean="0"/>
+          </a:p>
+          <a:p>
+            <a:pPr marL="0" indent="0">
+              <a:buFont typeface="Arial" panose="020B0604020202020204" pitchFamily="34" charset="0"/>
+              <a:buNone/>
+            </a:pPr>
+            <a:r>
+              <a:rPr lang="en-US" baseline="0" dirty="0" smtClean="0"/>
+              <a:t>1 Second check. No faster</a:t>
+            </a:r>
+          </a:p>
+          <a:p>
+            <a:pPr marL="0" indent="0">
+              <a:buFont typeface="Arial" panose="020B0604020202020204" pitchFamily="34" charset="0"/>
+              <a:buNone/>
+            </a:pPr>
+            <a:r>
+              <a:rPr lang="en-US" baseline="0" dirty="0" smtClean="0"/>
+              <a:t>Counter logic for timed samples</a:t>
+            </a:r>
             <a:endParaRPr lang="en-US" dirty="0"/>
           </a:p>
         </p:txBody>
@@ -915,7 +1058,7 @@
           <a:p>
             <a:fld id="{80A39CBA-3246-41BD-B461-7A6F199FC541}" type="slidenum">
               <a:rPr lang="en-US" smtClean="0"/>
-              <a:t>20</a:t>
+              <a:t>17</a:t>
             </a:fld>
             <a:endParaRPr lang="en-US"/>
           </a:p>
@@ -924,7 +1067,7 @@
     </p:spTree>
     <p:extLst>
       <p:ext uri="{BB962C8B-B14F-4D97-AF65-F5344CB8AC3E}">
-        <p14:creationId xmlns:p14="http://schemas.microsoft.com/office/powerpoint/2010/main" val="195832879"/>
+        <p14:creationId xmlns:p14="http://schemas.microsoft.com/office/powerpoint/2010/main" val="2367590032"/>
       </p:ext>
     </p:extLst>
   </p:cSld>
@@ -980,16 +1123,7 @@
           <a:p>
             <a:r>
               <a:rPr lang="en-US" dirty="0" smtClean="0"/>
-              <a:t>Hand out documents</a:t>
-            </a:r>
-          </a:p>
-          <a:p>
-            <a:endParaRPr lang="en-US" dirty="0" smtClean="0"/>
-          </a:p>
-          <a:p>
-            <a:r>
-              <a:rPr lang="en-US" dirty="0" smtClean="0"/>
-              <a:t>Stop example experiment and process data</a:t>
+              <a:t>Scott starts</a:t>
             </a:r>
             <a:endParaRPr lang="en-US" dirty="0"/>
           </a:p>
@@ -1012,7 +1146,7 @@
           <a:p>
             <a:fld id="{80A39CBA-3246-41BD-B461-7A6F199FC541}" type="slidenum">
               <a:rPr lang="en-US" smtClean="0"/>
-              <a:t>21</a:t>
+              <a:t>18</a:t>
             </a:fld>
             <a:endParaRPr lang="en-US"/>
           </a:p>
@@ -1021,7 +1155,7 @@
     </p:spTree>
     <p:extLst>
       <p:ext uri="{BB962C8B-B14F-4D97-AF65-F5344CB8AC3E}">
-        <p14:creationId xmlns:p14="http://schemas.microsoft.com/office/powerpoint/2010/main" val="3155228114"/>
+        <p14:creationId xmlns:p14="http://schemas.microsoft.com/office/powerpoint/2010/main" val="2972674611"/>
       </p:ext>
     </p:extLst>
   </p:cSld>
@@ -1075,10 +1209,6 @@
           <a:bodyPr/>
           <a:lstStyle/>
           <a:p>
-            <a:r>
-              <a:rPr lang="en-US" dirty="0" smtClean="0"/>
-              <a:t>Start handing out documentation</a:t>
-            </a:r>
             <a:endParaRPr lang="en-US" dirty="0"/>
           </a:p>
         </p:txBody>
@@ -1100,7 +1230,7 @@
           <a:p>
             <a:fld id="{80A39CBA-3246-41BD-B461-7A6F199FC541}" type="slidenum">
               <a:rPr lang="en-US" smtClean="0"/>
-              <a:t>22</a:t>
+              <a:t>20</a:t>
             </a:fld>
             <a:endParaRPr lang="en-US"/>
           </a:p>
@@ -1109,7 +1239,7 @@
     </p:spTree>
     <p:extLst>
       <p:ext uri="{BB962C8B-B14F-4D97-AF65-F5344CB8AC3E}">
-        <p14:creationId xmlns:p14="http://schemas.microsoft.com/office/powerpoint/2010/main" val="3155165605"/>
+        <p14:creationId xmlns:p14="http://schemas.microsoft.com/office/powerpoint/2010/main" val="195832879"/>
       </p:ext>
     </p:extLst>
   </p:cSld>
@@ -1165,7 +1295,16 @@
           <a:p>
             <a:r>
               <a:rPr lang="en-US" dirty="0" smtClean="0"/>
-              <a:t>Bryan starts</a:t>
+              <a:t>Hand out documents</a:t>
+            </a:r>
+          </a:p>
+          <a:p>
+            <a:endParaRPr lang="en-US" dirty="0" smtClean="0"/>
+          </a:p>
+          <a:p>
+            <a:r>
+              <a:rPr lang="en-US" dirty="0" smtClean="0"/>
+              <a:t>Stop example experiment and process data</a:t>
             </a:r>
             <a:endParaRPr lang="en-US" dirty="0"/>
           </a:p>
@@ -1188,7 +1327,7 @@
           <a:p>
             <a:fld id="{80A39CBA-3246-41BD-B461-7A6F199FC541}" type="slidenum">
               <a:rPr lang="en-US" smtClean="0"/>
-              <a:t>24</a:t>
+              <a:t>21</a:t>
             </a:fld>
             <a:endParaRPr lang="en-US"/>
           </a:p>
@@ -1197,7 +1336,7 @@
     </p:spTree>
     <p:extLst>
       <p:ext uri="{BB962C8B-B14F-4D97-AF65-F5344CB8AC3E}">
-        <p14:creationId xmlns:p14="http://schemas.microsoft.com/office/powerpoint/2010/main" val="4218839055"/>
+        <p14:creationId xmlns:p14="http://schemas.microsoft.com/office/powerpoint/2010/main" val="3155228114"/>
       </p:ext>
     </p:extLst>
   </p:cSld>
@@ -1253,11 +1392,7 @@
           <a:p>
             <a:r>
               <a:rPr lang="en-US" dirty="0" smtClean="0"/>
-              <a:t>Current</a:t>
-            </a:r>
-            <a:r>
-              <a:rPr lang="en-US" baseline="0" dirty="0" smtClean="0"/>
-              <a:t> RTC loses time when power is lost</a:t>
+              <a:t>Start handing out documentation</a:t>
             </a:r>
             <a:endParaRPr lang="en-US" dirty="0"/>
           </a:p>
@@ -1280,7 +1415,7 @@
           <a:p>
             <a:fld id="{80A39CBA-3246-41BD-B461-7A6F199FC541}" type="slidenum">
               <a:rPr lang="en-US" smtClean="0"/>
-              <a:t>25</a:t>
+              <a:t>22</a:t>
             </a:fld>
             <a:endParaRPr lang="en-US"/>
           </a:p>
@@ -1289,7 +1424,7 @@
     </p:spTree>
     <p:extLst>
       <p:ext uri="{BB962C8B-B14F-4D97-AF65-F5344CB8AC3E}">
-        <p14:creationId xmlns:p14="http://schemas.microsoft.com/office/powerpoint/2010/main" val="2045565765"/>
+        <p14:creationId xmlns:p14="http://schemas.microsoft.com/office/powerpoint/2010/main" val="3155165605"/>
       </p:ext>
     </p:extLst>
   </p:cSld>
@@ -1343,6 +1478,10 @@
           <a:bodyPr/>
           <a:lstStyle/>
           <a:p>
+            <a:r>
+              <a:rPr lang="en-US" dirty="0" smtClean="0"/>
+              <a:t>Bryan starts</a:t>
+            </a:r>
             <a:endParaRPr lang="en-US" dirty="0"/>
           </a:p>
         </p:txBody>
@@ -1364,7 +1503,7 @@
           <a:p>
             <a:fld id="{80A39CBA-3246-41BD-B461-7A6F199FC541}" type="slidenum">
               <a:rPr lang="en-US" smtClean="0"/>
-              <a:t>26</a:t>
+              <a:t>24</a:t>
             </a:fld>
             <a:endParaRPr lang="en-US"/>
           </a:p>
@@ -1373,7 +1512,7 @@
     </p:spTree>
     <p:extLst>
       <p:ext uri="{BB962C8B-B14F-4D97-AF65-F5344CB8AC3E}">
-        <p14:creationId xmlns:p14="http://schemas.microsoft.com/office/powerpoint/2010/main" val="665995865"/>
+        <p14:creationId xmlns:p14="http://schemas.microsoft.com/office/powerpoint/2010/main" val="4218839055"/>
       </p:ext>
     </p:extLst>
   </p:cSld>
@@ -1427,27 +1566,15 @@
           <a:bodyPr/>
           <a:lstStyle/>
           <a:p>
-            <a:pPr marL="0" marR="0" indent="0" algn="l" defTabSz="914400" rtl="0" eaLnBrk="1" fontAlgn="auto" latinLnBrk="0" hangingPunct="1">
-              <a:lnSpc>
-                <a:spcPct val="100000"/>
-              </a:lnSpc>
-              <a:spcBef>
-                <a:spcPts val="0"/>
-              </a:spcBef>
-              <a:spcAft>
-                <a:spcPts val="0"/>
-              </a:spcAft>
-              <a:buClrTx/>
-              <a:buSzTx/>
-              <a:buFontTx/>
-              <a:buNone/>
-              <a:tabLst/>
-              <a:defRPr/>
-            </a:pPr>
-            <a:r>
-              <a:rPr lang="en-US" dirty="0" smtClean="0"/>
-              <a:t>Answer questions</a:t>
-            </a:r>
+            <a:r>
+              <a:rPr lang="en-US" dirty="0" smtClean="0"/>
+              <a:t>Current</a:t>
+            </a:r>
+            <a:r>
+              <a:rPr lang="en-US" baseline="0" dirty="0" smtClean="0"/>
+              <a:t> RTC loses time when power is lost</a:t>
+            </a:r>
+            <a:endParaRPr lang="en-US" dirty="0"/>
           </a:p>
         </p:txBody>
       </p:sp>
@@ -1468,7 +1595,7 @@
           <a:p>
             <a:fld id="{80A39CBA-3246-41BD-B461-7A6F199FC541}" type="slidenum">
               <a:rPr lang="en-US" smtClean="0"/>
-              <a:t>27</a:t>
+              <a:t>25</a:t>
             </a:fld>
             <a:endParaRPr lang="en-US"/>
           </a:p>
@@ -1477,7 +1604,91 @@
     </p:spTree>
     <p:extLst>
       <p:ext uri="{BB962C8B-B14F-4D97-AF65-F5344CB8AC3E}">
-        <p14:creationId xmlns:p14="http://schemas.microsoft.com/office/powerpoint/2010/main" val="2737554237"/>
+        <p14:creationId xmlns:p14="http://schemas.microsoft.com/office/powerpoint/2010/main" val="2045565765"/>
+      </p:ext>
+    </p:extLst>
+  </p:cSld>
+  <p:clrMapOvr>
+    <a:masterClrMapping/>
+  </p:clrMapOvr>
+</p:notes>
+</file>
+
+<file path=ppt/notesSlides/notesSlide19.xml><?xml version="1.0" encoding="utf-8"?>
+<p:notes xmlns:a="http://schemas.openxmlformats.org/drawingml/2006/main" xmlns:r="http://schemas.openxmlformats.org/officeDocument/2006/relationships" xmlns:p="http://schemas.openxmlformats.org/presentationml/2006/main">
+  <p:cSld>
+    <p:spTree>
+      <p:nvGrpSpPr>
+        <p:cNvPr id="1" name=""/>
+        <p:cNvGrpSpPr/>
+        <p:nvPr/>
+      </p:nvGrpSpPr>
+      <p:grpSpPr>
+        <a:xfrm>
+          <a:off x="0" y="0"/>
+          <a:ext cx="0" cy="0"/>
+          <a:chOff x="0" y="0"/>
+          <a:chExt cx="0" cy="0"/>
+        </a:xfrm>
+      </p:grpSpPr>
+      <p:sp>
+        <p:nvSpPr>
+          <p:cNvPr id="2" name="Slide Image Placeholder 1"/>
+          <p:cNvSpPr>
+            <a:spLocks noGrp="1" noRot="1" noChangeAspect="1"/>
+          </p:cNvSpPr>
+          <p:nvPr>
+            <p:ph type="sldImg"/>
+          </p:nvPr>
+        </p:nvSpPr>
+        <p:spPr/>
+      </p:sp>
+      <p:sp>
+        <p:nvSpPr>
+          <p:cNvPr id="3" name="Notes Placeholder 2"/>
+          <p:cNvSpPr>
+            <a:spLocks noGrp="1"/>
+          </p:cNvSpPr>
+          <p:nvPr>
+            <p:ph type="body" idx="1"/>
+          </p:nvPr>
+        </p:nvSpPr>
+        <p:spPr/>
+        <p:txBody>
+          <a:bodyPr/>
+          <a:lstStyle/>
+          <a:p>
+            <a:endParaRPr lang="en-US" dirty="0"/>
+          </a:p>
+        </p:txBody>
+      </p:sp>
+      <p:sp>
+        <p:nvSpPr>
+          <p:cNvPr id="4" name="Slide Number Placeholder 3"/>
+          <p:cNvSpPr>
+            <a:spLocks noGrp="1"/>
+          </p:cNvSpPr>
+          <p:nvPr>
+            <p:ph type="sldNum" sz="quarter" idx="10"/>
+          </p:nvPr>
+        </p:nvSpPr>
+        <p:spPr/>
+        <p:txBody>
+          <a:bodyPr/>
+          <a:lstStyle/>
+          <a:p>
+            <a:fld id="{80A39CBA-3246-41BD-B461-7A6F199FC541}" type="slidenum">
+              <a:rPr lang="en-US" smtClean="0"/>
+              <a:t>26</a:t>
+            </a:fld>
+            <a:endParaRPr lang="en-US"/>
+          </a:p>
+        </p:txBody>
+      </p:sp>
+    </p:spTree>
+    <p:extLst>
+      <p:ext uri="{BB962C8B-B14F-4D97-AF65-F5344CB8AC3E}">
+        <p14:creationId xmlns:p14="http://schemas.microsoft.com/office/powerpoint/2010/main" val="665995865"/>
       </p:ext>
     </p:extLst>
   </p:cSld>
@@ -1562,6 +1773,110 @@
     <p:extLst>
       <p:ext uri="{BB962C8B-B14F-4D97-AF65-F5344CB8AC3E}">
         <p14:creationId xmlns:p14="http://schemas.microsoft.com/office/powerpoint/2010/main" val="3587962732"/>
+      </p:ext>
+    </p:extLst>
+  </p:cSld>
+  <p:clrMapOvr>
+    <a:masterClrMapping/>
+  </p:clrMapOvr>
+</p:notes>
+</file>
+
+<file path=ppt/notesSlides/notesSlide20.xml><?xml version="1.0" encoding="utf-8"?>
+<p:notes xmlns:a="http://schemas.openxmlformats.org/drawingml/2006/main" xmlns:r="http://schemas.openxmlformats.org/officeDocument/2006/relationships" xmlns:p="http://schemas.openxmlformats.org/presentationml/2006/main">
+  <p:cSld>
+    <p:spTree>
+      <p:nvGrpSpPr>
+        <p:cNvPr id="1" name=""/>
+        <p:cNvGrpSpPr/>
+        <p:nvPr/>
+      </p:nvGrpSpPr>
+      <p:grpSpPr>
+        <a:xfrm>
+          <a:off x="0" y="0"/>
+          <a:ext cx="0" cy="0"/>
+          <a:chOff x="0" y="0"/>
+          <a:chExt cx="0" cy="0"/>
+        </a:xfrm>
+      </p:grpSpPr>
+      <p:sp>
+        <p:nvSpPr>
+          <p:cNvPr id="2" name="Slide Image Placeholder 1"/>
+          <p:cNvSpPr>
+            <a:spLocks noGrp="1" noRot="1" noChangeAspect="1"/>
+          </p:cNvSpPr>
+          <p:nvPr>
+            <p:ph type="sldImg"/>
+          </p:nvPr>
+        </p:nvSpPr>
+        <p:spPr/>
+      </p:sp>
+      <p:sp>
+        <p:nvSpPr>
+          <p:cNvPr id="3" name="Notes Placeholder 2"/>
+          <p:cNvSpPr>
+            <a:spLocks noGrp="1"/>
+          </p:cNvSpPr>
+          <p:nvPr>
+            <p:ph type="body" idx="1"/>
+          </p:nvPr>
+        </p:nvSpPr>
+        <p:spPr/>
+        <p:txBody>
+          <a:bodyPr/>
+          <a:lstStyle/>
+          <a:p>
+            <a:pPr marL="0" marR="0" indent="0" algn="l" defTabSz="914400" rtl="0" eaLnBrk="1" fontAlgn="auto" latinLnBrk="0" hangingPunct="1">
+              <a:lnSpc>
+                <a:spcPct val="100000"/>
+              </a:lnSpc>
+              <a:spcBef>
+                <a:spcPts val="0"/>
+              </a:spcBef>
+              <a:spcAft>
+                <a:spcPts val="0"/>
+              </a:spcAft>
+              <a:buClrTx/>
+              <a:buSzTx/>
+              <a:buFontTx/>
+              <a:buNone/>
+              <a:tabLst/>
+              <a:defRPr/>
+            </a:pPr>
+            <a:r>
+              <a:rPr lang="en-US" dirty="0" smtClean="0"/>
+              <a:t>Answer questions</a:t>
+            </a:r>
+          </a:p>
+        </p:txBody>
+      </p:sp>
+      <p:sp>
+        <p:nvSpPr>
+          <p:cNvPr id="4" name="Slide Number Placeholder 3"/>
+          <p:cNvSpPr>
+            <a:spLocks noGrp="1"/>
+          </p:cNvSpPr>
+          <p:nvPr>
+            <p:ph type="sldNum" sz="quarter" idx="10"/>
+          </p:nvPr>
+        </p:nvSpPr>
+        <p:spPr/>
+        <p:txBody>
+          <a:bodyPr/>
+          <a:lstStyle/>
+          <a:p>
+            <a:fld id="{80A39CBA-3246-41BD-B461-7A6F199FC541}" type="slidenum">
+              <a:rPr lang="en-US" smtClean="0"/>
+              <a:t>27</a:t>
+            </a:fld>
+            <a:endParaRPr lang="en-US"/>
+          </a:p>
+        </p:txBody>
+      </p:sp>
+    </p:spTree>
+    <p:extLst>
+      <p:ext uri="{BB962C8B-B14F-4D97-AF65-F5344CB8AC3E}">
+        <p14:creationId xmlns:p14="http://schemas.microsoft.com/office/powerpoint/2010/main" val="2737554237"/>
       </p:ext>
     </p:extLst>
   </p:cSld>
@@ -2139,8 +2454,41 @@
           <a:p>
             <a:r>
               <a:rPr lang="en-US" dirty="0" smtClean="0"/>
-              <a:t>Max starts</a:t>
-            </a:r>
+              <a:t>Max </a:t>
+            </a:r>
+            <a:r>
+              <a:rPr lang="en-US" dirty="0" smtClean="0"/>
+              <a:t>starts:</a:t>
+            </a:r>
+          </a:p>
+          <a:p>
+            <a:r>
+              <a:rPr lang="en-US" dirty="0" smtClean="0"/>
+              <a:t>All</a:t>
+            </a:r>
+            <a:r>
+              <a:rPr lang="en-US" baseline="0" dirty="0" smtClean="0"/>
+              <a:t> had experience with Arduino.</a:t>
+            </a:r>
+            <a:endParaRPr lang="en-US" dirty="0" smtClean="0"/>
+          </a:p>
+          <a:p>
+            <a:r>
+              <a:rPr lang="en-US" dirty="0" smtClean="0"/>
+              <a:t>Three</a:t>
+            </a:r>
+            <a:r>
+              <a:rPr lang="en-US" baseline="0" dirty="0" smtClean="0"/>
+              <a:t> with basic programming skills.</a:t>
+            </a:r>
+          </a:p>
+          <a:p>
+            <a:r>
+              <a:rPr lang="en-US" baseline="0" dirty="0" smtClean="0"/>
+              <a:t>Needed something easy to program and could handle all we needed.</a:t>
+            </a:r>
+          </a:p>
+          <a:p>
             <a:endParaRPr lang="en-US" dirty="0"/>
           </a:p>
         </p:txBody>
@@ -2225,6 +2573,38 @@
           <a:bodyPr/>
           <a:lstStyle/>
           <a:p>
+            <a:r>
+              <a:rPr lang="en-US" dirty="0" smtClean="0"/>
+              <a:t>Universal</a:t>
+            </a:r>
+            <a:r>
+              <a:rPr lang="en-US" baseline="0" dirty="0" smtClean="0"/>
+              <a:t> GPIO </a:t>
+            </a:r>
+          </a:p>
+          <a:p>
+            <a:r>
+              <a:rPr lang="en-US" baseline="0" dirty="0" smtClean="0"/>
+              <a:t>Analog Digital</a:t>
+            </a:r>
+          </a:p>
+          <a:p>
+            <a:r>
+              <a:rPr lang="en-US" baseline="0" dirty="0" smtClean="0"/>
+              <a:t>Multiplexed  ADC</a:t>
+            </a:r>
+          </a:p>
+          <a:p>
+            <a:r>
+              <a:rPr lang="en-US" baseline="0" dirty="0" smtClean="0"/>
+              <a:t>Programmable Gain</a:t>
+            </a:r>
+          </a:p>
+          <a:p>
+            <a:r>
+              <a:rPr lang="en-US" baseline="0" dirty="0" smtClean="0"/>
+              <a:t>Configurable Logic</a:t>
+            </a:r>
             <a:endParaRPr lang="en-US" dirty="0"/>
           </a:p>
         </p:txBody>
@@ -2246,7 +2626,7 @@
           <a:p>
             <a:fld id="{80A39CBA-3246-41BD-B461-7A6F199FC541}" type="slidenum">
               <a:rPr lang="en-US" smtClean="0"/>
-              <a:t>15</a:t>
+              <a:t>13</a:t>
             </a:fld>
             <a:endParaRPr lang="en-US"/>
           </a:p>
@@ -2255,7 +2635,7 @@
     </p:spTree>
     <p:extLst>
       <p:ext uri="{BB962C8B-B14F-4D97-AF65-F5344CB8AC3E}">
-        <p14:creationId xmlns:p14="http://schemas.microsoft.com/office/powerpoint/2010/main" val="2949825411"/>
+        <p14:creationId xmlns:p14="http://schemas.microsoft.com/office/powerpoint/2010/main" val="1423462918"/>
       </p:ext>
     </p:extLst>
   </p:cSld>
@@ -6450,7 +6830,7 @@
           <p:nvPr/>
         </p:nvPicPr>
         <p:blipFill>
-          <a:blip r:embed="rId2" cstate="print">
+          <a:blip r:embed="rId3" cstate="print">
             <a:extLst>
               <a:ext uri="{28A0092B-C50C-407E-A947-70E740481C1C}">
                 <a14:useLocalDpi xmlns:a14="http://schemas.microsoft.com/office/drawing/2010/main" val="0"/>
@@ -7182,25 +7562,25 @@
           <p:nvPr>
             <p:extLst>
               <p:ext uri="{D42A27DB-BD31-4B8C-83A1-F6EECF244321}">
-                <p14:modId xmlns:p14="http://schemas.microsoft.com/office/powerpoint/2010/main" val="3477684574"/>
+                <p14:modId xmlns:p14="http://schemas.microsoft.com/office/powerpoint/2010/main" val="771757372"/>
               </p:ext>
             </p:extLst>
           </p:nvPr>
         </p:nvGraphicFramePr>
         <p:xfrm>
-          <a:off x="312737" y="1257299"/>
+          <a:off x="350837" y="1257299"/>
           <a:ext cx="4556125" cy="4686300"/>
         </p:xfrm>
         <a:graphic>
           <a:graphicData uri="http://schemas.openxmlformats.org/presentationml/2006/ole">
             <mc:AlternateContent xmlns:mc="http://schemas.openxmlformats.org/markup-compatibility/2006">
               <mc:Choice xmlns:v="urn:schemas-microsoft-com:vml" Requires="v">
-                <p:oleObj spid="_x0000_s1042" r:id="rId3" imgW="6105482" imgH="6286618" progId="Visio.Drawing.15">
+                <p:oleObj spid="_x0000_s1048" name="Visio" r:id="rId4" imgW="6105857" imgH="6286760" progId="Visio.Drawing.15">
                   <p:embed/>
                 </p:oleObj>
               </mc:Choice>
               <mc:Fallback>
-                <p:oleObj r:id="rId3" imgW="6105482" imgH="6286618" progId="Visio.Drawing.15">
+                <p:oleObj name="Visio" r:id="rId4" imgW="6105857" imgH="6286760" progId="Visio.Drawing.15">
                   <p:embed/>
                   <p:pic>
                     <p:nvPicPr>
@@ -7211,13 +7591,7 @@
                       <p:nvPr/>
                     </p:nvPicPr>
                     <p:blipFill>
-                      <a:blip r:embed="rId4">
-                        <a:extLst>
-                          <a:ext uri="{28A0092B-C50C-407E-A947-70E740481C1C}">
-                            <a14:useLocalDpi xmlns:a14="http://schemas.microsoft.com/office/drawing/2010/main" val="0"/>
-                          </a:ext>
-                        </a:extLst>
-                      </a:blip>
+                      <a:blip r:embed="rId5"/>
                       <a:srcRect/>
                       <a:stretch>
                         <a:fillRect/>
@@ -7225,7 +7599,7 @@
                     </p:blipFill>
                     <p:spPr bwMode="auto">
                       <a:xfrm>
-                        <a:off x="312737" y="1257299"/>
+                        <a:off x="350837" y="1257299"/>
                         <a:ext cx="4556125" cy="4686300"/>
                       </a:xfrm>
                       <a:prstGeom prst="rect">
@@ -7415,11 +7789,7 @@
           <a:p>
             <a:r>
               <a:rPr lang="en-US" dirty="0" smtClean="0"/>
-              <a:t>LED </a:t>
-            </a:r>
-            <a:r>
-              <a:rPr lang="en-US" dirty="0" smtClean="0"/>
-              <a:t>System Indicator</a:t>
+              <a:t>LED System Indicator</a:t>
             </a:r>
           </a:p>
           <a:p>
@@ -7428,7 +7798,6 @@
               <a:rPr lang="en-US" dirty="0" smtClean="0"/>
               <a:t>Sample</a:t>
             </a:r>
-            <a:endParaRPr lang="en-US" dirty="0" smtClean="0"/>
           </a:p>
           <a:p>
             <a:pPr lvl="1"/>
@@ -7436,17 +7805,12 @@
               <a:rPr lang="en-US" dirty="0" smtClean="0"/>
               <a:t>Error</a:t>
             </a:r>
-            <a:endParaRPr lang="en-US" dirty="0" smtClean="0"/>
           </a:p>
           <a:p>
             <a:pPr lvl="1"/>
             <a:r>
               <a:rPr lang="en-US" dirty="0" smtClean="0"/>
-              <a:t>USB </a:t>
-            </a:r>
-            <a:r>
-              <a:rPr lang="en-US" dirty="0" smtClean="0"/>
-              <a:t>Connected</a:t>
+              <a:t>USB Connected</a:t>
             </a:r>
           </a:p>
           <a:p>
@@ -7855,16 +8219,11 @@
               <a:rPr lang="en-US" dirty="0" smtClean="0"/>
               <a:t>Sample Settings</a:t>
             </a:r>
-            <a:endParaRPr lang="en-US" dirty="0" smtClean="0"/>
-          </a:p>
-          <a:p>
-            <a:r>
-              <a:rPr lang="en-US" dirty="0" smtClean="0"/>
-              <a:t>Reference and </a:t>
-            </a:r>
-            <a:r>
-              <a:rPr lang="en-US" dirty="0" smtClean="0"/>
-              <a:t>Documentation</a:t>
+          </a:p>
+          <a:p>
+            <a:r>
+              <a:rPr lang="en-US" dirty="0" smtClean="0"/>
+              <a:t>Reference and Documentation</a:t>
             </a:r>
           </a:p>
         </p:txBody>
@@ -8615,25 +8974,13 @@
           <a:p>
             <a:r>
               <a:rPr lang="en-US" dirty="0" smtClean="0"/>
-              <a:t>User </a:t>
-            </a:r>
-            <a:r>
-              <a:rPr lang="en-US" dirty="0" smtClean="0"/>
-              <a:t>Manual</a:t>
-            </a:r>
-          </a:p>
-          <a:p>
-            <a:r>
-              <a:rPr lang="en-US" dirty="0" smtClean="0"/>
-              <a:t>Fundamentals </a:t>
-            </a:r>
-            <a:r>
-              <a:rPr lang="en-US" dirty="0" smtClean="0"/>
-              <a:t>of </a:t>
-            </a:r>
-            <a:r>
-              <a:rPr lang="en-US" dirty="0" smtClean="0"/>
-              <a:t>Electronics</a:t>
+              <a:t>User Manual</a:t>
+            </a:r>
+          </a:p>
+          <a:p>
+            <a:r>
+              <a:rPr lang="en-US" dirty="0" smtClean="0"/>
+              <a:t>Fundamentals of Electronics</a:t>
             </a:r>
             <a:endParaRPr lang="en-US" dirty="0"/>
           </a:p>
@@ -8814,14 +9161,12 @@
               <a:rPr lang="en-US" dirty="0" smtClean="0"/>
               <a:t>Specification</a:t>
             </a:r>
-            <a:endParaRPr lang="en-US" dirty="0" smtClean="0"/>
           </a:p>
           <a:p>
             <a:r>
               <a:rPr lang="en-US" dirty="0" smtClean="0"/>
               <a:t>Budget</a:t>
             </a:r>
-            <a:endParaRPr lang="en-US" dirty="0" smtClean="0"/>
           </a:p>
           <a:p>
             <a:r>
@@ -9170,22 +9515,14 @@
           <a:p>
             <a:r>
               <a:rPr lang="en-US" dirty="0" smtClean="0"/>
-              <a:t>Use </a:t>
-            </a:r>
-            <a:r>
-              <a:rPr lang="en-US" dirty="0" smtClean="0"/>
-              <a:t>Separate EEPROM</a:t>
+              <a:t>Use Separate EEPROM</a:t>
             </a:r>
           </a:p>
           <a:p>
             <a:pPr lvl="1"/>
             <a:r>
               <a:rPr lang="en-US" dirty="0" smtClean="0"/>
-              <a:t>Storage not Lost Due to Firmware </a:t>
-            </a:r>
-            <a:r>
-              <a:rPr lang="en-US" dirty="0" smtClean="0"/>
-              <a:t>Size</a:t>
+              <a:t>Storage not Lost Due to Firmware Size</a:t>
             </a:r>
           </a:p>
           <a:p>
@@ -9194,7 +9531,6 @@
               <a:rPr lang="en-US" dirty="0" smtClean="0"/>
               <a:t>Wear Leveling</a:t>
             </a:r>
-            <a:endParaRPr lang="en-US" dirty="0" smtClean="0"/>
           </a:p>
           <a:p>
             <a:r>
@@ -9206,13 +9542,8 @@
             <a:pPr lvl="1"/>
             <a:r>
               <a:rPr lang="en-US" dirty="0" smtClean="0"/>
-              <a:t>Button-Cell Battery </a:t>
-            </a:r>
-            <a:r>
-              <a:rPr lang="en-US" dirty="0" smtClean="0"/>
-              <a:t>Backup</a:t>
-            </a:r>
-            <a:endParaRPr lang="en-US" dirty="0" smtClean="0"/>
+              <a:t>Button-Cell Battery Backup</a:t>
+            </a:r>
           </a:p>
         </p:txBody>
       </p:sp>
@@ -9397,11 +9728,7 @@
           <a:p>
             <a:r>
               <a:rPr lang="en-US" dirty="0" smtClean="0"/>
-              <a:t>Power-Wire </a:t>
-            </a:r>
-            <a:r>
-              <a:rPr lang="en-US" dirty="0" smtClean="0"/>
-              <a:t>Strain Relief</a:t>
+              <a:t>Power-Wire Strain Relief</a:t>
             </a:r>
           </a:p>
           <a:p>
@@ -10605,13 +10932,8 @@
           <a:p>
             <a:r>
               <a:rPr lang="en-US" dirty="0" smtClean="0"/>
-              <a:t>Linear Power </a:t>
-            </a:r>
-            <a:r>
-              <a:rPr lang="en-US" dirty="0" smtClean="0"/>
-              <a:t>Supply</a:t>
-            </a:r>
-            <a:endParaRPr lang="en-US" dirty="0" smtClean="0"/>
+              <a:t>Linear Power Supply</a:t>
+            </a:r>
           </a:p>
           <a:p>
             <a:pPr lvl="1"/>

--- a/Documents/source_documents/Presentation.pptx
+++ b/Documents/source_documents/Presentation.pptx
@@ -170,7 +170,7 @@
       </p14:sectionLst>
     </p:ext>
     <p:ext uri="{EFAFB233-063F-42B5-8137-9DF3F51BA10A}">
-      <p15:sldGuideLst xmlns:p15="http://schemas.microsoft.com/office/powerpoint/2012/main">
+      <p15:sldGuideLst xmlns:p15="http://schemas.microsoft.com/office/powerpoint/2012/main" xmlns="">
         <p15:guide id="1" orient="horz" pos="2160">
           <p15:clr>
             <a:srgbClr val="A4A3A4"/>
@@ -184,7 +184,7 @@
       </p15:sldGuideLst>
     </p:ext>
     <p:ext uri="{2D200454-40CA-4A62-9FC3-DE9A4176ACB9}">
-      <p15:notesGuideLst xmlns:p15="http://schemas.microsoft.com/office/powerpoint/2012/main">
+      <p15:notesGuideLst xmlns:p15="http://schemas.microsoft.com/office/powerpoint/2012/main" xmlns="">
         <p15:guide id="1" orient="horz" pos="2880">
           <p15:clr>
             <a:srgbClr val="A4A3A4"/>
@@ -283,7 +283,7 @@
           <a:p>
             <a:fld id="{75F97464-49D0-4ABF-BA47-FB13333AE372}" type="datetimeFigureOut">
               <a:rPr lang="en-US" smtClean="0"/>
-              <a:t>6/5/2014</a:t>
+              <a:t>6/6/2014</a:t>
             </a:fld>
             <a:endParaRPr lang="en-US"/>
           </a:p>
@@ -704,20 +704,24 @@
           <a:p>
             <a:r>
               <a:rPr lang="en-US" dirty="0" smtClean="0"/>
-              <a:t>EDE</a:t>
+              <a:t>Errors:</a:t>
+            </a:r>
+          </a:p>
+          <a:p>
+            <a:r>
+              <a:rPr lang="en-US" dirty="0" smtClean="0"/>
+              <a:t>* Low</a:t>
             </a:r>
             <a:r>
               <a:rPr lang="en-US" baseline="0" dirty="0" smtClean="0"/>
-              <a:t> free to use. Graphical interface to simplify programming workload and design.</a:t>
+              <a:t> Battery (blink yellow)</a:t>
             </a:r>
           </a:p>
           <a:p>
             <a:r>
               <a:rPr lang="en-US" baseline="0" dirty="0" smtClean="0"/>
-              <a:t>APIs. Option Windows. Build Project creates foundational code. Can modify from there.</a:t>
-            </a:r>
-          </a:p>
-          <a:p>
+              <a:t>* Memory Full (red)</a:t>
+            </a:r>
             <a:endParaRPr lang="en-US" dirty="0"/>
           </a:p>
         </p:txBody>
@@ -739,7 +743,7 @@
           <a:p>
             <a:fld id="{80A39CBA-3246-41BD-B461-7A6F199FC541}" type="slidenum">
               <a:rPr lang="en-US" smtClean="0"/>
-              <a:t>15</a:t>
+              <a:t>17</a:t>
             </a:fld>
             <a:endParaRPr lang="en-US"/>
           </a:p>
@@ -748,7 +752,7 @@
     </p:spTree>
     <p:extLst>
       <p:ext uri="{BB962C8B-B14F-4D97-AF65-F5344CB8AC3E}">
-        <p14:creationId xmlns:p14="http://schemas.microsoft.com/office/powerpoint/2010/main" val="2949825411"/>
+        <p14:creationId xmlns:p14="http://schemas.microsoft.com/office/powerpoint/2010/main" val="2367590032"/>
       </p:ext>
     </p:extLst>
   </p:cSld>
@@ -804,59 +808,7 @@
           <a:p>
             <a:r>
               <a:rPr lang="en-US" dirty="0" smtClean="0"/>
-              <a:t>Keep basic.</a:t>
-            </a:r>
-          </a:p>
-          <a:p>
-            <a:r>
-              <a:rPr lang="en-US" dirty="0" smtClean="0"/>
-              <a:t>Wakes up every second to check for interrupt. </a:t>
-            </a:r>
-          </a:p>
-          <a:p>
-            <a:endParaRPr lang="en-US" dirty="0" smtClean="0"/>
-          </a:p>
-          <a:p>
-            <a:r>
-              <a:rPr lang="en-US" dirty="0" smtClean="0"/>
-              <a:t>Pointers</a:t>
-            </a:r>
-          </a:p>
-          <a:p>
-            <a:r>
-              <a:rPr lang="en-US" dirty="0" smtClean="0"/>
-              <a:t>Flash</a:t>
-            </a:r>
-          </a:p>
-          <a:p>
-            <a:r>
-              <a:rPr lang="en-US" dirty="0" smtClean="0"/>
-              <a:t>Interrupts.</a:t>
-            </a:r>
-          </a:p>
-          <a:p>
-            <a:r>
-              <a:rPr lang="en-US" dirty="0" smtClean="0"/>
-              <a:t>R2C Sampling</a:t>
-            </a:r>
-          </a:p>
-          <a:p>
-            <a:endParaRPr lang="en-US" dirty="0" smtClean="0"/>
-          </a:p>
-          <a:p>
-            <a:r>
-              <a:rPr lang="en-US" dirty="0" smtClean="0"/>
-              <a:t>Buttons interrupt.</a:t>
-            </a:r>
-          </a:p>
-          <a:p>
-            <a:r>
-              <a:rPr lang="en-US" dirty="0" smtClean="0"/>
-              <a:t>Once set up sleeps . Every second wakes up to check for flags.</a:t>
-            </a:r>
-            <a:r>
-              <a:rPr lang="en-US" baseline="0" dirty="0" smtClean="0"/>
-              <a:t> </a:t>
+              <a:t>Scott starts</a:t>
             </a:r>
             <a:endParaRPr lang="en-US" dirty="0"/>
           </a:p>
@@ -879,7 +831,7 @@
           <a:p>
             <a:fld id="{80A39CBA-3246-41BD-B461-7A6F199FC541}" type="slidenum">
               <a:rPr lang="en-US" smtClean="0"/>
-              <a:t>16</a:t>
+              <a:t>18</a:t>
             </a:fld>
             <a:endParaRPr lang="en-US"/>
           </a:p>
@@ -888,7 +840,7 @@
     </p:spTree>
     <p:extLst>
       <p:ext uri="{BB962C8B-B14F-4D97-AF65-F5344CB8AC3E}">
-        <p14:creationId xmlns:p14="http://schemas.microsoft.com/office/powerpoint/2010/main" val="3829864215"/>
+        <p14:creationId xmlns:p14="http://schemas.microsoft.com/office/powerpoint/2010/main" val="2972674611"/>
       </p:ext>
     </p:extLst>
   </p:cSld>
@@ -942,101 +894,6 @@
           <a:bodyPr/>
           <a:lstStyle/>
           <a:p>
-            <a:r>
-              <a:rPr lang="en-US" dirty="0" smtClean="0"/>
-              <a:t>Sample:</a:t>
-            </a:r>
-          </a:p>
-          <a:p>
-            <a:r>
-              <a:rPr lang="en-US" dirty="0" smtClean="0"/>
-              <a:t>Blue blink</a:t>
-            </a:r>
-          </a:p>
-          <a:p>
-            <a:r>
-              <a:rPr lang="en-US" dirty="0" smtClean="0"/>
-              <a:t>Errors</a:t>
-            </a:r>
-            <a:r>
-              <a:rPr lang="en-US" dirty="0" smtClean="0"/>
-              <a:t>:</a:t>
-            </a:r>
-          </a:p>
-          <a:p>
-            <a:r>
-              <a:rPr lang="en-US" dirty="0" smtClean="0"/>
-              <a:t>* Low</a:t>
-            </a:r>
-            <a:r>
-              <a:rPr lang="en-US" baseline="0" dirty="0" smtClean="0"/>
-              <a:t> Battery (blink yellow)</a:t>
-            </a:r>
-          </a:p>
-          <a:p>
-            <a:pPr marL="171450" indent="-171450">
-              <a:buFont typeface="Arial" panose="020B0604020202020204" pitchFamily="34" charset="0"/>
-              <a:buChar char="•"/>
-            </a:pPr>
-            <a:r>
-              <a:rPr lang="en-US" baseline="0" dirty="0" smtClean="0"/>
-              <a:t>Memory </a:t>
-            </a:r>
-            <a:r>
-              <a:rPr lang="en-US" baseline="0" dirty="0" smtClean="0"/>
-              <a:t>Full (red</a:t>
-            </a:r>
-            <a:r>
-              <a:rPr lang="en-US" baseline="0" dirty="0" smtClean="0"/>
-              <a:t>)</a:t>
-            </a:r>
-          </a:p>
-          <a:p>
-            <a:pPr marL="0" indent="0">
-              <a:buFont typeface="Arial" panose="020B0604020202020204" pitchFamily="34" charset="0"/>
-              <a:buNone/>
-            </a:pPr>
-            <a:r>
-              <a:rPr lang="en-US" baseline="0" dirty="0" smtClean="0"/>
-              <a:t>USB</a:t>
-            </a:r>
-          </a:p>
-          <a:p>
-            <a:pPr marL="0" indent="0">
-              <a:buFont typeface="Arial" panose="020B0604020202020204" pitchFamily="34" charset="0"/>
-              <a:buNone/>
-            </a:pPr>
-            <a:r>
-              <a:rPr lang="en-US" baseline="0" dirty="0" smtClean="0"/>
-              <a:t>Solid teal</a:t>
-            </a:r>
-          </a:p>
-          <a:p>
-            <a:pPr marL="0" indent="0">
-              <a:buFont typeface="Arial" panose="020B0604020202020204" pitchFamily="34" charset="0"/>
-              <a:buNone/>
-            </a:pPr>
-            <a:endParaRPr lang="en-US" baseline="0" dirty="0" smtClean="0"/>
-          </a:p>
-          <a:p>
-            <a:pPr marL="0" indent="0">
-              <a:buFont typeface="Arial" panose="020B0604020202020204" pitchFamily="34" charset="0"/>
-              <a:buNone/>
-            </a:pPr>
-            <a:r>
-              <a:rPr lang="en-US" baseline="0" dirty="0" smtClean="0"/>
-              <a:t>1 Second check. No faster</a:t>
-            </a:r>
-          </a:p>
-          <a:p>
-            <a:pPr marL="0" indent="0">
-              <a:buFont typeface="Arial" panose="020B0604020202020204" pitchFamily="34" charset="0"/>
-              <a:buNone/>
-            </a:pPr>
-            <a:r>
-              <a:rPr lang="en-US" baseline="0" dirty="0" smtClean="0"/>
-              <a:t>Counter logic for timed samples</a:t>
-            </a:r>
             <a:endParaRPr lang="en-US" dirty="0"/>
           </a:p>
         </p:txBody>
@@ -1058,7 +915,7 @@
           <a:p>
             <a:fld id="{80A39CBA-3246-41BD-B461-7A6F199FC541}" type="slidenum">
               <a:rPr lang="en-US" smtClean="0"/>
-              <a:t>17</a:t>
+              <a:t>20</a:t>
             </a:fld>
             <a:endParaRPr lang="en-US"/>
           </a:p>
@@ -1067,7 +924,7 @@
     </p:spTree>
     <p:extLst>
       <p:ext uri="{BB962C8B-B14F-4D97-AF65-F5344CB8AC3E}">
-        <p14:creationId xmlns:p14="http://schemas.microsoft.com/office/powerpoint/2010/main" val="2367590032"/>
+        <p14:creationId xmlns:p14="http://schemas.microsoft.com/office/powerpoint/2010/main" val="195832879"/>
       </p:ext>
     </p:extLst>
   </p:cSld>
@@ -1123,7 +980,16 @@
           <a:p>
             <a:r>
               <a:rPr lang="en-US" dirty="0" smtClean="0"/>
-              <a:t>Scott starts</a:t>
+              <a:t>Hand out documents</a:t>
+            </a:r>
+          </a:p>
+          <a:p>
+            <a:endParaRPr lang="en-US" dirty="0" smtClean="0"/>
+          </a:p>
+          <a:p>
+            <a:r>
+              <a:rPr lang="en-US" dirty="0" smtClean="0"/>
+              <a:t>Stop example experiment and process data</a:t>
             </a:r>
             <a:endParaRPr lang="en-US" dirty="0"/>
           </a:p>
@@ -1146,7 +1012,7 @@
           <a:p>
             <a:fld id="{80A39CBA-3246-41BD-B461-7A6F199FC541}" type="slidenum">
               <a:rPr lang="en-US" smtClean="0"/>
-              <a:t>18</a:t>
+              <a:t>21</a:t>
             </a:fld>
             <a:endParaRPr lang="en-US"/>
           </a:p>
@@ -1155,7 +1021,7 @@
     </p:spTree>
     <p:extLst>
       <p:ext uri="{BB962C8B-B14F-4D97-AF65-F5344CB8AC3E}">
-        <p14:creationId xmlns:p14="http://schemas.microsoft.com/office/powerpoint/2010/main" val="2972674611"/>
+        <p14:creationId xmlns:p14="http://schemas.microsoft.com/office/powerpoint/2010/main" val="3155228114"/>
       </p:ext>
     </p:extLst>
   </p:cSld>
@@ -1209,6 +1075,10 @@
           <a:bodyPr/>
           <a:lstStyle/>
           <a:p>
+            <a:r>
+              <a:rPr lang="en-US" dirty="0" smtClean="0"/>
+              <a:t>Start handing out documentation</a:t>
+            </a:r>
             <a:endParaRPr lang="en-US" dirty="0"/>
           </a:p>
         </p:txBody>
@@ -1230,7 +1100,7 @@
           <a:p>
             <a:fld id="{80A39CBA-3246-41BD-B461-7A6F199FC541}" type="slidenum">
               <a:rPr lang="en-US" smtClean="0"/>
-              <a:t>20</a:t>
+              <a:t>22</a:t>
             </a:fld>
             <a:endParaRPr lang="en-US"/>
           </a:p>
@@ -1239,7 +1109,7 @@
     </p:spTree>
     <p:extLst>
       <p:ext uri="{BB962C8B-B14F-4D97-AF65-F5344CB8AC3E}">
-        <p14:creationId xmlns:p14="http://schemas.microsoft.com/office/powerpoint/2010/main" val="195832879"/>
+        <p14:creationId xmlns:p14="http://schemas.microsoft.com/office/powerpoint/2010/main" val="3155165605"/>
       </p:ext>
     </p:extLst>
   </p:cSld>
@@ -1295,16 +1165,7 @@
           <a:p>
             <a:r>
               <a:rPr lang="en-US" dirty="0" smtClean="0"/>
-              <a:t>Hand out documents</a:t>
-            </a:r>
-          </a:p>
-          <a:p>
-            <a:endParaRPr lang="en-US" dirty="0" smtClean="0"/>
-          </a:p>
-          <a:p>
-            <a:r>
-              <a:rPr lang="en-US" dirty="0" smtClean="0"/>
-              <a:t>Stop example experiment and process data</a:t>
+              <a:t>Bryan starts</a:t>
             </a:r>
             <a:endParaRPr lang="en-US" dirty="0"/>
           </a:p>
@@ -1327,7 +1188,7 @@
           <a:p>
             <a:fld id="{80A39CBA-3246-41BD-B461-7A6F199FC541}" type="slidenum">
               <a:rPr lang="en-US" smtClean="0"/>
-              <a:t>21</a:t>
+              <a:t>24</a:t>
             </a:fld>
             <a:endParaRPr lang="en-US"/>
           </a:p>
@@ -1336,7 +1197,7 @@
     </p:spTree>
     <p:extLst>
       <p:ext uri="{BB962C8B-B14F-4D97-AF65-F5344CB8AC3E}">
-        <p14:creationId xmlns:p14="http://schemas.microsoft.com/office/powerpoint/2010/main" val="3155228114"/>
+        <p14:creationId xmlns:p14="http://schemas.microsoft.com/office/powerpoint/2010/main" val="4218839055"/>
       </p:ext>
     </p:extLst>
   </p:cSld>
@@ -1392,7 +1253,11 @@
           <a:p>
             <a:r>
               <a:rPr lang="en-US" dirty="0" smtClean="0"/>
-              <a:t>Start handing out documentation</a:t>
+              <a:t>Current</a:t>
+            </a:r>
+            <a:r>
+              <a:rPr lang="en-US" baseline="0" dirty="0" smtClean="0"/>
+              <a:t> RTC loses time when power is lost</a:t>
             </a:r>
             <a:endParaRPr lang="en-US" dirty="0"/>
           </a:p>
@@ -1415,7 +1280,7 @@
           <a:p>
             <a:fld id="{80A39CBA-3246-41BD-B461-7A6F199FC541}" type="slidenum">
               <a:rPr lang="en-US" smtClean="0"/>
-              <a:t>22</a:t>
+              <a:t>25</a:t>
             </a:fld>
             <a:endParaRPr lang="en-US"/>
           </a:p>
@@ -1424,7 +1289,7 @@
     </p:spTree>
     <p:extLst>
       <p:ext uri="{BB962C8B-B14F-4D97-AF65-F5344CB8AC3E}">
-        <p14:creationId xmlns:p14="http://schemas.microsoft.com/office/powerpoint/2010/main" val="3155165605"/>
+        <p14:creationId xmlns:p14="http://schemas.microsoft.com/office/powerpoint/2010/main" val="2045565765"/>
       </p:ext>
     </p:extLst>
   </p:cSld>
@@ -1478,10 +1343,6 @@
           <a:bodyPr/>
           <a:lstStyle/>
           <a:p>
-            <a:r>
-              <a:rPr lang="en-US" dirty="0" smtClean="0"/>
-              <a:t>Bryan starts</a:t>
-            </a:r>
             <a:endParaRPr lang="en-US" dirty="0"/>
           </a:p>
         </p:txBody>
@@ -1503,7 +1364,7 @@
           <a:p>
             <a:fld id="{80A39CBA-3246-41BD-B461-7A6F199FC541}" type="slidenum">
               <a:rPr lang="en-US" smtClean="0"/>
-              <a:t>24</a:t>
+              <a:t>26</a:t>
             </a:fld>
             <a:endParaRPr lang="en-US"/>
           </a:p>
@@ -1512,7 +1373,7 @@
     </p:spTree>
     <p:extLst>
       <p:ext uri="{BB962C8B-B14F-4D97-AF65-F5344CB8AC3E}">
-        <p14:creationId xmlns:p14="http://schemas.microsoft.com/office/powerpoint/2010/main" val="4218839055"/>
+        <p14:creationId xmlns:p14="http://schemas.microsoft.com/office/powerpoint/2010/main" val="665995865"/>
       </p:ext>
     </p:extLst>
   </p:cSld>
@@ -1566,15 +1427,27 @@
           <a:bodyPr/>
           <a:lstStyle/>
           <a:p>
-            <a:r>
-              <a:rPr lang="en-US" dirty="0" smtClean="0"/>
-              <a:t>Current</a:t>
-            </a:r>
-            <a:r>
-              <a:rPr lang="en-US" baseline="0" dirty="0" smtClean="0"/>
-              <a:t> RTC loses time when power is lost</a:t>
-            </a:r>
-            <a:endParaRPr lang="en-US" dirty="0"/>
+            <a:pPr marL="0" marR="0" indent="0" algn="l" defTabSz="914400" rtl="0" eaLnBrk="1" fontAlgn="auto" latinLnBrk="0" hangingPunct="1">
+              <a:lnSpc>
+                <a:spcPct val="100000"/>
+              </a:lnSpc>
+              <a:spcBef>
+                <a:spcPts val="0"/>
+              </a:spcBef>
+              <a:spcAft>
+                <a:spcPts val="0"/>
+              </a:spcAft>
+              <a:buClrTx/>
+              <a:buSzTx/>
+              <a:buFontTx/>
+              <a:buNone/>
+              <a:tabLst/>
+              <a:defRPr/>
+            </a:pPr>
+            <a:r>
+              <a:rPr lang="en-US" dirty="0" smtClean="0"/>
+              <a:t>Answer questions</a:t>
+            </a:r>
           </a:p>
         </p:txBody>
       </p:sp>
@@ -1595,7 +1468,7 @@
           <a:p>
             <a:fld id="{80A39CBA-3246-41BD-B461-7A6F199FC541}" type="slidenum">
               <a:rPr lang="en-US" smtClean="0"/>
-              <a:t>25</a:t>
+              <a:t>27</a:t>
             </a:fld>
             <a:endParaRPr lang="en-US"/>
           </a:p>
@@ -1604,91 +1477,7 @@
     </p:spTree>
     <p:extLst>
       <p:ext uri="{BB962C8B-B14F-4D97-AF65-F5344CB8AC3E}">
-        <p14:creationId xmlns:p14="http://schemas.microsoft.com/office/powerpoint/2010/main" val="2045565765"/>
-      </p:ext>
-    </p:extLst>
-  </p:cSld>
-  <p:clrMapOvr>
-    <a:masterClrMapping/>
-  </p:clrMapOvr>
-</p:notes>
-</file>
-
-<file path=ppt/notesSlides/notesSlide19.xml><?xml version="1.0" encoding="utf-8"?>
-<p:notes xmlns:a="http://schemas.openxmlformats.org/drawingml/2006/main" xmlns:r="http://schemas.openxmlformats.org/officeDocument/2006/relationships" xmlns:p="http://schemas.openxmlformats.org/presentationml/2006/main">
-  <p:cSld>
-    <p:spTree>
-      <p:nvGrpSpPr>
-        <p:cNvPr id="1" name=""/>
-        <p:cNvGrpSpPr/>
-        <p:nvPr/>
-      </p:nvGrpSpPr>
-      <p:grpSpPr>
-        <a:xfrm>
-          <a:off x="0" y="0"/>
-          <a:ext cx="0" cy="0"/>
-          <a:chOff x="0" y="0"/>
-          <a:chExt cx="0" cy="0"/>
-        </a:xfrm>
-      </p:grpSpPr>
-      <p:sp>
-        <p:nvSpPr>
-          <p:cNvPr id="2" name="Slide Image Placeholder 1"/>
-          <p:cNvSpPr>
-            <a:spLocks noGrp="1" noRot="1" noChangeAspect="1"/>
-          </p:cNvSpPr>
-          <p:nvPr>
-            <p:ph type="sldImg"/>
-          </p:nvPr>
-        </p:nvSpPr>
-        <p:spPr/>
-      </p:sp>
-      <p:sp>
-        <p:nvSpPr>
-          <p:cNvPr id="3" name="Notes Placeholder 2"/>
-          <p:cNvSpPr>
-            <a:spLocks noGrp="1"/>
-          </p:cNvSpPr>
-          <p:nvPr>
-            <p:ph type="body" idx="1"/>
-          </p:nvPr>
-        </p:nvSpPr>
-        <p:spPr/>
-        <p:txBody>
-          <a:bodyPr/>
-          <a:lstStyle/>
-          <a:p>
-            <a:endParaRPr lang="en-US" dirty="0"/>
-          </a:p>
-        </p:txBody>
-      </p:sp>
-      <p:sp>
-        <p:nvSpPr>
-          <p:cNvPr id="4" name="Slide Number Placeholder 3"/>
-          <p:cNvSpPr>
-            <a:spLocks noGrp="1"/>
-          </p:cNvSpPr>
-          <p:nvPr>
-            <p:ph type="sldNum" sz="quarter" idx="10"/>
-          </p:nvPr>
-        </p:nvSpPr>
-        <p:spPr/>
-        <p:txBody>
-          <a:bodyPr/>
-          <a:lstStyle/>
-          <a:p>
-            <a:fld id="{80A39CBA-3246-41BD-B461-7A6F199FC541}" type="slidenum">
-              <a:rPr lang="en-US" smtClean="0"/>
-              <a:t>26</a:t>
-            </a:fld>
-            <a:endParaRPr lang="en-US"/>
-          </a:p>
-        </p:txBody>
-      </p:sp>
-    </p:spTree>
-    <p:extLst>
-      <p:ext uri="{BB962C8B-B14F-4D97-AF65-F5344CB8AC3E}">
-        <p14:creationId xmlns:p14="http://schemas.microsoft.com/office/powerpoint/2010/main" val="665995865"/>
+        <p14:creationId xmlns:p14="http://schemas.microsoft.com/office/powerpoint/2010/main" val="2737554237"/>
       </p:ext>
     </p:extLst>
   </p:cSld>
@@ -1773,110 +1562,6 @@
     <p:extLst>
       <p:ext uri="{BB962C8B-B14F-4D97-AF65-F5344CB8AC3E}">
         <p14:creationId xmlns:p14="http://schemas.microsoft.com/office/powerpoint/2010/main" val="3587962732"/>
-      </p:ext>
-    </p:extLst>
-  </p:cSld>
-  <p:clrMapOvr>
-    <a:masterClrMapping/>
-  </p:clrMapOvr>
-</p:notes>
-</file>
-
-<file path=ppt/notesSlides/notesSlide20.xml><?xml version="1.0" encoding="utf-8"?>
-<p:notes xmlns:a="http://schemas.openxmlformats.org/drawingml/2006/main" xmlns:r="http://schemas.openxmlformats.org/officeDocument/2006/relationships" xmlns:p="http://schemas.openxmlformats.org/presentationml/2006/main">
-  <p:cSld>
-    <p:spTree>
-      <p:nvGrpSpPr>
-        <p:cNvPr id="1" name=""/>
-        <p:cNvGrpSpPr/>
-        <p:nvPr/>
-      </p:nvGrpSpPr>
-      <p:grpSpPr>
-        <a:xfrm>
-          <a:off x="0" y="0"/>
-          <a:ext cx="0" cy="0"/>
-          <a:chOff x="0" y="0"/>
-          <a:chExt cx="0" cy="0"/>
-        </a:xfrm>
-      </p:grpSpPr>
-      <p:sp>
-        <p:nvSpPr>
-          <p:cNvPr id="2" name="Slide Image Placeholder 1"/>
-          <p:cNvSpPr>
-            <a:spLocks noGrp="1" noRot="1" noChangeAspect="1"/>
-          </p:cNvSpPr>
-          <p:nvPr>
-            <p:ph type="sldImg"/>
-          </p:nvPr>
-        </p:nvSpPr>
-        <p:spPr/>
-      </p:sp>
-      <p:sp>
-        <p:nvSpPr>
-          <p:cNvPr id="3" name="Notes Placeholder 2"/>
-          <p:cNvSpPr>
-            <a:spLocks noGrp="1"/>
-          </p:cNvSpPr>
-          <p:nvPr>
-            <p:ph type="body" idx="1"/>
-          </p:nvPr>
-        </p:nvSpPr>
-        <p:spPr/>
-        <p:txBody>
-          <a:bodyPr/>
-          <a:lstStyle/>
-          <a:p>
-            <a:pPr marL="0" marR="0" indent="0" algn="l" defTabSz="914400" rtl="0" eaLnBrk="1" fontAlgn="auto" latinLnBrk="0" hangingPunct="1">
-              <a:lnSpc>
-                <a:spcPct val="100000"/>
-              </a:lnSpc>
-              <a:spcBef>
-                <a:spcPts val="0"/>
-              </a:spcBef>
-              <a:spcAft>
-                <a:spcPts val="0"/>
-              </a:spcAft>
-              <a:buClrTx/>
-              <a:buSzTx/>
-              <a:buFontTx/>
-              <a:buNone/>
-              <a:tabLst/>
-              <a:defRPr/>
-            </a:pPr>
-            <a:r>
-              <a:rPr lang="en-US" dirty="0" smtClean="0"/>
-              <a:t>Answer questions</a:t>
-            </a:r>
-          </a:p>
-        </p:txBody>
-      </p:sp>
-      <p:sp>
-        <p:nvSpPr>
-          <p:cNvPr id="4" name="Slide Number Placeholder 3"/>
-          <p:cNvSpPr>
-            <a:spLocks noGrp="1"/>
-          </p:cNvSpPr>
-          <p:nvPr>
-            <p:ph type="sldNum" sz="quarter" idx="10"/>
-          </p:nvPr>
-        </p:nvSpPr>
-        <p:spPr/>
-        <p:txBody>
-          <a:bodyPr/>
-          <a:lstStyle/>
-          <a:p>
-            <a:fld id="{80A39CBA-3246-41BD-B461-7A6F199FC541}" type="slidenum">
-              <a:rPr lang="en-US" smtClean="0"/>
-              <a:t>27</a:t>
-            </a:fld>
-            <a:endParaRPr lang="en-US"/>
-          </a:p>
-        </p:txBody>
-      </p:sp>
-    </p:spTree>
-    <p:extLst>
-      <p:ext uri="{BB962C8B-B14F-4D97-AF65-F5344CB8AC3E}">
-        <p14:creationId xmlns:p14="http://schemas.microsoft.com/office/powerpoint/2010/main" val="2737554237"/>
       </p:ext>
     </p:extLst>
   </p:cSld>
@@ -2020,7 +1705,23 @@
             </a:r>
             <a:r>
               <a:rPr lang="en-US" baseline="0" dirty="0" smtClean="0"/>
-              <a:t> starts</a:t>
+              <a:t> </a:t>
+            </a:r>
+            <a:r>
+              <a:rPr lang="en-US" baseline="0" dirty="0" smtClean="0"/>
+              <a:t>starts</a:t>
+            </a:r>
+          </a:p>
+          <a:p>
+            <a:r>
+              <a:rPr lang="en-US" baseline="0" dirty="0" smtClean="0"/>
+              <a:t>Discuss GPs</a:t>
+            </a:r>
+          </a:p>
+          <a:p>
+            <a:r>
+              <a:rPr lang="en-US" baseline="0" dirty="0" smtClean="0"/>
+              <a:t>Note power and interface and discuss in detail when they come up</a:t>
             </a:r>
             <a:endParaRPr lang="en-US" dirty="0"/>
           </a:p>
@@ -2454,41 +2155,8 @@
           <a:p>
             <a:r>
               <a:rPr lang="en-US" dirty="0" smtClean="0"/>
-              <a:t>Max </a:t>
-            </a:r>
-            <a:r>
-              <a:rPr lang="en-US" dirty="0" smtClean="0"/>
-              <a:t>starts:</a:t>
-            </a:r>
-          </a:p>
-          <a:p>
-            <a:r>
-              <a:rPr lang="en-US" dirty="0" smtClean="0"/>
-              <a:t>All</a:t>
-            </a:r>
-            <a:r>
-              <a:rPr lang="en-US" baseline="0" dirty="0" smtClean="0"/>
-              <a:t> had experience with Arduino.</a:t>
-            </a:r>
-            <a:endParaRPr lang="en-US" dirty="0" smtClean="0"/>
-          </a:p>
-          <a:p>
-            <a:r>
-              <a:rPr lang="en-US" dirty="0" smtClean="0"/>
-              <a:t>Three</a:t>
-            </a:r>
-            <a:r>
-              <a:rPr lang="en-US" baseline="0" dirty="0" smtClean="0"/>
-              <a:t> with basic programming skills.</a:t>
-            </a:r>
-          </a:p>
-          <a:p>
-            <a:r>
-              <a:rPr lang="en-US" baseline="0" dirty="0" smtClean="0"/>
-              <a:t>Needed something easy to program and could handle all we needed.</a:t>
-            </a:r>
-          </a:p>
-          <a:p>
+              <a:t>Max starts</a:t>
+            </a:r>
             <a:endParaRPr lang="en-US" dirty="0"/>
           </a:p>
         </p:txBody>
@@ -2573,38 +2241,6 @@
           <a:bodyPr/>
           <a:lstStyle/>
           <a:p>
-            <a:r>
-              <a:rPr lang="en-US" dirty="0" smtClean="0"/>
-              <a:t>Universal</a:t>
-            </a:r>
-            <a:r>
-              <a:rPr lang="en-US" baseline="0" dirty="0" smtClean="0"/>
-              <a:t> GPIO </a:t>
-            </a:r>
-          </a:p>
-          <a:p>
-            <a:r>
-              <a:rPr lang="en-US" baseline="0" dirty="0" smtClean="0"/>
-              <a:t>Analog Digital</a:t>
-            </a:r>
-          </a:p>
-          <a:p>
-            <a:r>
-              <a:rPr lang="en-US" baseline="0" dirty="0" smtClean="0"/>
-              <a:t>Multiplexed  ADC</a:t>
-            </a:r>
-          </a:p>
-          <a:p>
-            <a:r>
-              <a:rPr lang="en-US" baseline="0" dirty="0" smtClean="0"/>
-              <a:t>Programmable Gain</a:t>
-            </a:r>
-          </a:p>
-          <a:p>
-            <a:r>
-              <a:rPr lang="en-US" baseline="0" dirty="0" smtClean="0"/>
-              <a:t>Configurable Logic</a:t>
-            </a:r>
             <a:endParaRPr lang="en-US" dirty="0"/>
           </a:p>
         </p:txBody>
@@ -2626,7 +2262,7 @@
           <a:p>
             <a:fld id="{80A39CBA-3246-41BD-B461-7A6F199FC541}" type="slidenum">
               <a:rPr lang="en-US" smtClean="0"/>
-              <a:t>13</a:t>
+              <a:t>15</a:t>
             </a:fld>
             <a:endParaRPr lang="en-US"/>
           </a:p>
@@ -2635,7 +2271,7 @@
     </p:spTree>
     <p:extLst>
       <p:ext uri="{BB962C8B-B14F-4D97-AF65-F5344CB8AC3E}">
-        <p14:creationId xmlns:p14="http://schemas.microsoft.com/office/powerpoint/2010/main" val="1423462918"/>
+        <p14:creationId xmlns:p14="http://schemas.microsoft.com/office/powerpoint/2010/main" val="2949825411"/>
       </p:ext>
     </p:extLst>
   </p:cSld>
@@ -2889,7 +2525,7 @@
           <a:p>
             <a:fld id="{3E399128-3A6E-4265-83BD-088A220794F4}" type="datetime1">
               <a:rPr lang="en-US" smtClean="0"/>
-              <a:t>6/5/2014</a:t>
+              <a:t>6/6/2014</a:t>
             </a:fld>
             <a:endParaRPr lang="en-US"/>
           </a:p>
@@ -3085,7 +2721,7 @@
           <a:p>
             <a:fld id="{B7ADC19B-5FB9-4704-99F7-B6E940347A84}" type="datetime1">
               <a:rPr lang="en-US" smtClean="0"/>
-              <a:t>6/5/2014</a:t>
+              <a:t>6/6/2014</a:t>
             </a:fld>
             <a:endParaRPr lang="en-US"/>
           </a:p>
@@ -3334,7 +2970,7 @@
           <a:p>
             <a:fld id="{C29800E0-75F7-49C7-9A2B-4D6AEABEED8B}" type="datetime1">
               <a:rPr lang="en-US" smtClean="0"/>
-              <a:t>6/5/2014</a:t>
+              <a:t>6/6/2014</a:t>
             </a:fld>
             <a:endParaRPr lang="en-US"/>
           </a:p>
@@ -3658,7 +3294,7 @@
           <a:p>
             <a:fld id="{EFA17BF7-EF90-4DFB-80E4-BEDB24037ACB}" type="datetime1">
               <a:rPr lang="en-US" smtClean="0"/>
-              <a:t>6/5/2014</a:t>
+              <a:t>6/6/2014</a:t>
             </a:fld>
             <a:endParaRPr lang="en-US"/>
           </a:p>
@@ -3828,7 +3464,7 @@
           <a:p>
             <a:fld id="{C29800E0-75F7-49C7-9A2B-4D6AEABEED8B}" type="datetime1">
               <a:rPr lang="en-US" smtClean="0"/>
-              <a:t>6/5/2014</a:t>
+              <a:t>6/6/2014</a:t>
             </a:fld>
             <a:endParaRPr lang="en-US"/>
           </a:p>
@@ -4217,7 +3853,7 @@
           <a:p>
             <a:fld id="{B7016397-4199-4A8C-831C-12C1185F1413}" type="datetime1">
               <a:rPr lang="en-US" smtClean="0"/>
-              <a:t>6/5/2014</a:t>
+              <a:t>6/6/2014</a:t>
             </a:fld>
             <a:endParaRPr lang="en-US"/>
           </a:p>
@@ -4406,7 +4042,7 @@
           <a:p>
             <a:fld id="{C29800E0-75F7-49C7-9A2B-4D6AEABEED8B}" type="datetime1">
               <a:rPr lang="en-US" smtClean="0"/>
-              <a:t>6/5/2014</a:t>
+              <a:t>6/6/2014</a:t>
             </a:fld>
             <a:endParaRPr lang="en-US"/>
           </a:p>
@@ -4786,7 +4422,7 @@
           <a:p>
             <a:fld id="{3D5BC15F-23A8-447B-98F2-73382115937F}" type="datetime1">
               <a:rPr lang="en-US" smtClean="0"/>
-              <a:t>6/5/2014</a:t>
+              <a:t>6/6/2014</a:t>
             </a:fld>
             <a:endParaRPr lang="en-US"/>
           </a:p>
@@ -4992,7 +4628,7 @@
           <a:p>
             <a:fld id="{B7ADC19B-5FB9-4704-99F7-B6E940347A84}" type="datetime1">
               <a:rPr lang="en-US" smtClean="0"/>
-              <a:t>6/5/2014</a:t>
+              <a:t>6/6/2014</a:t>
             </a:fld>
             <a:endParaRPr lang="en-US"/>
           </a:p>
@@ -5336,7 +4972,7 @@
           <a:p>
             <a:fld id="{3D5BC15F-23A8-447B-98F2-73382115937F}" type="datetime1">
               <a:rPr lang="en-US" smtClean="0"/>
-              <a:t>6/5/2014</a:t>
+              <a:t>6/6/2014</a:t>
             </a:fld>
             <a:endParaRPr lang="en-US"/>
           </a:p>
@@ -5537,7 +5173,7 @@
           <a:p>
             <a:fld id="{2DF18BCA-8ECA-4CD0-84AF-ECA6D737D05C}" type="datetime1">
               <a:rPr lang="en-US" smtClean="0"/>
-              <a:t>6/5/2014</a:t>
+              <a:t>6/6/2014</a:t>
             </a:fld>
             <a:endParaRPr lang="en-US"/>
           </a:p>
@@ -6157,7 +5793,7 @@
           <a:p>
             <a:fld id="{7848CE29-B55F-4A30-A5BE-2588661F7426}" type="datetime1">
               <a:rPr lang="en-US" smtClean="0"/>
-              <a:t>6/5/2014</a:t>
+              <a:t>6/6/2014</a:t>
             </a:fld>
             <a:endParaRPr lang="en-US"/>
           </a:p>
@@ -6293,7 +5929,7 @@
           <a:p>
             <a:fld id="{C29800E0-75F7-49C7-9A2B-4D6AEABEED8B}" type="datetime1">
               <a:rPr lang="en-US" smtClean="0"/>
-              <a:t>6/5/2014</a:t>
+              <a:t>6/6/2014</a:t>
             </a:fld>
             <a:endParaRPr lang="en-US"/>
           </a:p>
@@ -6438,12 +6074,9 @@
             </a:r>
           </a:p>
           <a:p>
-            <a:r>
-              <a:rPr lang="en-US" dirty="0" smtClean="0"/>
-              <a:t>Mixed Ground Planes (Analog/Digital)</a:t>
-            </a:r>
-          </a:p>
-          <a:p>
+            <a:pPr marL="0" indent="0">
+              <a:buNone/>
+            </a:pPr>
             <a:endParaRPr lang="en-US" dirty="0"/>
           </a:p>
         </p:txBody>
@@ -6686,7 +6319,7 @@
           <a:p>
             <a:fld id="{511A9959-09E7-4DFF-AD9C-13860CBC9817}" type="datetime1">
               <a:rPr lang="en-US" smtClean="0"/>
-              <a:t>6/5/2014</a:t>
+              <a:t>6/6/2014</a:t>
             </a:fld>
             <a:endParaRPr lang="en-US"/>
           </a:p>
@@ -6830,7 +6463,7 @@
           <p:nvPr/>
         </p:nvPicPr>
         <p:blipFill>
-          <a:blip r:embed="rId3" cstate="print">
+          <a:blip r:embed="rId2" cstate="print">
             <a:extLst>
               <a:ext uri="{28A0092B-C50C-407E-A947-70E740481C1C}">
                 <a14:useLocalDpi xmlns:a14="http://schemas.microsoft.com/office/drawing/2010/main" val="0"/>
@@ -6868,7 +6501,7 @@
           <a:p>
             <a:fld id="{48E8C03F-E981-4D7C-B245-605A1ED2BB0C}" type="datetime1">
               <a:rPr lang="en-US" smtClean="0"/>
-              <a:t>6/5/2014</a:t>
+              <a:t>6/6/2014</a:t>
             </a:fld>
             <a:endParaRPr lang="en-US"/>
           </a:p>
@@ -7002,7 +6635,7 @@
           <a:p>
             <a:fld id="{3F200636-6250-4F89-B227-5D471D2DCAB3}" type="datetime1">
               <a:rPr lang="en-US" smtClean="0"/>
-              <a:t>6/5/2014</a:t>
+              <a:t>6/6/2014</a:t>
             </a:fld>
             <a:endParaRPr lang="en-US"/>
           </a:p>
@@ -7193,7 +6826,7 @@
           <a:p>
             <a:fld id="{60D7BE83-9D8A-4E84-AE8B-85636A3615EB}" type="datetime1">
               <a:rPr lang="en-US" smtClean="0"/>
-              <a:t>6/5/2014</a:t>
+              <a:t>6/6/2014</a:t>
             </a:fld>
             <a:endParaRPr lang="en-US"/>
           </a:p>
@@ -7352,7 +6985,7 @@
           <a:p>
             <a:fld id="{B7ADC19B-5FB9-4704-99F7-B6E940347A84}" type="datetime1">
               <a:rPr lang="en-US" smtClean="0"/>
-              <a:t>6/5/2014</a:t>
+              <a:t>6/6/2014</a:t>
             </a:fld>
             <a:endParaRPr lang="en-US"/>
           </a:p>
@@ -7562,25 +7195,25 @@
           <p:nvPr>
             <p:extLst>
               <p:ext uri="{D42A27DB-BD31-4B8C-83A1-F6EECF244321}">
-                <p14:modId xmlns:p14="http://schemas.microsoft.com/office/powerpoint/2010/main" val="771757372"/>
+                <p14:modId xmlns:p14="http://schemas.microsoft.com/office/powerpoint/2010/main" val="3477684574"/>
               </p:ext>
             </p:extLst>
           </p:nvPr>
         </p:nvGraphicFramePr>
         <p:xfrm>
-          <a:off x="350837" y="1257299"/>
+          <a:off x="312737" y="1257299"/>
           <a:ext cx="4556125" cy="4686300"/>
         </p:xfrm>
         <a:graphic>
           <a:graphicData uri="http://schemas.openxmlformats.org/presentationml/2006/ole">
             <mc:AlternateContent xmlns:mc="http://schemas.openxmlformats.org/markup-compatibility/2006">
               <mc:Choice xmlns:v="urn:schemas-microsoft-com:vml" Requires="v">
-                <p:oleObj spid="_x0000_s1048" name="Visio" r:id="rId4" imgW="6105857" imgH="6286760" progId="Visio.Drawing.15">
+                <p:oleObj spid="_x0000_s1044" r:id="rId3" imgW="6105482" imgH="6286618" progId="Visio.Drawing.15">
                   <p:embed/>
                 </p:oleObj>
               </mc:Choice>
               <mc:Fallback>
-                <p:oleObj name="Visio" r:id="rId4" imgW="6105857" imgH="6286760" progId="Visio.Drawing.15">
+                <p:oleObj r:id="rId3" imgW="6105482" imgH="6286618" progId="Visio.Drawing.15">
                   <p:embed/>
                   <p:pic>
                     <p:nvPicPr>
@@ -7591,7 +7224,13 @@
                       <p:nvPr/>
                     </p:nvPicPr>
                     <p:blipFill>
-                      <a:blip r:embed="rId5"/>
+                      <a:blip r:embed="rId4">
+                        <a:extLst>
+                          <a:ext uri="{28A0092B-C50C-407E-A947-70E740481C1C}">
+                            <a14:useLocalDpi xmlns:a14="http://schemas.microsoft.com/office/drawing/2010/main" val="0"/>
+                          </a:ext>
+                        </a:extLst>
+                      </a:blip>
                       <a:srcRect/>
                       <a:stretch>
                         <a:fillRect/>
@@ -7599,7 +7238,7 @@
                     </p:blipFill>
                     <p:spPr bwMode="auto">
                       <a:xfrm>
-                        <a:off x="350837" y="1257299"/>
+                        <a:off x="312737" y="1257299"/>
                         <a:ext cx="4556125" cy="4686300"/>
                       </a:xfrm>
                       <a:prstGeom prst="rect">
@@ -7691,7 +7330,7 @@
           <a:p>
             <a:fld id="{B7ADC19B-5FB9-4704-99F7-B6E940347A84}" type="datetime1">
               <a:rPr lang="en-US" smtClean="0"/>
-              <a:t>6/5/2014</a:t>
+              <a:t>6/6/2014</a:t>
             </a:fld>
             <a:endParaRPr lang="en-US"/>
           </a:p>
@@ -7904,7 +7543,7 @@
           <a:p>
             <a:fld id="{B7ADC19B-5FB9-4704-99F7-B6E940347A84}" type="datetime1">
               <a:rPr lang="en-US" smtClean="0"/>
-              <a:t>6/5/2014</a:t>
+              <a:t>6/6/2014</a:t>
             </a:fld>
             <a:endParaRPr lang="en-US"/>
           </a:p>
@@ -8119,7 +7758,7 @@
           <a:p>
             <a:fld id="{B7ADC19B-5FB9-4704-99F7-B6E940347A84}" type="datetime1">
               <a:rPr lang="en-US" smtClean="0"/>
-              <a:t>6/5/2014</a:t>
+              <a:t>6/6/2014</a:t>
             </a:fld>
             <a:endParaRPr lang="en-US"/>
           </a:p>
@@ -8312,7 +7951,7 @@
           <a:p>
             <a:fld id="{C29800E0-75F7-49C7-9A2B-4D6AEABEED8B}" type="datetime1">
               <a:rPr lang="en-US" smtClean="0"/>
-              <a:t>6/5/2014</a:t>
+              <a:t>6/6/2014</a:t>
             </a:fld>
             <a:endParaRPr lang="en-US"/>
           </a:p>
@@ -8560,7 +8199,7 @@
           <a:p>
             <a:fld id="{B7ADC19B-5FB9-4704-99F7-B6E940347A84}" type="datetime1">
               <a:rPr lang="en-US" smtClean="0"/>
-              <a:t>6/5/2014</a:t>
+              <a:t>6/6/2014</a:t>
             </a:fld>
             <a:endParaRPr lang="en-US"/>
           </a:p>
@@ -8741,7 +8380,7 @@
           <a:p>
             <a:fld id="{3D5BC15F-23A8-447B-98F2-73382115937F}" type="datetime1">
               <a:rPr lang="en-US" smtClean="0"/>
-              <a:t>6/5/2014</a:t>
+              <a:t>6/6/2014</a:t>
             </a:fld>
             <a:endParaRPr lang="en-US"/>
           </a:p>
@@ -8870,7 +8509,7 @@
           <a:p>
             <a:fld id="{B7ADC19B-5FB9-4704-99F7-B6E940347A84}" type="datetime1">
               <a:rPr lang="en-US" smtClean="0"/>
-              <a:t>6/5/2014</a:t>
+              <a:t>6/6/2014</a:t>
             </a:fld>
             <a:endParaRPr lang="en-US"/>
           </a:p>
@@ -9063,7 +8702,7 @@
           <a:p>
             <a:fld id="{B7ADC19B-5FB9-4704-99F7-B6E940347A84}" type="datetime1">
               <a:rPr lang="en-US" smtClean="0"/>
-              <a:t>6/5/2014</a:t>
+              <a:t>6/6/2014</a:t>
             </a:fld>
             <a:endParaRPr lang="en-US"/>
           </a:p>
@@ -9280,7 +8919,7 @@
           <a:p>
             <a:fld id="{B7016397-4199-4A8C-831C-12C1185F1413}" type="datetime1">
               <a:rPr lang="en-US" smtClean="0"/>
-              <a:t>6/5/2014</a:t>
+              <a:t>6/6/2014</a:t>
             </a:fld>
             <a:endParaRPr lang="en-US"/>
           </a:p>
@@ -9387,7 +9026,7 @@
           <a:p>
             <a:fld id="{C29800E0-75F7-49C7-9A2B-4D6AEABEED8B}" type="datetime1">
               <a:rPr lang="en-US" smtClean="0"/>
-              <a:t>6/5/2014</a:t>
+              <a:t>6/6/2014</a:t>
             </a:fld>
             <a:endParaRPr lang="en-US"/>
           </a:p>
@@ -9601,7 +9240,7 @@
           <a:p>
             <a:fld id="{C29800E0-75F7-49C7-9A2B-4D6AEABEED8B}" type="datetime1">
               <a:rPr lang="en-US" smtClean="0"/>
-              <a:t>6/5/2014</a:t>
+              <a:t>6/6/2014</a:t>
             </a:fld>
             <a:endParaRPr lang="en-US"/>
           </a:p>
@@ -9882,7 +9521,7 @@
           <a:p>
             <a:fld id="{C29800E0-75F7-49C7-9A2B-4D6AEABEED8B}" type="datetime1">
               <a:rPr lang="en-US" smtClean="0"/>
-              <a:t>6/5/2014</a:t>
+              <a:t>6/6/2014</a:t>
             </a:fld>
             <a:endParaRPr lang="en-US"/>
           </a:p>
@@ -10122,7 +9761,7 @@
           <a:p>
             <a:fld id="{36EE32E8-32C0-4483-A2D4-AA570CA4665C}" type="datetime1">
               <a:rPr lang="en-US" smtClean="0"/>
-              <a:t>6/5/2014</a:t>
+              <a:t>6/6/2014</a:t>
             </a:fld>
             <a:endParaRPr lang="en-US"/>
           </a:p>
@@ -10228,7 +9867,7 @@
           <a:p>
             <a:fld id="{C29800E0-75F7-49C7-9A2B-4D6AEABEED8B}" type="datetime1">
               <a:rPr lang="en-US" smtClean="0"/>
-              <a:t>6/5/2014</a:t>
+              <a:t>6/6/2014</a:t>
             </a:fld>
             <a:endParaRPr lang="en-US"/>
           </a:p>
@@ -10780,7 +10419,7 @@
           <a:p>
             <a:fld id="{D724E7E2-42E3-430D-820B-3127F0D86073}" type="datetime1">
               <a:rPr lang="en-US" smtClean="0"/>
-              <a:t>6/5/2014</a:t>
+              <a:t>6/6/2014</a:t>
             </a:fld>
             <a:endParaRPr lang="en-US"/>
           </a:p>
@@ -11002,7 +10641,7 @@
           <a:p>
             <a:fld id="{CE8AA357-2F88-48FD-861C-786C4915934F}" type="datetime1">
               <a:rPr lang="en-US" smtClean="0"/>
-              <a:t>6/5/2014</a:t>
+              <a:t>6/6/2014</a:t>
             </a:fld>
             <a:endParaRPr lang="en-US"/>
           </a:p>
@@ -11219,7 +10858,7 @@
           <a:p>
             <a:fld id="{083EEC35-4827-4E69-BD16-897B79CAC35F}" type="datetime1">
               <a:rPr lang="en-US" smtClean="0"/>
-              <a:t>6/5/2014</a:t>
+              <a:t>6/6/2014</a:t>
             </a:fld>
             <a:endParaRPr lang="en-US"/>
           </a:p>
@@ -11271,6 +10910,60 @@
           </a:p>
         </p:txBody>
       </p:sp>
+      <p:pic>
+        <p:nvPicPr>
+          <p:cNvPr id="2051" name="Picture 3"/>
+          <p:cNvPicPr>
+            <a:picLocks noChangeAspect="1" noChangeArrowheads="1"/>
+          </p:cNvPicPr>
+          <p:nvPr/>
+        </p:nvPicPr>
+        <p:blipFill>
+          <a:blip r:embed="rId3">
+            <a:extLst>
+              <a:ext uri="{28A0092B-C50C-407E-A947-70E740481C1C}">
+                <a14:useLocalDpi xmlns:a14="http://schemas.microsoft.com/office/drawing/2010/main" val="0"/>
+              </a:ext>
+            </a:extLst>
+          </a:blip>
+          <a:srcRect/>
+          <a:stretch>
+            <a:fillRect/>
+          </a:stretch>
+        </p:blipFill>
+        <p:spPr bwMode="auto">
+          <a:xfrm>
+            <a:off x="4724400" y="1679620"/>
+            <a:ext cx="2560320" cy="2597534"/>
+          </a:xfrm>
+          <a:prstGeom prst="rect">
+            <a:avLst/>
+          </a:prstGeom>
+          <a:noFill/>
+          <a:ln>
+            <a:noFill/>
+          </a:ln>
+          <a:extLst>
+            <a:ext uri="{909E8E84-426E-40DD-AFC4-6F175D3DCCD1}">
+              <a14:hiddenFill xmlns:a14="http://schemas.microsoft.com/office/drawing/2010/main">
+                <a:solidFill>
+                  <a:schemeClr val="accent1"/>
+                </a:solidFill>
+              </a14:hiddenFill>
+            </a:ext>
+            <a:ext uri="{91240B29-F687-4F45-9708-019B960494DF}">
+              <a14:hiddenLine xmlns:a14="http://schemas.microsoft.com/office/drawing/2010/main" w="9525">
+                <a:solidFill>
+                  <a:schemeClr val="tx1"/>
+                </a:solidFill>
+                <a:miter lim="800000"/>
+                <a:headEnd/>
+                <a:tailEnd/>
+              </a14:hiddenLine>
+            </a:ext>
+          </a:extLst>
+        </p:spPr>
+      </p:pic>
     </p:spTree>
     <p:extLst>
       <p:ext uri="{BB962C8B-B14F-4D97-AF65-F5344CB8AC3E}">
@@ -11414,7 +11107,7 @@
           <a:p>
             <a:fld id="{5CCE490F-6F2A-472B-9AC3-55962C89105B}" type="datetime1">
               <a:rPr lang="en-US" smtClean="0"/>
-              <a:t>6/5/2014</a:t>
+              <a:t>6/6/2014</a:t>
             </a:fld>
             <a:endParaRPr lang="en-US"/>
           </a:p>

--- a/Documents/source_documents/Presentation.pptx
+++ b/Documents/source_documents/Presentation.pptx
@@ -170,7 +170,7 @@
       </p14:sectionLst>
     </p:ext>
     <p:ext uri="{EFAFB233-063F-42B5-8137-9DF3F51BA10A}">
-      <p15:sldGuideLst xmlns:p15="http://schemas.microsoft.com/office/powerpoint/2012/main" xmlns="">
+      <p15:sldGuideLst xmlns:p15="http://schemas.microsoft.com/office/powerpoint/2012/main">
         <p15:guide id="1" orient="horz" pos="2160">
           <p15:clr>
             <a:srgbClr val="A4A3A4"/>
@@ -184,7 +184,7 @@
       </p15:sldGuideLst>
     </p:ext>
     <p:ext uri="{2D200454-40CA-4A62-9FC3-DE9A4176ACB9}">
-      <p15:notesGuideLst xmlns:p15="http://schemas.microsoft.com/office/powerpoint/2012/main" xmlns="">
+      <p15:notesGuideLst xmlns:p15="http://schemas.microsoft.com/office/powerpoint/2012/main">
         <p15:guide id="1" orient="horz" pos="2880">
           <p15:clr>
             <a:srgbClr val="A4A3A4"/>
@@ -704,25 +704,19 @@
           <a:p>
             <a:r>
               <a:rPr lang="en-US" dirty="0" smtClean="0"/>
-              <a:t>Errors:</a:t>
-            </a:r>
-          </a:p>
-          <a:p>
-            <a:r>
-              <a:rPr lang="en-US" dirty="0" smtClean="0"/>
-              <a:t>* Low</a:t>
+              <a:t>EDE</a:t>
             </a:r>
             <a:r>
               <a:rPr lang="en-US" baseline="0" dirty="0" smtClean="0"/>
-              <a:t> Battery (blink yellow)</a:t>
+              <a:t> free to use. Graphical interface to simplify programming workload and design.</a:t>
             </a:r>
           </a:p>
           <a:p>
             <a:r>
               <a:rPr lang="en-US" baseline="0" dirty="0" smtClean="0"/>
-              <a:t>* Memory Full (red)</a:t>
-            </a:r>
-            <a:endParaRPr lang="en-US" dirty="0"/>
+              <a:t>APIs. Option Windows. Build Project creates foundational code. Can modify from there.</a:t>
+            </a:r>
+            <a:endParaRPr lang="en-US" baseline="0" dirty="0" smtClean="0"/>
           </a:p>
         </p:txBody>
       </p:sp>
@@ -743,7 +737,7 @@
           <a:p>
             <a:fld id="{80A39CBA-3246-41BD-B461-7A6F199FC541}" type="slidenum">
               <a:rPr lang="en-US" smtClean="0"/>
-              <a:t>17</a:t>
+              <a:t>15</a:t>
             </a:fld>
             <a:endParaRPr lang="en-US"/>
           </a:p>
@@ -752,7 +746,7 @@
     </p:spTree>
     <p:extLst>
       <p:ext uri="{BB962C8B-B14F-4D97-AF65-F5344CB8AC3E}">
-        <p14:creationId xmlns:p14="http://schemas.microsoft.com/office/powerpoint/2010/main" val="2367590032"/>
+        <p14:creationId xmlns:p14="http://schemas.microsoft.com/office/powerpoint/2010/main" val="2949825411"/>
       </p:ext>
     </p:extLst>
   </p:cSld>
@@ -808,7 +802,59 @@
           <a:p>
             <a:r>
               <a:rPr lang="en-US" dirty="0" smtClean="0"/>
-              <a:t>Scott starts</a:t>
+              <a:t>Keep basic.</a:t>
+            </a:r>
+          </a:p>
+          <a:p>
+            <a:r>
+              <a:rPr lang="en-US" dirty="0" smtClean="0"/>
+              <a:t>Wakes up every second to check for interrupt. </a:t>
+            </a:r>
+          </a:p>
+          <a:p>
+            <a:endParaRPr lang="en-US" dirty="0" smtClean="0"/>
+          </a:p>
+          <a:p>
+            <a:r>
+              <a:rPr lang="en-US" dirty="0" smtClean="0"/>
+              <a:t>Pointers</a:t>
+            </a:r>
+          </a:p>
+          <a:p>
+            <a:r>
+              <a:rPr lang="en-US" dirty="0" smtClean="0"/>
+              <a:t>Flash</a:t>
+            </a:r>
+          </a:p>
+          <a:p>
+            <a:r>
+              <a:rPr lang="en-US" dirty="0" smtClean="0"/>
+              <a:t>Interrupts.</a:t>
+            </a:r>
+          </a:p>
+          <a:p>
+            <a:r>
+              <a:rPr lang="en-US" dirty="0" smtClean="0"/>
+              <a:t>RTC Sampling</a:t>
+            </a:r>
+          </a:p>
+          <a:p>
+            <a:endParaRPr lang="en-US" dirty="0" smtClean="0"/>
+          </a:p>
+          <a:p>
+            <a:r>
+              <a:rPr lang="en-US" dirty="0" smtClean="0"/>
+              <a:t>Buttons interrupt.</a:t>
+            </a:r>
+          </a:p>
+          <a:p>
+            <a:r>
+              <a:rPr lang="en-US" dirty="0" smtClean="0"/>
+              <a:t>Once set up sleeps . Every second wakes up to check for flags.</a:t>
+            </a:r>
+            <a:r>
+              <a:rPr lang="en-US" baseline="0" dirty="0" smtClean="0"/>
+              <a:t> </a:t>
             </a:r>
             <a:endParaRPr lang="en-US" dirty="0"/>
           </a:p>
@@ -831,7 +877,7 @@
           <a:p>
             <a:fld id="{80A39CBA-3246-41BD-B461-7A6F199FC541}" type="slidenum">
               <a:rPr lang="en-US" smtClean="0"/>
-              <a:t>18</a:t>
+              <a:t>16</a:t>
             </a:fld>
             <a:endParaRPr lang="en-US"/>
           </a:p>
@@ -840,7 +886,7 @@
     </p:spTree>
     <p:extLst>
       <p:ext uri="{BB962C8B-B14F-4D97-AF65-F5344CB8AC3E}">
-        <p14:creationId xmlns:p14="http://schemas.microsoft.com/office/powerpoint/2010/main" val="2972674611"/>
+        <p14:creationId xmlns:p14="http://schemas.microsoft.com/office/powerpoint/2010/main" val="276649526"/>
       </p:ext>
     </p:extLst>
   </p:cSld>
@@ -894,7 +940,101 @@
           <a:bodyPr/>
           <a:lstStyle/>
           <a:p>
-            <a:endParaRPr lang="en-US" dirty="0"/>
+            <a:r>
+              <a:rPr lang="en-US" dirty="0" smtClean="0"/>
+              <a:t>Will not show up as USB.</a:t>
+            </a:r>
+            <a:r>
+              <a:rPr lang="en-US" baseline="0" dirty="0" smtClean="0"/>
+              <a:t> Virtual COM Port.</a:t>
+            </a:r>
+            <a:endParaRPr lang="en-US" dirty="0" smtClean="0"/>
+          </a:p>
+          <a:p>
+            <a:r>
+              <a:rPr lang="en-US" dirty="0" smtClean="0"/>
+              <a:t>Sample:</a:t>
+            </a:r>
+          </a:p>
+          <a:p>
+            <a:r>
+              <a:rPr lang="en-US" dirty="0" smtClean="0"/>
+              <a:t>Blue blink</a:t>
+            </a:r>
+          </a:p>
+          <a:p>
+            <a:r>
+              <a:rPr lang="en-US" dirty="0" smtClean="0"/>
+              <a:t>Errors:</a:t>
+            </a:r>
+          </a:p>
+          <a:p>
+            <a:r>
+              <a:rPr lang="en-US" dirty="0" smtClean="0"/>
+              <a:t>* Low</a:t>
+            </a:r>
+            <a:r>
+              <a:rPr lang="en-US" baseline="0" dirty="0" smtClean="0"/>
+              <a:t> Battery (blink yellow)</a:t>
+            </a:r>
+          </a:p>
+          <a:p>
+            <a:pPr marL="171450" indent="-171450">
+              <a:buFont typeface="Arial" panose="020B0604020202020204" pitchFamily="34" charset="0"/>
+              <a:buChar char="•"/>
+            </a:pPr>
+            <a:r>
+              <a:rPr lang="en-US" baseline="0" dirty="0" smtClean="0"/>
+              <a:t>Memory Full (red)</a:t>
+            </a:r>
+          </a:p>
+          <a:p>
+            <a:pPr marL="0" indent="0">
+              <a:buFont typeface="Arial" panose="020B0604020202020204" pitchFamily="34" charset="0"/>
+              <a:buNone/>
+            </a:pPr>
+            <a:r>
+              <a:rPr lang="en-US" baseline="0" dirty="0" smtClean="0"/>
+              <a:t>USB</a:t>
+            </a:r>
+          </a:p>
+          <a:p>
+            <a:pPr marL="0" indent="0">
+              <a:buFont typeface="Arial" panose="020B0604020202020204" pitchFamily="34" charset="0"/>
+              <a:buNone/>
+            </a:pPr>
+            <a:r>
+              <a:rPr lang="en-US" baseline="0" dirty="0" smtClean="0"/>
+              <a:t>Solid teal</a:t>
+            </a:r>
+          </a:p>
+          <a:p>
+            <a:pPr marL="0" indent="0">
+              <a:buFont typeface="Arial" panose="020B0604020202020204" pitchFamily="34" charset="0"/>
+              <a:buNone/>
+            </a:pPr>
+            <a:endParaRPr lang="en-US" baseline="0" dirty="0" smtClean="0"/>
+          </a:p>
+          <a:p>
+            <a:pPr marL="0" indent="0">
+              <a:buFont typeface="Arial" panose="020B0604020202020204" pitchFamily="34" charset="0"/>
+              <a:buNone/>
+            </a:pPr>
+            <a:r>
+              <a:rPr lang="en-US" baseline="0" dirty="0" smtClean="0"/>
+              <a:t>1 Second check. No faster</a:t>
+            </a:r>
+          </a:p>
+          <a:p>
+            <a:pPr marL="0" indent="0">
+              <a:buFont typeface="Arial" panose="020B0604020202020204" pitchFamily="34" charset="0"/>
+              <a:buNone/>
+            </a:pPr>
+            <a:r>
+              <a:rPr lang="en-US" baseline="0" dirty="0" smtClean="0"/>
+              <a:t>Counter logic for timed samples</a:t>
+            </a:r>
+            <a:endParaRPr lang="en-US" baseline="0" dirty="0" smtClean="0"/>
           </a:p>
         </p:txBody>
       </p:sp>
@@ -915,7 +1055,7 @@
           <a:p>
             <a:fld id="{80A39CBA-3246-41BD-B461-7A6F199FC541}" type="slidenum">
               <a:rPr lang="en-US" smtClean="0"/>
-              <a:t>20</a:t>
+              <a:t>17</a:t>
             </a:fld>
             <a:endParaRPr lang="en-US"/>
           </a:p>
@@ -924,7 +1064,7 @@
     </p:spTree>
     <p:extLst>
       <p:ext uri="{BB962C8B-B14F-4D97-AF65-F5344CB8AC3E}">
-        <p14:creationId xmlns:p14="http://schemas.microsoft.com/office/powerpoint/2010/main" val="195832879"/>
+        <p14:creationId xmlns:p14="http://schemas.microsoft.com/office/powerpoint/2010/main" val="2367590032"/>
       </p:ext>
     </p:extLst>
   </p:cSld>
@@ -980,16 +1120,7 @@
           <a:p>
             <a:r>
               <a:rPr lang="en-US" dirty="0" smtClean="0"/>
-              <a:t>Hand out documents</a:t>
-            </a:r>
-          </a:p>
-          <a:p>
-            <a:endParaRPr lang="en-US" dirty="0" smtClean="0"/>
-          </a:p>
-          <a:p>
-            <a:r>
-              <a:rPr lang="en-US" dirty="0" smtClean="0"/>
-              <a:t>Stop example experiment and process data</a:t>
+              <a:t>Scott starts</a:t>
             </a:r>
             <a:endParaRPr lang="en-US" dirty="0"/>
           </a:p>
@@ -1012,7 +1143,7 @@
           <a:p>
             <a:fld id="{80A39CBA-3246-41BD-B461-7A6F199FC541}" type="slidenum">
               <a:rPr lang="en-US" smtClean="0"/>
-              <a:t>21</a:t>
+              <a:t>18</a:t>
             </a:fld>
             <a:endParaRPr lang="en-US"/>
           </a:p>
@@ -1021,7 +1152,7 @@
     </p:spTree>
     <p:extLst>
       <p:ext uri="{BB962C8B-B14F-4D97-AF65-F5344CB8AC3E}">
-        <p14:creationId xmlns:p14="http://schemas.microsoft.com/office/powerpoint/2010/main" val="3155228114"/>
+        <p14:creationId xmlns:p14="http://schemas.microsoft.com/office/powerpoint/2010/main" val="2972674611"/>
       </p:ext>
     </p:extLst>
   </p:cSld>
@@ -1075,10 +1206,6 @@
           <a:bodyPr/>
           <a:lstStyle/>
           <a:p>
-            <a:r>
-              <a:rPr lang="en-US" dirty="0" smtClean="0"/>
-              <a:t>Start handing out documentation</a:t>
-            </a:r>
             <a:endParaRPr lang="en-US" dirty="0"/>
           </a:p>
         </p:txBody>
@@ -1100,7 +1227,7 @@
           <a:p>
             <a:fld id="{80A39CBA-3246-41BD-B461-7A6F199FC541}" type="slidenum">
               <a:rPr lang="en-US" smtClean="0"/>
-              <a:t>22</a:t>
+              <a:t>20</a:t>
             </a:fld>
             <a:endParaRPr lang="en-US"/>
           </a:p>
@@ -1109,7 +1236,7 @@
     </p:spTree>
     <p:extLst>
       <p:ext uri="{BB962C8B-B14F-4D97-AF65-F5344CB8AC3E}">
-        <p14:creationId xmlns:p14="http://schemas.microsoft.com/office/powerpoint/2010/main" val="3155165605"/>
+        <p14:creationId xmlns:p14="http://schemas.microsoft.com/office/powerpoint/2010/main" val="195832879"/>
       </p:ext>
     </p:extLst>
   </p:cSld>
@@ -1165,7 +1292,16 @@
           <a:p>
             <a:r>
               <a:rPr lang="en-US" dirty="0" smtClean="0"/>
-              <a:t>Bryan starts</a:t>
+              <a:t>Hand out documents</a:t>
+            </a:r>
+          </a:p>
+          <a:p>
+            <a:endParaRPr lang="en-US" dirty="0" smtClean="0"/>
+          </a:p>
+          <a:p>
+            <a:r>
+              <a:rPr lang="en-US" dirty="0" smtClean="0"/>
+              <a:t>Stop example experiment and process data</a:t>
             </a:r>
             <a:endParaRPr lang="en-US" dirty="0"/>
           </a:p>
@@ -1188,7 +1324,7 @@
           <a:p>
             <a:fld id="{80A39CBA-3246-41BD-B461-7A6F199FC541}" type="slidenum">
               <a:rPr lang="en-US" smtClean="0"/>
-              <a:t>24</a:t>
+              <a:t>21</a:t>
             </a:fld>
             <a:endParaRPr lang="en-US"/>
           </a:p>
@@ -1197,7 +1333,7 @@
     </p:spTree>
     <p:extLst>
       <p:ext uri="{BB962C8B-B14F-4D97-AF65-F5344CB8AC3E}">
-        <p14:creationId xmlns:p14="http://schemas.microsoft.com/office/powerpoint/2010/main" val="4218839055"/>
+        <p14:creationId xmlns:p14="http://schemas.microsoft.com/office/powerpoint/2010/main" val="3155228114"/>
       </p:ext>
     </p:extLst>
   </p:cSld>
@@ -1253,11 +1389,7 @@
           <a:p>
             <a:r>
               <a:rPr lang="en-US" dirty="0" smtClean="0"/>
-              <a:t>Current</a:t>
-            </a:r>
-            <a:r>
-              <a:rPr lang="en-US" baseline="0" dirty="0" smtClean="0"/>
-              <a:t> RTC loses time when power is lost</a:t>
+              <a:t>Start handing out documentation</a:t>
             </a:r>
             <a:endParaRPr lang="en-US" dirty="0"/>
           </a:p>
@@ -1280,7 +1412,7 @@
           <a:p>
             <a:fld id="{80A39CBA-3246-41BD-B461-7A6F199FC541}" type="slidenum">
               <a:rPr lang="en-US" smtClean="0"/>
-              <a:t>25</a:t>
+              <a:t>22</a:t>
             </a:fld>
             <a:endParaRPr lang="en-US"/>
           </a:p>
@@ -1289,7 +1421,7 @@
     </p:spTree>
     <p:extLst>
       <p:ext uri="{BB962C8B-B14F-4D97-AF65-F5344CB8AC3E}">
-        <p14:creationId xmlns:p14="http://schemas.microsoft.com/office/powerpoint/2010/main" val="2045565765"/>
+        <p14:creationId xmlns:p14="http://schemas.microsoft.com/office/powerpoint/2010/main" val="3155165605"/>
       </p:ext>
     </p:extLst>
   </p:cSld>
@@ -1343,6 +1475,10 @@
           <a:bodyPr/>
           <a:lstStyle/>
           <a:p>
+            <a:r>
+              <a:rPr lang="en-US" dirty="0" smtClean="0"/>
+              <a:t>Bryan starts</a:t>
+            </a:r>
             <a:endParaRPr lang="en-US" dirty="0"/>
           </a:p>
         </p:txBody>
@@ -1364,7 +1500,7 @@
           <a:p>
             <a:fld id="{80A39CBA-3246-41BD-B461-7A6F199FC541}" type="slidenum">
               <a:rPr lang="en-US" smtClean="0"/>
-              <a:t>26</a:t>
+              <a:t>24</a:t>
             </a:fld>
             <a:endParaRPr lang="en-US"/>
           </a:p>
@@ -1373,7 +1509,7 @@
     </p:spTree>
     <p:extLst>
       <p:ext uri="{BB962C8B-B14F-4D97-AF65-F5344CB8AC3E}">
-        <p14:creationId xmlns:p14="http://schemas.microsoft.com/office/powerpoint/2010/main" val="665995865"/>
+        <p14:creationId xmlns:p14="http://schemas.microsoft.com/office/powerpoint/2010/main" val="4218839055"/>
       </p:ext>
     </p:extLst>
   </p:cSld>
@@ -1427,27 +1563,15 @@
           <a:bodyPr/>
           <a:lstStyle/>
           <a:p>
-            <a:pPr marL="0" marR="0" indent="0" algn="l" defTabSz="914400" rtl="0" eaLnBrk="1" fontAlgn="auto" latinLnBrk="0" hangingPunct="1">
-              <a:lnSpc>
-                <a:spcPct val="100000"/>
-              </a:lnSpc>
-              <a:spcBef>
-                <a:spcPts val="0"/>
-              </a:spcBef>
-              <a:spcAft>
-                <a:spcPts val="0"/>
-              </a:spcAft>
-              <a:buClrTx/>
-              <a:buSzTx/>
-              <a:buFontTx/>
-              <a:buNone/>
-              <a:tabLst/>
-              <a:defRPr/>
-            </a:pPr>
-            <a:r>
-              <a:rPr lang="en-US" dirty="0" smtClean="0"/>
-              <a:t>Answer questions</a:t>
-            </a:r>
+            <a:r>
+              <a:rPr lang="en-US" dirty="0" smtClean="0"/>
+              <a:t>Current</a:t>
+            </a:r>
+            <a:r>
+              <a:rPr lang="en-US" baseline="0" dirty="0" smtClean="0"/>
+              <a:t> RTC loses time when power is lost</a:t>
+            </a:r>
+            <a:endParaRPr lang="en-US" dirty="0"/>
           </a:p>
         </p:txBody>
       </p:sp>
@@ -1468,7 +1592,7 @@
           <a:p>
             <a:fld id="{80A39CBA-3246-41BD-B461-7A6F199FC541}" type="slidenum">
               <a:rPr lang="en-US" smtClean="0"/>
-              <a:t>27</a:t>
+              <a:t>25</a:t>
             </a:fld>
             <a:endParaRPr lang="en-US"/>
           </a:p>
@@ -1477,7 +1601,91 @@
     </p:spTree>
     <p:extLst>
       <p:ext uri="{BB962C8B-B14F-4D97-AF65-F5344CB8AC3E}">
-        <p14:creationId xmlns:p14="http://schemas.microsoft.com/office/powerpoint/2010/main" val="2737554237"/>
+        <p14:creationId xmlns:p14="http://schemas.microsoft.com/office/powerpoint/2010/main" val="2045565765"/>
+      </p:ext>
+    </p:extLst>
+  </p:cSld>
+  <p:clrMapOvr>
+    <a:masterClrMapping/>
+  </p:clrMapOvr>
+</p:notes>
+</file>
+
+<file path=ppt/notesSlides/notesSlide19.xml><?xml version="1.0" encoding="utf-8"?>
+<p:notes xmlns:a="http://schemas.openxmlformats.org/drawingml/2006/main" xmlns:r="http://schemas.openxmlformats.org/officeDocument/2006/relationships" xmlns:p="http://schemas.openxmlformats.org/presentationml/2006/main">
+  <p:cSld>
+    <p:spTree>
+      <p:nvGrpSpPr>
+        <p:cNvPr id="1" name=""/>
+        <p:cNvGrpSpPr/>
+        <p:nvPr/>
+      </p:nvGrpSpPr>
+      <p:grpSpPr>
+        <a:xfrm>
+          <a:off x="0" y="0"/>
+          <a:ext cx="0" cy="0"/>
+          <a:chOff x="0" y="0"/>
+          <a:chExt cx="0" cy="0"/>
+        </a:xfrm>
+      </p:grpSpPr>
+      <p:sp>
+        <p:nvSpPr>
+          <p:cNvPr id="2" name="Slide Image Placeholder 1"/>
+          <p:cNvSpPr>
+            <a:spLocks noGrp="1" noRot="1" noChangeAspect="1"/>
+          </p:cNvSpPr>
+          <p:nvPr>
+            <p:ph type="sldImg"/>
+          </p:nvPr>
+        </p:nvSpPr>
+        <p:spPr/>
+      </p:sp>
+      <p:sp>
+        <p:nvSpPr>
+          <p:cNvPr id="3" name="Notes Placeholder 2"/>
+          <p:cNvSpPr>
+            <a:spLocks noGrp="1"/>
+          </p:cNvSpPr>
+          <p:nvPr>
+            <p:ph type="body" idx="1"/>
+          </p:nvPr>
+        </p:nvSpPr>
+        <p:spPr/>
+        <p:txBody>
+          <a:bodyPr/>
+          <a:lstStyle/>
+          <a:p>
+            <a:endParaRPr lang="en-US" dirty="0"/>
+          </a:p>
+        </p:txBody>
+      </p:sp>
+      <p:sp>
+        <p:nvSpPr>
+          <p:cNvPr id="4" name="Slide Number Placeholder 3"/>
+          <p:cNvSpPr>
+            <a:spLocks noGrp="1"/>
+          </p:cNvSpPr>
+          <p:nvPr>
+            <p:ph type="sldNum" sz="quarter" idx="10"/>
+          </p:nvPr>
+        </p:nvSpPr>
+        <p:spPr/>
+        <p:txBody>
+          <a:bodyPr/>
+          <a:lstStyle/>
+          <a:p>
+            <a:fld id="{80A39CBA-3246-41BD-B461-7A6F199FC541}" type="slidenum">
+              <a:rPr lang="en-US" smtClean="0"/>
+              <a:t>26</a:t>
+            </a:fld>
+            <a:endParaRPr lang="en-US"/>
+          </a:p>
+        </p:txBody>
+      </p:sp>
+    </p:spTree>
+    <p:extLst>
+      <p:ext uri="{BB962C8B-B14F-4D97-AF65-F5344CB8AC3E}">
+        <p14:creationId xmlns:p14="http://schemas.microsoft.com/office/powerpoint/2010/main" val="665995865"/>
       </p:ext>
     </p:extLst>
   </p:cSld>
@@ -1562,6 +1770,110 @@
     <p:extLst>
       <p:ext uri="{BB962C8B-B14F-4D97-AF65-F5344CB8AC3E}">
         <p14:creationId xmlns:p14="http://schemas.microsoft.com/office/powerpoint/2010/main" val="3587962732"/>
+      </p:ext>
+    </p:extLst>
+  </p:cSld>
+  <p:clrMapOvr>
+    <a:masterClrMapping/>
+  </p:clrMapOvr>
+</p:notes>
+</file>
+
+<file path=ppt/notesSlides/notesSlide20.xml><?xml version="1.0" encoding="utf-8"?>
+<p:notes xmlns:a="http://schemas.openxmlformats.org/drawingml/2006/main" xmlns:r="http://schemas.openxmlformats.org/officeDocument/2006/relationships" xmlns:p="http://schemas.openxmlformats.org/presentationml/2006/main">
+  <p:cSld>
+    <p:spTree>
+      <p:nvGrpSpPr>
+        <p:cNvPr id="1" name=""/>
+        <p:cNvGrpSpPr/>
+        <p:nvPr/>
+      </p:nvGrpSpPr>
+      <p:grpSpPr>
+        <a:xfrm>
+          <a:off x="0" y="0"/>
+          <a:ext cx="0" cy="0"/>
+          <a:chOff x="0" y="0"/>
+          <a:chExt cx="0" cy="0"/>
+        </a:xfrm>
+      </p:grpSpPr>
+      <p:sp>
+        <p:nvSpPr>
+          <p:cNvPr id="2" name="Slide Image Placeholder 1"/>
+          <p:cNvSpPr>
+            <a:spLocks noGrp="1" noRot="1" noChangeAspect="1"/>
+          </p:cNvSpPr>
+          <p:nvPr>
+            <p:ph type="sldImg"/>
+          </p:nvPr>
+        </p:nvSpPr>
+        <p:spPr/>
+      </p:sp>
+      <p:sp>
+        <p:nvSpPr>
+          <p:cNvPr id="3" name="Notes Placeholder 2"/>
+          <p:cNvSpPr>
+            <a:spLocks noGrp="1"/>
+          </p:cNvSpPr>
+          <p:nvPr>
+            <p:ph type="body" idx="1"/>
+          </p:nvPr>
+        </p:nvSpPr>
+        <p:spPr/>
+        <p:txBody>
+          <a:bodyPr/>
+          <a:lstStyle/>
+          <a:p>
+            <a:pPr marL="0" marR="0" indent="0" algn="l" defTabSz="914400" rtl="0" eaLnBrk="1" fontAlgn="auto" latinLnBrk="0" hangingPunct="1">
+              <a:lnSpc>
+                <a:spcPct val="100000"/>
+              </a:lnSpc>
+              <a:spcBef>
+                <a:spcPts val="0"/>
+              </a:spcBef>
+              <a:spcAft>
+                <a:spcPts val="0"/>
+              </a:spcAft>
+              <a:buClrTx/>
+              <a:buSzTx/>
+              <a:buFontTx/>
+              <a:buNone/>
+              <a:tabLst/>
+              <a:defRPr/>
+            </a:pPr>
+            <a:r>
+              <a:rPr lang="en-US" dirty="0" smtClean="0"/>
+              <a:t>Answer questions</a:t>
+            </a:r>
+          </a:p>
+        </p:txBody>
+      </p:sp>
+      <p:sp>
+        <p:nvSpPr>
+          <p:cNvPr id="4" name="Slide Number Placeholder 3"/>
+          <p:cNvSpPr>
+            <a:spLocks noGrp="1"/>
+          </p:cNvSpPr>
+          <p:nvPr>
+            <p:ph type="sldNum" sz="quarter" idx="10"/>
+          </p:nvPr>
+        </p:nvSpPr>
+        <p:spPr/>
+        <p:txBody>
+          <a:bodyPr/>
+          <a:lstStyle/>
+          <a:p>
+            <a:fld id="{80A39CBA-3246-41BD-B461-7A6F199FC541}" type="slidenum">
+              <a:rPr lang="en-US" smtClean="0"/>
+              <a:t>27</a:t>
+            </a:fld>
+            <a:endParaRPr lang="en-US"/>
+          </a:p>
+        </p:txBody>
+      </p:sp>
+    </p:spTree>
+    <p:extLst>
+      <p:ext uri="{BB962C8B-B14F-4D97-AF65-F5344CB8AC3E}">
+        <p14:creationId xmlns:p14="http://schemas.microsoft.com/office/powerpoint/2010/main" val="2737554237"/>
       </p:ext>
     </p:extLst>
   </p:cSld>
@@ -1705,11 +2017,7 @@
             </a:r>
             <a:r>
               <a:rPr lang="en-US" baseline="0" dirty="0" smtClean="0"/>
-              <a:t> </a:t>
-            </a:r>
-            <a:r>
-              <a:rPr lang="en-US" baseline="0" dirty="0" smtClean="0"/>
-              <a:t>starts</a:t>
+              <a:t> starts</a:t>
             </a:r>
           </a:p>
           <a:p>
@@ -2157,6 +2465,54 @@
               <a:rPr lang="en-US" dirty="0" smtClean="0"/>
               <a:t>Max starts</a:t>
             </a:r>
+          </a:p>
+          <a:p>
+            <a:r>
+              <a:rPr lang="en-US" dirty="0" smtClean="0"/>
+              <a:t>One Comp E. Three</a:t>
+            </a:r>
+            <a:r>
+              <a:rPr lang="en-US" baseline="0" dirty="0" smtClean="0"/>
+              <a:t> with basic programming skills.</a:t>
+            </a:r>
+          </a:p>
+          <a:p>
+            <a:pPr marL="0" marR="0" indent="0" algn="l" defTabSz="914400" rtl="0" eaLnBrk="1" fontAlgn="auto" latinLnBrk="0" hangingPunct="1">
+              <a:lnSpc>
+                <a:spcPct val="100000"/>
+              </a:lnSpc>
+              <a:spcBef>
+                <a:spcPts val="0"/>
+              </a:spcBef>
+              <a:spcAft>
+                <a:spcPts val="0"/>
+              </a:spcAft>
+              <a:buClrTx/>
+              <a:buSzTx/>
+              <a:buFontTx/>
+              <a:buNone/>
+              <a:tabLst/>
+              <a:defRPr/>
+            </a:pPr>
+            <a:r>
+              <a:rPr lang="en-US" dirty="0" smtClean="0"/>
+              <a:t>All</a:t>
+            </a:r>
+            <a:r>
+              <a:rPr lang="en-US" baseline="0" dirty="0" smtClean="0"/>
+              <a:t> had experience with Arduino. Simple IDEs</a:t>
+            </a:r>
+          </a:p>
+          <a:p>
+            <a:r>
+              <a:rPr lang="en-US" baseline="0" dirty="0" smtClean="0"/>
+              <a:t>Needed something easy to program and could handle all we needed.</a:t>
+            </a:r>
+          </a:p>
+          <a:p>
+            <a:endParaRPr lang="en-US" dirty="0" smtClean="0"/>
+          </a:p>
+          <a:p>
             <a:endParaRPr lang="en-US" dirty="0"/>
           </a:p>
         </p:txBody>
@@ -2241,6 +2597,38 @@
           <a:bodyPr/>
           <a:lstStyle/>
           <a:p>
+            <a:r>
+              <a:rPr lang="en-US" dirty="0" smtClean="0"/>
+              <a:t>Universal</a:t>
+            </a:r>
+            <a:r>
+              <a:rPr lang="en-US" baseline="0" dirty="0" smtClean="0"/>
+              <a:t> GPIO </a:t>
+            </a:r>
+          </a:p>
+          <a:p>
+            <a:r>
+              <a:rPr lang="en-US" baseline="0" dirty="0" smtClean="0"/>
+              <a:t>Analog Digital</a:t>
+            </a:r>
+          </a:p>
+          <a:p>
+            <a:r>
+              <a:rPr lang="en-US" baseline="0" dirty="0" smtClean="0"/>
+              <a:t>Multiplexed  ADC</a:t>
+            </a:r>
+          </a:p>
+          <a:p>
+            <a:r>
+              <a:rPr lang="en-US" baseline="0" dirty="0" smtClean="0"/>
+              <a:t>Programmable Gain</a:t>
+            </a:r>
+          </a:p>
+          <a:p>
+            <a:r>
+              <a:rPr lang="en-US" baseline="0" dirty="0" smtClean="0"/>
+              <a:t>Configurable Logic</a:t>
+            </a:r>
             <a:endParaRPr lang="en-US" dirty="0"/>
           </a:p>
         </p:txBody>
@@ -2262,7 +2650,7 @@
           <a:p>
             <a:fld id="{80A39CBA-3246-41BD-B461-7A6F199FC541}" type="slidenum">
               <a:rPr lang="en-US" smtClean="0"/>
-              <a:t>15</a:t>
+              <a:t>13</a:t>
             </a:fld>
             <a:endParaRPr lang="en-US"/>
           </a:p>
@@ -2271,7 +2659,7 @@
     </p:spTree>
     <p:extLst>
       <p:ext uri="{BB962C8B-B14F-4D97-AF65-F5344CB8AC3E}">
-        <p14:creationId xmlns:p14="http://schemas.microsoft.com/office/powerpoint/2010/main" val="2949825411"/>
+        <p14:creationId xmlns:p14="http://schemas.microsoft.com/office/powerpoint/2010/main" val="1410123488"/>
       </p:ext>
     </p:extLst>
   </p:cSld>
@@ -6181,23 +6569,55 @@
           </a:xfrm>
         </p:spPr>
         <p:txBody>
-          <a:bodyPr/>
-          <a:lstStyle/>
-          <a:p>
-            <a:r>
-              <a:rPr lang="en-US" dirty="0" smtClean="0"/>
-              <a:t>Development Kit – Rapid Prototyping</a:t>
-            </a:r>
-          </a:p>
-          <a:p>
-            <a:r>
-              <a:rPr lang="en-US" dirty="0" smtClean="0"/>
-              <a:t>Flexible Architecture</a:t>
+          <a:bodyPr>
+            <a:normAutofit/>
+          </a:bodyPr>
+          <a:lstStyle/>
+          <a:p>
+            <a:r>
+              <a:rPr lang="en-US" dirty="0"/>
+              <a:t>One Chip Solution</a:t>
             </a:r>
           </a:p>
           <a:p>
             <a:pPr lvl="1"/>
             <a:r>
+              <a:rPr lang="en-US" dirty="0"/>
+              <a:t>Real Time Clock</a:t>
+            </a:r>
+          </a:p>
+          <a:p>
+            <a:pPr lvl="1"/>
+            <a:r>
+              <a:rPr lang="en-US" dirty="0"/>
+              <a:t>USB Controller</a:t>
+            </a:r>
+          </a:p>
+          <a:p>
+            <a:pPr lvl="1"/>
+            <a:r>
+              <a:rPr lang="en-US" dirty="0"/>
+              <a:t>Hardware </a:t>
+            </a:r>
+            <a:r>
+              <a:rPr lang="en-US" dirty="0" smtClean="0"/>
+              <a:t>Emulation</a:t>
+            </a:r>
+            <a:endParaRPr lang="en-US" dirty="0" smtClean="0"/>
+          </a:p>
+          <a:p>
+            <a:r>
+              <a:rPr lang="en-US" dirty="0" smtClean="0"/>
+              <a:t>Flexible </a:t>
+            </a:r>
+            <a:r>
+              <a:rPr lang="en-US" dirty="0" smtClean="0"/>
+              <a:t>Architecture</a:t>
+            </a:r>
+          </a:p>
+          <a:p>
+            <a:pPr lvl="1"/>
+            <a:r>
               <a:rPr lang="en-US" dirty="0" smtClean="0"/>
               <a:t>Universal Digital Blocks</a:t>
             </a:r>
@@ -6212,29 +6632,16 @@
           <a:p>
             <a:r>
               <a:rPr lang="en-US" dirty="0" smtClean="0"/>
-              <a:t>One Chip Solution</a:t>
+              <a:t>Development </a:t>
+            </a:r>
+            <a:r>
+              <a:rPr lang="en-US" dirty="0"/>
+              <a:t>Kit – Rapid Prototyping</a:t>
             </a:r>
           </a:p>
           <a:p>
             <a:pPr lvl="1"/>
-            <a:r>
-              <a:rPr lang="en-US" dirty="0" smtClean="0"/>
-              <a:t>Real Time Clock</a:t>
-            </a:r>
-          </a:p>
-          <a:p>
-            <a:pPr lvl="1"/>
-            <a:r>
-              <a:rPr lang="en-US" dirty="0" smtClean="0"/>
-              <a:t>USB Controller</a:t>
-            </a:r>
-          </a:p>
-          <a:p>
-            <a:pPr lvl="1"/>
-            <a:r>
-              <a:rPr lang="en-US" dirty="0" smtClean="0"/>
-              <a:t>Hardware Emulation</a:t>
-            </a:r>
+            <a:endParaRPr lang="en-US" dirty="0" smtClean="0"/>
           </a:p>
           <a:p>
             <a:pPr lvl="1"/>
@@ -6264,7 +6671,7 @@
         </p:blipFill>
         <p:spPr>
           <a:xfrm>
-            <a:off x="5215158" y="4142056"/>
+            <a:off x="4114800" y="2743200"/>
             <a:ext cx="2709641" cy="2032231"/>
           </a:xfrm>
           <a:prstGeom prst="rect">
@@ -6294,7 +6701,7 @@
         </p:blipFill>
         <p:spPr>
           <a:xfrm>
-            <a:off x="6172200" y="2454012"/>
+            <a:off x="5859656" y="1778430"/>
             <a:ext cx="1387088" cy="1379780"/>
           </a:xfrm>
           <a:prstGeom prst="rect">
@@ -6463,7 +6870,7 @@
           <p:nvPr/>
         </p:nvPicPr>
         <p:blipFill>
-          <a:blip r:embed="rId2" cstate="print">
+          <a:blip r:embed="rId3" cstate="print">
             <a:extLst>
               <a:ext uri="{28A0092B-C50C-407E-A947-70E740481C1C}">
                 <a14:useLocalDpi xmlns:a14="http://schemas.microsoft.com/office/drawing/2010/main" val="0"/>
@@ -7195,7 +7602,7 @@
           <p:nvPr>
             <p:extLst>
               <p:ext uri="{D42A27DB-BD31-4B8C-83A1-F6EECF244321}">
-                <p14:modId xmlns:p14="http://schemas.microsoft.com/office/powerpoint/2010/main" val="3477684574"/>
+                <p14:modId xmlns:p14="http://schemas.microsoft.com/office/powerpoint/2010/main" val="1193369078"/>
               </p:ext>
             </p:extLst>
           </p:nvPr>
@@ -7208,12 +7615,12 @@
           <a:graphicData uri="http://schemas.openxmlformats.org/presentationml/2006/ole">
             <mc:AlternateContent xmlns:mc="http://schemas.openxmlformats.org/markup-compatibility/2006">
               <mc:Choice xmlns:v="urn:schemas-microsoft-com:vml" Requires="v">
-                <p:oleObj spid="_x0000_s1044" r:id="rId3" imgW="6105482" imgH="6286618" progId="Visio.Drawing.15">
+                <p:oleObj spid="_x0000_s1048" name="Visio" r:id="rId4" imgW="6108451" imgH="6292735" progId="Visio.Drawing.15">
                   <p:embed/>
                 </p:oleObj>
               </mc:Choice>
               <mc:Fallback>
-                <p:oleObj r:id="rId3" imgW="6105482" imgH="6286618" progId="Visio.Drawing.15">
+                <p:oleObj name="Visio" r:id="rId4" imgW="6108451" imgH="6292735" progId="Visio.Drawing.15">
                   <p:embed/>
                   <p:pic>
                     <p:nvPicPr>
@@ -7224,13 +7631,7 @@
                       <p:nvPr/>
                     </p:nvPicPr>
                     <p:blipFill>
-                      <a:blip r:embed="rId4">
-                        <a:extLst>
-                          <a:ext uri="{28A0092B-C50C-407E-A947-70E740481C1C}">
-                            <a14:useLocalDpi xmlns:a14="http://schemas.microsoft.com/office/drawing/2010/main" val="0"/>
-                          </a:ext>
-                        </a:extLst>
-                      </a:blip>
+                      <a:blip r:embed="rId5"/>
                       <a:srcRect/>
                       <a:stretch>
                         <a:fillRect/>
@@ -7253,6 +7654,101 @@
           </a:graphicData>
         </a:graphic>
       </p:graphicFrame>
+      <p:sp>
+        <p:nvSpPr>
+          <p:cNvPr id="7" name="Rectangle 6"/>
+          <p:cNvSpPr/>
+          <p:nvPr/>
+        </p:nvSpPr>
+        <p:spPr>
+          <a:xfrm>
+            <a:off x="2065337" y="1339850"/>
+            <a:ext cx="6092032" cy="2554545"/>
+          </a:xfrm>
+          <a:prstGeom prst="rect">
+            <a:avLst/>
+          </a:prstGeom>
+        </p:spPr>
+        <p:txBody>
+          <a:bodyPr wrap="square">
+            <a:spAutoFit/>
+          </a:bodyPr>
+          <a:lstStyle/>
+          <a:p>
+            <a:r>
+              <a:rPr lang="en-US" sz="3200" dirty="0"/>
+              <a:t> EX: Sample Every 3 Seconds</a:t>
+            </a:r>
+            <a:endParaRPr lang="en-US" dirty="0"/>
+          </a:p>
+          <a:p>
+            <a:pPr marL="914400" lvl="1" indent="-457200">
+              <a:buFont typeface="Arial" panose="020B0604020202020204" pitchFamily="34" charset="0"/>
+              <a:buChar char="•"/>
+            </a:pPr>
+            <a:r>
+              <a:rPr lang="en-US" sz="3200" dirty="0"/>
+              <a:t>RTC Interrupts </a:t>
+            </a:r>
+          </a:p>
+          <a:p>
+            <a:pPr marL="914400" lvl="1" indent="-457200">
+              <a:buFont typeface="Arial" panose="020B0604020202020204" pitchFamily="34" charset="0"/>
+              <a:buChar char="•"/>
+            </a:pPr>
+            <a:r>
+              <a:rPr lang="en-US" sz="3200" dirty="0"/>
+              <a:t>Sample </a:t>
+            </a:r>
+            <a:r>
+              <a:rPr lang="en-US" sz="3200" dirty="0" smtClean="0"/>
+              <a:t>Counter </a:t>
+            </a:r>
+            <a:r>
+              <a:rPr lang="en-US" sz="3200" dirty="0"/>
+              <a:t>Increments</a:t>
+            </a:r>
+          </a:p>
+          <a:p>
+            <a:pPr marL="914400" lvl="1" indent="-457200">
+              <a:buFont typeface="Arial" panose="020B0604020202020204" pitchFamily="34" charset="0"/>
+              <a:buChar char="•"/>
+            </a:pPr>
+            <a:r>
+              <a:rPr lang="en-US" sz="3200" dirty="0"/>
+              <a:t>If </a:t>
+            </a:r>
+            <a:r>
+              <a:rPr lang="en-US" sz="3200" dirty="0" smtClean="0"/>
+              <a:t>Counter </a:t>
+            </a:r>
+            <a:r>
+              <a:rPr lang="en-US" sz="3200" dirty="0"/>
+              <a:t>== </a:t>
+            </a:r>
+            <a:r>
+              <a:rPr lang="en-US" sz="3200" dirty="0" smtClean="0"/>
+              <a:t>Sample Interval</a:t>
+            </a:r>
+            <a:endParaRPr lang="en-US" sz="3200" dirty="0"/>
+          </a:p>
+          <a:p>
+            <a:pPr marL="1371600" lvl="2" indent="-457200">
+              <a:buFont typeface="Arial" panose="020B0604020202020204" pitchFamily="34" charset="0"/>
+              <a:buChar char="•"/>
+            </a:pPr>
+            <a:r>
+              <a:rPr lang="en-US" sz="3200" dirty="0"/>
+              <a:t>Take </a:t>
+            </a:r>
+            <a:r>
+              <a:rPr lang="en-US" sz="3200" dirty="0" smtClean="0"/>
+              <a:t>Sample</a:t>
+            </a:r>
+            <a:endParaRPr lang="en-US" dirty="0"/>
+          </a:p>
+        </p:txBody>
+      </p:sp>
     </p:spTree>
     <p:extLst>
       <p:ext uri="{BB962C8B-B14F-4D97-AF65-F5344CB8AC3E}">
